--- a/courses/sysprog/slides/lec11-extArray.pptx
+++ b/courses/sysprog/slides/lec11-extArray.pptx
@@ -1,6 +1,6 @@
 
 <file path=ppt/presentation.xml><?xml version="1.0" encoding="utf-8"?>
-<p:presentation xmlns:a="http://schemas.openxmlformats.org/drawingml/2006/main" xmlns:r="http://schemas.openxmlformats.org/officeDocument/2006/relationships" xmlns:p="http://schemas.openxmlformats.org/presentationml/2006/main" compatMode="1" saveSubsetFonts="1" autoCompressPictures="0">
+<p:presentation xmlns:a="http://schemas.openxmlformats.org/drawingml/2006/main" xmlns:r="http://schemas.openxmlformats.org/officeDocument/2006/relationships" xmlns:p="http://schemas.openxmlformats.org/presentationml/2006/main" saveSubsetFonts="1" autoCompressPictures="0">
   <p:sldMasterIdLst>
     <p:sldMasterId id="2147483649" r:id="rId1"/>
   </p:sldMasterIdLst>
@@ -5209,7 +5209,7 @@
               <a:buNone/>
             </a:pPr>
             <a:r>
-              <a:rPr lang="en-US" altLang="zh-CN" sz="2000" b="1">
+              <a:rPr lang="en-US" altLang="zh-CN" sz="2000" b="1" dirty="0">
                 <a:solidFill>
                   <a:schemeClr val="folHlink"/>
                 </a:solidFill>
@@ -5226,7 +5226,7 @@
               <a:buFont typeface="Wingdings" pitchFamily="2" charset="2"/>
               <a:buNone/>
             </a:pPr>
-            <a:endParaRPr lang="en-US" altLang="zh-CN" sz="2000" b="1">
+            <a:endParaRPr lang="en-US" altLang="zh-CN" sz="2000" b="1" dirty="0">
               <a:solidFill>
                 <a:schemeClr val="folHlink"/>
               </a:solidFill>
@@ -5242,13 +5242,13 @@
               <a:buNone/>
             </a:pPr>
             <a:r>
-              <a:rPr lang="en-US" altLang="zh-CN" sz="2000" b="1">
+              <a:rPr lang="en-US" altLang="zh-CN" sz="2000" b="1" dirty="0">
                 <a:solidFill>
                   <a:schemeClr val="folHlink"/>
                 </a:solidFill>
                 <a:latin typeface="Courier New" panose="02070309020205020404" pitchFamily="49" charset="0"/>
               </a:rPr>
-              <a:t>int main ()</a:t>
+              <a:t>int main(){</a:t>
             </a:r>
           </a:p>
           <a:p>
@@ -5260,13 +5260,13 @@
               <a:buNone/>
             </a:pPr>
             <a:r>
-              <a:rPr lang="en-US" altLang="zh-CN" sz="2000" b="1">
+              <a:rPr lang="en-US" altLang="zh-CN" sz="2000" b="1" dirty="0">
                 <a:solidFill>
                   <a:schemeClr val="folHlink"/>
                 </a:solidFill>
                 <a:latin typeface="Courier New" panose="02070309020205020404" pitchFamily="49" charset="0"/>
               </a:rPr>
-              <a:t>{</a:t>
+              <a:t>  int a[N];</a:t>
             </a:r>
           </a:p>
           <a:p>
@@ -5278,13 +5278,13 @@
               <a:buNone/>
             </a:pPr>
             <a:r>
-              <a:rPr lang="en-US" altLang="zh-CN" sz="2000" b="1">
+              <a:rPr lang="en-US" altLang="zh-CN" sz="2000" b="1" dirty="0">
                 <a:solidFill>
                   <a:schemeClr val="folHlink"/>
                 </a:solidFill>
                 <a:latin typeface="Courier New" panose="02070309020205020404" pitchFamily="49" charset="0"/>
               </a:rPr>
-              <a:t>  int a[N];</a:t>
+              <a:t>  int tail = 0;</a:t>
             </a:r>
           </a:p>
           <a:p>
@@ -5295,15 +5295,12 @@
               <a:buFont typeface="Wingdings" pitchFamily="2" charset="2"/>
               <a:buNone/>
             </a:pPr>
-            <a:r>
-              <a:rPr lang="en-US" altLang="zh-CN" sz="2000" b="1">
-                <a:solidFill>
-                  <a:schemeClr val="folHlink"/>
-                </a:solidFill>
-                <a:latin typeface="Courier New" panose="02070309020205020404" pitchFamily="49" charset="0"/>
-              </a:rPr>
-              <a:t>  int tail = 0;</a:t>
-            </a:r>
+            <a:endParaRPr lang="en-US" altLang="zh-CN" sz="2000" b="1" dirty="0">
+              <a:solidFill>
+                <a:schemeClr val="folHlink"/>
+              </a:solidFill>
+              <a:latin typeface="Courier New" panose="02070309020205020404" pitchFamily="49" charset="0"/>
+            </a:endParaRPr>
           </a:p>
           <a:p>
             <a:pPr>
@@ -5313,12 +5310,15 @@
               <a:buFont typeface="Wingdings" pitchFamily="2" charset="2"/>
               <a:buNone/>
             </a:pPr>
-            <a:endParaRPr lang="en-US" altLang="zh-CN" sz="2000" b="1">
-              <a:solidFill>
-                <a:schemeClr val="folHlink"/>
-              </a:solidFill>
-              <a:latin typeface="Courier New" panose="02070309020205020404" pitchFamily="49" charset="0"/>
-            </a:endParaRPr>
+            <a:r>
+              <a:rPr lang="en-US" altLang="zh-CN" sz="2000" b="1" dirty="0">
+                <a:solidFill>
+                  <a:schemeClr val="folHlink"/>
+                </a:solidFill>
+                <a:latin typeface="Courier New" panose="02070309020205020404" pitchFamily="49" charset="0"/>
+              </a:rPr>
+              <a:t>  a[tail++] = 3;</a:t>
+            </a:r>
           </a:p>
           <a:p>
             <a:pPr>
@@ -5329,13 +5329,13 @@
               <a:buNone/>
             </a:pPr>
             <a:r>
-              <a:rPr lang="en-US" altLang="zh-CN" sz="2000" b="1">
+              <a:rPr lang="en-US" altLang="zh-CN" sz="2000" b="1" dirty="0">
                 <a:solidFill>
                   <a:schemeClr val="folHlink"/>
                 </a:solidFill>
                 <a:latin typeface="Courier New" panose="02070309020205020404" pitchFamily="49" charset="0"/>
               </a:rPr>
-              <a:t>  a[tail++] = 3;</a:t>
+              <a:t>  a[tail++] = 5;</a:t>
             </a:r>
           </a:p>
           <a:p>
@@ -5347,13 +5347,13 @@
               <a:buNone/>
             </a:pPr>
             <a:r>
-              <a:rPr lang="en-US" altLang="zh-CN" sz="2000" b="1">
+              <a:rPr lang="en-US" altLang="zh-CN" sz="2000" b="1" dirty="0">
                 <a:solidFill>
                   <a:schemeClr val="folHlink"/>
                 </a:solidFill>
                 <a:latin typeface="Courier New" panose="02070309020205020404" pitchFamily="49" charset="0"/>
               </a:rPr>
-              <a:t>  a[tail++] = 5;</a:t>
+              <a:t>  …</a:t>
             </a:r>
           </a:p>
           <a:p>
@@ -5365,13 +5365,10 @@
               <a:buNone/>
             </a:pPr>
             <a:r>
-              <a:rPr lang="en-US" altLang="zh-CN" sz="2000" b="1">
-                <a:solidFill>
-                  <a:schemeClr val="folHlink"/>
-                </a:solidFill>
+              <a:rPr lang="en-US" altLang="zh-CN" sz="2000" b="1" dirty="0">
                 <a:latin typeface="Courier New" panose="02070309020205020404" pitchFamily="49" charset="0"/>
               </a:rPr>
-              <a:t>  …</a:t>
+              <a:t>  // what if we continue to insert value into “a”?</a:t>
             </a:r>
           </a:p>
           <a:p>
@@ -5383,22 +5380,7 @@
               <a:buNone/>
             </a:pPr>
             <a:r>
-              <a:rPr lang="en-US" altLang="zh-CN" sz="2000" b="1">
-                <a:latin typeface="Courier New" panose="02070309020205020404" pitchFamily="49" charset="0"/>
-              </a:rPr>
-              <a:t>  // what if we continue to insert value into “a”?</a:t>
-            </a:r>
-          </a:p>
-          <a:p>
-            <a:pPr>
-              <a:lnSpc>
-                <a:spcPct val="90000"/>
-              </a:lnSpc>
-              <a:buFont typeface="Wingdings" pitchFamily="2" charset="2"/>
-              <a:buNone/>
-            </a:pPr>
-            <a:r>
-              <a:rPr lang="en-US" altLang="zh-CN" sz="2000" b="1">
+              <a:rPr lang="en-US" altLang="zh-CN" sz="2000" b="1" dirty="0">
                 <a:solidFill>
                   <a:schemeClr val="folHlink"/>
                 </a:solidFill>
@@ -6148,7 +6130,7 @@
               <a:buNone/>
             </a:pPr>
             <a:r>
-              <a:rPr lang="en-US" altLang="zh-CN" sz="2000" b="1">
+              <a:rPr lang="en-US" altLang="zh-CN" sz="2000" b="1" dirty="0">
                 <a:latin typeface="Courier New" panose="02070309020205020404" pitchFamily="49" charset="0"/>
               </a:rPr>
               <a:t>// Combine these above observations, we have:</a:t>
@@ -6163,10 +6145,22 @@
               <a:buNone/>
             </a:pPr>
             <a:r>
-              <a:rPr lang="en-US" altLang="zh-CN" sz="2000" b="1">
+              <a:rPr lang="en-US" altLang="zh-CN" sz="2000" b="1" dirty="0">
                 <a:latin typeface="Courier New" panose="02070309020205020404" pitchFamily="49" charset="0"/>
               </a:rPr>
-              <a:t>// in file “arrayList.c”</a:t>
+              <a:t>// in file “</a:t>
+            </a:r>
+            <a:r>
+              <a:rPr lang="en-US" altLang="zh-CN" sz="2000" b="1" dirty="0" err="1">
+                <a:latin typeface="Courier New" panose="02070309020205020404" pitchFamily="49" charset="0"/>
+              </a:rPr>
+              <a:t>arrayList.c</a:t>
+            </a:r>
+            <a:r>
+              <a:rPr lang="en-US" altLang="zh-CN" sz="2000" b="1" dirty="0">
+                <a:latin typeface="Courier New" panose="02070309020205020404" pitchFamily="49" charset="0"/>
+              </a:rPr>
+              <a:t>”</a:t>
             </a:r>
           </a:p>
           <a:p>
@@ -6178,13 +6172,31 @@
               <a:buNone/>
             </a:pPr>
             <a:r>
-              <a:rPr lang="en-US" altLang="zh-CN" sz="2000" b="1">
+              <a:rPr lang="en-US" altLang="zh-CN" sz="2000" b="1" dirty="0">
                 <a:solidFill>
                   <a:schemeClr val="folHlink"/>
                 </a:solidFill>
                 <a:latin typeface="Courier New" panose="02070309020205020404" pitchFamily="49" charset="0"/>
               </a:rPr>
-              <a:t>#include &lt;stdlib.h&gt;</a:t>
+              <a:t>#include &lt;</a:t>
+            </a:r>
+            <a:r>
+              <a:rPr lang="en-US" altLang="zh-CN" sz="2000" b="1" dirty="0" err="1">
+                <a:solidFill>
+                  <a:schemeClr val="folHlink"/>
+                </a:solidFill>
+                <a:latin typeface="Courier New" panose="02070309020205020404" pitchFamily="49" charset="0"/>
+              </a:rPr>
+              <a:t>stdlib.h</a:t>
+            </a:r>
+            <a:r>
+              <a:rPr lang="en-US" altLang="zh-CN" sz="2000" b="1" dirty="0">
+                <a:solidFill>
+                  <a:schemeClr val="folHlink"/>
+                </a:solidFill>
+                <a:latin typeface="Courier New" panose="02070309020205020404" pitchFamily="49" charset="0"/>
+              </a:rPr>
+              <a:t>&gt;</a:t>
             </a:r>
           </a:p>
           <a:p>
@@ -6196,13 +6208,31 @@
               <a:buNone/>
             </a:pPr>
             <a:r>
-              <a:rPr lang="en-US" altLang="zh-CN" sz="2000" b="1">
+              <a:rPr lang="en-US" altLang="zh-CN" sz="2000" b="1" dirty="0">
                 <a:solidFill>
                   <a:schemeClr val="folHlink"/>
                 </a:solidFill>
                 <a:latin typeface="Courier New" panose="02070309020205020404" pitchFamily="49" charset="0"/>
               </a:rPr>
-              <a:t>#include “list.h”</a:t>
+              <a:t>#include “</a:t>
+            </a:r>
+            <a:r>
+              <a:rPr lang="en-US" altLang="zh-CN" sz="2000" b="1" dirty="0" err="1">
+                <a:solidFill>
+                  <a:schemeClr val="folHlink"/>
+                </a:solidFill>
+                <a:latin typeface="Courier New" panose="02070309020205020404" pitchFamily="49" charset="0"/>
+              </a:rPr>
+              <a:t>list.h</a:t>
+            </a:r>
+            <a:r>
+              <a:rPr lang="en-US" altLang="zh-CN" sz="2000" b="1" dirty="0">
+                <a:solidFill>
+                  <a:schemeClr val="folHlink"/>
+                </a:solidFill>
+                <a:latin typeface="Courier New" panose="02070309020205020404" pitchFamily="49" charset="0"/>
+              </a:rPr>
+              <a:t>”</a:t>
             </a:r>
           </a:p>
           <a:p>
@@ -6213,7 +6243,7 @@
               <a:buFont typeface="Wingdings" pitchFamily="2" charset="2"/>
               <a:buNone/>
             </a:pPr>
-            <a:endParaRPr lang="en-US" altLang="zh-CN" sz="2000" b="1">
+            <a:endParaRPr lang="en-US" altLang="zh-CN" sz="2000" b="1" dirty="0">
               <a:solidFill>
                 <a:schemeClr val="folHlink"/>
               </a:solidFill>
@@ -6229,7 +6259,7 @@
               <a:buNone/>
             </a:pPr>
             <a:r>
-              <a:rPr lang="en-US" altLang="zh-CN" sz="2000" b="1">
+              <a:rPr lang="en-US" altLang="zh-CN" sz="2000" b="1" dirty="0">
                 <a:solidFill>
                   <a:schemeClr val="folHlink"/>
                 </a:solidFill>
@@ -6247,7 +6277,7 @@
               <a:buNone/>
             </a:pPr>
             <a:r>
-              <a:rPr lang="en-US" altLang="zh-CN" sz="2000" b="1">
+              <a:rPr lang="en-US" altLang="zh-CN" sz="2000" b="1" dirty="0">
                 <a:solidFill>
                   <a:schemeClr val="folHlink"/>
                 </a:solidFill>
@@ -6264,7 +6294,7 @@
               <a:buFont typeface="Wingdings" pitchFamily="2" charset="2"/>
               <a:buNone/>
             </a:pPr>
-            <a:endParaRPr lang="en-US" altLang="zh-CN" sz="2000" b="1">
+            <a:endParaRPr lang="en-US" altLang="zh-CN" sz="2000" b="1" dirty="0">
               <a:solidFill>
                 <a:schemeClr val="folHlink"/>
               </a:solidFill>
@@ -6280,13 +6310,31 @@
               <a:buNone/>
             </a:pPr>
             <a:r>
-              <a:rPr lang="en-US" altLang="zh-CN" sz="2000" b="1">
+              <a:rPr lang="en-US" altLang="zh-CN" sz="2000" b="1" dirty="0">
                 <a:solidFill>
                   <a:schemeClr val="folHlink"/>
                 </a:solidFill>
                 <a:latin typeface="Courier New" panose="02070309020205020404" pitchFamily="49" charset="0"/>
               </a:rPr>
-              <a:t>struct List_t</a:t>
+              <a:t>struct </a:t>
+            </a:r>
+            <a:r>
+              <a:rPr lang="en-US" altLang="zh-CN" sz="2000" b="1" dirty="0" err="1">
+                <a:solidFill>
+                  <a:schemeClr val="folHlink"/>
+                </a:solidFill>
+                <a:latin typeface="Courier New" panose="02070309020205020404" pitchFamily="49" charset="0"/>
+              </a:rPr>
+              <a:t>List_t</a:t>
+            </a:r>
+            <a:r>
+              <a:rPr lang="en-US" altLang="zh-CN" sz="2000" b="1" dirty="0">
+                <a:solidFill>
+                  <a:schemeClr val="folHlink"/>
+                </a:solidFill>
+                <a:latin typeface="Courier New" panose="02070309020205020404" pitchFamily="49" charset="0"/>
+              </a:rPr>
+              <a:t>{</a:t>
             </a:r>
           </a:p>
           <a:p>
@@ -6298,13 +6346,13 @@
               <a:buNone/>
             </a:pPr>
             <a:r>
-              <a:rPr lang="en-US" altLang="zh-CN" sz="2000" b="1">
+              <a:rPr lang="en-US" altLang="zh-CN" sz="2000" b="1" dirty="0">
                 <a:solidFill>
                   <a:schemeClr val="folHlink"/>
                 </a:solidFill>
                 <a:latin typeface="Courier New" panose="02070309020205020404" pitchFamily="49" charset="0"/>
               </a:rPr>
-              <a:t>{</a:t>
+              <a:t>	poly *array;</a:t>
             </a:r>
           </a:p>
           <a:p>
@@ -6316,13 +6364,13 @@
               <a:buNone/>
             </a:pPr>
             <a:r>
-              <a:rPr lang="en-US" altLang="zh-CN" sz="2000" b="1">
+              <a:rPr lang="en-US" altLang="zh-CN" sz="2000" b="1" dirty="0">
                 <a:solidFill>
                   <a:schemeClr val="folHlink"/>
                 </a:solidFill>
                 <a:latin typeface="Courier New" panose="02070309020205020404" pitchFamily="49" charset="0"/>
               </a:rPr>
-              <a:t>  poly *array;</a:t>
+              <a:t>	int max;</a:t>
             </a:r>
           </a:p>
           <a:p>
@@ -6334,13 +6382,13 @@
               <a:buNone/>
             </a:pPr>
             <a:r>
-              <a:rPr lang="en-US" altLang="zh-CN" sz="2000" b="1">
+              <a:rPr lang="en-US" altLang="zh-CN" sz="2000" b="1" dirty="0">
                 <a:solidFill>
                   <a:schemeClr val="folHlink"/>
                 </a:solidFill>
                 <a:latin typeface="Courier New" panose="02070309020205020404" pitchFamily="49" charset="0"/>
               </a:rPr>
-              <a:t>	int max;</a:t>
+              <a:t>	int tail;</a:t>
             </a:r>
           </a:p>
           <a:p>
@@ -6352,25 +6400,7 @@
               <a:buNone/>
             </a:pPr>
             <a:r>
-              <a:rPr lang="en-US" altLang="zh-CN" sz="2000" b="1">
-                <a:solidFill>
-                  <a:schemeClr val="folHlink"/>
-                </a:solidFill>
-                <a:latin typeface="Courier New" panose="02070309020205020404" pitchFamily="49" charset="0"/>
-              </a:rPr>
-              <a:t>  int tail;</a:t>
-            </a:r>
-          </a:p>
-          <a:p>
-            <a:pPr>
-              <a:lnSpc>
-                <a:spcPct val="80000"/>
-              </a:lnSpc>
-              <a:buFont typeface="Wingdings" pitchFamily="2" charset="2"/>
-              <a:buNone/>
-            </a:pPr>
-            <a:r>
-              <a:rPr lang="en-US" altLang="zh-CN" sz="2000" b="1">
+              <a:rPr lang="en-US" altLang="zh-CN" sz="2000" b="1" dirty="0">
                 <a:solidFill>
                   <a:schemeClr val="folHlink"/>
                 </a:solidFill>
@@ -7513,13 +7543,40 @@
               <a:buNone/>
             </a:pPr>
             <a:r>
-              <a:rPr lang="en-US" altLang="zh-CN" sz="2000" b="1">
+              <a:rPr lang="en-US" altLang="zh-CN" sz="2000" b="1" dirty="0" err="1">
                 <a:solidFill>
                   <a:schemeClr val="folHlink"/>
                 </a:solidFill>
                 <a:latin typeface="Courier New" panose="02070309020205020404" pitchFamily="49" charset="0"/>
               </a:rPr>
-              <a:t>List_t List_new ()</a:t>
+              <a:t>List_t</a:t>
+            </a:r>
+            <a:r>
+              <a:rPr lang="en-US" altLang="zh-CN" sz="2000" b="1" dirty="0">
+                <a:solidFill>
+                  <a:schemeClr val="folHlink"/>
+                </a:solidFill>
+                <a:latin typeface="Courier New" panose="02070309020205020404" pitchFamily="49" charset="0"/>
+              </a:rPr>
+              <a:t> </a:t>
+            </a:r>
+            <a:r>
+              <a:rPr lang="en-US" altLang="zh-CN" sz="2000" b="1" dirty="0" err="1">
+                <a:solidFill>
+                  <a:schemeClr val="folHlink"/>
+                </a:solidFill>
+                <a:latin typeface="Courier New" panose="02070309020205020404" pitchFamily="49" charset="0"/>
+              </a:rPr>
+              <a:t>List_new</a:t>
+            </a:r>
+            <a:r>
+              <a:rPr lang="en-US" altLang="zh-CN" sz="2000" b="1" dirty="0">
+                <a:solidFill>
+                  <a:schemeClr val="folHlink"/>
+                </a:solidFill>
+                <a:latin typeface="Courier New" panose="02070309020205020404" pitchFamily="49" charset="0"/>
+              </a:rPr>
+              <a:t>(){</a:t>
             </a:r>
           </a:p>
           <a:p>
@@ -7531,13 +7588,49 @@
               <a:buNone/>
             </a:pPr>
             <a:r>
-              <a:rPr lang="en-US" altLang="zh-CN" sz="2000" b="1">
+              <a:rPr lang="en-US" altLang="zh-CN" sz="2000" b="1" dirty="0">
                 <a:solidFill>
                   <a:schemeClr val="folHlink"/>
                 </a:solidFill>
                 <a:latin typeface="Courier New" panose="02070309020205020404" pitchFamily="49" charset="0"/>
               </a:rPr>
-              <a:t>{</a:t>
+              <a:t>  </a:t>
+            </a:r>
+            <a:r>
+              <a:rPr lang="en-US" altLang="zh-CN" sz="2000" b="1" dirty="0" err="1">
+                <a:solidFill>
+                  <a:schemeClr val="folHlink"/>
+                </a:solidFill>
+                <a:latin typeface="Courier New" panose="02070309020205020404" pitchFamily="49" charset="0"/>
+              </a:rPr>
+              <a:t>List_t</a:t>
+            </a:r>
+            <a:r>
+              <a:rPr lang="en-US" altLang="zh-CN" sz="2000" b="1" dirty="0">
+                <a:solidFill>
+                  <a:schemeClr val="folHlink"/>
+                </a:solidFill>
+                <a:latin typeface="Courier New" panose="02070309020205020404" pitchFamily="49" charset="0"/>
+              </a:rPr>
+              <a:t> l = malloc(</a:t>
+            </a:r>
+            <a:r>
+              <a:rPr lang="en-US" altLang="zh-CN" sz="2000" b="1" dirty="0" err="1">
+                <a:solidFill>
+                  <a:schemeClr val="folHlink"/>
+                </a:solidFill>
+                <a:latin typeface="Courier New" panose="02070309020205020404" pitchFamily="49" charset="0"/>
+              </a:rPr>
+              <a:t>sizeof</a:t>
+            </a:r>
+            <a:r>
+              <a:rPr lang="en-US" altLang="zh-CN" sz="2000" b="1" dirty="0">
+                <a:solidFill>
+                  <a:schemeClr val="folHlink"/>
+                </a:solidFill>
+                <a:latin typeface="Courier New" panose="02070309020205020404" pitchFamily="49" charset="0"/>
+              </a:rPr>
+              <a:t>(*l));</a:t>
             </a:r>
           </a:p>
           <a:p>
@@ -7549,13 +7642,31 @@
               <a:buNone/>
             </a:pPr>
             <a:r>
-              <a:rPr lang="en-US" altLang="zh-CN" sz="2000" b="1">
+              <a:rPr lang="en-US" altLang="zh-CN" sz="2000" b="1" dirty="0">
                 <a:solidFill>
                   <a:schemeClr val="folHlink"/>
                 </a:solidFill>
                 <a:latin typeface="Courier New" panose="02070309020205020404" pitchFamily="49" charset="0"/>
               </a:rPr>
-              <a:t>  List_t l = malloc (sizeof (*l));</a:t>
+              <a:t>  l-&gt;array = malloc(INIT_LENTH * </a:t>
+            </a:r>
+            <a:r>
+              <a:rPr lang="en-US" altLang="zh-CN" sz="2000" b="1" dirty="0" err="1">
+                <a:solidFill>
+                  <a:schemeClr val="folHlink"/>
+                </a:solidFill>
+                <a:latin typeface="Courier New" panose="02070309020205020404" pitchFamily="49" charset="0"/>
+              </a:rPr>
+              <a:t>sizeof</a:t>
+            </a:r>
+            <a:r>
+              <a:rPr lang="en-US" altLang="zh-CN" sz="2000" b="1" dirty="0">
+                <a:solidFill>
+                  <a:schemeClr val="folHlink"/>
+                </a:solidFill>
+                <a:latin typeface="Courier New" panose="02070309020205020404" pitchFamily="49" charset="0"/>
+              </a:rPr>
+              <a:t>(poly));</a:t>
             </a:r>
           </a:p>
           <a:p>
@@ -7567,13 +7678,13 @@
               <a:buNone/>
             </a:pPr>
             <a:r>
-              <a:rPr lang="en-US" altLang="zh-CN" sz="2000" b="1">
+              <a:rPr lang="en-US" altLang="zh-CN" sz="2000" b="1" dirty="0">
                 <a:solidFill>
                   <a:schemeClr val="folHlink"/>
                 </a:solidFill>
                 <a:latin typeface="Courier New" panose="02070309020205020404" pitchFamily="49" charset="0"/>
               </a:rPr>
-              <a:t>  l-&gt;array = malloc (INIT_LENTH * sizeof(poly));</a:t>
+              <a:t>  l-&gt;max = INIT_LENTH;</a:t>
             </a:r>
           </a:p>
           <a:p>
@@ -7585,13 +7696,13 @@
               <a:buNone/>
             </a:pPr>
             <a:r>
-              <a:rPr lang="en-US" altLang="zh-CN" sz="2000" b="1">
+              <a:rPr lang="en-US" altLang="zh-CN" sz="2000" b="1" dirty="0">
                 <a:solidFill>
                   <a:schemeClr val="folHlink"/>
                 </a:solidFill>
                 <a:latin typeface="Courier New" panose="02070309020205020404" pitchFamily="49" charset="0"/>
               </a:rPr>
-              <a:t>  l-&gt;max = INIT_LENTH;</a:t>
+              <a:t>  l-&gt;tail = 0;</a:t>
             </a:r>
           </a:p>
           <a:p>
@@ -7602,15 +7713,12 @@
               <a:buFont typeface="Wingdings" pitchFamily="2" charset="2"/>
               <a:buNone/>
             </a:pPr>
-            <a:r>
-              <a:rPr lang="en-US" altLang="zh-CN" sz="2000" b="1">
-                <a:solidFill>
-                  <a:schemeClr val="folHlink"/>
-                </a:solidFill>
-                <a:latin typeface="Courier New" panose="02070309020205020404" pitchFamily="49" charset="0"/>
-              </a:rPr>
-              <a:t>  l-&gt;tail = 0;</a:t>
-            </a:r>
+            <a:endParaRPr lang="en-US" altLang="zh-CN" sz="2000" b="1" dirty="0">
+              <a:solidFill>
+                <a:schemeClr val="folHlink"/>
+              </a:solidFill>
+              <a:latin typeface="Courier New" panose="02070309020205020404" pitchFamily="49" charset="0"/>
+            </a:endParaRPr>
           </a:p>
           <a:p>
             <a:pPr>
@@ -7620,12 +7728,15 @@
               <a:buFont typeface="Wingdings" pitchFamily="2" charset="2"/>
               <a:buNone/>
             </a:pPr>
-            <a:endParaRPr lang="en-US" altLang="zh-CN" sz="2000" b="1">
-              <a:solidFill>
-                <a:schemeClr val="folHlink"/>
-              </a:solidFill>
-              <a:latin typeface="Courier New" panose="02070309020205020404" pitchFamily="49" charset="0"/>
-            </a:endParaRPr>
+            <a:r>
+              <a:rPr lang="en-US" altLang="zh-CN" sz="2000" b="1" dirty="0">
+                <a:solidFill>
+                  <a:schemeClr val="folHlink"/>
+                </a:solidFill>
+                <a:latin typeface="Courier New" panose="02070309020205020404" pitchFamily="49" charset="0"/>
+              </a:rPr>
+              <a:t>  return l;</a:t>
+            </a:r>
           </a:p>
           <a:p>
             <a:pPr>
@@ -7636,13 +7747,13 @@
               <a:buNone/>
             </a:pPr>
             <a:r>
-              <a:rPr lang="en-US" altLang="zh-CN" sz="2000" b="1">
+              <a:rPr lang="en-US" altLang="zh-CN" sz="2000" b="1" dirty="0">
                 <a:solidFill>
                   <a:schemeClr val="folHlink"/>
                 </a:solidFill>
                 <a:latin typeface="Courier New" panose="02070309020205020404" pitchFamily="49" charset="0"/>
               </a:rPr>
-              <a:t>  return l;</a:t>
+              <a:t>}</a:t>
             </a:r>
           </a:p>
           <a:p>
@@ -7653,25 +7764,7 @@
               <a:buFont typeface="Wingdings" pitchFamily="2" charset="2"/>
               <a:buNone/>
             </a:pPr>
-            <a:r>
-              <a:rPr lang="en-US" altLang="zh-CN" sz="2000" b="1">
-                <a:solidFill>
-                  <a:schemeClr val="folHlink"/>
-                </a:solidFill>
-                <a:latin typeface="Courier New" panose="02070309020205020404" pitchFamily="49" charset="0"/>
-              </a:rPr>
-              <a:t>}</a:t>
-            </a:r>
-          </a:p>
-          <a:p>
-            <a:pPr>
-              <a:lnSpc>
-                <a:spcPct val="90000"/>
-              </a:lnSpc>
-              <a:buFont typeface="Wingdings" pitchFamily="2" charset="2"/>
-              <a:buNone/>
-            </a:pPr>
-            <a:endParaRPr lang="en-US" altLang="zh-CN" sz="2000" b="1">
+            <a:endParaRPr lang="en-US" altLang="zh-CN" sz="2000" b="1" dirty="0">
               <a:solidFill>
                 <a:schemeClr val="folHlink"/>
               </a:solidFill>
@@ -7762,13 +7855,40 @@
               <a:buNone/>
             </a:pPr>
             <a:r>
-              <a:rPr lang="en-US" altLang="zh-CN" sz="2000" b="1">
+              <a:rPr lang="en-US" altLang="zh-CN" sz="2000" b="1" dirty="0" err="1">
                 <a:solidFill>
                   <a:schemeClr val="folHlink"/>
                 </a:solidFill>
                 <a:latin typeface="Courier New" panose="02070309020205020404" pitchFamily="49" charset="0"/>
               </a:rPr>
-              <a:t>List_t List_new ()</a:t>
+              <a:t>List_t</a:t>
+            </a:r>
+            <a:r>
+              <a:rPr lang="en-US" altLang="zh-CN" sz="2000" b="1" dirty="0">
+                <a:solidFill>
+                  <a:schemeClr val="folHlink"/>
+                </a:solidFill>
+                <a:latin typeface="Courier New" panose="02070309020205020404" pitchFamily="49" charset="0"/>
+              </a:rPr>
+              <a:t> </a:t>
+            </a:r>
+            <a:r>
+              <a:rPr lang="en-US" altLang="zh-CN" sz="2000" b="1" dirty="0" err="1">
+                <a:solidFill>
+                  <a:schemeClr val="folHlink"/>
+                </a:solidFill>
+                <a:latin typeface="Courier New" panose="02070309020205020404" pitchFamily="49" charset="0"/>
+              </a:rPr>
+              <a:t>List_new</a:t>
+            </a:r>
+            <a:r>
+              <a:rPr lang="en-US" altLang="zh-CN" sz="2000" b="1" dirty="0">
+                <a:solidFill>
+                  <a:schemeClr val="folHlink"/>
+                </a:solidFill>
+                <a:latin typeface="Courier New" panose="02070309020205020404" pitchFamily="49" charset="0"/>
+              </a:rPr>
+              <a:t>(){</a:t>
             </a:r>
           </a:p>
           <a:p>
@@ -7780,13 +7900,46 @@
               <a:buNone/>
             </a:pPr>
             <a:r>
-              <a:rPr lang="en-US" altLang="zh-CN" sz="2000" b="1">
-                <a:solidFill>
-                  <a:schemeClr val="folHlink"/>
-                </a:solidFill>
+              <a:rPr lang="en-US" altLang="zh-CN" sz="2000" b="1" dirty="0">
                 <a:latin typeface="Courier New" panose="02070309020205020404" pitchFamily="49" charset="0"/>
               </a:rPr>
-              <a:t>{</a:t>
+              <a:t>  </a:t>
+            </a:r>
+            <a:r>
+              <a:rPr lang="en-US" altLang="zh-CN" sz="2000" b="1" dirty="0" err="1">
+                <a:solidFill>
+                  <a:schemeClr val="hlink"/>
+                </a:solidFill>
+                <a:latin typeface="Courier New" panose="02070309020205020404" pitchFamily="49" charset="0"/>
+              </a:rPr>
+              <a:t>List_t</a:t>
+            </a:r>
+            <a:r>
+              <a:rPr lang="en-US" altLang="zh-CN" sz="2000" b="1" dirty="0">
+                <a:solidFill>
+                  <a:schemeClr val="hlink"/>
+                </a:solidFill>
+                <a:latin typeface="Courier New" panose="02070309020205020404" pitchFamily="49" charset="0"/>
+              </a:rPr>
+              <a:t> l = malloc(</a:t>
+            </a:r>
+            <a:r>
+              <a:rPr lang="en-US" altLang="zh-CN" sz="2000" b="1" dirty="0" err="1">
+                <a:solidFill>
+                  <a:schemeClr val="hlink"/>
+                </a:solidFill>
+                <a:latin typeface="Courier New" panose="02070309020205020404" pitchFamily="49" charset="0"/>
+              </a:rPr>
+              <a:t>sizeof</a:t>
+            </a:r>
+            <a:r>
+              <a:rPr lang="en-US" altLang="zh-CN" sz="2000" b="1" dirty="0">
+                <a:solidFill>
+                  <a:schemeClr val="hlink"/>
+                </a:solidFill>
+                <a:latin typeface="Courier New" panose="02070309020205020404" pitchFamily="49" charset="0"/>
+              </a:rPr>
+              <a:t>(*l));</a:t>
             </a:r>
           </a:p>
           <a:p>
@@ -7798,19 +7951,37 @@
               <a:buNone/>
             </a:pPr>
             <a:r>
-              <a:rPr lang="en-US" altLang="zh-CN" sz="2000" b="1">
+              <a:rPr lang="en-US" altLang="zh-CN" sz="2000" b="1" dirty="0">
                 <a:latin typeface="Courier New" panose="02070309020205020404" pitchFamily="49" charset="0"/>
               </a:rPr>
               <a:t>  </a:t>
             </a:r>
             <a:r>
-              <a:rPr lang="en-US" altLang="zh-CN" sz="2000" b="1">
-                <a:solidFill>
-                  <a:schemeClr val="hlink"/>
+              <a:rPr lang="en-US" altLang="zh-CN" sz="2000" b="1" dirty="0">
+                <a:solidFill>
+                  <a:schemeClr val="folHlink"/>
                 </a:solidFill>
                 <a:latin typeface="Courier New" panose="02070309020205020404" pitchFamily="49" charset="0"/>
               </a:rPr>
-              <a:t>List_t l = malloc (sizeof (*l));</a:t>
+              <a:t>l-&gt;array = malloc(INIT_LENTH * </a:t>
+            </a:r>
+            <a:r>
+              <a:rPr lang="en-US" altLang="zh-CN" sz="2000" b="1" dirty="0" err="1">
+                <a:solidFill>
+                  <a:schemeClr val="folHlink"/>
+                </a:solidFill>
+                <a:latin typeface="Courier New" panose="02070309020205020404" pitchFamily="49" charset="0"/>
+              </a:rPr>
+              <a:t>sizeof</a:t>
+            </a:r>
+            <a:r>
+              <a:rPr lang="en-US" altLang="zh-CN" sz="2000" b="1" dirty="0">
+                <a:solidFill>
+                  <a:schemeClr val="folHlink"/>
+                </a:solidFill>
+                <a:latin typeface="Courier New" panose="02070309020205020404" pitchFamily="49" charset="0"/>
+              </a:rPr>
+              <a:t>(poly));</a:t>
             </a:r>
           </a:p>
           <a:p>
@@ -7822,19 +7993,13 @@
               <a:buNone/>
             </a:pPr>
             <a:r>
-              <a:rPr lang="en-US" altLang="zh-CN" sz="2000" b="1">
+              <a:rPr lang="en-US" altLang="zh-CN" sz="2000" b="1" dirty="0">
+                <a:solidFill>
+                  <a:schemeClr val="folHlink"/>
+                </a:solidFill>
                 <a:latin typeface="Courier New" panose="02070309020205020404" pitchFamily="49" charset="0"/>
               </a:rPr>
-              <a:t>  </a:t>
-            </a:r>
-            <a:r>
-              <a:rPr lang="en-US" altLang="zh-CN" sz="2000" b="1">
-                <a:solidFill>
-                  <a:schemeClr val="folHlink"/>
-                </a:solidFill>
-                <a:latin typeface="Courier New" panose="02070309020205020404" pitchFamily="49" charset="0"/>
-              </a:rPr>
-              <a:t>l-&gt;array = malloc (INIT_LENTH * sizeof(poly));</a:t>
+              <a:t>  l-&gt;max = INIT_LENTH;</a:t>
             </a:r>
           </a:p>
           <a:p>
@@ -7846,13 +8011,13 @@
               <a:buNone/>
             </a:pPr>
             <a:r>
-              <a:rPr lang="en-US" altLang="zh-CN" sz="2000" b="1">
+              <a:rPr lang="en-US" altLang="zh-CN" sz="2000" b="1" dirty="0">
                 <a:solidFill>
                   <a:schemeClr val="folHlink"/>
                 </a:solidFill>
                 <a:latin typeface="Courier New" panose="02070309020205020404" pitchFamily="49" charset="0"/>
               </a:rPr>
-              <a:t>  l-&gt;max = INIT_LENTH;</a:t>
+              <a:t>  l-&gt;tail = 0;</a:t>
             </a:r>
           </a:p>
           <a:p>
@@ -7863,15 +8028,12 @@
               <a:buFont typeface="Wingdings" pitchFamily="2" charset="2"/>
               <a:buNone/>
             </a:pPr>
-            <a:r>
-              <a:rPr lang="en-US" altLang="zh-CN" sz="2000" b="1">
-                <a:solidFill>
-                  <a:schemeClr val="folHlink"/>
-                </a:solidFill>
-                <a:latin typeface="Courier New" panose="02070309020205020404" pitchFamily="49" charset="0"/>
-              </a:rPr>
-              <a:t>  l-&gt;tail = 0;</a:t>
-            </a:r>
+            <a:endParaRPr lang="en-US" altLang="zh-CN" sz="2000" b="1" dirty="0">
+              <a:solidFill>
+                <a:schemeClr val="folHlink"/>
+              </a:solidFill>
+              <a:latin typeface="Courier New" panose="02070309020205020404" pitchFamily="49" charset="0"/>
+            </a:endParaRPr>
           </a:p>
           <a:p>
             <a:pPr>
@@ -7881,12 +8043,15 @@
               <a:buFont typeface="Wingdings" pitchFamily="2" charset="2"/>
               <a:buNone/>
             </a:pPr>
-            <a:endParaRPr lang="en-US" altLang="zh-CN" sz="2000" b="1">
-              <a:solidFill>
-                <a:schemeClr val="folHlink"/>
-              </a:solidFill>
-              <a:latin typeface="Courier New" panose="02070309020205020404" pitchFamily="49" charset="0"/>
-            </a:endParaRPr>
+            <a:r>
+              <a:rPr lang="en-US" altLang="zh-CN" sz="2000" b="1" dirty="0">
+                <a:solidFill>
+                  <a:schemeClr val="folHlink"/>
+                </a:solidFill>
+                <a:latin typeface="Courier New" panose="02070309020205020404" pitchFamily="49" charset="0"/>
+              </a:rPr>
+              <a:t>  return l;</a:t>
+            </a:r>
           </a:p>
           <a:p>
             <a:pPr>
@@ -7897,13 +8062,13 @@
               <a:buNone/>
             </a:pPr>
             <a:r>
-              <a:rPr lang="en-US" altLang="zh-CN" sz="2000" b="1">
+              <a:rPr lang="en-US" altLang="zh-CN" sz="2000" b="1" dirty="0">
                 <a:solidFill>
                   <a:schemeClr val="folHlink"/>
                 </a:solidFill>
                 <a:latin typeface="Courier New" panose="02070309020205020404" pitchFamily="49" charset="0"/>
               </a:rPr>
-              <a:t>  return l;</a:t>
+              <a:t>}</a:t>
             </a:r>
           </a:p>
           <a:p>
@@ -7914,25 +8079,7 @@
               <a:buFont typeface="Wingdings" pitchFamily="2" charset="2"/>
               <a:buNone/>
             </a:pPr>
-            <a:r>
-              <a:rPr lang="en-US" altLang="zh-CN" sz="2000" b="1">
-                <a:solidFill>
-                  <a:schemeClr val="folHlink"/>
-                </a:solidFill>
-                <a:latin typeface="Courier New" panose="02070309020205020404" pitchFamily="49" charset="0"/>
-              </a:rPr>
-              <a:t>}</a:t>
-            </a:r>
-          </a:p>
-          <a:p>
-            <a:pPr>
-              <a:lnSpc>
-                <a:spcPct val="90000"/>
-              </a:lnSpc>
-              <a:buFont typeface="Wingdings" pitchFamily="2" charset="2"/>
-              <a:buNone/>
-            </a:pPr>
-            <a:endParaRPr lang="en-US" altLang="zh-CN" sz="2000" b="1">
+            <a:endParaRPr lang="en-US" altLang="zh-CN" sz="2000" b="1" dirty="0">
               <a:solidFill>
                 <a:schemeClr val="folHlink"/>
               </a:solidFill>
@@ -8351,13 +8498,40 @@
               <a:buNone/>
             </a:pPr>
             <a:r>
-              <a:rPr lang="en-US" altLang="zh-CN" sz="2000" b="1">
+              <a:rPr lang="en-US" altLang="zh-CN" sz="2000" b="1" dirty="0" err="1">
                 <a:solidFill>
                   <a:schemeClr val="folHlink"/>
                 </a:solidFill>
                 <a:latin typeface="Courier New" panose="02070309020205020404" pitchFamily="49" charset="0"/>
               </a:rPr>
-              <a:t>List_t List_new ()</a:t>
+              <a:t>List_t</a:t>
+            </a:r>
+            <a:r>
+              <a:rPr lang="en-US" altLang="zh-CN" sz="2000" b="1" dirty="0">
+                <a:solidFill>
+                  <a:schemeClr val="folHlink"/>
+                </a:solidFill>
+                <a:latin typeface="Courier New" panose="02070309020205020404" pitchFamily="49" charset="0"/>
+              </a:rPr>
+              <a:t> </a:t>
+            </a:r>
+            <a:r>
+              <a:rPr lang="en-US" altLang="zh-CN" sz="2000" b="1" dirty="0" err="1">
+                <a:solidFill>
+                  <a:schemeClr val="folHlink"/>
+                </a:solidFill>
+                <a:latin typeface="Courier New" panose="02070309020205020404" pitchFamily="49" charset="0"/>
+              </a:rPr>
+              <a:t>List_new</a:t>
+            </a:r>
+            <a:r>
+              <a:rPr lang="en-US" altLang="zh-CN" sz="2000" b="1" dirty="0">
+                <a:solidFill>
+                  <a:schemeClr val="folHlink"/>
+                </a:solidFill>
+                <a:latin typeface="Courier New" panose="02070309020205020404" pitchFamily="49" charset="0"/>
+              </a:rPr>
+              <a:t>(){</a:t>
             </a:r>
           </a:p>
           <a:p>
@@ -8369,13 +8543,46 @@
               <a:buNone/>
             </a:pPr>
             <a:r>
-              <a:rPr lang="en-US" altLang="zh-CN" sz="2000" b="1">
-                <a:solidFill>
-                  <a:schemeClr val="folHlink"/>
-                </a:solidFill>
+              <a:rPr lang="en-US" altLang="zh-CN" sz="2000" b="1" dirty="0">
                 <a:latin typeface="Courier New" panose="02070309020205020404" pitchFamily="49" charset="0"/>
               </a:rPr>
-              <a:t>{</a:t>
+              <a:t>  </a:t>
+            </a:r>
+            <a:r>
+              <a:rPr lang="en-US" altLang="zh-CN" sz="2000" b="1" dirty="0" err="1">
+                <a:solidFill>
+                  <a:schemeClr val="hlink"/>
+                </a:solidFill>
+                <a:latin typeface="Courier New" panose="02070309020205020404" pitchFamily="49" charset="0"/>
+              </a:rPr>
+              <a:t>List_t</a:t>
+            </a:r>
+            <a:r>
+              <a:rPr lang="en-US" altLang="zh-CN" sz="2000" b="1" dirty="0">
+                <a:solidFill>
+                  <a:schemeClr val="hlink"/>
+                </a:solidFill>
+                <a:latin typeface="Courier New" panose="02070309020205020404" pitchFamily="49" charset="0"/>
+              </a:rPr>
+              <a:t> l = malloc(</a:t>
+            </a:r>
+            <a:r>
+              <a:rPr lang="en-US" altLang="zh-CN" sz="2000" b="1" dirty="0" err="1">
+                <a:solidFill>
+                  <a:schemeClr val="hlink"/>
+                </a:solidFill>
+                <a:latin typeface="Courier New" panose="02070309020205020404" pitchFamily="49" charset="0"/>
+              </a:rPr>
+              <a:t>sizeof</a:t>
+            </a:r>
+            <a:r>
+              <a:rPr lang="en-US" altLang="zh-CN" sz="2000" b="1" dirty="0">
+                <a:solidFill>
+                  <a:schemeClr val="hlink"/>
+                </a:solidFill>
+                <a:latin typeface="Courier New" panose="02070309020205020404" pitchFamily="49" charset="0"/>
+              </a:rPr>
+              <a:t>(*l));</a:t>
             </a:r>
           </a:p>
           <a:p>
@@ -8387,19 +8594,37 @@
               <a:buNone/>
             </a:pPr>
             <a:r>
-              <a:rPr lang="en-US" altLang="zh-CN" sz="2000" b="1">
+              <a:rPr lang="en-US" altLang="zh-CN" sz="2000" b="1" dirty="0">
                 <a:latin typeface="Courier New" panose="02070309020205020404" pitchFamily="49" charset="0"/>
               </a:rPr>
               <a:t>  </a:t>
             </a:r>
             <a:r>
-              <a:rPr lang="en-US" altLang="zh-CN" sz="2000" b="1">
+              <a:rPr lang="en-US" altLang="zh-CN" sz="2000" b="1" dirty="0">
                 <a:solidFill>
                   <a:schemeClr val="hlink"/>
                 </a:solidFill>
                 <a:latin typeface="Courier New" panose="02070309020205020404" pitchFamily="49" charset="0"/>
               </a:rPr>
-              <a:t>List_t l = malloc (sizeof (*l));</a:t>
+              <a:t>l-&gt;array = malloc(INIT_LENTH * </a:t>
+            </a:r>
+            <a:r>
+              <a:rPr lang="en-US" altLang="zh-CN" sz="2000" b="1" dirty="0" err="1">
+                <a:solidFill>
+                  <a:schemeClr val="hlink"/>
+                </a:solidFill>
+                <a:latin typeface="Courier New" panose="02070309020205020404" pitchFamily="49" charset="0"/>
+              </a:rPr>
+              <a:t>sizeof</a:t>
+            </a:r>
+            <a:r>
+              <a:rPr lang="en-US" altLang="zh-CN" sz="2000" b="1" dirty="0">
+                <a:solidFill>
+                  <a:schemeClr val="hlink"/>
+                </a:solidFill>
+                <a:latin typeface="Courier New" panose="02070309020205020404" pitchFamily="49" charset="0"/>
+              </a:rPr>
+              <a:t>(poly));</a:t>
             </a:r>
           </a:p>
           <a:p>
@@ -8411,19 +8636,19 @@
               <a:buNone/>
             </a:pPr>
             <a:r>
-              <a:rPr lang="en-US" altLang="zh-CN" sz="2000" b="1">
+              <a:rPr lang="en-US" altLang="zh-CN" sz="2000" b="1" dirty="0">
                 <a:latin typeface="Courier New" panose="02070309020205020404" pitchFamily="49" charset="0"/>
               </a:rPr>
               <a:t>  </a:t>
             </a:r>
             <a:r>
-              <a:rPr lang="en-US" altLang="zh-CN" sz="2000" b="1">
-                <a:solidFill>
-                  <a:schemeClr val="hlink"/>
+              <a:rPr lang="en-US" altLang="zh-CN" sz="2000" b="1" dirty="0">
+                <a:solidFill>
+                  <a:schemeClr val="folHlink"/>
                 </a:solidFill>
                 <a:latin typeface="Courier New" panose="02070309020205020404" pitchFamily="49" charset="0"/>
               </a:rPr>
-              <a:t>l-&gt;array = malloc (INIT_LENTH * sizeof(poly));</a:t>
+              <a:t>l-&gt;max = INIT_LENTH;</a:t>
             </a:r>
           </a:p>
           <a:p>
@@ -8435,19 +8660,13 @@
               <a:buNone/>
             </a:pPr>
             <a:r>
-              <a:rPr lang="en-US" altLang="zh-CN" sz="2000" b="1">
+              <a:rPr lang="en-US" altLang="zh-CN" sz="2000" b="1" dirty="0">
+                <a:solidFill>
+                  <a:schemeClr val="folHlink"/>
+                </a:solidFill>
                 <a:latin typeface="Courier New" panose="02070309020205020404" pitchFamily="49" charset="0"/>
               </a:rPr>
-              <a:t>  </a:t>
-            </a:r>
-            <a:r>
-              <a:rPr lang="en-US" altLang="zh-CN" sz="2000" b="1">
-                <a:solidFill>
-                  <a:schemeClr val="folHlink"/>
-                </a:solidFill>
-                <a:latin typeface="Courier New" panose="02070309020205020404" pitchFamily="49" charset="0"/>
-              </a:rPr>
-              <a:t>l-&gt;max = INIT_LENTH;</a:t>
+              <a:t>  l-&gt;tail = 0;</a:t>
             </a:r>
           </a:p>
           <a:p>
@@ -8458,15 +8677,12 @@
               <a:buFont typeface="Wingdings" pitchFamily="2" charset="2"/>
               <a:buNone/>
             </a:pPr>
-            <a:r>
-              <a:rPr lang="en-US" altLang="zh-CN" sz="2000" b="1">
-                <a:solidFill>
-                  <a:schemeClr val="folHlink"/>
-                </a:solidFill>
-                <a:latin typeface="Courier New" panose="02070309020205020404" pitchFamily="49" charset="0"/>
-              </a:rPr>
-              <a:t>  l-&gt;tail = 0;</a:t>
-            </a:r>
+            <a:endParaRPr lang="en-US" altLang="zh-CN" sz="2000" b="1" dirty="0">
+              <a:solidFill>
+                <a:schemeClr val="folHlink"/>
+              </a:solidFill>
+              <a:latin typeface="Courier New" panose="02070309020205020404" pitchFamily="49" charset="0"/>
+            </a:endParaRPr>
           </a:p>
           <a:p>
             <a:pPr>
@@ -8476,12 +8692,15 @@
               <a:buFont typeface="Wingdings" pitchFamily="2" charset="2"/>
               <a:buNone/>
             </a:pPr>
-            <a:endParaRPr lang="en-US" altLang="zh-CN" sz="2000" b="1">
-              <a:solidFill>
-                <a:schemeClr val="folHlink"/>
-              </a:solidFill>
-              <a:latin typeface="Courier New" panose="02070309020205020404" pitchFamily="49" charset="0"/>
-            </a:endParaRPr>
+            <a:r>
+              <a:rPr lang="en-US" altLang="zh-CN" sz="2000" b="1" dirty="0">
+                <a:solidFill>
+                  <a:schemeClr val="folHlink"/>
+                </a:solidFill>
+                <a:latin typeface="Courier New" panose="02070309020205020404" pitchFamily="49" charset="0"/>
+              </a:rPr>
+              <a:t>  return l;</a:t>
+            </a:r>
           </a:p>
           <a:p>
             <a:pPr>
@@ -8492,13 +8711,13 @@
               <a:buNone/>
             </a:pPr>
             <a:r>
-              <a:rPr lang="en-US" altLang="zh-CN" sz="2000" b="1">
+              <a:rPr lang="en-US" altLang="zh-CN" sz="2000" b="1" dirty="0">
                 <a:solidFill>
                   <a:schemeClr val="folHlink"/>
                 </a:solidFill>
                 <a:latin typeface="Courier New" panose="02070309020205020404" pitchFamily="49" charset="0"/>
               </a:rPr>
-              <a:t>  return l;</a:t>
+              <a:t>}</a:t>
             </a:r>
           </a:p>
           <a:p>
@@ -8509,25 +8728,7 @@
               <a:buFont typeface="Wingdings" pitchFamily="2" charset="2"/>
               <a:buNone/>
             </a:pPr>
-            <a:r>
-              <a:rPr lang="en-US" altLang="zh-CN" sz="2000" b="1">
-                <a:solidFill>
-                  <a:schemeClr val="folHlink"/>
-                </a:solidFill>
-                <a:latin typeface="Courier New" panose="02070309020205020404" pitchFamily="49" charset="0"/>
-              </a:rPr>
-              <a:t>}</a:t>
-            </a:r>
-          </a:p>
-          <a:p>
-            <a:pPr>
-              <a:lnSpc>
-                <a:spcPct val="90000"/>
-              </a:lnSpc>
-              <a:buFont typeface="Wingdings" pitchFamily="2" charset="2"/>
-              <a:buNone/>
-            </a:pPr>
-            <a:endParaRPr lang="en-US" altLang="zh-CN" sz="2000" b="1">
+            <a:endParaRPr lang="en-US" altLang="zh-CN" sz="2000" b="1" dirty="0">
               <a:solidFill>
                 <a:schemeClr val="folHlink"/>
               </a:solidFill>
@@ -9528,13 +9729,40 @@
               <a:buNone/>
             </a:pPr>
             <a:r>
-              <a:rPr lang="en-US" altLang="zh-CN" sz="2000" b="1">
+              <a:rPr lang="en-US" altLang="zh-CN" sz="2000" b="1" dirty="0" err="1">
                 <a:solidFill>
                   <a:schemeClr val="folHlink"/>
                 </a:solidFill>
                 <a:latin typeface="Courier New" panose="02070309020205020404" pitchFamily="49" charset="0"/>
               </a:rPr>
-              <a:t>List_t List_new ()</a:t>
+              <a:t>List_t</a:t>
+            </a:r>
+            <a:r>
+              <a:rPr lang="en-US" altLang="zh-CN" sz="2000" b="1" dirty="0">
+                <a:solidFill>
+                  <a:schemeClr val="folHlink"/>
+                </a:solidFill>
+                <a:latin typeface="Courier New" panose="02070309020205020404" pitchFamily="49" charset="0"/>
+              </a:rPr>
+              <a:t> </a:t>
+            </a:r>
+            <a:r>
+              <a:rPr lang="en-US" altLang="zh-CN" sz="2000" b="1" dirty="0" err="1">
+                <a:solidFill>
+                  <a:schemeClr val="folHlink"/>
+                </a:solidFill>
+                <a:latin typeface="Courier New" panose="02070309020205020404" pitchFamily="49" charset="0"/>
+              </a:rPr>
+              <a:t>List_new</a:t>
+            </a:r>
+            <a:r>
+              <a:rPr lang="en-US" altLang="zh-CN" sz="2000" b="1" dirty="0">
+                <a:solidFill>
+                  <a:schemeClr val="folHlink"/>
+                </a:solidFill>
+                <a:latin typeface="Courier New" panose="02070309020205020404" pitchFamily="49" charset="0"/>
+              </a:rPr>
+              <a:t>(){</a:t>
             </a:r>
           </a:p>
           <a:p>
@@ -9546,13 +9774,46 @@
               <a:buNone/>
             </a:pPr>
             <a:r>
-              <a:rPr lang="en-US" altLang="zh-CN" sz="2000" b="1">
-                <a:solidFill>
-                  <a:schemeClr val="folHlink"/>
-                </a:solidFill>
+              <a:rPr lang="en-US" altLang="zh-CN" sz="2000" b="1" dirty="0">
                 <a:latin typeface="Courier New" panose="02070309020205020404" pitchFamily="49" charset="0"/>
               </a:rPr>
-              <a:t>{</a:t>
+              <a:t>  </a:t>
+            </a:r>
+            <a:r>
+              <a:rPr lang="en-US" altLang="zh-CN" sz="2000" b="1" dirty="0" err="1">
+                <a:solidFill>
+                  <a:schemeClr val="hlink"/>
+                </a:solidFill>
+                <a:latin typeface="Courier New" panose="02070309020205020404" pitchFamily="49" charset="0"/>
+              </a:rPr>
+              <a:t>List_t</a:t>
+            </a:r>
+            <a:r>
+              <a:rPr lang="en-US" altLang="zh-CN" sz="2000" b="1" dirty="0">
+                <a:solidFill>
+                  <a:schemeClr val="hlink"/>
+                </a:solidFill>
+                <a:latin typeface="Courier New" panose="02070309020205020404" pitchFamily="49" charset="0"/>
+              </a:rPr>
+              <a:t> l = malloc(</a:t>
+            </a:r>
+            <a:r>
+              <a:rPr lang="en-US" altLang="zh-CN" sz="2000" b="1" dirty="0" err="1">
+                <a:solidFill>
+                  <a:schemeClr val="hlink"/>
+                </a:solidFill>
+                <a:latin typeface="Courier New" panose="02070309020205020404" pitchFamily="49" charset="0"/>
+              </a:rPr>
+              <a:t>sizeof</a:t>
+            </a:r>
+            <a:r>
+              <a:rPr lang="en-US" altLang="zh-CN" sz="2000" b="1" dirty="0">
+                <a:solidFill>
+                  <a:schemeClr val="hlink"/>
+                </a:solidFill>
+                <a:latin typeface="Courier New" panose="02070309020205020404" pitchFamily="49" charset="0"/>
+              </a:rPr>
+              <a:t>(*l));</a:t>
             </a:r>
           </a:p>
           <a:p>
@@ -9564,19 +9825,37 @@
               <a:buNone/>
             </a:pPr>
             <a:r>
-              <a:rPr lang="en-US" altLang="zh-CN" sz="2000" b="1">
+              <a:rPr lang="en-US" altLang="zh-CN" sz="2000" b="1" dirty="0">
                 <a:latin typeface="Courier New" panose="02070309020205020404" pitchFamily="49" charset="0"/>
               </a:rPr>
               <a:t>  </a:t>
             </a:r>
             <a:r>
-              <a:rPr lang="en-US" altLang="zh-CN" sz="2000" b="1">
+              <a:rPr lang="en-US" altLang="zh-CN" sz="2000" b="1" dirty="0">
                 <a:solidFill>
                   <a:schemeClr val="hlink"/>
                 </a:solidFill>
                 <a:latin typeface="Courier New" panose="02070309020205020404" pitchFamily="49" charset="0"/>
               </a:rPr>
-              <a:t>List_t l = malloc (sizeof (*l));</a:t>
+              <a:t>l-&gt;array = malloc(INIT_LENTH * </a:t>
+            </a:r>
+            <a:r>
+              <a:rPr lang="en-US" altLang="zh-CN" sz="2000" b="1" dirty="0" err="1">
+                <a:solidFill>
+                  <a:schemeClr val="hlink"/>
+                </a:solidFill>
+                <a:latin typeface="Courier New" panose="02070309020205020404" pitchFamily="49" charset="0"/>
+              </a:rPr>
+              <a:t>sizeof</a:t>
+            </a:r>
+            <a:r>
+              <a:rPr lang="en-US" altLang="zh-CN" sz="2000" b="1" dirty="0">
+                <a:solidFill>
+                  <a:schemeClr val="hlink"/>
+                </a:solidFill>
+                <a:latin typeface="Courier New" panose="02070309020205020404" pitchFamily="49" charset="0"/>
+              </a:rPr>
+              <a:t>(poly));</a:t>
             </a:r>
           </a:p>
           <a:p>
@@ -9588,19 +9867,13 @@
               <a:buNone/>
             </a:pPr>
             <a:r>
-              <a:rPr lang="en-US" altLang="zh-CN" sz="2000" b="1">
+              <a:rPr lang="en-US" altLang="zh-CN" sz="2000" b="1" dirty="0">
+                <a:solidFill>
+                  <a:schemeClr val="hlink"/>
+                </a:solidFill>
                 <a:latin typeface="Courier New" panose="02070309020205020404" pitchFamily="49" charset="0"/>
               </a:rPr>
-              <a:t>  </a:t>
-            </a:r>
-            <a:r>
-              <a:rPr lang="en-US" altLang="zh-CN" sz="2000" b="1">
-                <a:solidFill>
-                  <a:schemeClr val="hlink"/>
-                </a:solidFill>
-                <a:latin typeface="Courier New" panose="02070309020205020404" pitchFamily="49" charset="0"/>
-              </a:rPr>
-              <a:t>l-&gt;array = malloc (INIT_LENTH * sizeof(poly));</a:t>
+              <a:t>  l-&gt;max = INIT_LENTH;</a:t>
             </a:r>
           </a:p>
           <a:p>
@@ -9612,13 +9885,19 @@
               <a:buNone/>
             </a:pPr>
             <a:r>
-              <a:rPr lang="en-US" altLang="zh-CN" sz="2000" b="1">
-                <a:solidFill>
-                  <a:schemeClr val="hlink"/>
-                </a:solidFill>
+              <a:rPr lang="en-US" altLang="zh-CN" sz="2000" b="1" dirty="0">
                 <a:latin typeface="Courier New" panose="02070309020205020404" pitchFamily="49" charset="0"/>
               </a:rPr>
-              <a:t>  l-&gt;max = INIT_LENTH ;</a:t>
+              <a:t>  </a:t>
+            </a:r>
+            <a:r>
+              <a:rPr lang="en-US" altLang="zh-CN" sz="2000" b="1" dirty="0">
+                <a:solidFill>
+                  <a:schemeClr val="folHlink"/>
+                </a:solidFill>
+                <a:latin typeface="Courier New" panose="02070309020205020404" pitchFamily="49" charset="0"/>
+              </a:rPr>
+              <a:t>l-&gt;tail = 0;</a:t>
             </a:r>
           </a:p>
           <a:p>
@@ -9629,21 +9908,12 @@
               <a:buFont typeface="Wingdings" pitchFamily="2" charset="2"/>
               <a:buNone/>
             </a:pPr>
-            <a:r>
-              <a:rPr lang="en-US" altLang="zh-CN" sz="2000" b="1">
-                <a:latin typeface="Courier New" panose="02070309020205020404" pitchFamily="49" charset="0"/>
-              </a:rPr>
-              <a:t>  </a:t>
-            </a:r>
-            <a:r>
-              <a:rPr lang="en-US" altLang="zh-CN" sz="2000" b="1">
-                <a:solidFill>
-                  <a:schemeClr val="folHlink"/>
-                </a:solidFill>
-                <a:latin typeface="Courier New" panose="02070309020205020404" pitchFamily="49" charset="0"/>
-              </a:rPr>
-              <a:t>l-&gt;tail = 0;</a:t>
-            </a:r>
+            <a:endParaRPr lang="en-US" altLang="zh-CN" sz="2000" b="1" dirty="0">
+              <a:solidFill>
+                <a:schemeClr val="folHlink"/>
+              </a:solidFill>
+              <a:latin typeface="Courier New" panose="02070309020205020404" pitchFamily="49" charset="0"/>
+            </a:endParaRPr>
           </a:p>
           <a:p>
             <a:pPr>
@@ -9653,12 +9923,15 @@
               <a:buFont typeface="Wingdings" pitchFamily="2" charset="2"/>
               <a:buNone/>
             </a:pPr>
-            <a:endParaRPr lang="en-US" altLang="zh-CN" sz="2000" b="1">
-              <a:solidFill>
-                <a:schemeClr val="folHlink"/>
-              </a:solidFill>
-              <a:latin typeface="Courier New" panose="02070309020205020404" pitchFamily="49" charset="0"/>
-            </a:endParaRPr>
+            <a:r>
+              <a:rPr lang="en-US" altLang="zh-CN" sz="2000" b="1" dirty="0">
+                <a:solidFill>
+                  <a:schemeClr val="folHlink"/>
+                </a:solidFill>
+                <a:latin typeface="Courier New" panose="02070309020205020404" pitchFamily="49" charset="0"/>
+              </a:rPr>
+              <a:t>  return l;</a:t>
+            </a:r>
           </a:p>
           <a:p>
             <a:pPr>
@@ -9669,13 +9942,13 @@
               <a:buNone/>
             </a:pPr>
             <a:r>
-              <a:rPr lang="en-US" altLang="zh-CN" sz="2000" b="1">
+              <a:rPr lang="en-US" altLang="zh-CN" sz="2000" b="1" dirty="0">
                 <a:solidFill>
                   <a:schemeClr val="folHlink"/>
                 </a:solidFill>
                 <a:latin typeface="Courier New" panose="02070309020205020404" pitchFamily="49" charset="0"/>
               </a:rPr>
-              <a:t>  return l;</a:t>
+              <a:t>}</a:t>
             </a:r>
           </a:p>
           <a:p>
@@ -9686,25 +9959,7 @@
               <a:buFont typeface="Wingdings" pitchFamily="2" charset="2"/>
               <a:buNone/>
             </a:pPr>
-            <a:r>
-              <a:rPr lang="en-US" altLang="zh-CN" sz="2000" b="1">
-                <a:solidFill>
-                  <a:schemeClr val="folHlink"/>
-                </a:solidFill>
-                <a:latin typeface="Courier New" panose="02070309020205020404" pitchFamily="49" charset="0"/>
-              </a:rPr>
-              <a:t>}</a:t>
-            </a:r>
-          </a:p>
-          <a:p>
-            <a:pPr>
-              <a:lnSpc>
-                <a:spcPct val="90000"/>
-              </a:lnSpc>
-              <a:buFont typeface="Wingdings" pitchFamily="2" charset="2"/>
-              <a:buNone/>
-            </a:pPr>
-            <a:endParaRPr lang="en-US" altLang="zh-CN" sz="2000" b="1">
+            <a:endParaRPr lang="en-US" altLang="zh-CN" sz="2000" b="1" dirty="0">
               <a:solidFill>
                 <a:schemeClr val="folHlink"/>
               </a:solidFill>
@@ -10793,13 +11048,40 @@
               <a:buNone/>
             </a:pPr>
             <a:r>
-              <a:rPr lang="en-US" altLang="zh-CN" sz="2000" b="1">
+              <a:rPr lang="en-US" altLang="zh-CN" sz="2000" b="1" dirty="0" err="1">
                 <a:solidFill>
                   <a:schemeClr val="folHlink"/>
                 </a:solidFill>
                 <a:latin typeface="Courier New" panose="02070309020205020404" pitchFamily="49" charset="0"/>
               </a:rPr>
-              <a:t>List_t List_new ()</a:t>
+              <a:t>List_t</a:t>
+            </a:r>
+            <a:r>
+              <a:rPr lang="en-US" altLang="zh-CN" sz="2000" b="1" dirty="0">
+                <a:solidFill>
+                  <a:schemeClr val="folHlink"/>
+                </a:solidFill>
+                <a:latin typeface="Courier New" panose="02070309020205020404" pitchFamily="49" charset="0"/>
+              </a:rPr>
+              <a:t> </a:t>
+            </a:r>
+            <a:r>
+              <a:rPr lang="en-US" altLang="zh-CN" sz="2000" b="1" dirty="0" err="1">
+                <a:solidFill>
+                  <a:schemeClr val="folHlink"/>
+                </a:solidFill>
+                <a:latin typeface="Courier New" panose="02070309020205020404" pitchFamily="49" charset="0"/>
+              </a:rPr>
+              <a:t>List_new</a:t>
+            </a:r>
+            <a:r>
+              <a:rPr lang="en-US" altLang="zh-CN" sz="2000" b="1" dirty="0">
+                <a:solidFill>
+                  <a:schemeClr val="folHlink"/>
+                </a:solidFill>
+                <a:latin typeface="Courier New" panose="02070309020205020404" pitchFamily="49" charset="0"/>
+              </a:rPr>
+              <a:t>(){</a:t>
             </a:r>
           </a:p>
           <a:p>
@@ -10811,13 +11093,46 @@
               <a:buNone/>
             </a:pPr>
             <a:r>
-              <a:rPr lang="en-US" altLang="zh-CN" sz="2000" b="1">
-                <a:solidFill>
-                  <a:schemeClr val="folHlink"/>
-                </a:solidFill>
+              <a:rPr lang="en-US" altLang="zh-CN" sz="2000" b="1" dirty="0">
                 <a:latin typeface="Courier New" panose="02070309020205020404" pitchFamily="49" charset="0"/>
               </a:rPr>
-              <a:t>{</a:t>
+              <a:t>  </a:t>
+            </a:r>
+            <a:r>
+              <a:rPr lang="en-US" altLang="zh-CN" sz="2000" b="1" dirty="0" err="1">
+                <a:solidFill>
+                  <a:schemeClr val="hlink"/>
+                </a:solidFill>
+                <a:latin typeface="Courier New" panose="02070309020205020404" pitchFamily="49" charset="0"/>
+              </a:rPr>
+              <a:t>List_t</a:t>
+            </a:r>
+            <a:r>
+              <a:rPr lang="en-US" altLang="zh-CN" sz="2000" b="1" dirty="0">
+                <a:solidFill>
+                  <a:schemeClr val="hlink"/>
+                </a:solidFill>
+                <a:latin typeface="Courier New" panose="02070309020205020404" pitchFamily="49" charset="0"/>
+              </a:rPr>
+              <a:t> l = malloc(</a:t>
+            </a:r>
+            <a:r>
+              <a:rPr lang="en-US" altLang="zh-CN" sz="2000" b="1" dirty="0" err="1">
+                <a:solidFill>
+                  <a:schemeClr val="hlink"/>
+                </a:solidFill>
+                <a:latin typeface="Courier New" panose="02070309020205020404" pitchFamily="49" charset="0"/>
+              </a:rPr>
+              <a:t>sizeof</a:t>
+            </a:r>
+            <a:r>
+              <a:rPr lang="en-US" altLang="zh-CN" sz="2000" b="1" dirty="0">
+                <a:solidFill>
+                  <a:schemeClr val="hlink"/>
+                </a:solidFill>
+                <a:latin typeface="Courier New" panose="02070309020205020404" pitchFamily="49" charset="0"/>
+              </a:rPr>
+              <a:t> (*l));</a:t>
             </a:r>
           </a:p>
           <a:p>
@@ -10829,19 +11144,37 @@
               <a:buNone/>
             </a:pPr>
             <a:r>
-              <a:rPr lang="en-US" altLang="zh-CN" sz="2000" b="1">
+              <a:rPr lang="en-US" altLang="zh-CN" sz="2000" b="1" dirty="0">
                 <a:latin typeface="Courier New" panose="02070309020205020404" pitchFamily="49" charset="0"/>
               </a:rPr>
               <a:t>  </a:t>
             </a:r>
             <a:r>
-              <a:rPr lang="en-US" altLang="zh-CN" sz="2000" b="1">
+              <a:rPr lang="en-US" altLang="zh-CN" sz="2000" b="1" dirty="0">
                 <a:solidFill>
                   <a:schemeClr val="hlink"/>
                 </a:solidFill>
                 <a:latin typeface="Courier New" panose="02070309020205020404" pitchFamily="49" charset="0"/>
               </a:rPr>
-              <a:t>List_t l = malloc (sizeof (*l));</a:t>
+              <a:t>l-&gt;array = malloc(INIT_LENTH * </a:t>
+            </a:r>
+            <a:r>
+              <a:rPr lang="en-US" altLang="zh-CN" sz="2000" b="1" dirty="0" err="1">
+                <a:solidFill>
+                  <a:schemeClr val="hlink"/>
+                </a:solidFill>
+                <a:latin typeface="Courier New" panose="02070309020205020404" pitchFamily="49" charset="0"/>
+              </a:rPr>
+              <a:t>sizeof</a:t>
+            </a:r>
+            <a:r>
+              <a:rPr lang="en-US" altLang="zh-CN" sz="2000" b="1" dirty="0">
+                <a:solidFill>
+                  <a:schemeClr val="hlink"/>
+                </a:solidFill>
+                <a:latin typeface="Courier New" panose="02070309020205020404" pitchFamily="49" charset="0"/>
+              </a:rPr>
+              <a:t>(poly));</a:t>
             </a:r>
           </a:p>
           <a:p>
@@ -10853,19 +11186,13 @@
               <a:buNone/>
             </a:pPr>
             <a:r>
-              <a:rPr lang="en-US" altLang="zh-CN" sz="2000" b="1">
+              <a:rPr lang="en-US" altLang="zh-CN" sz="2000" b="1" dirty="0">
+                <a:solidFill>
+                  <a:schemeClr val="hlink"/>
+                </a:solidFill>
                 <a:latin typeface="Courier New" panose="02070309020205020404" pitchFamily="49" charset="0"/>
               </a:rPr>
-              <a:t>  </a:t>
-            </a:r>
-            <a:r>
-              <a:rPr lang="en-US" altLang="zh-CN" sz="2000" b="1">
-                <a:solidFill>
-                  <a:schemeClr val="hlink"/>
-                </a:solidFill>
-                <a:latin typeface="Courier New" panose="02070309020205020404" pitchFamily="49" charset="0"/>
-              </a:rPr>
-              <a:t>l-&gt;array = malloc (INIT_LENTH * sizeof(poly));</a:t>
+              <a:t>  l-&gt;max = INIT_LENTH;</a:t>
             </a:r>
           </a:p>
           <a:p>
@@ -10877,13 +11204,13 @@
               <a:buNone/>
             </a:pPr>
             <a:r>
-              <a:rPr lang="en-US" altLang="zh-CN" sz="2000" b="1">
+              <a:rPr lang="en-US" altLang="zh-CN" sz="2000" b="1" dirty="0">
                 <a:solidFill>
                   <a:schemeClr val="hlink"/>
                 </a:solidFill>
                 <a:latin typeface="Courier New" panose="02070309020205020404" pitchFamily="49" charset="0"/>
               </a:rPr>
-              <a:t>  l-&gt;max = INIT_LENTH ;</a:t>
+              <a:t>  l-&gt;tail = 0;</a:t>
             </a:r>
           </a:p>
           <a:p>
@@ -10894,15 +11221,12 @@
               <a:buFont typeface="Wingdings" pitchFamily="2" charset="2"/>
               <a:buNone/>
             </a:pPr>
-            <a:r>
-              <a:rPr lang="en-US" altLang="zh-CN" sz="2000" b="1">
-                <a:solidFill>
-                  <a:schemeClr val="hlink"/>
-                </a:solidFill>
-                <a:latin typeface="Courier New" panose="02070309020205020404" pitchFamily="49" charset="0"/>
-              </a:rPr>
-              <a:t>  l-&gt;tail = 0;</a:t>
-            </a:r>
+            <a:endParaRPr lang="en-US" altLang="zh-CN" sz="2000" b="1" dirty="0">
+              <a:solidFill>
+                <a:schemeClr val="hlink"/>
+              </a:solidFill>
+              <a:latin typeface="Courier New" panose="02070309020205020404" pitchFamily="49" charset="0"/>
+            </a:endParaRPr>
           </a:p>
           <a:p>
             <a:pPr>
@@ -10912,12 +11236,21 @@
               <a:buFont typeface="Wingdings" pitchFamily="2" charset="2"/>
               <a:buNone/>
             </a:pPr>
-            <a:endParaRPr lang="en-US" altLang="zh-CN" sz="2000" b="1">
-              <a:solidFill>
-                <a:schemeClr val="hlink"/>
-              </a:solidFill>
-              <a:latin typeface="Courier New" panose="02070309020205020404" pitchFamily="49" charset="0"/>
-            </a:endParaRPr>
+            <a:r>
+              <a:rPr lang="en-US" altLang="zh-CN" sz="2000" b="1" dirty="0">
+                <a:latin typeface="Courier New" panose="02070309020205020404" pitchFamily="49" charset="0"/>
+              </a:rPr>
+              <a:t>  </a:t>
+            </a:r>
+            <a:r>
+              <a:rPr lang="en-US" altLang="zh-CN" sz="2000" b="1" dirty="0">
+                <a:solidFill>
+                  <a:schemeClr val="folHlink"/>
+                </a:solidFill>
+                <a:latin typeface="Courier New" panose="02070309020205020404" pitchFamily="49" charset="0"/>
+              </a:rPr>
+              <a:t>return l;</a:t>
+            </a:r>
           </a:p>
           <a:p>
             <a:pPr>
@@ -10928,19 +11261,13 @@
               <a:buNone/>
             </a:pPr>
             <a:r>
-              <a:rPr lang="en-US" altLang="zh-CN" sz="2000" b="1">
+              <a:rPr lang="en-US" altLang="zh-CN" sz="2000" b="1" dirty="0">
+                <a:solidFill>
+                  <a:schemeClr val="folHlink"/>
+                </a:solidFill>
                 <a:latin typeface="Courier New" panose="02070309020205020404" pitchFamily="49" charset="0"/>
               </a:rPr>
-              <a:t>  </a:t>
-            </a:r>
-            <a:r>
-              <a:rPr lang="en-US" altLang="zh-CN" sz="2000" b="1">
-                <a:solidFill>
-                  <a:schemeClr val="folHlink"/>
-                </a:solidFill>
-                <a:latin typeface="Courier New" panose="02070309020205020404" pitchFamily="49" charset="0"/>
-              </a:rPr>
-              <a:t>return l;</a:t>
+              <a:t>}</a:t>
             </a:r>
           </a:p>
           <a:p>
@@ -10951,25 +11278,7 @@
               <a:buFont typeface="Wingdings" pitchFamily="2" charset="2"/>
               <a:buNone/>
             </a:pPr>
-            <a:r>
-              <a:rPr lang="en-US" altLang="zh-CN" sz="2000" b="1">
-                <a:solidFill>
-                  <a:schemeClr val="folHlink"/>
-                </a:solidFill>
-                <a:latin typeface="Courier New" panose="02070309020205020404" pitchFamily="49" charset="0"/>
-              </a:rPr>
-              <a:t>}</a:t>
-            </a:r>
-          </a:p>
-          <a:p>
-            <a:pPr>
-              <a:lnSpc>
-                <a:spcPct val="90000"/>
-              </a:lnSpc>
-              <a:buFont typeface="Wingdings" pitchFamily="2" charset="2"/>
-              <a:buNone/>
-            </a:pPr>
-            <a:endParaRPr lang="en-US" altLang="zh-CN" sz="2000" b="1">
+            <a:endParaRPr lang="en-US" altLang="zh-CN" sz="2000" b="1" dirty="0">
               <a:solidFill>
                 <a:schemeClr val="folHlink"/>
               </a:solidFill>
@@ -12127,13 +12436,49 @@
               <a:buNone/>
             </a:pPr>
             <a:r>
-              <a:rPr lang="en-US" altLang="zh-CN" sz="2000" b="1">
+              <a:rPr lang="en-US" altLang="zh-CN" sz="2000" b="1" dirty="0">
                 <a:solidFill>
                   <a:schemeClr val="folHlink"/>
                 </a:solidFill>
                 <a:latin typeface="Courier New" panose="02070309020205020404" pitchFamily="49" charset="0"/>
               </a:rPr>
-              <a:t>int List_length (List_t l)</a:t>
+              <a:t>int </a:t>
+            </a:r>
+            <a:r>
+              <a:rPr lang="en-US" altLang="zh-CN" sz="2000" b="1" dirty="0" err="1">
+                <a:solidFill>
+                  <a:schemeClr val="folHlink"/>
+                </a:solidFill>
+                <a:latin typeface="Courier New" panose="02070309020205020404" pitchFamily="49" charset="0"/>
+              </a:rPr>
+              <a:t>List_length</a:t>
+            </a:r>
+            <a:r>
+              <a:rPr lang="en-US" altLang="zh-CN" sz="2000" b="1" dirty="0">
+                <a:solidFill>
+                  <a:schemeClr val="folHlink"/>
+                </a:solidFill>
+                <a:latin typeface="Courier New" panose="02070309020205020404" pitchFamily="49" charset="0"/>
+              </a:rPr>
+              <a:t>(</a:t>
+            </a:r>
+            <a:r>
+              <a:rPr lang="en-US" altLang="zh-CN" sz="2000" b="1" dirty="0" err="1">
+                <a:solidFill>
+                  <a:schemeClr val="folHlink"/>
+                </a:solidFill>
+                <a:latin typeface="Courier New" panose="02070309020205020404" pitchFamily="49" charset="0"/>
+              </a:rPr>
+              <a:t>List_t</a:t>
+            </a:r>
+            <a:r>
+              <a:rPr lang="en-US" altLang="zh-CN" sz="2000" b="1" dirty="0">
+                <a:solidFill>
+                  <a:schemeClr val="folHlink"/>
+                </a:solidFill>
+                <a:latin typeface="Courier New" panose="02070309020205020404" pitchFamily="49" charset="0"/>
+              </a:rPr>
+              <a:t> l){</a:t>
             </a:r>
           </a:p>
           <a:p>
@@ -12145,13 +12490,10 @@
               <a:buNone/>
             </a:pPr>
             <a:r>
-              <a:rPr lang="en-US" altLang="zh-CN" sz="2000" b="1">
-                <a:solidFill>
-                  <a:schemeClr val="folHlink"/>
-                </a:solidFill>
+              <a:rPr lang="en-US" altLang="zh-CN" sz="2000" b="1" dirty="0">
                 <a:latin typeface="Courier New" panose="02070309020205020404" pitchFamily="49" charset="0"/>
               </a:rPr>
-              <a:t>{</a:t>
+              <a:t>  // note that we omit such checks in the next </a:t>
             </a:r>
           </a:p>
           <a:p>
@@ -12163,10 +12505,10 @@
               <a:buNone/>
             </a:pPr>
             <a:r>
-              <a:rPr lang="en-US" altLang="zh-CN" sz="2000" b="1">
+              <a:rPr lang="en-US" altLang="zh-CN" sz="2000" b="1" dirty="0">
                 <a:latin typeface="Courier New" panose="02070309020205020404" pitchFamily="49" charset="0"/>
               </a:rPr>
-              <a:t>  // note that we omit such checks in the next </a:t>
+              <a:t>  // for clarity. However, You should always do </a:t>
             </a:r>
           </a:p>
           <a:p>
@@ -12178,10 +12520,10 @@
               <a:buNone/>
             </a:pPr>
             <a:r>
-              <a:rPr lang="en-US" altLang="zh-CN" sz="2000" b="1">
+              <a:rPr lang="en-US" altLang="zh-CN" sz="2000" b="1" dirty="0">
                 <a:latin typeface="Courier New" panose="02070309020205020404" pitchFamily="49" charset="0"/>
               </a:rPr>
-              <a:t>  // for clarity. However, You should always do </a:t>
+              <a:t>	// such kind of checks in your code.</a:t>
             </a:r>
           </a:p>
           <a:p>
@@ -12193,10 +12535,19 @@
               <a:buNone/>
             </a:pPr>
             <a:r>
-              <a:rPr lang="en-US" altLang="zh-CN" sz="2000" b="1">
+              <a:rPr lang="en-US" altLang="zh-CN" sz="2000" b="1" dirty="0">
                 <a:latin typeface="Courier New" panose="02070309020205020404" pitchFamily="49" charset="0"/>
               </a:rPr>
-              <a:t>	// such kind of checks in your code.</a:t>
+              <a:t>  </a:t>
+            </a:r>
+            <a:r>
+              <a:rPr lang="en-US" altLang="zh-CN" sz="2000" b="1" dirty="0">
+                <a:solidFill>
+                  <a:schemeClr val="folHlink"/>
+                </a:solidFill>
+                <a:latin typeface="Courier New" panose="02070309020205020404" pitchFamily="49" charset="0"/>
+              </a:rPr>
+              <a:t>assert(l);</a:t>
             </a:r>
           </a:p>
           <a:p>
@@ -12208,19 +12559,13 @@
               <a:buNone/>
             </a:pPr>
             <a:r>
-              <a:rPr lang="en-US" altLang="zh-CN" sz="2000" b="1">
+              <a:rPr lang="en-US" altLang="zh-CN" sz="2000" b="1" dirty="0">
+                <a:solidFill>
+                  <a:schemeClr val="folHlink"/>
+                </a:solidFill>
                 <a:latin typeface="Courier New" panose="02070309020205020404" pitchFamily="49" charset="0"/>
               </a:rPr>
-              <a:t>  </a:t>
-            </a:r>
-            <a:r>
-              <a:rPr lang="en-US" altLang="zh-CN" sz="2000" b="1">
-                <a:solidFill>
-                  <a:schemeClr val="folHlink"/>
-                </a:solidFill>
-                <a:latin typeface="Courier New" panose="02070309020205020404" pitchFamily="49" charset="0"/>
-              </a:rPr>
-              <a:t>assert(l);</a:t>
+              <a:t>  return l-&gt;tail;</a:t>
             </a:r>
           </a:p>
           <a:p>
@@ -12232,13 +12577,13 @@
               <a:buNone/>
             </a:pPr>
             <a:r>
-              <a:rPr lang="en-US" altLang="zh-CN" sz="2000" b="1">
+              <a:rPr lang="en-US" altLang="zh-CN" sz="2000" b="1" dirty="0">
                 <a:solidFill>
                   <a:schemeClr val="folHlink"/>
                 </a:solidFill>
                 <a:latin typeface="Courier New" panose="02070309020205020404" pitchFamily="49" charset="0"/>
               </a:rPr>
-              <a:t>  return l-&gt;tail;</a:t>
+              <a:t>}</a:t>
             </a:r>
           </a:p>
           <a:p>
@@ -12249,25 +12594,7 @@
               <a:buFont typeface="Wingdings" pitchFamily="2" charset="2"/>
               <a:buNone/>
             </a:pPr>
-            <a:r>
-              <a:rPr lang="en-US" altLang="zh-CN" sz="2000" b="1">
-                <a:solidFill>
-                  <a:schemeClr val="folHlink"/>
-                </a:solidFill>
-                <a:latin typeface="Courier New" panose="02070309020205020404" pitchFamily="49" charset="0"/>
-              </a:rPr>
-              <a:t>}</a:t>
-            </a:r>
-          </a:p>
-          <a:p>
-            <a:pPr>
-              <a:lnSpc>
-                <a:spcPct val="90000"/>
-              </a:lnSpc>
-              <a:buFont typeface="Wingdings" pitchFamily="2" charset="2"/>
-              <a:buNone/>
-            </a:pPr>
-            <a:endParaRPr lang="en-US" altLang="zh-CN" sz="2000" b="1">
+            <a:endParaRPr lang="en-US" altLang="zh-CN" sz="2000" b="1" dirty="0">
               <a:solidFill>
                 <a:schemeClr val="folHlink"/>
               </a:solidFill>
@@ -13425,13 +13752,67 @@
               <a:buNone/>
             </a:pPr>
             <a:r>
-              <a:rPr lang="en-US" altLang="zh-CN" sz="2000" b="1">
+              <a:rPr lang="en-US" altLang="zh-CN" sz="2000" b="1" dirty="0">
                 <a:solidFill>
                   <a:schemeClr val="folHlink"/>
                 </a:solidFill>
                 <a:latin typeface="Courier New" panose="02070309020205020404" pitchFamily="49" charset="0"/>
               </a:rPr>
-              <a:t>poly List_nth (List_t l, int i)</a:t>
+              <a:t>poly </a:t>
+            </a:r>
+            <a:r>
+              <a:rPr lang="en-US" altLang="zh-CN" sz="2000" b="1" dirty="0" err="1">
+                <a:solidFill>
+                  <a:schemeClr val="folHlink"/>
+                </a:solidFill>
+                <a:latin typeface="Courier New" panose="02070309020205020404" pitchFamily="49" charset="0"/>
+              </a:rPr>
+              <a:t>List_nth</a:t>
+            </a:r>
+            <a:r>
+              <a:rPr lang="en-US" altLang="zh-CN" sz="2000" b="1" dirty="0">
+                <a:solidFill>
+                  <a:schemeClr val="folHlink"/>
+                </a:solidFill>
+                <a:latin typeface="Courier New" panose="02070309020205020404" pitchFamily="49" charset="0"/>
+              </a:rPr>
+              <a:t>(</a:t>
+            </a:r>
+            <a:r>
+              <a:rPr lang="en-US" altLang="zh-CN" sz="2000" b="1" dirty="0" err="1">
+                <a:solidFill>
+                  <a:schemeClr val="folHlink"/>
+                </a:solidFill>
+                <a:latin typeface="Courier New" panose="02070309020205020404" pitchFamily="49" charset="0"/>
+              </a:rPr>
+              <a:t>List_t</a:t>
+            </a:r>
+            <a:r>
+              <a:rPr lang="en-US" altLang="zh-CN" sz="2000" b="1" dirty="0">
+                <a:solidFill>
+                  <a:schemeClr val="folHlink"/>
+                </a:solidFill>
+                <a:latin typeface="Courier New" panose="02070309020205020404" pitchFamily="49" charset="0"/>
+              </a:rPr>
+              <a:t> l, int </a:t>
+            </a:r>
+            <a:r>
+              <a:rPr lang="en-US" altLang="zh-CN" sz="2000" b="1" dirty="0" err="1">
+                <a:solidFill>
+                  <a:schemeClr val="folHlink"/>
+                </a:solidFill>
+                <a:latin typeface="Courier New" panose="02070309020205020404" pitchFamily="49" charset="0"/>
+              </a:rPr>
+              <a:t>i</a:t>
+            </a:r>
+            <a:r>
+              <a:rPr lang="en-US" altLang="zh-CN" sz="2000" b="1" dirty="0">
+                <a:solidFill>
+                  <a:schemeClr val="folHlink"/>
+                </a:solidFill>
+                <a:latin typeface="Courier New" panose="02070309020205020404" pitchFamily="49" charset="0"/>
+              </a:rPr>
+              <a:t>){</a:t>
             </a:r>
           </a:p>
           <a:p>
@@ -13443,13 +13824,49 @@
               <a:buNone/>
             </a:pPr>
             <a:r>
-              <a:rPr lang="en-US" altLang="zh-CN" sz="2000" b="1">
+              <a:rPr lang="en-US" altLang="zh-CN" sz="2000" b="1" dirty="0">
                 <a:solidFill>
                   <a:schemeClr val="folHlink"/>
                 </a:solidFill>
                 <a:latin typeface="Courier New" panose="02070309020205020404" pitchFamily="49" charset="0"/>
               </a:rPr>
-              <a:t>{</a:t>
+              <a:t>  if(</a:t>
+            </a:r>
+            <a:r>
+              <a:rPr lang="en-US" altLang="zh-CN" sz="2000" b="1" dirty="0" err="1">
+                <a:solidFill>
+                  <a:schemeClr val="folHlink"/>
+                </a:solidFill>
+                <a:latin typeface="Courier New" panose="02070309020205020404" pitchFamily="49" charset="0"/>
+              </a:rPr>
+              <a:t>i</a:t>
+            </a:r>
+            <a:r>
+              <a:rPr lang="en-US" altLang="zh-CN" sz="2000" b="1" dirty="0">
+                <a:solidFill>
+                  <a:schemeClr val="folHlink"/>
+                </a:solidFill>
+                <a:latin typeface="Courier New" panose="02070309020205020404" pitchFamily="49" charset="0"/>
+              </a:rPr>
+              <a:t>&lt;0 || </a:t>
+            </a:r>
+            <a:r>
+              <a:rPr lang="en-US" altLang="zh-CN" sz="2000" b="1" dirty="0" err="1">
+                <a:solidFill>
+                  <a:schemeClr val="folHlink"/>
+                </a:solidFill>
+                <a:latin typeface="Courier New" panose="02070309020205020404" pitchFamily="49" charset="0"/>
+              </a:rPr>
+              <a:t>i</a:t>
+            </a:r>
+            <a:r>
+              <a:rPr lang="en-US" altLang="zh-CN" sz="2000" b="1" dirty="0">
+                <a:solidFill>
+                  <a:schemeClr val="folHlink"/>
+                </a:solidFill>
+                <a:latin typeface="Courier New" panose="02070309020205020404" pitchFamily="49" charset="0"/>
+              </a:rPr>
+              <a:t>&gt;=l-&gt;tail)</a:t>
             </a:r>
           </a:p>
           <a:p>
@@ -13461,13 +13878,13 @@
               <a:buNone/>
             </a:pPr>
             <a:r>
-              <a:rPr lang="en-US" altLang="zh-CN" sz="2000" b="1">
+              <a:rPr lang="en-US" altLang="zh-CN" sz="2000" b="1" dirty="0">
                 <a:solidFill>
                   <a:schemeClr val="folHlink"/>
                 </a:solidFill>
                 <a:latin typeface="Courier New" panose="02070309020205020404" pitchFamily="49" charset="0"/>
               </a:rPr>
-              <a:t>  if (i&lt;0 || i&gt;=l-&gt;tail)</a:t>
+              <a:t>    error(“invalid index”);</a:t>
             </a:r>
           </a:p>
           <a:p>
@@ -13478,15 +13895,12 @@
               <a:buFont typeface="Wingdings" pitchFamily="2" charset="2"/>
               <a:buNone/>
             </a:pPr>
-            <a:r>
-              <a:rPr lang="en-US" altLang="zh-CN" sz="2000" b="1">
-                <a:solidFill>
-                  <a:schemeClr val="folHlink"/>
-                </a:solidFill>
-                <a:latin typeface="Courier New" panose="02070309020205020404" pitchFamily="49" charset="0"/>
-              </a:rPr>
-              <a:t>    error (“invalid index”);</a:t>
-            </a:r>
+            <a:endParaRPr lang="en-US" altLang="zh-CN" sz="2000" b="1" dirty="0">
+              <a:solidFill>
+                <a:schemeClr val="folHlink"/>
+              </a:solidFill>
+              <a:latin typeface="Courier New" panose="02070309020205020404" pitchFamily="49" charset="0"/>
+            </a:endParaRPr>
           </a:p>
           <a:p>
             <a:pPr>
@@ -13496,12 +13910,33 @@
               <a:buFont typeface="Wingdings" pitchFamily="2" charset="2"/>
               <a:buNone/>
             </a:pPr>
-            <a:endParaRPr lang="en-US" altLang="zh-CN" sz="2000" b="1">
-              <a:solidFill>
-                <a:schemeClr val="folHlink"/>
-              </a:solidFill>
-              <a:latin typeface="Courier New" panose="02070309020205020404" pitchFamily="49" charset="0"/>
-            </a:endParaRPr>
+            <a:r>
+              <a:rPr lang="en-US" altLang="zh-CN" sz="2000" b="1" dirty="0">
+                <a:solidFill>
+                  <a:schemeClr val="folHlink"/>
+                </a:solidFill>
+                <a:latin typeface="Courier New" panose="02070309020205020404" pitchFamily="49" charset="0"/>
+              </a:rPr>
+              <a:t>  return (l-&gt;array)[</a:t>
+            </a:r>
+            <a:r>
+              <a:rPr lang="en-US" altLang="zh-CN" sz="2000" b="1" dirty="0" err="1">
+                <a:solidFill>
+                  <a:schemeClr val="folHlink"/>
+                </a:solidFill>
+                <a:latin typeface="Courier New" panose="02070309020205020404" pitchFamily="49" charset="0"/>
+              </a:rPr>
+              <a:t>i</a:t>
+            </a:r>
+            <a:r>
+              <a:rPr lang="en-US" altLang="zh-CN" sz="2000" b="1" dirty="0">
+                <a:solidFill>
+                  <a:schemeClr val="folHlink"/>
+                </a:solidFill>
+                <a:latin typeface="Courier New" panose="02070309020205020404" pitchFamily="49" charset="0"/>
+              </a:rPr>
+              <a:t>];</a:t>
+            </a:r>
           </a:p>
           <a:p>
             <a:pPr>
@@ -13512,13 +13947,13 @@
               <a:buNone/>
             </a:pPr>
             <a:r>
-              <a:rPr lang="en-US" altLang="zh-CN" sz="2000" b="1">
+              <a:rPr lang="en-US" altLang="zh-CN" sz="2000" b="1" dirty="0">
                 <a:solidFill>
                   <a:schemeClr val="folHlink"/>
                 </a:solidFill>
                 <a:latin typeface="Courier New" panose="02070309020205020404" pitchFamily="49" charset="0"/>
               </a:rPr>
-              <a:t>  return (l-&gt;array)[i];</a:t>
+              <a:t>}</a:t>
             </a:r>
           </a:p>
           <a:p>
@@ -13529,25 +13964,7 @@
               <a:buFont typeface="Wingdings" pitchFamily="2" charset="2"/>
               <a:buNone/>
             </a:pPr>
-            <a:r>
-              <a:rPr lang="en-US" altLang="zh-CN" sz="2000" b="1">
-                <a:solidFill>
-                  <a:schemeClr val="folHlink"/>
-                </a:solidFill>
-                <a:latin typeface="Courier New" panose="02070309020205020404" pitchFamily="49" charset="0"/>
-              </a:rPr>
-              <a:t>}</a:t>
-            </a:r>
-          </a:p>
-          <a:p>
-            <a:pPr>
-              <a:lnSpc>
-                <a:spcPct val="90000"/>
-              </a:lnSpc>
-              <a:buFont typeface="Wingdings" pitchFamily="2" charset="2"/>
-              <a:buNone/>
-            </a:pPr>
-            <a:endParaRPr lang="en-US" altLang="zh-CN" sz="2000" b="1">
+            <a:endParaRPr lang="en-US" altLang="zh-CN" sz="2000" b="1" dirty="0">
               <a:solidFill>
                 <a:schemeClr val="folHlink"/>
               </a:solidFill>
@@ -14705,13 +15122,67 @@
               <a:buNone/>
             </a:pPr>
             <a:r>
-              <a:rPr lang="en-US" altLang="zh-CN" sz="2000" b="1">
+              <a:rPr lang="en-US" altLang="zh-CN" sz="2000" b="1" dirty="0">
                 <a:solidFill>
                   <a:schemeClr val="folHlink"/>
                 </a:solidFill>
                 <a:latin typeface="Courier New" panose="02070309020205020404" pitchFamily="49" charset="0"/>
               </a:rPr>
-              <a:t>poly List_nth (List_t l, int i)</a:t>
+              <a:t>poly </a:t>
+            </a:r>
+            <a:r>
+              <a:rPr lang="en-US" altLang="zh-CN" sz="2000" b="1" dirty="0" err="1">
+                <a:solidFill>
+                  <a:schemeClr val="folHlink"/>
+                </a:solidFill>
+                <a:latin typeface="Courier New" panose="02070309020205020404" pitchFamily="49" charset="0"/>
+              </a:rPr>
+              <a:t>List_nth</a:t>
+            </a:r>
+            <a:r>
+              <a:rPr lang="en-US" altLang="zh-CN" sz="2000" b="1" dirty="0">
+                <a:solidFill>
+                  <a:schemeClr val="folHlink"/>
+                </a:solidFill>
+                <a:latin typeface="Courier New" panose="02070309020205020404" pitchFamily="49" charset="0"/>
+              </a:rPr>
+              <a:t>(</a:t>
+            </a:r>
+            <a:r>
+              <a:rPr lang="en-US" altLang="zh-CN" sz="2000" b="1" dirty="0" err="1">
+                <a:solidFill>
+                  <a:schemeClr val="folHlink"/>
+                </a:solidFill>
+                <a:latin typeface="Courier New" panose="02070309020205020404" pitchFamily="49" charset="0"/>
+              </a:rPr>
+              <a:t>List_t</a:t>
+            </a:r>
+            <a:r>
+              <a:rPr lang="en-US" altLang="zh-CN" sz="2000" b="1" dirty="0">
+                <a:solidFill>
+                  <a:schemeClr val="folHlink"/>
+                </a:solidFill>
+                <a:latin typeface="Courier New" panose="02070309020205020404" pitchFamily="49" charset="0"/>
+              </a:rPr>
+              <a:t> l, int </a:t>
+            </a:r>
+            <a:r>
+              <a:rPr lang="en-US" altLang="zh-CN" sz="2000" b="1" dirty="0" err="1">
+                <a:solidFill>
+                  <a:schemeClr val="folHlink"/>
+                </a:solidFill>
+                <a:latin typeface="Courier New" panose="02070309020205020404" pitchFamily="49" charset="0"/>
+              </a:rPr>
+              <a:t>i</a:t>
+            </a:r>
+            <a:r>
+              <a:rPr lang="en-US" altLang="zh-CN" sz="2000" b="1" dirty="0">
+                <a:solidFill>
+                  <a:schemeClr val="folHlink"/>
+                </a:solidFill>
+                <a:latin typeface="Courier New" panose="02070309020205020404" pitchFamily="49" charset="0"/>
+              </a:rPr>
+              <a:t>){</a:t>
             </a:r>
           </a:p>
           <a:p>
@@ -14723,13 +15194,49 @@
               <a:buNone/>
             </a:pPr>
             <a:r>
-              <a:rPr lang="en-US" altLang="zh-CN" sz="2000" b="1">
+              <a:rPr lang="en-US" altLang="zh-CN" sz="2000" b="1" dirty="0">
                 <a:solidFill>
                   <a:schemeClr val="folHlink"/>
                 </a:solidFill>
                 <a:latin typeface="Courier New" panose="02070309020205020404" pitchFamily="49" charset="0"/>
               </a:rPr>
-              <a:t>{</a:t>
+              <a:t>  if(</a:t>
+            </a:r>
+            <a:r>
+              <a:rPr lang="en-US" altLang="zh-CN" sz="2000" b="1" dirty="0" err="1">
+                <a:solidFill>
+                  <a:schemeClr val="folHlink"/>
+                </a:solidFill>
+                <a:latin typeface="Courier New" panose="02070309020205020404" pitchFamily="49" charset="0"/>
+              </a:rPr>
+              <a:t>i</a:t>
+            </a:r>
+            <a:r>
+              <a:rPr lang="en-US" altLang="zh-CN" sz="2000" b="1" dirty="0">
+                <a:solidFill>
+                  <a:schemeClr val="folHlink"/>
+                </a:solidFill>
+                <a:latin typeface="Courier New" panose="02070309020205020404" pitchFamily="49" charset="0"/>
+              </a:rPr>
+              <a:t>&lt;0 || </a:t>
+            </a:r>
+            <a:r>
+              <a:rPr lang="en-US" altLang="zh-CN" sz="2000" b="1" dirty="0" err="1">
+                <a:solidFill>
+                  <a:schemeClr val="folHlink"/>
+                </a:solidFill>
+                <a:latin typeface="Courier New" panose="02070309020205020404" pitchFamily="49" charset="0"/>
+              </a:rPr>
+              <a:t>i</a:t>
+            </a:r>
+            <a:r>
+              <a:rPr lang="en-US" altLang="zh-CN" sz="2000" b="1" dirty="0">
+                <a:solidFill>
+                  <a:schemeClr val="folHlink"/>
+                </a:solidFill>
+                <a:latin typeface="Courier New" panose="02070309020205020404" pitchFamily="49" charset="0"/>
+              </a:rPr>
+              <a:t>&gt;=l-&gt;tail)</a:t>
             </a:r>
           </a:p>
           <a:p>
@@ -14741,13 +15248,13 @@
               <a:buNone/>
             </a:pPr>
             <a:r>
-              <a:rPr lang="en-US" altLang="zh-CN" sz="2000" b="1">
+              <a:rPr lang="en-US" altLang="zh-CN" sz="2000" b="1" dirty="0">
                 <a:solidFill>
                   <a:schemeClr val="folHlink"/>
                 </a:solidFill>
                 <a:latin typeface="Courier New" panose="02070309020205020404" pitchFamily="49" charset="0"/>
               </a:rPr>
-              <a:t>  if (i&lt;0 || i&gt;=l-&gt;tail)</a:t>
+              <a:t>    error(“invalid index”);</a:t>
             </a:r>
           </a:p>
           <a:p>
@@ -14758,15 +15265,12 @@
               <a:buFont typeface="Wingdings" pitchFamily="2" charset="2"/>
               <a:buNone/>
             </a:pPr>
-            <a:r>
-              <a:rPr lang="en-US" altLang="zh-CN" sz="2000" b="1">
-                <a:solidFill>
-                  <a:schemeClr val="folHlink"/>
-                </a:solidFill>
-                <a:latin typeface="Courier New" panose="02070309020205020404" pitchFamily="49" charset="0"/>
-              </a:rPr>
-              <a:t>    error (“invalid index”);</a:t>
-            </a:r>
+            <a:endParaRPr lang="en-US" altLang="zh-CN" sz="2000" b="1" dirty="0">
+              <a:solidFill>
+                <a:schemeClr val="folHlink"/>
+              </a:solidFill>
+              <a:latin typeface="Courier New" panose="02070309020205020404" pitchFamily="49" charset="0"/>
+            </a:endParaRPr>
           </a:p>
           <a:p>
             <a:pPr>
@@ -14776,12 +15280,33 @@
               <a:buFont typeface="Wingdings" pitchFamily="2" charset="2"/>
               <a:buNone/>
             </a:pPr>
-            <a:endParaRPr lang="en-US" altLang="zh-CN" sz="2000" b="1">
-              <a:solidFill>
-                <a:schemeClr val="folHlink"/>
-              </a:solidFill>
-              <a:latin typeface="Courier New" panose="02070309020205020404" pitchFamily="49" charset="0"/>
-            </a:endParaRPr>
+            <a:r>
+              <a:rPr lang="en-US" altLang="zh-CN" sz="2000" b="1" dirty="0">
+                <a:solidFill>
+                  <a:schemeClr val="hlink"/>
+                </a:solidFill>
+                <a:latin typeface="Courier New" panose="02070309020205020404" pitchFamily="49" charset="0"/>
+              </a:rPr>
+              <a:t>  return (l-&gt;array)[</a:t>
+            </a:r>
+            <a:r>
+              <a:rPr lang="en-US" altLang="zh-CN" sz="2000" b="1" dirty="0" err="1">
+                <a:solidFill>
+                  <a:schemeClr val="hlink"/>
+                </a:solidFill>
+                <a:latin typeface="Courier New" panose="02070309020205020404" pitchFamily="49" charset="0"/>
+              </a:rPr>
+              <a:t>i</a:t>
+            </a:r>
+            <a:r>
+              <a:rPr lang="en-US" altLang="zh-CN" sz="2000" b="1" dirty="0">
+                <a:solidFill>
+                  <a:schemeClr val="hlink"/>
+                </a:solidFill>
+                <a:latin typeface="Courier New" panose="02070309020205020404" pitchFamily="49" charset="0"/>
+              </a:rPr>
+              <a:t>];</a:t>
+            </a:r>
           </a:p>
           <a:p>
             <a:pPr>
@@ -14792,13 +15317,13 @@
               <a:buNone/>
             </a:pPr>
             <a:r>
-              <a:rPr lang="en-US" altLang="zh-CN" sz="2000" b="1">
-                <a:solidFill>
-                  <a:schemeClr val="hlink"/>
+              <a:rPr lang="en-US" altLang="zh-CN" sz="2000" b="1" dirty="0">
+                <a:solidFill>
+                  <a:schemeClr val="folHlink"/>
                 </a:solidFill>
                 <a:latin typeface="Courier New" panose="02070309020205020404" pitchFamily="49" charset="0"/>
               </a:rPr>
-              <a:t>  return (l-&gt;array)[i];</a:t>
+              <a:t>}</a:t>
             </a:r>
           </a:p>
           <a:p>
@@ -14809,25 +15334,7 @@
               <a:buFont typeface="Wingdings" pitchFamily="2" charset="2"/>
               <a:buNone/>
             </a:pPr>
-            <a:r>
-              <a:rPr lang="en-US" altLang="zh-CN" sz="2000" b="1">
-                <a:solidFill>
-                  <a:schemeClr val="folHlink"/>
-                </a:solidFill>
-                <a:latin typeface="Courier New" panose="02070309020205020404" pitchFamily="49" charset="0"/>
-              </a:rPr>
-              <a:t>}</a:t>
-            </a:r>
-          </a:p>
-          <a:p>
-            <a:pPr>
-              <a:lnSpc>
-                <a:spcPct val="90000"/>
-              </a:lnSpc>
-              <a:buFont typeface="Wingdings" pitchFamily="2" charset="2"/>
-              <a:buNone/>
-            </a:pPr>
-            <a:endParaRPr lang="en-US" altLang="zh-CN" sz="2000" b="1">
+            <a:endParaRPr lang="en-US" altLang="zh-CN" sz="2000" b="1" dirty="0">
               <a:solidFill>
                 <a:schemeClr val="folHlink"/>
               </a:solidFill>
@@ -16525,13 +17032,67 @@
               <a:buNone/>
             </a:pPr>
             <a:r>
-              <a:rPr lang="en-US" altLang="zh-CN" sz="2000" b="1">
+              <a:rPr lang="en-US" altLang="zh-CN" sz="2000" b="1" dirty="0">
                 <a:solidFill>
                   <a:schemeClr val="folHlink"/>
                 </a:solidFill>
                 <a:latin typeface="Courier New" panose="02070309020205020404" pitchFamily="49" charset="0"/>
               </a:rPr>
-              <a:t>void List_insert (List_t l, poly x, int i)</a:t>
+              <a:t>void </a:t>
+            </a:r>
+            <a:r>
+              <a:rPr lang="en-US" altLang="zh-CN" sz="2000" b="1" dirty="0" err="1">
+                <a:solidFill>
+                  <a:schemeClr val="folHlink"/>
+                </a:solidFill>
+                <a:latin typeface="Courier New" panose="02070309020205020404" pitchFamily="49" charset="0"/>
+              </a:rPr>
+              <a:t>List_insert</a:t>
+            </a:r>
+            <a:r>
+              <a:rPr lang="en-US" altLang="zh-CN" sz="2000" b="1" dirty="0">
+                <a:solidFill>
+                  <a:schemeClr val="folHlink"/>
+                </a:solidFill>
+                <a:latin typeface="Courier New" panose="02070309020205020404" pitchFamily="49" charset="0"/>
+              </a:rPr>
+              <a:t>(</a:t>
+            </a:r>
+            <a:r>
+              <a:rPr lang="en-US" altLang="zh-CN" sz="2000" b="1" dirty="0" err="1">
+                <a:solidFill>
+                  <a:schemeClr val="folHlink"/>
+                </a:solidFill>
+                <a:latin typeface="Courier New" panose="02070309020205020404" pitchFamily="49" charset="0"/>
+              </a:rPr>
+              <a:t>List_t</a:t>
+            </a:r>
+            <a:r>
+              <a:rPr lang="en-US" altLang="zh-CN" sz="2000" b="1" dirty="0">
+                <a:solidFill>
+                  <a:schemeClr val="folHlink"/>
+                </a:solidFill>
+                <a:latin typeface="Courier New" panose="02070309020205020404" pitchFamily="49" charset="0"/>
+              </a:rPr>
+              <a:t> l, poly x, int </a:t>
+            </a:r>
+            <a:r>
+              <a:rPr lang="en-US" altLang="zh-CN" sz="2000" b="1" dirty="0" err="1">
+                <a:solidFill>
+                  <a:schemeClr val="folHlink"/>
+                </a:solidFill>
+                <a:latin typeface="Courier New" panose="02070309020205020404" pitchFamily="49" charset="0"/>
+              </a:rPr>
+              <a:t>i</a:t>
+            </a:r>
+            <a:r>
+              <a:rPr lang="en-US" altLang="zh-CN" sz="2000" b="1" dirty="0">
+                <a:solidFill>
+                  <a:schemeClr val="folHlink"/>
+                </a:solidFill>
+                <a:latin typeface="Courier New" panose="02070309020205020404" pitchFamily="49" charset="0"/>
+              </a:rPr>
+              <a:t>){</a:t>
             </a:r>
           </a:p>
           <a:p>
@@ -16543,13 +17104,49 @@
               <a:buNone/>
             </a:pPr>
             <a:r>
-              <a:rPr lang="en-US" altLang="zh-CN" sz="2000" b="1">
+              <a:rPr lang="en-US" altLang="zh-CN" sz="2000" b="1" dirty="0">
                 <a:solidFill>
                   <a:schemeClr val="folHlink"/>
                 </a:solidFill>
                 <a:latin typeface="Courier New" panose="02070309020205020404" pitchFamily="49" charset="0"/>
               </a:rPr>
-              <a:t>{</a:t>
+              <a:t>  if(</a:t>
+            </a:r>
+            <a:r>
+              <a:rPr lang="en-US" altLang="zh-CN" sz="2000" b="1" dirty="0" err="1">
+                <a:solidFill>
+                  <a:schemeClr val="folHlink"/>
+                </a:solidFill>
+                <a:latin typeface="Courier New" panose="02070309020205020404" pitchFamily="49" charset="0"/>
+              </a:rPr>
+              <a:t>i</a:t>
+            </a:r>
+            <a:r>
+              <a:rPr lang="en-US" altLang="zh-CN" sz="2000" b="1" dirty="0">
+                <a:solidFill>
+                  <a:schemeClr val="folHlink"/>
+                </a:solidFill>
+                <a:latin typeface="Courier New" panose="02070309020205020404" pitchFamily="49" charset="0"/>
+              </a:rPr>
+              <a:t>&lt;0 || </a:t>
+            </a:r>
+            <a:r>
+              <a:rPr lang="en-US" altLang="zh-CN" sz="2000" b="1" dirty="0" err="1">
+                <a:solidFill>
+                  <a:schemeClr val="folHlink"/>
+                </a:solidFill>
+                <a:latin typeface="Courier New" panose="02070309020205020404" pitchFamily="49" charset="0"/>
+              </a:rPr>
+              <a:t>i</a:t>
+            </a:r>
+            <a:r>
+              <a:rPr lang="en-US" altLang="zh-CN" sz="2000" b="1" dirty="0">
+                <a:solidFill>
+                  <a:schemeClr val="folHlink"/>
+                </a:solidFill>
+                <a:latin typeface="Courier New" panose="02070309020205020404" pitchFamily="49" charset="0"/>
+              </a:rPr>
+              <a:t>&gt;l-&gt;tail)</a:t>
             </a:r>
           </a:p>
           <a:p>
@@ -16561,13 +17158,13 @@
               <a:buNone/>
             </a:pPr>
             <a:r>
-              <a:rPr lang="en-US" altLang="zh-CN" sz="2000" b="1">
+              <a:rPr lang="en-US" altLang="zh-CN" sz="2000" b="1" dirty="0">
                 <a:solidFill>
                   <a:schemeClr val="folHlink"/>
                 </a:solidFill>
                 <a:latin typeface="Courier New" panose="02070309020205020404" pitchFamily="49" charset="0"/>
               </a:rPr>
-              <a:t>  if (i&lt;0 || i&gt;l-&gt;tail)</a:t>
+              <a:t>    error(“invalid index”);</a:t>
             </a:r>
           </a:p>
           <a:p>
@@ -16578,15 +17175,12 @@
               <a:buFont typeface="Wingdings" pitchFamily="2" charset="2"/>
               <a:buNone/>
             </a:pPr>
-            <a:r>
-              <a:rPr lang="en-US" altLang="zh-CN" sz="2000" b="1">
-                <a:solidFill>
-                  <a:schemeClr val="folHlink"/>
-                </a:solidFill>
-                <a:latin typeface="Courier New" panose="02070309020205020404" pitchFamily="49" charset="0"/>
-              </a:rPr>
-              <a:t>    error (“invalid index”);</a:t>
-            </a:r>
+            <a:endParaRPr lang="en-US" altLang="zh-CN" sz="2000" b="1" dirty="0">
+              <a:solidFill>
+                <a:schemeClr val="folHlink"/>
+              </a:solidFill>
+              <a:latin typeface="Courier New" panose="02070309020205020404" pitchFamily="49" charset="0"/>
+            </a:endParaRPr>
           </a:p>
           <a:p>
             <a:pPr>
@@ -16596,12 +17190,12 @@
               <a:buFont typeface="Wingdings" pitchFamily="2" charset="2"/>
               <a:buNone/>
             </a:pPr>
-            <a:endParaRPr lang="en-US" altLang="zh-CN" sz="2000" b="1">
-              <a:solidFill>
-                <a:schemeClr val="folHlink"/>
-              </a:solidFill>
-              <a:latin typeface="Courier New" panose="02070309020205020404" pitchFamily="49" charset="0"/>
-            </a:endParaRPr>
+            <a:r>
+              <a:rPr lang="en-US" altLang="zh-CN" sz="2000" b="1" dirty="0">
+                <a:latin typeface="Courier New" panose="02070309020205020404" pitchFamily="49" charset="0"/>
+              </a:rPr>
+              <a:t>  //move the data</a:t>
+            </a:r>
           </a:p>
           <a:p>
             <a:pPr>
@@ -16612,10 +17206,19 @@
               <a:buNone/>
             </a:pPr>
             <a:r>
-              <a:rPr lang="en-US" altLang="zh-CN" sz="2000" b="1">
+              <a:rPr lang="en-US" altLang="zh-CN" sz="2000" b="1" dirty="0">
                 <a:latin typeface="Courier New" panose="02070309020205020404" pitchFamily="49" charset="0"/>
               </a:rPr>
-              <a:t>  //move the data</a:t>
+              <a:t>  </a:t>
+            </a:r>
+            <a:r>
+              <a:rPr lang="en-US" altLang="zh-CN" sz="2000" b="1" dirty="0">
+                <a:solidFill>
+                  <a:schemeClr val="folHlink"/>
+                </a:solidFill>
+                <a:latin typeface="Courier New" panose="02070309020205020404" pitchFamily="49" charset="0"/>
+              </a:rPr>
+              <a:t>…;</a:t>
             </a:r>
           </a:p>
           <a:p>
@@ -16627,19 +17230,13 @@
               <a:buNone/>
             </a:pPr>
             <a:r>
-              <a:rPr lang="en-US" altLang="zh-CN" sz="2000" b="1">
+              <a:rPr lang="en-US" altLang="zh-CN" sz="2000" b="1" dirty="0">
+                <a:solidFill>
+                  <a:schemeClr val="folHlink"/>
+                </a:solidFill>
                 <a:latin typeface="Courier New" panose="02070309020205020404" pitchFamily="49" charset="0"/>
               </a:rPr>
-              <a:t>  </a:t>
-            </a:r>
-            <a:r>
-              <a:rPr lang="en-US" altLang="zh-CN" sz="2000" b="1">
-                <a:solidFill>
-                  <a:schemeClr val="folHlink"/>
-                </a:solidFill>
-                <a:latin typeface="Courier New" panose="02070309020205020404" pitchFamily="49" charset="0"/>
-              </a:rPr>
-              <a:t>…;</a:t>
+              <a:t>}</a:t>
             </a:r>
           </a:p>
           <a:p>
@@ -16650,25 +17247,7 @@
               <a:buFont typeface="Wingdings" pitchFamily="2" charset="2"/>
               <a:buNone/>
             </a:pPr>
-            <a:r>
-              <a:rPr lang="en-US" altLang="zh-CN" sz="2000" b="1">
-                <a:solidFill>
-                  <a:schemeClr val="folHlink"/>
-                </a:solidFill>
-                <a:latin typeface="Courier New" panose="02070309020205020404" pitchFamily="49" charset="0"/>
-              </a:rPr>
-              <a:t>}</a:t>
-            </a:r>
-          </a:p>
-          <a:p>
-            <a:pPr>
-              <a:lnSpc>
-                <a:spcPct val="90000"/>
-              </a:lnSpc>
-              <a:buFont typeface="Wingdings" pitchFamily="2" charset="2"/>
-              <a:buNone/>
-            </a:pPr>
-            <a:endParaRPr lang="en-US" altLang="zh-CN" sz="2000" b="1">
+            <a:endParaRPr lang="en-US" altLang="zh-CN" sz="2000" b="1" dirty="0">
               <a:solidFill>
                 <a:schemeClr val="folHlink"/>
               </a:solidFill>
@@ -18005,7 +18584,7 @@
                                         <p:tgtEl>
                                           <p:spTgt spid="200707">
                                             <p:txEl>
-                                              <p:pRg st="5" end="5"/>
+                                              <p:pRg st="4" end="4"/>
                                             </p:txEl>
                                           </p:spTgt>
                                         </p:tgtEl>
@@ -18023,7 +18602,7 @@
                                         <p:tgtEl>
                                           <p:spTgt spid="200707">
                                             <p:txEl>
-                                              <p:pRg st="5" end="5"/>
+                                              <p:pRg st="4" end="4"/>
                                             </p:txEl>
                                           </p:spTgt>
                                         </p:tgtEl>
@@ -18157,13 +18736,67 @@
               <a:buNone/>
             </a:pPr>
             <a:r>
-              <a:rPr lang="en-US" altLang="zh-CN" sz="2000" b="1">
+              <a:rPr lang="en-US" altLang="zh-CN" sz="2000" b="1" dirty="0">
                 <a:solidFill>
                   <a:schemeClr val="folHlink"/>
                 </a:solidFill>
                 <a:latin typeface="Courier New" panose="02070309020205020404" pitchFamily="49" charset="0"/>
               </a:rPr>
-              <a:t>void List_insert (List_t l, poly x, int i)</a:t>
+              <a:t>void </a:t>
+            </a:r>
+            <a:r>
+              <a:rPr lang="en-US" altLang="zh-CN" sz="2000" b="1" dirty="0" err="1">
+                <a:solidFill>
+                  <a:schemeClr val="folHlink"/>
+                </a:solidFill>
+                <a:latin typeface="Courier New" panose="02070309020205020404" pitchFamily="49" charset="0"/>
+              </a:rPr>
+              <a:t>List_insert</a:t>
+            </a:r>
+            <a:r>
+              <a:rPr lang="en-US" altLang="zh-CN" sz="2000" b="1" dirty="0">
+                <a:solidFill>
+                  <a:schemeClr val="folHlink"/>
+                </a:solidFill>
+                <a:latin typeface="Courier New" panose="02070309020205020404" pitchFamily="49" charset="0"/>
+              </a:rPr>
+              <a:t>(</a:t>
+            </a:r>
+            <a:r>
+              <a:rPr lang="en-US" altLang="zh-CN" sz="2000" b="1" dirty="0" err="1">
+                <a:solidFill>
+                  <a:schemeClr val="folHlink"/>
+                </a:solidFill>
+                <a:latin typeface="Courier New" panose="02070309020205020404" pitchFamily="49" charset="0"/>
+              </a:rPr>
+              <a:t>List_t</a:t>
+            </a:r>
+            <a:r>
+              <a:rPr lang="en-US" altLang="zh-CN" sz="2000" b="1" dirty="0">
+                <a:solidFill>
+                  <a:schemeClr val="folHlink"/>
+                </a:solidFill>
+                <a:latin typeface="Courier New" panose="02070309020205020404" pitchFamily="49" charset="0"/>
+              </a:rPr>
+              <a:t> l, poly x, int </a:t>
+            </a:r>
+            <a:r>
+              <a:rPr lang="en-US" altLang="zh-CN" sz="2000" b="1" dirty="0" err="1">
+                <a:solidFill>
+                  <a:schemeClr val="folHlink"/>
+                </a:solidFill>
+                <a:latin typeface="Courier New" panose="02070309020205020404" pitchFamily="49" charset="0"/>
+              </a:rPr>
+              <a:t>i</a:t>
+            </a:r>
+            <a:r>
+              <a:rPr lang="en-US" altLang="zh-CN" sz="2000" b="1" dirty="0">
+                <a:solidFill>
+                  <a:schemeClr val="folHlink"/>
+                </a:solidFill>
+                <a:latin typeface="Courier New" panose="02070309020205020404" pitchFamily="49" charset="0"/>
+              </a:rPr>
+              <a:t>){</a:t>
             </a:r>
           </a:p>
           <a:p>
@@ -18175,13 +18808,49 @@
               <a:buNone/>
             </a:pPr>
             <a:r>
-              <a:rPr lang="en-US" altLang="zh-CN" sz="2000" b="1">
+              <a:rPr lang="en-US" altLang="zh-CN" sz="2000" b="1" dirty="0">
                 <a:solidFill>
                   <a:schemeClr val="folHlink"/>
                 </a:solidFill>
                 <a:latin typeface="Courier New" panose="02070309020205020404" pitchFamily="49" charset="0"/>
               </a:rPr>
-              <a:t>{</a:t>
+              <a:t>  if(</a:t>
+            </a:r>
+            <a:r>
+              <a:rPr lang="en-US" altLang="zh-CN" sz="2000" b="1" dirty="0" err="1">
+                <a:solidFill>
+                  <a:schemeClr val="folHlink"/>
+                </a:solidFill>
+                <a:latin typeface="Courier New" panose="02070309020205020404" pitchFamily="49" charset="0"/>
+              </a:rPr>
+              <a:t>i</a:t>
+            </a:r>
+            <a:r>
+              <a:rPr lang="en-US" altLang="zh-CN" sz="2000" b="1" dirty="0">
+                <a:solidFill>
+                  <a:schemeClr val="folHlink"/>
+                </a:solidFill>
+                <a:latin typeface="Courier New" panose="02070309020205020404" pitchFamily="49" charset="0"/>
+              </a:rPr>
+              <a:t>&lt;0 || </a:t>
+            </a:r>
+            <a:r>
+              <a:rPr lang="en-US" altLang="zh-CN" sz="2000" b="1" dirty="0" err="1">
+                <a:solidFill>
+                  <a:schemeClr val="folHlink"/>
+                </a:solidFill>
+                <a:latin typeface="Courier New" panose="02070309020205020404" pitchFamily="49" charset="0"/>
+              </a:rPr>
+              <a:t>i</a:t>
+            </a:r>
+            <a:r>
+              <a:rPr lang="en-US" altLang="zh-CN" sz="2000" b="1" dirty="0">
+                <a:solidFill>
+                  <a:schemeClr val="folHlink"/>
+                </a:solidFill>
+                <a:latin typeface="Courier New" panose="02070309020205020404" pitchFamily="49" charset="0"/>
+              </a:rPr>
+              <a:t>&gt;l-&gt;tail)</a:t>
             </a:r>
           </a:p>
           <a:p>
@@ -18193,13 +18862,13 @@
               <a:buNone/>
             </a:pPr>
             <a:r>
-              <a:rPr lang="en-US" altLang="zh-CN" sz="2000" b="1">
+              <a:rPr lang="en-US" altLang="zh-CN" sz="2000" b="1" dirty="0">
                 <a:solidFill>
                   <a:schemeClr val="folHlink"/>
                 </a:solidFill>
                 <a:latin typeface="Courier New" panose="02070309020205020404" pitchFamily="49" charset="0"/>
               </a:rPr>
-              <a:t>  if (i&lt;0 || i&gt;l-&gt;tail)</a:t>
+              <a:t>    error(“invalid index”);</a:t>
             </a:r>
           </a:p>
           <a:p>
@@ -18210,15 +18879,12 @@
               <a:buFont typeface="Wingdings" pitchFamily="2" charset="2"/>
               <a:buNone/>
             </a:pPr>
-            <a:r>
-              <a:rPr lang="en-US" altLang="zh-CN" sz="2000" b="1">
-                <a:solidFill>
-                  <a:schemeClr val="folHlink"/>
-                </a:solidFill>
-                <a:latin typeface="Courier New" panose="02070309020205020404" pitchFamily="49" charset="0"/>
-              </a:rPr>
-              <a:t>    error (“invalid index”);</a:t>
-            </a:r>
+            <a:endParaRPr lang="en-US" altLang="zh-CN" sz="2000" b="1" dirty="0">
+              <a:solidFill>
+                <a:schemeClr val="folHlink"/>
+              </a:solidFill>
+              <a:latin typeface="Courier New" panose="02070309020205020404" pitchFamily="49" charset="0"/>
+            </a:endParaRPr>
           </a:p>
           <a:p>
             <a:pPr>
@@ -18228,12 +18894,30 @@
               <a:buFont typeface="Wingdings" pitchFamily="2" charset="2"/>
               <a:buNone/>
             </a:pPr>
-            <a:endParaRPr lang="en-US" altLang="zh-CN" sz="2000" b="1">
-              <a:solidFill>
-                <a:schemeClr val="folHlink"/>
-              </a:solidFill>
-              <a:latin typeface="Courier New" panose="02070309020205020404" pitchFamily="49" charset="0"/>
-            </a:endParaRPr>
+            <a:r>
+              <a:rPr lang="en-US" altLang="zh-CN" sz="2000" b="1" dirty="0">
+                <a:latin typeface="Courier New" panose="02070309020205020404" pitchFamily="49" charset="0"/>
+              </a:rPr>
+              <a:t>  </a:t>
+            </a:r>
+            <a:r>
+              <a:rPr lang="en-US" altLang="zh-CN" sz="2000" b="1" dirty="0">
+                <a:solidFill>
+                  <a:schemeClr val="folHlink"/>
+                </a:solidFill>
+                <a:latin typeface="Courier New" panose="02070309020205020404" pitchFamily="49" charset="0"/>
+              </a:rPr>
+              <a:t>for(</a:t>
+            </a:r>
+            <a:r>
+              <a:rPr lang="en-US" altLang="zh-CN" sz="2000" b="1" dirty="0">
+                <a:solidFill>
+                  <a:schemeClr val="hlink"/>
+                </a:solidFill>
+                <a:latin typeface="Courier New" panose="02070309020205020404" pitchFamily="49" charset="0"/>
+              </a:rPr>
+              <a:t>int j=l-&gt;tail;</a:t>
+            </a:r>
           </a:p>
           <a:p>
             <a:pPr>
@@ -18244,28 +18928,40 @@
               <a:buNone/>
             </a:pPr>
             <a:r>
-              <a:rPr lang="en-US" altLang="zh-CN" sz="2000" b="1">
+              <a:rPr lang="en-US" altLang="zh-CN" sz="2000" b="1" dirty="0">
+                <a:solidFill>
+                  <a:schemeClr val="hlink"/>
+                </a:solidFill>
                 <a:latin typeface="Courier New" panose="02070309020205020404" pitchFamily="49" charset="0"/>
               </a:rPr>
-              <a:t>  </a:t>
-            </a:r>
-            <a:r>
-              <a:rPr lang="en-US" altLang="zh-CN" sz="2000" b="1">
+              <a:t>             j&gt;</a:t>
+            </a:r>
+            <a:r>
+              <a:rPr lang="en-US" altLang="zh-CN" sz="2000" b="1" dirty="0" err="1">
+                <a:solidFill>
+                  <a:schemeClr val="hlink"/>
+                </a:solidFill>
+                <a:latin typeface="Courier New" panose="02070309020205020404" pitchFamily="49" charset="0"/>
+              </a:rPr>
+              <a:t>i</a:t>
+            </a:r>
+            <a:r>
+              <a:rPr lang="en-US" altLang="zh-CN" sz="2000" b="1" dirty="0">
+                <a:solidFill>
+                  <a:schemeClr val="hlink"/>
+                </a:solidFill>
+                <a:latin typeface="Courier New" panose="02070309020205020404" pitchFamily="49" charset="0"/>
+              </a:rPr>
+              <a:t>; j--</a:t>
+            </a:r>
+            <a:r>
+              <a:rPr lang="en-US" altLang="zh-CN" sz="2000" b="1" dirty="0">
                 <a:solidFill>
                   <a:schemeClr val="folHlink"/>
                 </a:solidFill>
                 <a:latin typeface="Courier New" panose="02070309020205020404" pitchFamily="49" charset="0"/>
               </a:rPr>
-              <a:t>for (</a:t>
-            </a:r>
-            <a:r>
-              <a:rPr lang="en-US" altLang="zh-CN" sz="2000" b="1">
-                <a:solidFill>
-                  <a:schemeClr val="hlink"/>
-                </a:solidFill>
-                <a:latin typeface="Courier New" panose="02070309020205020404" pitchFamily="49" charset="0"/>
-              </a:rPr>
-              <a:t>int j=l-&gt;tail;</a:t>
+              <a:t>)</a:t>
             </a:r>
           </a:p>
           <a:p>
@@ -18277,22 +18973,13 @@
               <a:buNone/>
             </a:pPr>
             <a:r>
-              <a:rPr lang="en-US" altLang="zh-CN" sz="2000" b="1">
-                <a:solidFill>
-                  <a:schemeClr val="hlink"/>
+              <a:rPr lang="en-US" altLang="zh-CN" sz="2000" b="1" dirty="0">
+                <a:solidFill>
+                  <a:schemeClr val="folHlink"/>
                 </a:solidFill>
                 <a:latin typeface="Courier New" panose="02070309020205020404" pitchFamily="49" charset="0"/>
               </a:rPr>
-              <a:t>             j&gt;i; j--</a:t>
-            </a:r>
-            <a:r>
-              <a:rPr lang="en-US" altLang="zh-CN" sz="2000" b="1">
-                <a:solidFill>
-                  <a:schemeClr val="folHlink"/>
-                </a:solidFill>
-                <a:latin typeface="Courier New" panose="02070309020205020404" pitchFamily="49" charset="0"/>
-              </a:rPr>
-              <a:t>)</a:t>
+              <a:t>    (l-&gt;array)[j] =</a:t>
             </a:r>
           </a:p>
           <a:p>
@@ -18304,13 +18991,13 @@
               <a:buNone/>
             </a:pPr>
             <a:r>
-              <a:rPr lang="en-US" altLang="zh-CN" sz="2000" b="1">
+              <a:rPr lang="en-US" altLang="zh-CN" sz="2000" b="1" dirty="0">
                 <a:solidFill>
                   <a:schemeClr val="folHlink"/>
                 </a:solidFill>
                 <a:latin typeface="Courier New" panose="02070309020205020404" pitchFamily="49" charset="0"/>
               </a:rPr>
-              <a:t>    (l-&gt;array)[j] =</a:t>
+              <a:t>        (l-&gt;array)[j-1];</a:t>
             </a:r>
           </a:p>
           <a:p>
@@ -18322,13 +19009,13 @@
               <a:buNone/>
             </a:pPr>
             <a:r>
-              <a:rPr lang="en-US" altLang="zh-CN" sz="2000" b="1">
+              <a:rPr lang="en-US" altLang="zh-CN" sz="2000" b="1" dirty="0">
                 <a:solidFill>
                   <a:schemeClr val="folHlink"/>
                 </a:solidFill>
                 <a:latin typeface="Courier New" panose="02070309020205020404" pitchFamily="49" charset="0"/>
               </a:rPr>
-              <a:t>        (l-&gt;array)[j-1];</a:t>
+              <a:t>  …;</a:t>
             </a:r>
           </a:p>
           <a:p>
@@ -18340,13 +19027,13 @@
               <a:buNone/>
             </a:pPr>
             <a:r>
-              <a:rPr lang="en-US" altLang="zh-CN" sz="2000" b="1">
+              <a:rPr lang="en-US" altLang="zh-CN" sz="2000" b="1" dirty="0">
                 <a:solidFill>
                   <a:schemeClr val="folHlink"/>
                 </a:solidFill>
                 <a:latin typeface="Courier New" panose="02070309020205020404" pitchFamily="49" charset="0"/>
               </a:rPr>
-              <a:t>  …;</a:t>
+              <a:t>}</a:t>
             </a:r>
           </a:p>
           <a:p>
@@ -18357,25 +19044,7 @@
               <a:buFont typeface="Wingdings" pitchFamily="2" charset="2"/>
               <a:buNone/>
             </a:pPr>
-            <a:r>
-              <a:rPr lang="en-US" altLang="zh-CN" sz="2000" b="1">
-                <a:solidFill>
-                  <a:schemeClr val="folHlink"/>
-                </a:solidFill>
-                <a:latin typeface="Courier New" panose="02070309020205020404" pitchFamily="49" charset="0"/>
-              </a:rPr>
-              <a:t>}</a:t>
-            </a:r>
-          </a:p>
-          <a:p>
-            <a:pPr>
-              <a:lnSpc>
-                <a:spcPct val="90000"/>
-              </a:lnSpc>
-              <a:buFont typeface="Wingdings" pitchFamily="2" charset="2"/>
-              <a:buNone/>
-            </a:pPr>
-            <a:endParaRPr lang="en-US" altLang="zh-CN" sz="2000" b="1">
+            <a:endParaRPr lang="en-US" altLang="zh-CN" sz="2000" b="1" dirty="0">
               <a:solidFill>
                 <a:schemeClr val="folHlink"/>
               </a:solidFill>
@@ -19967,13 +20636,67 @@
               <a:buNone/>
             </a:pPr>
             <a:r>
-              <a:rPr lang="en-US" altLang="zh-CN" sz="2000" b="1">
+              <a:rPr lang="en-US" altLang="zh-CN" sz="2000" b="1" dirty="0">
                 <a:solidFill>
                   <a:schemeClr val="folHlink"/>
                 </a:solidFill>
                 <a:latin typeface="Courier New" panose="02070309020205020404" pitchFamily="49" charset="0"/>
               </a:rPr>
-              <a:t>void List_insert (List_t l, poly x, int i)</a:t>
+              <a:t>void </a:t>
+            </a:r>
+            <a:r>
+              <a:rPr lang="en-US" altLang="zh-CN" sz="2000" b="1" dirty="0" err="1">
+                <a:solidFill>
+                  <a:schemeClr val="folHlink"/>
+                </a:solidFill>
+                <a:latin typeface="Courier New" panose="02070309020205020404" pitchFamily="49" charset="0"/>
+              </a:rPr>
+              <a:t>List_insert</a:t>
+            </a:r>
+            <a:r>
+              <a:rPr lang="en-US" altLang="zh-CN" sz="2000" b="1" dirty="0">
+                <a:solidFill>
+                  <a:schemeClr val="folHlink"/>
+                </a:solidFill>
+                <a:latin typeface="Courier New" panose="02070309020205020404" pitchFamily="49" charset="0"/>
+              </a:rPr>
+              <a:t>(</a:t>
+            </a:r>
+            <a:r>
+              <a:rPr lang="en-US" altLang="zh-CN" sz="2000" b="1" dirty="0" err="1">
+                <a:solidFill>
+                  <a:schemeClr val="folHlink"/>
+                </a:solidFill>
+                <a:latin typeface="Courier New" panose="02070309020205020404" pitchFamily="49" charset="0"/>
+              </a:rPr>
+              <a:t>List_t</a:t>
+            </a:r>
+            <a:r>
+              <a:rPr lang="en-US" altLang="zh-CN" sz="2000" b="1" dirty="0">
+                <a:solidFill>
+                  <a:schemeClr val="folHlink"/>
+                </a:solidFill>
+                <a:latin typeface="Courier New" panose="02070309020205020404" pitchFamily="49" charset="0"/>
+              </a:rPr>
+              <a:t> l, poly x, int </a:t>
+            </a:r>
+            <a:r>
+              <a:rPr lang="en-US" altLang="zh-CN" sz="2000" b="1" dirty="0" err="1">
+                <a:solidFill>
+                  <a:schemeClr val="folHlink"/>
+                </a:solidFill>
+                <a:latin typeface="Courier New" panose="02070309020205020404" pitchFamily="49" charset="0"/>
+              </a:rPr>
+              <a:t>i</a:t>
+            </a:r>
+            <a:r>
+              <a:rPr lang="en-US" altLang="zh-CN" sz="2000" b="1" dirty="0">
+                <a:solidFill>
+                  <a:schemeClr val="folHlink"/>
+                </a:solidFill>
+                <a:latin typeface="Courier New" panose="02070309020205020404" pitchFamily="49" charset="0"/>
+              </a:rPr>
+              <a:t>){</a:t>
             </a:r>
           </a:p>
           <a:p>
@@ -19985,13 +20708,49 @@
               <a:buNone/>
             </a:pPr>
             <a:r>
-              <a:rPr lang="en-US" altLang="zh-CN" sz="2000" b="1">
+              <a:rPr lang="en-US" altLang="zh-CN" sz="2000" b="1" dirty="0">
                 <a:solidFill>
                   <a:schemeClr val="folHlink"/>
                 </a:solidFill>
                 <a:latin typeface="Courier New" panose="02070309020205020404" pitchFamily="49" charset="0"/>
               </a:rPr>
-              <a:t>{</a:t>
+              <a:t>  if(</a:t>
+            </a:r>
+            <a:r>
+              <a:rPr lang="en-US" altLang="zh-CN" sz="2000" b="1" dirty="0" err="1">
+                <a:solidFill>
+                  <a:schemeClr val="folHlink"/>
+                </a:solidFill>
+                <a:latin typeface="Courier New" panose="02070309020205020404" pitchFamily="49" charset="0"/>
+              </a:rPr>
+              <a:t>i</a:t>
+            </a:r>
+            <a:r>
+              <a:rPr lang="en-US" altLang="zh-CN" sz="2000" b="1" dirty="0">
+                <a:solidFill>
+                  <a:schemeClr val="folHlink"/>
+                </a:solidFill>
+                <a:latin typeface="Courier New" panose="02070309020205020404" pitchFamily="49" charset="0"/>
+              </a:rPr>
+              <a:t>&lt;0 || </a:t>
+            </a:r>
+            <a:r>
+              <a:rPr lang="en-US" altLang="zh-CN" sz="2000" b="1" dirty="0" err="1">
+                <a:solidFill>
+                  <a:schemeClr val="folHlink"/>
+                </a:solidFill>
+                <a:latin typeface="Courier New" panose="02070309020205020404" pitchFamily="49" charset="0"/>
+              </a:rPr>
+              <a:t>i</a:t>
+            </a:r>
+            <a:r>
+              <a:rPr lang="en-US" altLang="zh-CN" sz="2000" b="1" dirty="0">
+                <a:solidFill>
+                  <a:schemeClr val="folHlink"/>
+                </a:solidFill>
+                <a:latin typeface="Courier New" panose="02070309020205020404" pitchFamily="49" charset="0"/>
+              </a:rPr>
+              <a:t>&gt;l-&gt;tail)</a:t>
             </a:r>
           </a:p>
           <a:p>
@@ -20003,13 +20762,13 @@
               <a:buNone/>
             </a:pPr>
             <a:r>
-              <a:rPr lang="en-US" altLang="zh-CN" sz="2000" b="1">
+              <a:rPr lang="en-US" altLang="zh-CN" sz="2000" b="1" dirty="0">
                 <a:solidFill>
                   <a:schemeClr val="folHlink"/>
                 </a:solidFill>
                 <a:latin typeface="Courier New" panose="02070309020205020404" pitchFamily="49" charset="0"/>
               </a:rPr>
-              <a:t>  if (i&lt;0 || i&gt;l-&gt;tail)</a:t>
+              <a:t>    error(“invalid index”);</a:t>
             </a:r>
           </a:p>
           <a:p>
@@ -20020,15 +20779,12 @@
               <a:buFont typeface="Wingdings" pitchFamily="2" charset="2"/>
               <a:buNone/>
             </a:pPr>
-            <a:r>
-              <a:rPr lang="en-US" altLang="zh-CN" sz="2000" b="1">
-                <a:solidFill>
-                  <a:schemeClr val="folHlink"/>
-                </a:solidFill>
-                <a:latin typeface="Courier New" panose="02070309020205020404" pitchFamily="49" charset="0"/>
-              </a:rPr>
-              <a:t>    error (“invalid index”);</a:t>
-            </a:r>
+            <a:endParaRPr lang="en-US" altLang="zh-CN" sz="2000" b="1" dirty="0">
+              <a:solidFill>
+                <a:schemeClr val="folHlink"/>
+              </a:solidFill>
+              <a:latin typeface="Courier New" panose="02070309020205020404" pitchFamily="49" charset="0"/>
+            </a:endParaRPr>
           </a:p>
           <a:p>
             <a:pPr>
@@ -20038,12 +20794,24 @@
               <a:buFont typeface="Wingdings" pitchFamily="2" charset="2"/>
               <a:buNone/>
             </a:pPr>
-            <a:endParaRPr lang="en-US" altLang="zh-CN" sz="2000" b="1">
-              <a:solidFill>
-                <a:schemeClr val="folHlink"/>
-              </a:solidFill>
-              <a:latin typeface="Courier New" panose="02070309020205020404" pitchFamily="49" charset="0"/>
-            </a:endParaRPr>
+            <a:r>
+              <a:rPr lang="en-US" altLang="zh-CN" sz="2000" b="1" dirty="0">
+                <a:solidFill>
+                  <a:schemeClr val="folHlink"/>
+                </a:solidFill>
+                <a:latin typeface="Courier New" panose="02070309020205020404" pitchFamily="49" charset="0"/>
+              </a:rPr>
+              <a:t>  for(</a:t>
+            </a:r>
+            <a:r>
+              <a:rPr lang="en-US" altLang="zh-CN" sz="2000" b="1" dirty="0">
+                <a:solidFill>
+                  <a:schemeClr val="hlink"/>
+                </a:solidFill>
+                <a:latin typeface="Courier New" panose="02070309020205020404" pitchFamily="49" charset="0"/>
+              </a:rPr>
+              <a:t>int j=l-&gt;tail;</a:t>
+            </a:r>
           </a:p>
           <a:p>
             <a:pPr>
@@ -20054,22 +20822,40 @@
               <a:buNone/>
             </a:pPr>
             <a:r>
-              <a:rPr lang="en-US" altLang="zh-CN" sz="2000" b="1">
+              <a:rPr lang="en-US" altLang="zh-CN" sz="2000" b="1" dirty="0">
+                <a:solidFill>
+                  <a:schemeClr val="hlink"/>
+                </a:solidFill>
+                <a:latin typeface="Courier New" panose="02070309020205020404" pitchFamily="49" charset="0"/>
+              </a:rPr>
+              <a:t>             j&gt;</a:t>
+            </a:r>
+            <a:r>
+              <a:rPr lang="en-US" altLang="zh-CN" sz="2000" b="1" dirty="0" err="1">
+                <a:solidFill>
+                  <a:schemeClr val="hlink"/>
+                </a:solidFill>
+                <a:latin typeface="Courier New" panose="02070309020205020404" pitchFamily="49" charset="0"/>
+              </a:rPr>
+              <a:t>i</a:t>
+            </a:r>
+            <a:r>
+              <a:rPr lang="en-US" altLang="zh-CN" sz="2000" b="1" dirty="0">
+                <a:solidFill>
+                  <a:schemeClr val="hlink"/>
+                </a:solidFill>
+                <a:latin typeface="Courier New" panose="02070309020205020404" pitchFamily="49" charset="0"/>
+              </a:rPr>
+              <a:t>; j--</a:t>
+            </a:r>
+            <a:r>
+              <a:rPr lang="en-US" altLang="zh-CN" sz="2000" b="1" dirty="0">
                 <a:solidFill>
                   <a:schemeClr val="folHlink"/>
                 </a:solidFill>
                 <a:latin typeface="Courier New" panose="02070309020205020404" pitchFamily="49" charset="0"/>
               </a:rPr>
-              <a:t>  for (</a:t>
-            </a:r>
-            <a:r>
-              <a:rPr lang="en-US" altLang="zh-CN" sz="2000" b="1">
-                <a:solidFill>
-                  <a:schemeClr val="hlink"/>
-                </a:solidFill>
-                <a:latin typeface="Courier New" panose="02070309020205020404" pitchFamily="49" charset="0"/>
-              </a:rPr>
-              <a:t>int j=l-&gt;tail;</a:t>
+              <a:t>)</a:t>
             </a:r>
           </a:p>
           <a:p>
@@ -20081,22 +20867,13 @@
               <a:buNone/>
             </a:pPr>
             <a:r>
-              <a:rPr lang="en-US" altLang="zh-CN" sz="2000" b="1">
-                <a:solidFill>
-                  <a:schemeClr val="hlink"/>
+              <a:rPr lang="en-US" altLang="zh-CN" sz="2000" b="1" dirty="0">
+                <a:solidFill>
+                  <a:schemeClr val="folHlink"/>
                 </a:solidFill>
                 <a:latin typeface="Courier New" panose="02070309020205020404" pitchFamily="49" charset="0"/>
               </a:rPr>
-              <a:t>             j&gt;i; j--</a:t>
-            </a:r>
-            <a:r>
-              <a:rPr lang="en-US" altLang="zh-CN" sz="2000" b="1">
-                <a:solidFill>
-                  <a:schemeClr val="folHlink"/>
-                </a:solidFill>
-                <a:latin typeface="Courier New" panose="02070309020205020404" pitchFamily="49" charset="0"/>
-              </a:rPr>
-              <a:t>)</a:t>
+              <a:t>    (l-&gt;array)[j] =</a:t>
             </a:r>
           </a:p>
           <a:p>
@@ -20108,13 +20885,13 @@
               <a:buNone/>
             </a:pPr>
             <a:r>
-              <a:rPr lang="en-US" altLang="zh-CN" sz="2000" b="1">
+              <a:rPr lang="en-US" altLang="zh-CN" sz="2000" b="1" dirty="0">
                 <a:solidFill>
                   <a:schemeClr val="folHlink"/>
                 </a:solidFill>
                 <a:latin typeface="Courier New" panose="02070309020205020404" pitchFamily="49" charset="0"/>
               </a:rPr>
-              <a:t>    (l-&gt;array)[j] =</a:t>
+              <a:t>        (l-&gt;array)[j-1];</a:t>
             </a:r>
           </a:p>
           <a:p>
@@ -20126,13 +20903,13 @@
               <a:buNone/>
             </a:pPr>
             <a:r>
-              <a:rPr lang="en-US" altLang="zh-CN" sz="2000" b="1">
+              <a:rPr lang="en-US" altLang="zh-CN" sz="2000" b="1" dirty="0">
                 <a:solidFill>
                   <a:schemeClr val="folHlink"/>
                 </a:solidFill>
                 <a:latin typeface="Courier New" panose="02070309020205020404" pitchFamily="49" charset="0"/>
               </a:rPr>
-              <a:t>        (l-&gt;array)[j-1];</a:t>
+              <a:t>  …;</a:t>
             </a:r>
           </a:p>
           <a:p>
@@ -20144,13 +20921,13 @@
               <a:buNone/>
             </a:pPr>
             <a:r>
-              <a:rPr lang="en-US" altLang="zh-CN" sz="2000" b="1">
+              <a:rPr lang="en-US" altLang="zh-CN" sz="2000" b="1" dirty="0">
                 <a:solidFill>
                   <a:schemeClr val="folHlink"/>
                 </a:solidFill>
                 <a:latin typeface="Courier New" panose="02070309020205020404" pitchFamily="49" charset="0"/>
               </a:rPr>
-              <a:t>  …;</a:t>
+              <a:t>}</a:t>
             </a:r>
           </a:p>
           <a:p>
@@ -20161,25 +20938,7 @@
               <a:buFont typeface="Wingdings" pitchFamily="2" charset="2"/>
               <a:buNone/>
             </a:pPr>
-            <a:r>
-              <a:rPr lang="en-US" altLang="zh-CN" sz="2000" b="1">
-                <a:solidFill>
-                  <a:schemeClr val="folHlink"/>
-                </a:solidFill>
-                <a:latin typeface="Courier New" panose="02070309020205020404" pitchFamily="49" charset="0"/>
-              </a:rPr>
-              <a:t>}</a:t>
-            </a:r>
-          </a:p>
-          <a:p>
-            <a:pPr>
-              <a:lnSpc>
-                <a:spcPct val="90000"/>
-              </a:lnSpc>
-              <a:buFont typeface="Wingdings" pitchFamily="2" charset="2"/>
-              <a:buNone/>
-            </a:pPr>
-            <a:endParaRPr lang="en-US" altLang="zh-CN" sz="2000" b="1">
+            <a:endParaRPr lang="en-US" altLang="zh-CN" sz="2000" b="1" dirty="0">
               <a:solidFill>
                 <a:schemeClr val="folHlink"/>
               </a:solidFill>
@@ -21688,13 +22447,67 @@
               <a:buNone/>
             </a:pPr>
             <a:r>
-              <a:rPr lang="en-US" altLang="zh-CN" sz="2000" b="1">
+              <a:rPr lang="en-US" altLang="zh-CN" sz="2000" b="1" dirty="0">
                 <a:solidFill>
                   <a:schemeClr val="folHlink"/>
                 </a:solidFill>
                 <a:latin typeface="Courier New" panose="02070309020205020404" pitchFamily="49" charset="0"/>
               </a:rPr>
-              <a:t>void List_insert (List_t l, poly x, int i)</a:t>
+              <a:t>void </a:t>
+            </a:r>
+            <a:r>
+              <a:rPr lang="en-US" altLang="zh-CN" sz="2000" b="1" dirty="0" err="1">
+                <a:solidFill>
+                  <a:schemeClr val="folHlink"/>
+                </a:solidFill>
+                <a:latin typeface="Courier New" panose="02070309020205020404" pitchFamily="49" charset="0"/>
+              </a:rPr>
+              <a:t>List_insert</a:t>
+            </a:r>
+            <a:r>
+              <a:rPr lang="en-US" altLang="zh-CN" sz="2000" b="1" dirty="0">
+                <a:solidFill>
+                  <a:schemeClr val="folHlink"/>
+                </a:solidFill>
+                <a:latin typeface="Courier New" panose="02070309020205020404" pitchFamily="49" charset="0"/>
+              </a:rPr>
+              <a:t>(</a:t>
+            </a:r>
+            <a:r>
+              <a:rPr lang="en-US" altLang="zh-CN" sz="2000" b="1" dirty="0" err="1">
+                <a:solidFill>
+                  <a:schemeClr val="folHlink"/>
+                </a:solidFill>
+                <a:latin typeface="Courier New" panose="02070309020205020404" pitchFamily="49" charset="0"/>
+              </a:rPr>
+              <a:t>List_t</a:t>
+            </a:r>
+            <a:r>
+              <a:rPr lang="en-US" altLang="zh-CN" sz="2000" b="1" dirty="0">
+                <a:solidFill>
+                  <a:schemeClr val="folHlink"/>
+                </a:solidFill>
+                <a:latin typeface="Courier New" panose="02070309020205020404" pitchFamily="49" charset="0"/>
+              </a:rPr>
+              <a:t> l, poly x, int </a:t>
+            </a:r>
+            <a:r>
+              <a:rPr lang="en-US" altLang="zh-CN" sz="2000" b="1" dirty="0" err="1">
+                <a:solidFill>
+                  <a:schemeClr val="folHlink"/>
+                </a:solidFill>
+                <a:latin typeface="Courier New" panose="02070309020205020404" pitchFamily="49" charset="0"/>
+              </a:rPr>
+              <a:t>i</a:t>
+            </a:r>
+            <a:r>
+              <a:rPr lang="en-US" altLang="zh-CN" sz="2000" b="1" dirty="0">
+                <a:solidFill>
+                  <a:schemeClr val="folHlink"/>
+                </a:solidFill>
+                <a:latin typeface="Courier New" panose="02070309020205020404" pitchFamily="49" charset="0"/>
+              </a:rPr>
+              <a:t>){</a:t>
             </a:r>
           </a:p>
           <a:p>
@@ -21706,13 +22519,49 @@
               <a:buNone/>
             </a:pPr>
             <a:r>
-              <a:rPr lang="en-US" altLang="zh-CN" sz="2000" b="1">
+              <a:rPr lang="en-US" altLang="zh-CN" sz="2000" b="1" dirty="0">
                 <a:solidFill>
                   <a:schemeClr val="folHlink"/>
                 </a:solidFill>
                 <a:latin typeface="Courier New" panose="02070309020205020404" pitchFamily="49" charset="0"/>
               </a:rPr>
-              <a:t>{</a:t>
+              <a:t>  if(</a:t>
+            </a:r>
+            <a:r>
+              <a:rPr lang="en-US" altLang="zh-CN" sz="2000" b="1" dirty="0" err="1">
+                <a:solidFill>
+                  <a:schemeClr val="folHlink"/>
+                </a:solidFill>
+                <a:latin typeface="Courier New" panose="02070309020205020404" pitchFamily="49" charset="0"/>
+              </a:rPr>
+              <a:t>i</a:t>
+            </a:r>
+            <a:r>
+              <a:rPr lang="en-US" altLang="zh-CN" sz="2000" b="1" dirty="0">
+                <a:solidFill>
+                  <a:schemeClr val="folHlink"/>
+                </a:solidFill>
+                <a:latin typeface="Courier New" panose="02070309020205020404" pitchFamily="49" charset="0"/>
+              </a:rPr>
+              <a:t>&lt;0 || </a:t>
+            </a:r>
+            <a:r>
+              <a:rPr lang="en-US" altLang="zh-CN" sz="2000" b="1" dirty="0" err="1">
+                <a:solidFill>
+                  <a:schemeClr val="folHlink"/>
+                </a:solidFill>
+                <a:latin typeface="Courier New" panose="02070309020205020404" pitchFamily="49" charset="0"/>
+              </a:rPr>
+              <a:t>i</a:t>
+            </a:r>
+            <a:r>
+              <a:rPr lang="en-US" altLang="zh-CN" sz="2000" b="1" dirty="0">
+                <a:solidFill>
+                  <a:schemeClr val="folHlink"/>
+                </a:solidFill>
+                <a:latin typeface="Courier New" panose="02070309020205020404" pitchFamily="49" charset="0"/>
+              </a:rPr>
+              <a:t>&gt;l-&gt;tail)</a:t>
             </a:r>
           </a:p>
           <a:p>
@@ -21724,13 +22573,13 @@
               <a:buNone/>
             </a:pPr>
             <a:r>
-              <a:rPr lang="en-US" altLang="zh-CN" sz="2000" b="1">
+              <a:rPr lang="en-US" altLang="zh-CN" sz="2000" b="1" dirty="0">
                 <a:solidFill>
                   <a:schemeClr val="folHlink"/>
                 </a:solidFill>
                 <a:latin typeface="Courier New" panose="02070309020205020404" pitchFamily="49" charset="0"/>
               </a:rPr>
-              <a:t>  if (i&lt;0 || i&gt;l-&gt;tail)</a:t>
+              <a:t>    error(“invalid index”);</a:t>
             </a:r>
           </a:p>
           <a:p>
@@ -21741,15 +22590,12 @@
               <a:buFont typeface="Wingdings" pitchFamily="2" charset="2"/>
               <a:buNone/>
             </a:pPr>
-            <a:r>
-              <a:rPr lang="en-US" altLang="zh-CN" sz="2000" b="1">
-                <a:solidFill>
-                  <a:schemeClr val="folHlink"/>
-                </a:solidFill>
-                <a:latin typeface="Courier New" panose="02070309020205020404" pitchFamily="49" charset="0"/>
-              </a:rPr>
-              <a:t>    error (“invalid index”);</a:t>
-            </a:r>
+            <a:endParaRPr lang="en-US" altLang="zh-CN" sz="2000" b="1" dirty="0">
+              <a:solidFill>
+                <a:schemeClr val="folHlink"/>
+              </a:solidFill>
+              <a:latin typeface="Courier New" panose="02070309020205020404" pitchFamily="49" charset="0"/>
+            </a:endParaRPr>
           </a:p>
           <a:p>
             <a:pPr>
@@ -21759,12 +22605,15 @@
               <a:buFont typeface="Wingdings" pitchFamily="2" charset="2"/>
               <a:buNone/>
             </a:pPr>
-            <a:endParaRPr lang="en-US" altLang="zh-CN" sz="2000" b="1">
-              <a:solidFill>
-                <a:schemeClr val="folHlink"/>
-              </a:solidFill>
-              <a:latin typeface="Courier New" panose="02070309020205020404" pitchFamily="49" charset="0"/>
-            </a:endParaRPr>
+            <a:r>
+              <a:rPr lang="en-US" altLang="zh-CN" sz="2000" b="1" dirty="0">
+                <a:solidFill>
+                  <a:schemeClr val="folHlink"/>
+                </a:solidFill>
+                <a:latin typeface="Courier New" panose="02070309020205020404" pitchFamily="49" charset="0"/>
+              </a:rPr>
+              <a:t>  for(int j=l-&gt;tail;</a:t>
+            </a:r>
           </a:p>
           <a:p>
             <a:pPr>
@@ -21775,13 +22624,31 @@
               <a:buNone/>
             </a:pPr>
             <a:r>
-              <a:rPr lang="en-US" altLang="zh-CN" sz="2000" b="1">
+              <a:rPr lang="en-US" altLang="zh-CN" sz="2000" b="1" dirty="0">
                 <a:solidFill>
                   <a:schemeClr val="folHlink"/>
                 </a:solidFill>
                 <a:latin typeface="Courier New" panose="02070309020205020404" pitchFamily="49" charset="0"/>
               </a:rPr>
-              <a:t>  for (int j=l-&gt;tail;</a:t>
+              <a:t>             j&gt;</a:t>
+            </a:r>
+            <a:r>
+              <a:rPr lang="en-US" altLang="zh-CN" sz="2000" b="1" dirty="0" err="1">
+                <a:solidFill>
+                  <a:schemeClr val="folHlink"/>
+                </a:solidFill>
+                <a:latin typeface="Courier New" panose="02070309020205020404" pitchFamily="49" charset="0"/>
+              </a:rPr>
+              <a:t>i</a:t>
+            </a:r>
+            <a:r>
+              <a:rPr lang="en-US" altLang="zh-CN" sz="2000" b="1" dirty="0">
+                <a:solidFill>
+                  <a:schemeClr val="folHlink"/>
+                </a:solidFill>
+                <a:latin typeface="Courier New" panose="02070309020205020404" pitchFamily="49" charset="0"/>
+              </a:rPr>
+              <a:t>; j--)</a:t>
             </a:r>
           </a:p>
           <a:p>
@@ -21793,13 +22660,13 @@
               <a:buNone/>
             </a:pPr>
             <a:r>
-              <a:rPr lang="en-US" altLang="zh-CN" sz="2000" b="1">
+              <a:rPr lang="en-US" altLang="zh-CN" sz="2000" b="1" dirty="0">
                 <a:solidFill>
                   <a:schemeClr val="folHlink"/>
                 </a:solidFill>
                 <a:latin typeface="Courier New" panose="02070309020205020404" pitchFamily="49" charset="0"/>
               </a:rPr>
-              <a:t>             j&gt;i; j--)</a:t>
+              <a:t>    (l-&gt;array)[j] =</a:t>
             </a:r>
           </a:p>
           <a:p>
@@ -21811,13 +22678,13 @@
               <a:buNone/>
             </a:pPr>
             <a:r>
-              <a:rPr lang="en-US" altLang="zh-CN" sz="2000" b="1">
+              <a:rPr lang="en-US" altLang="zh-CN" sz="2000" b="1" dirty="0">
                 <a:solidFill>
                   <a:schemeClr val="folHlink"/>
                 </a:solidFill>
                 <a:latin typeface="Courier New" panose="02070309020205020404" pitchFamily="49" charset="0"/>
               </a:rPr>
-              <a:t>    (l-&gt;array)[j] =</a:t>
+              <a:t>        (l-&gt;array)[j-1];</a:t>
             </a:r>
           </a:p>
           <a:p>
@@ -21829,13 +22696,13 @@
               <a:buNone/>
             </a:pPr>
             <a:r>
-              <a:rPr lang="en-US" altLang="zh-CN" sz="2000" b="1">
+              <a:rPr lang="en-US" altLang="zh-CN" sz="2000" b="1" dirty="0">
                 <a:solidFill>
                   <a:schemeClr val="folHlink"/>
                 </a:solidFill>
                 <a:latin typeface="Courier New" panose="02070309020205020404" pitchFamily="49" charset="0"/>
               </a:rPr>
-              <a:t>        (l-&gt;array)[j-1];</a:t>
+              <a:t>  …;</a:t>
             </a:r>
           </a:p>
           <a:p>
@@ -21847,13 +22714,13 @@
               <a:buNone/>
             </a:pPr>
             <a:r>
-              <a:rPr lang="en-US" altLang="zh-CN" sz="2000" b="1">
+              <a:rPr lang="en-US" altLang="zh-CN" sz="2000" b="1" dirty="0">
                 <a:solidFill>
                   <a:schemeClr val="folHlink"/>
                 </a:solidFill>
                 <a:latin typeface="Courier New" panose="02070309020205020404" pitchFamily="49" charset="0"/>
               </a:rPr>
-              <a:t>  …;</a:t>
+              <a:t>}</a:t>
             </a:r>
           </a:p>
           <a:p>
@@ -21864,25 +22731,7 @@
               <a:buFont typeface="Wingdings" pitchFamily="2" charset="2"/>
               <a:buNone/>
             </a:pPr>
-            <a:r>
-              <a:rPr lang="en-US" altLang="zh-CN" sz="2000" b="1">
-                <a:solidFill>
-                  <a:schemeClr val="folHlink"/>
-                </a:solidFill>
-                <a:latin typeface="Courier New" panose="02070309020205020404" pitchFamily="49" charset="0"/>
-              </a:rPr>
-              <a:t>}</a:t>
-            </a:r>
-          </a:p>
-          <a:p>
-            <a:pPr>
-              <a:lnSpc>
-                <a:spcPct val="90000"/>
-              </a:lnSpc>
-              <a:buFont typeface="Wingdings" pitchFamily="2" charset="2"/>
-              <a:buNone/>
-            </a:pPr>
-            <a:endParaRPr lang="en-US" altLang="zh-CN" sz="2000" b="1">
+            <a:endParaRPr lang="en-US" altLang="zh-CN" sz="2000" b="1" dirty="0">
               <a:solidFill>
                 <a:schemeClr val="folHlink"/>
               </a:solidFill>
@@ -23391,13 +24240,67 @@
               <a:buNone/>
             </a:pPr>
             <a:r>
-              <a:rPr lang="en-US" altLang="zh-CN" sz="2000" b="1">
+              <a:rPr lang="en-US" altLang="zh-CN" sz="2000" b="1" dirty="0">
                 <a:solidFill>
                   <a:schemeClr val="folHlink"/>
                 </a:solidFill>
                 <a:latin typeface="Courier New" panose="02070309020205020404" pitchFamily="49" charset="0"/>
               </a:rPr>
-              <a:t>void List_insert (List_t l, void *x, int i)</a:t>
+              <a:t>void </a:t>
+            </a:r>
+            <a:r>
+              <a:rPr lang="en-US" altLang="zh-CN" sz="2000" b="1" dirty="0" err="1">
+                <a:solidFill>
+                  <a:schemeClr val="folHlink"/>
+                </a:solidFill>
+                <a:latin typeface="Courier New" panose="02070309020205020404" pitchFamily="49" charset="0"/>
+              </a:rPr>
+              <a:t>List_insert</a:t>
+            </a:r>
+            <a:r>
+              <a:rPr lang="en-US" altLang="zh-CN" sz="2000" b="1" dirty="0">
+                <a:solidFill>
+                  <a:schemeClr val="folHlink"/>
+                </a:solidFill>
+                <a:latin typeface="Courier New" panose="02070309020205020404" pitchFamily="49" charset="0"/>
+              </a:rPr>
+              <a:t>(</a:t>
+            </a:r>
+            <a:r>
+              <a:rPr lang="en-US" altLang="zh-CN" sz="2000" b="1" dirty="0" err="1">
+                <a:solidFill>
+                  <a:schemeClr val="folHlink"/>
+                </a:solidFill>
+                <a:latin typeface="Courier New" panose="02070309020205020404" pitchFamily="49" charset="0"/>
+              </a:rPr>
+              <a:t>List_t</a:t>
+            </a:r>
+            <a:r>
+              <a:rPr lang="en-US" altLang="zh-CN" sz="2000" b="1" dirty="0">
+                <a:solidFill>
+                  <a:schemeClr val="folHlink"/>
+                </a:solidFill>
+                <a:latin typeface="Courier New" panose="02070309020205020404" pitchFamily="49" charset="0"/>
+              </a:rPr>
+              <a:t> l, void *x, int </a:t>
+            </a:r>
+            <a:r>
+              <a:rPr lang="en-US" altLang="zh-CN" sz="2000" b="1" dirty="0" err="1">
+                <a:solidFill>
+                  <a:schemeClr val="folHlink"/>
+                </a:solidFill>
+                <a:latin typeface="Courier New" panose="02070309020205020404" pitchFamily="49" charset="0"/>
+              </a:rPr>
+              <a:t>i</a:t>
+            </a:r>
+            <a:r>
+              <a:rPr lang="en-US" altLang="zh-CN" sz="2000" b="1" dirty="0">
+                <a:solidFill>
+                  <a:schemeClr val="folHlink"/>
+                </a:solidFill>
+                <a:latin typeface="Courier New" panose="02070309020205020404" pitchFamily="49" charset="0"/>
+              </a:rPr>
+              <a:t>){</a:t>
             </a:r>
           </a:p>
           <a:p>
@@ -23409,13 +24312,49 @@
               <a:buNone/>
             </a:pPr>
             <a:r>
-              <a:rPr lang="en-US" altLang="zh-CN" sz="2000" b="1">
+              <a:rPr lang="en-US" altLang="zh-CN" sz="2000" b="1" dirty="0">
                 <a:solidFill>
                   <a:schemeClr val="folHlink"/>
                 </a:solidFill>
                 <a:latin typeface="Courier New" panose="02070309020205020404" pitchFamily="49" charset="0"/>
               </a:rPr>
-              <a:t>{</a:t>
+              <a:t>  if(</a:t>
+            </a:r>
+            <a:r>
+              <a:rPr lang="en-US" altLang="zh-CN" sz="2000" b="1" dirty="0" err="1">
+                <a:solidFill>
+                  <a:schemeClr val="folHlink"/>
+                </a:solidFill>
+                <a:latin typeface="Courier New" panose="02070309020205020404" pitchFamily="49" charset="0"/>
+              </a:rPr>
+              <a:t>i</a:t>
+            </a:r>
+            <a:r>
+              <a:rPr lang="en-US" altLang="zh-CN" sz="2000" b="1" dirty="0">
+                <a:solidFill>
+                  <a:schemeClr val="folHlink"/>
+                </a:solidFill>
+                <a:latin typeface="Courier New" panose="02070309020205020404" pitchFamily="49" charset="0"/>
+              </a:rPr>
+              <a:t>&lt;0 || </a:t>
+            </a:r>
+            <a:r>
+              <a:rPr lang="en-US" altLang="zh-CN" sz="2000" b="1" dirty="0" err="1">
+                <a:solidFill>
+                  <a:schemeClr val="folHlink"/>
+                </a:solidFill>
+                <a:latin typeface="Courier New" panose="02070309020205020404" pitchFamily="49" charset="0"/>
+              </a:rPr>
+              <a:t>i</a:t>
+            </a:r>
+            <a:r>
+              <a:rPr lang="en-US" altLang="zh-CN" sz="2000" b="1" dirty="0">
+                <a:solidFill>
+                  <a:schemeClr val="folHlink"/>
+                </a:solidFill>
+                <a:latin typeface="Courier New" panose="02070309020205020404" pitchFamily="49" charset="0"/>
+              </a:rPr>
+              <a:t>&gt;l-&gt;tail)</a:t>
             </a:r>
           </a:p>
           <a:p>
@@ -23427,13 +24366,13 @@
               <a:buNone/>
             </a:pPr>
             <a:r>
-              <a:rPr lang="en-US" altLang="zh-CN" sz="2000" b="1">
+              <a:rPr lang="en-US" altLang="zh-CN" sz="2000" b="1" dirty="0">
                 <a:solidFill>
                   <a:schemeClr val="folHlink"/>
                 </a:solidFill>
                 <a:latin typeface="Courier New" panose="02070309020205020404" pitchFamily="49" charset="0"/>
               </a:rPr>
-              <a:t>  if (i&lt;0 || i&gt;l-&gt;tail)</a:t>
+              <a:t>    error(“invalid index”);</a:t>
             </a:r>
           </a:p>
           <a:p>
@@ -23444,15 +24383,12 @@
               <a:buFont typeface="Wingdings" pitchFamily="2" charset="2"/>
               <a:buNone/>
             </a:pPr>
-            <a:r>
-              <a:rPr lang="en-US" altLang="zh-CN" sz="2000" b="1">
-                <a:solidFill>
-                  <a:schemeClr val="folHlink"/>
-                </a:solidFill>
-                <a:latin typeface="Courier New" panose="02070309020205020404" pitchFamily="49" charset="0"/>
-              </a:rPr>
-              <a:t>    error (“invalid index”);</a:t>
-            </a:r>
+            <a:endParaRPr lang="en-US" altLang="zh-CN" sz="2000" b="1" dirty="0">
+              <a:solidFill>
+                <a:schemeClr val="folHlink"/>
+              </a:solidFill>
+              <a:latin typeface="Courier New" panose="02070309020205020404" pitchFamily="49" charset="0"/>
+            </a:endParaRPr>
           </a:p>
           <a:p>
             <a:pPr>
@@ -23462,12 +24398,15 @@
               <a:buFont typeface="Wingdings" pitchFamily="2" charset="2"/>
               <a:buNone/>
             </a:pPr>
-            <a:endParaRPr lang="en-US" altLang="zh-CN" sz="2000" b="1">
-              <a:solidFill>
-                <a:schemeClr val="folHlink"/>
-              </a:solidFill>
-              <a:latin typeface="Courier New" panose="02070309020205020404" pitchFamily="49" charset="0"/>
-            </a:endParaRPr>
+            <a:r>
+              <a:rPr lang="en-US" altLang="zh-CN" sz="2000" b="1" dirty="0">
+                <a:solidFill>
+                  <a:schemeClr val="folHlink"/>
+                </a:solidFill>
+                <a:latin typeface="Courier New" panose="02070309020205020404" pitchFamily="49" charset="0"/>
+              </a:rPr>
+              <a:t>  for(int j=l-&gt;tail;</a:t>
+            </a:r>
           </a:p>
           <a:p>
             <a:pPr>
@@ -23478,13 +24417,31 @@
               <a:buNone/>
             </a:pPr>
             <a:r>
-              <a:rPr lang="en-US" altLang="zh-CN" sz="2000" b="1">
+              <a:rPr lang="en-US" altLang="zh-CN" sz="2000" b="1" dirty="0">
                 <a:solidFill>
                   <a:schemeClr val="folHlink"/>
                 </a:solidFill>
                 <a:latin typeface="Courier New" panose="02070309020205020404" pitchFamily="49" charset="0"/>
               </a:rPr>
-              <a:t>  for (int j=l-&gt;tail;</a:t>
+              <a:t>             j&gt;</a:t>
+            </a:r>
+            <a:r>
+              <a:rPr lang="en-US" altLang="zh-CN" sz="2000" b="1" dirty="0" err="1">
+                <a:solidFill>
+                  <a:schemeClr val="folHlink"/>
+                </a:solidFill>
+                <a:latin typeface="Courier New" panose="02070309020205020404" pitchFamily="49" charset="0"/>
+              </a:rPr>
+              <a:t>i</a:t>
+            </a:r>
+            <a:r>
+              <a:rPr lang="en-US" altLang="zh-CN" sz="2000" b="1" dirty="0">
+                <a:solidFill>
+                  <a:schemeClr val="folHlink"/>
+                </a:solidFill>
+                <a:latin typeface="Courier New" panose="02070309020205020404" pitchFamily="49" charset="0"/>
+              </a:rPr>
+              <a:t>; j--)</a:t>
             </a:r>
           </a:p>
           <a:p>
@@ -23496,13 +24453,13 @@
               <a:buNone/>
             </a:pPr>
             <a:r>
-              <a:rPr lang="en-US" altLang="zh-CN" sz="2000" b="1">
+              <a:rPr lang="en-US" altLang="zh-CN" sz="2000" b="1" dirty="0">
                 <a:solidFill>
                   <a:schemeClr val="folHlink"/>
                 </a:solidFill>
                 <a:latin typeface="Courier New" panose="02070309020205020404" pitchFamily="49" charset="0"/>
               </a:rPr>
-              <a:t>             j&gt;i; j--)</a:t>
+              <a:t>    (l-&gt;array)[j] =</a:t>
             </a:r>
           </a:p>
           <a:p>
@@ -23514,13 +24471,13 @@
               <a:buNone/>
             </a:pPr>
             <a:r>
-              <a:rPr lang="en-US" altLang="zh-CN" sz="2000" b="1">
+              <a:rPr lang="en-US" altLang="zh-CN" sz="2000" b="1" dirty="0">
                 <a:solidFill>
                   <a:schemeClr val="folHlink"/>
                 </a:solidFill>
                 <a:latin typeface="Courier New" panose="02070309020205020404" pitchFamily="49" charset="0"/>
               </a:rPr>
-              <a:t>    (l-&gt;array)[j] =</a:t>
+              <a:t>        (l-&gt;array)[j-1];</a:t>
             </a:r>
           </a:p>
           <a:p>
@@ -23532,13 +24489,37 @@
               <a:buNone/>
             </a:pPr>
             <a:r>
-              <a:rPr lang="en-US" altLang="zh-CN" sz="2000" b="1">
-                <a:solidFill>
-                  <a:schemeClr val="folHlink"/>
-                </a:solidFill>
+              <a:rPr lang="en-US" altLang="zh-CN" sz="2000" b="1" dirty="0">
                 <a:latin typeface="Courier New" panose="02070309020205020404" pitchFamily="49" charset="0"/>
               </a:rPr>
-              <a:t>        (l-&gt;array)[j-1];</a:t>
+              <a:t>  </a:t>
+            </a:r>
+            <a:r>
+              <a:rPr lang="en-US" altLang="zh-CN" sz="2000" b="1" dirty="0">
+                <a:solidFill>
+                  <a:schemeClr val="hlink"/>
+                </a:solidFill>
+                <a:latin typeface="Courier New" panose="02070309020205020404" pitchFamily="49" charset="0"/>
+              </a:rPr>
+              <a:t>(l-&gt;array)[</a:t>
+            </a:r>
+            <a:r>
+              <a:rPr lang="en-US" altLang="zh-CN" sz="2000" b="1" dirty="0" err="1">
+                <a:solidFill>
+                  <a:schemeClr val="hlink"/>
+                </a:solidFill>
+                <a:latin typeface="Courier New" panose="02070309020205020404" pitchFamily="49" charset="0"/>
+              </a:rPr>
+              <a:t>i</a:t>
+            </a:r>
+            <a:r>
+              <a:rPr lang="en-US" altLang="zh-CN" sz="2000" b="1" dirty="0">
+                <a:solidFill>
+                  <a:schemeClr val="hlink"/>
+                </a:solidFill>
+                <a:latin typeface="Courier New" panose="02070309020205020404" pitchFamily="49" charset="0"/>
+              </a:rPr>
+              <a:t>] = x;</a:t>
             </a:r>
           </a:p>
           <a:p>
@@ -23550,19 +24531,13 @@
               <a:buNone/>
             </a:pPr>
             <a:r>
-              <a:rPr lang="en-US" altLang="zh-CN" sz="2000" b="1">
+              <a:rPr lang="en-US" altLang="zh-CN" sz="2000" b="1" dirty="0">
+                <a:solidFill>
+                  <a:schemeClr val="folHlink"/>
+                </a:solidFill>
                 <a:latin typeface="Courier New" panose="02070309020205020404" pitchFamily="49" charset="0"/>
               </a:rPr>
-              <a:t>  </a:t>
-            </a:r>
-            <a:r>
-              <a:rPr lang="en-US" altLang="zh-CN" sz="2000" b="1">
-                <a:solidFill>
-                  <a:schemeClr val="hlink"/>
-                </a:solidFill>
-                <a:latin typeface="Courier New" panose="02070309020205020404" pitchFamily="49" charset="0"/>
-              </a:rPr>
-              <a:t>(l-&gt;array)[i] = x;</a:t>
+              <a:t>}</a:t>
             </a:r>
           </a:p>
           <a:p>
@@ -23573,25 +24548,7 @@
               <a:buFont typeface="Wingdings" pitchFamily="2" charset="2"/>
               <a:buNone/>
             </a:pPr>
-            <a:r>
-              <a:rPr lang="en-US" altLang="zh-CN" sz="2000" b="1">
-                <a:solidFill>
-                  <a:schemeClr val="folHlink"/>
-                </a:solidFill>
-                <a:latin typeface="Courier New" panose="02070309020205020404" pitchFamily="49" charset="0"/>
-              </a:rPr>
-              <a:t>}</a:t>
-            </a:r>
-          </a:p>
-          <a:p>
-            <a:pPr>
-              <a:lnSpc>
-                <a:spcPct val="90000"/>
-              </a:lnSpc>
-              <a:buFont typeface="Wingdings" pitchFamily="2" charset="2"/>
-              <a:buNone/>
-            </a:pPr>
-            <a:endParaRPr lang="en-US" altLang="zh-CN" sz="2000" b="1">
+            <a:endParaRPr lang="en-US" altLang="zh-CN" sz="2000" b="1" dirty="0">
               <a:solidFill>
                 <a:schemeClr val="folHlink"/>
               </a:solidFill>
@@ -25042,13 +25999,49 @@
               <a:buNone/>
             </a:pPr>
             <a:r>
-              <a:rPr lang="en-US" altLang="zh-CN" sz="2000" b="1">
+              <a:rPr lang="en-US" altLang="zh-CN" sz="2000" b="1" dirty="0">
                 <a:solidFill>
                   <a:schemeClr val="folHlink"/>
                 </a:solidFill>
                 <a:latin typeface="Courier New" panose="02070309020205020404" pitchFamily="49" charset="0"/>
               </a:rPr>
-              <a:t>void List_insert (list l, void *x, int i)</a:t>
+              <a:t>void </a:t>
+            </a:r>
+            <a:r>
+              <a:rPr lang="en-US" altLang="zh-CN" sz="2000" b="1" dirty="0" err="1">
+                <a:solidFill>
+                  <a:schemeClr val="folHlink"/>
+                </a:solidFill>
+                <a:latin typeface="Courier New" panose="02070309020205020404" pitchFamily="49" charset="0"/>
+              </a:rPr>
+              <a:t>List_insert</a:t>
+            </a:r>
+            <a:r>
+              <a:rPr lang="en-US" altLang="zh-CN" sz="2000" b="1" dirty="0">
+                <a:solidFill>
+                  <a:schemeClr val="folHlink"/>
+                </a:solidFill>
+                <a:latin typeface="Courier New" panose="02070309020205020404" pitchFamily="49" charset="0"/>
+              </a:rPr>
+              <a:t>(list l, void *x, int </a:t>
+            </a:r>
+            <a:r>
+              <a:rPr lang="en-US" altLang="zh-CN" sz="2000" b="1" dirty="0" err="1">
+                <a:solidFill>
+                  <a:schemeClr val="folHlink"/>
+                </a:solidFill>
+                <a:latin typeface="Courier New" panose="02070309020205020404" pitchFamily="49" charset="0"/>
+              </a:rPr>
+              <a:t>i</a:t>
+            </a:r>
+            <a:r>
+              <a:rPr lang="en-US" altLang="zh-CN" sz="2000" b="1" dirty="0">
+                <a:solidFill>
+                  <a:schemeClr val="folHlink"/>
+                </a:solidFill>
+                <a:latin typeface="Courier New" panose="02070309020205020404" pitchFamily="49" charset="0"/>
+              </a:rPr>
+              <a:t>){</a:t>
             </a:r>
           </a:p>
           <a:p>
@@ -25060,13 +26053,49 @@
               <a:buNone/>
             </a:pPr>
             <a:r>
-              <a:rPr lang="en-US" altLang="zh-CN" sz="2000" b="1">
+              <a:rPr lang="en-US" altLang="zh-CN" sz="2000" b="1" dirty="0">
                 <a:solidFill>
                   <a:schemeClr val="folHlink"/>
                 </a:solidFill>
                 <a:latin typeface="Courier New" panose="02070309020205020404" pitchFamily="49" charset="0"/>
               </a:rPr>
-              <a:t>{</a:t>
+              <a:t>  if(</a:t>
+            </a:r>
+            <a:r>
+              <a:rPr lang="en-US" altLang="zh-CN" sz="2000" b="1" dirty="0" err="1">
+                <a:solidFill>
+                  <a:schemeClr val="folHlink"/>
+                </a:solidFill>
+                <a:latin typeface="Courier New" panose="02070309020205020404" pitchFamily="49" charset="0"/>
+              </a:rPr>
+              <a:t>i</a:t>
+            </a:r>
+            <a:r>
+              <a:rPr lang="en-US" altLang="zh-CN" sz="2000" b="1" dirty="0">
+                <a:solidFill>
+                  <a:schemeClr val="folHlink"/>
+                </a:solidFill>
+                <a:latin typeface="Courier New" panose="02070309020205020404" pitchFamily="49" charset="0"/>
+              </a:rPr>
+              <a:t>&lt;0 || </a:t>
+            </a:r>
+            <a:r>
+              <a:rPr lang="en-US" altLang="zh-CN" sz="2000" b="1" dirty="0" err="1">
+                <a:solidFill>
+                  <a:schemeClr val="folHlink"/>
+                </a:solidFill>
+                <a:latin typeface="Courier New" panose="02070309020205020404" pitchFamily="49" charset="0"/>
+              </a:rPr>
+              <a:t>i</a:t>
+            </a:r>
+            <a:r>
+              <a:rPr lang="en-US" altLang="zh-CN" sz="2000" b="1" dirty="0">
+                <a:solidFill>
+                  <a:schemeClr val="folHlink"/>
+                </a:solidFill>
+                <a:latin typeface="Courier New" panose="02070309020205020404" pitchFamily="49" charset="0"/>
+              </a:rPr>
+              <a:t>&gt;l-&gt;tail)</a:t>
             </a:r>
           </a:p>
           <a:p>
@@ -25078,13 +26107,13 @@
               <a:buNone/>
             </a:pPr>
             <a:r>
-              <a:rPr lang="en-US" altLang="zh-CN" sz="2000" b="1">
+              <a:rPr lang="en-US" altLang="zh-CN" sz="2000" b="1" dirty="0">
                 <a:solidFill>
                   <a:schemeClr val="folHlink"/>
                 </a:solidFill>
                 <a:latin typeface="Courier New" panose="02070309020205020404" pitchFamily="49" charset="0"/>
               </a:rPr>
-              <a:t>  if (i&lt;0 || i&gt;l-&gt;tail)</a:t>
+              <a:t>    error(“invalid index”);</a:t>
             </a:r>
           </a:p>
           <a:p>
@@ -25095,15 +26124,12 @@
               <a:buFont typeface="Wingdings" pitchFamily="2" charset="2"/>
               <a:buNone/>
             </a:pPr>
-            <a:r>
-              <a:rPr lang="en-US" altLang="zh-CN" sz="2000" b="1">
-                <a:solidFill>
-                  <a:schemeClr val="folHlink"/>
-                </a:solidFill>
-                <a:latin typeface="Courier New" panose="02070309020205020404" pitchFamily="49" charset="0"/>
-              </a:rPr>
-              <a:t>    error (“invalid index”);</a:t>
-            </a:r>
+            <a:endParaRPr lang="en-US" altLang="zh-CN" sz="2000" b="1" dirty="0">
+              <a:solidFill>
+                <a:schemeClr val="folHlink"/>
+              </a:solidFill>
+              <a:latin typeface="Courier New" panose="02070309020205020404" pitchFamily="49" charset="0"/>
+            </a:endParaRPr>
           </a:p>
           <a:p>
             <a:pPr>
@@ -25113,12 +26139,15 @@
               <a:buFont typeface="Wingdings" pitchFamily="2" charset="2"/>
               <a:buNone/>
             </a:pPr>
-            <a:endParaRPr lang="en-US" altLang="zh-CN" sz="2000" b="1">
-              <a:solidFill>
-                <a:schemeClr val="folHlink"/>
-              </a:solidFill>
-              <a:latin typeface="Courier New" panose="02070309020205020404" pitchFamily="49" charset="0"/>
-            </a:endParaRPr>
+            <a:r>
+              <a:rPr lang="en-US" altLang="zh-CN" sz="2000" b="1" dirty="0">
+                <a:solidFill>
+                  <a:schemeClr val="folHlink"/>
+                </a:solidFill>
+                <a:latin typeface="Courier New" panose="02070309020205020404" pitchFamily="49" charset="0"/>
+              </a:rPr>
+              <a:t>  for(int j=l-&gt;tail;</a:t>
+            </a:r>
           </a:p>
           <a:p>
             <a:pPr>
@@ -25129,13 +26158,31 @@
               <a:buNone/>
             </a:pPr>
             <a:r>
-              <a:rPr lang="en-US" altLang="zh-CN" sz="2000" b="1">
+              <a:rPr lang="en-US" altLang="zh-CN" sz="2000" b="1" dirty="0">
                 <a:solidFill>
                   <a:schemeClr val="folHlink"/>
                 </a:solidFill>
                 <a:latin typeface="Courier New" panose="02070309020205020404" pitchFamily="49" charset="0"/>
               </a:rPr>
-              <a:t>  for (int j=l-&gt;tail;</a:t>
+              <a:t>             j&gt;</a:t>
+            </a:r>
+            <a:r>
+              <a:rPr lang="en-US" altLang="zh-CN" sz="2000" b="1" dirty="0" err="1">
+                <a:solidFill>
+                  <a:schemeClr val="folHlink"/>
+                </a:solidFill>
+                <a:latin typeface="Courier New" panose="02070309020205020404" pitchFamily="49" charset="0"/>
+              </a:rPr>
+              <a:t>i</a:t>
+            </a:r>
+            <a:r>
+              <a:rPr lang="en-US" altLang="zh-CN" sz="2000" b="1" dirty="0">
+                <a:solidFill>
+                  <a:schemeClr val="folHlink"/>
+                </a:solidFill>
+                <a:latin typeface="Courier New" panose="02070309020205020404" pitchFamily="49" charset="0"/>
+              </a:rPr>
+              <a:t>; j--)</a:t>
             </a:r>
           </a:p>
           <a:p>
@@ -25147,13 +26194,13 @@
               <a:buNone/>
             </a:pPr>
             <a:r>
-              <a:rPr lang="en-US" altLang="zh-CN" sz="2000" b="1">
+              <a:rPr lang="en-US" altLang="zh-CN" sz="2000" b="1" dirty="0">
                 <a:solidFill>
                   <a:schemeClr val="folHlink"/>
                 </a:solidFill>
                 <a:latin typeface="Courier New" panose="02070309020205020404" pitchFamily="49" charset="0"/>
               </a:rPr>
-              <a:t>             j&gt;i; j--)</a:t>
+              <a:t>    (l-&gt;array)[j] =</a:t>
             </a:r>
           </a:p>
           <a:p>
@@ -25165,13 +26212,13 @@
               <a:buNone/>
             </a:pPr>
             <a:r>
-              <a:rPr lang="en-US" altLang="zh-CN" sz="2000" b="1">
+              <a:rPr lang="en-US" altLang="zh-CN" sz="2000" b="1" dirty="0">
                 <a:solidFill>
                   <a:schemeClr val="folHlink"/>
                 </a:solidFill>
                 <a:latin typeface="Courier New" panose="02070309020205020404" pitchFamily="49" charset="0"/>
               </a:rPr>
-              <a:t>    (l-&gt;array)[j] =</a:t>
+              <a:t>        (l-&gt;array)[j-1];</a:t>
             </a:r>
           </a:p>
           <a:p>
@@ -25183,13 +26230,31 @@
               <a:buNone/>
             </a:pPr>
             <a:r>
-              <a:rPr lang="en-US" altLang="zh-CN" sz="2000" b="1">
+              <a:rPr lang="en-US" altLang="zh-CN" sz="2000" b="1" dirty="0">
                 <a:solidFill>
                   <a:schemeClr val="folHlink"/>
                 </a:solidFill>
                 <a:latin typeface="Courier New" panose="02070309020205020404" pitchFamily="49" charset="0"/>
               </a:rPr>
-              <a:t>        (l-&gt;array)[j-1];</a:t>
+              <a:t>  (l-&gt;array)[</a:t>
+            </a:r>
+            <a:r>
+              <a:rPr lang="en-US" altLang="zh-CN" sz="2000" b="1" dirty="0" err="1">
+                <a:solidFill>
+                  <a:schemeClr val="folHlink"/>
+                </a:solidFill>
+                <a:latin typeface="Courier New" panose="02070309020205020404" pitchFamily="49" charset="0"/>
+              </a:rPr>
+              <a:t>i</a:t>
+            </a:r>
+            <a:r>
+              <a:rPr lang="en-US" altLang="zh-CN" sz="2000" b="1" dirty="0">
+                <a:solidFill>
+                  <a:schemeClr val="folHlink"/>
+                </a:solidFill>
+                <a:latin typeface="Courier New" panose="02070309020205020404" pitchFamily="49" charset="0"/>
+              </a:rPr>
+              <a:t>] = x;</a:t>
             </a:r>
           </a:p>
           <a:p>
@@ -25201,13 +26266,22 @@
               <a:buNone/>
             </a:pPr>
             <a:r>
-              <a:rPr lang="en-US" altLang="zh-CN" sz="2000" b="1">
+              <a:rPr lang="en-US" altLang="zh-CN" sz="2000" b="1" dirty="0">
                 <a:solidFill>
                   <a:schemeClr val="folHlink"/>
                 </a:solidFill>
                 <a:latin typeface="Courier New" panose="02070309020205020404" pitchFamily="49" charset="0"/>
               </a:rPr>
-              <a:t>  (l-&gt;array)[i] = x;</a:t>
+              <a:t>  </a:t>
+            </a:r>
+            <a:r>
+              <a:rPr lang="en-US" altLang="zh-CN" sz="2000" b="1" dirty="0">
+                <a:solidFill>
+                  <a:schemeClr val="hlink"/>
+                </a:solidFill>
+                <a:latin typeface="Courier New" panose="02070309020205020404" pitchFamily="49" charset="0"/>
+              </a:rPr>
+              <a:t>(l-&gt;tail)++;</a:t>
             </a:r>
           </a:p>
           <a:p>
@@ -25219,34 +26293,7 @@
               <a:buNone/>
             </a:pPr>
             <a:r>
-              <a:rPr lang="en-US" altLang="zh-CN" sz="2000" b="1">
-                <a:solidFill>
-                  <a:schemeClr val="folHlink"/>
-                </a:solidFill>
-                <a:latin typeface="Courier New" panose="02070309020205020404" pitchFamily="49" charset="0"/>
-              </a:rPr>
-              <a:t>  </a:t>
-            </a:r>
-            <a:r>
-              <a:rPr lang="en-US" altLang="zh-CN" sz="2000" b="1">
-                <a:solidFill>
-                  <a:schemeClr val="hlink"/>
-                </a:solidFill>
-                <a:latin typeface="Courier New" panose="02070309020205020404" pitchFamily="49" charset="0"/>
-              </a:rPr>
-              <a:t>(l-&gt;tail)++;</a:t>
-            </a:r>
-          </a:p>
-          <a:p>
-            <a:pPr>
-              <a:lnSpc>
-                <a:spcPct val="90000"/>
-              </a:lnSpc>
-              <a:buFont typeface="Wingdings" pitchFamily="2" charset="2"/>
-              <a:buNone/>
-            </a:pPr>
-            <a:r>
-              <a:rPr lang="en-US" altLang="zh-CN" sz="2000" b="1">
+              <a:rPr lang="en-US" altLang="zh-CN" sz="2000" b="1" dirty="0">
                 <a:solidFill>
                   <a:schemeClr val="folHlink"/>
                 </a:solidFill>
@@ -28605,15 +29652,10 @@
                                 </p:cTn>
                               </p:par>
                               <p:par>
-                                <p:cTn id="64" presetID="3" presetClass="entr" presetSubtype="10" fill="hold" nodeType="withEffect" nodePh="1">
+                                <p:cTn id="64" presetID="3" presetClass="entr" presetSubtype="10" fill="hold" nodeType="withEffect">
                                   <p:stCondLst>
                                     <p:cond delay="0"/>
                                   </p:stCondLst>
-                                  <p:endCondLst>
-                                    <p:cond evt="begin" delay="0">
-                                      <p:tn val="64"/>
-                                    </p:cond>
-                                  </p:endCondLst>
                                   <p:childTnLst>
                                     <p:set>
                                       <p:cBhvr>
@@ -28856,13 +29898,67 @@
               <a:buNone/>
             </a:pPr>
             <a:r>
-              <a:rPr lang="en-US" altLang="zh-CN" sz="2000" b="1">
+              <a:rPr lang="en-US" altLang="zh-CN" sz="2000" b="1" dirty="0">
                 <a:solidFill>
                   <a:schemeClr val="folHlink"/>
                 </a:solidFill>
                 <a:latin typeface="Courier New" panose="02070309020205020404" pitchFamily="49" charset="0"/>
               </a:rPr>
-              <a:t>void List_insert (List_t l, poly x, int i)</a:t>
+              <a:t>void </a:t>
+            </a:r>
+            <a:r>
+              <a:rPr lang="en-US" altLang="zh-CN" sz="2000" b="1" dirty="0" err="1">
+                <a:solidFill>
+                  <a:schemeClr val="folHlink"/>
+                </a:solidFill>
+                <a:latin typeface="Courier New" panose="02070309020205020404" pitchFamily="49" charset="0"/>
+              </a:rPr>
+              <a:t>List_insert</a:t>
+            </a:r>
+            <a:r>
+              <a:rPr lang="en-US" altLang="zh-CN" sz="2000" b="1" dirty="0">
+                <a:solidFill>
+                  <a:schemeClr val="folHlink"/>
+                </a:solidFill>
+                <a:latin typeface="Courier New" panose="02070309020205020404" pitchFamily="49" charset="0"/>
+              </a:rPr>
+              <a:t>(</a:t>
+            </a:r>
+            <a:r>
+              <a:rPr lang="en-US" altLang="zh-CN" sz="2000" b="1" dirty="0" err="1">
+                <a:solidFill>
+                  <a:schemeClr val="folHlink"/>
+                </a:solidFill>
+                <a:latin typeface="Courier New" panose="02070309020205020404" pitchFamily="49" charset="0"/>
+              </a:rPr>
+              <a:t>List_t</a:t>
+            </a:r>
+            <a:r>
+              <a:rPr lang="en-US" altLang="zh-CN" sz="2000" b="1" dirty="0">
+                <a:solidFill>
+                  <a:schemeClr val="folHlink"/>
+                </a:solidFill>
+                <a:latin typeface="Courier New" panose="02070309020205020404" pitchFamily="49" charset="0"/>
+              </a:rPr>
+              <a:t> l, poly x, int </a:t>
+            </a:r>
+            <a:r>
+              <a:rPr lang="en-US" altLang="zh-CN" sz="2000" b="1" dirty="0" err="1">
+                <a:solidFill>
+                  <a:schemeClr val="folHlink"/>
+                </a:solidFill>
+                <a:latin typeface="Courier New" panose="02070309020205020404" pitchFamily="49" charset="0"/>
+              </a:rPr>
+              <a:t>i</a:t>
+            </a:r>
+            <a:r>
+              <a:rPr lang="en-US" altLang="zh-CN" sz="2000" b="1" dirty="0">
+                <a:solidFill>
+                  <a:schemeClr val="folHlink"/>
+                </a:solidFill>
+                <a:latin typeface="Courier New" panose="02070309020205020404" pitchFamily="49" charset="0"/>
+              </a:rPr>
+              <a:t>){</a:t>
             </a:r>
           </a:p>
           <a:p>
@@ -28874,13 +29970,49 @@
               <a:buNone/>
             </a:pPr>
             <a:r>
-              <a:rPr lang="en-US" altLang="zh-CN" sz="2000" b="1">
+              <a:rPr lang="en-US" altLang="zh-CN" sz="2000" b="1" dirty="0">
                 <a:solidFill>
                   <a:schemeClr val="folHlink"/>
                 </a:solidFill>
                 <a:latin typeface="Courier New" panose="02070309020205020404" pitchFamily="49" charset="0"/>
               </a:rPr>
-              <a:t>{</a:t>
+              <a:t>  if(</a:t>
+            </a:r>
+            <a:r>
+              <a:rPr lang="en-US" altLang="zh-CN" sz="2000" b="1" dirty="0" err="1">
+                <a:solidFill>
+                  <a:schemeClr val="folHlink"/>
+                </a:solidFill>
+                <a:latin typeface="Courier New" panose="02070309020205020404" pitchFamily="49" charset="0"/>
+              </a:rPr>
+              <a:t>i</a:t>
+            </a:r>
+            <a:r>
+              <a:rPr lang="en-US" altLang="zh-CN" sz="2000" b="1" dirty="0">
+                <a:solidFill>
+                  <a:schemeClr val="folHlink"/>
+                </a:solidFill>
+                <a:latin typeface="Courier New" panose="02070309020205020404" pitchFamily="49" charset="0"/>
+              </a:rPr>
+              <a:t>&lt;0 || </a:t>
+            </a:r>
+            <a:r>
+              <a:rPr lang="en-US" altLang="zh-CN" sz="2000" b="1" dirty="0" err="1">
+                <a:solidFill>
+                  <a:schemeClr val="folHlink"/>
+                </a:solidFill>
+                <a:latin typeface="Courier New" panose="02070309020205020404" pitchFamily="49" charset="0"/>
+              </a:rPr>
+              <a:t>i</a:t>
+            </a:r>
+            <a:r>
+              <a:rPr lang="en-US" altLang="zh-CN" sz="2000" b="1" dirty="0">
+                <a:solidFill>
+                  <a:schemeClr val="folHlink"/>
+                </a:solidFill>
+                <a:latin typeface="Courier New" panose="02070309020205020404" pitchFamily="49" charset="0"/>
+              </a:rPr>
+              <a:t>&gt;l-&gt;tail)</a:t>
             </a:r>
           </a:p>
           <a:p>
@@ -28892,13 +30024,13 @@
               <a:buNone/>
             </a:pPr>
             <a:r>
-              <a:rPr lang="en-US" altLang="zh-CN" sz="2000" b="1">
+              <a:rPr lang="en-US" altLang="zh-CN" sz="2000" b="1" dirty="0">
                 <a:solidFill>
                   <a:schemeClr val="folHlink"/>
                 </a:solidFill>
                 <a:latin typeface="Courier New" panose="02070309020205020404" pitchFamily="49" charset="0"/>
               </a:rPr>
-              <a:t>  if (i&lt;0 || i&gt;l-&gt;tail)</a:t>
+              <a:t>    error(“invalid index”);</a:t>
             </a:r>
           </a:p>
           <a:p>
@@ -28910,13 +30042,10 @@
               <a:buNone/>
             </a:pPr>
             <a:r>
-              <a:rPr lang="en-US" altLang="zh-CN" sz="2000" b="1">
-                <a:solidFill>
-                  <a:schemeClr val="folHlink"/>
-                </a:solidFill>
+              <a:rPr lang="en-US" altLang="zh-CN" sz="2000" b="1" dirty="0">
                 <a:latin typeface="Courier New" panose="02070309020205020404" pitchFamily="49" charset="0"/>
               </a:rPr>
-              <a:t>    error (“invalid index”);</a:t>
+              <a:t>  // if l is full, extend l-&gt;array by a factor…</a:t>
             </a:r>
           </a:p>
           <a:p>
@@ -28928,10 +30057,19 @@
               <a:buNone/>
             </a:pPr>
             <a:r>
-              <a:rPr lang="en-US" altLang="zh-CN" sz="2000" b="1">
+              <a:rPr lang="en-US" altLang="zh-CN" sz="2000" b="1" dirty="0">
                 <a:latin typeface="Courier New" panose="02070309020205020404" pitchFamily="49" charset="0"/>
               </a:rPr>
-              <a:t>  // if l is full, extend l-&gt;array by a factor…</a:t>
+              <a:t>  </a:t>
+            </a:r>
+            <a:r>
+              <a:rPr lang="en-US" altLang="zh-CN" sz="2000" b="1" dirty="0">
+                <a:solidFill>
+                  <a:schemeClr val="folHlink"/>
+                </a:solidFill>
+                <a:latin typeface="Courier New" panose="02070309020205020404" pitchFamily="49" charset="0"/>
+              </a:rPr>
+              <a:t>if(l-&gt;tail==l-&gt;max){</a:t>
             </a:r>
           </a:p>
           <a:p>
@@ -28943,19 +30081,31 @@
               <a:buNone/>
             </a:pPr>
             <a:r>
-              <a:rPr lang="en-US" altLang="zh-CN" sz="2000" b="1">
+              <a:rPr lang="en-US" altLang="zh-CN" sz="2000" b="1" dirty="0">
+                <a:solidFill>
+                  <a:schemeClr val="folHlink"/>
+                </a:solidFill>
                 <a:latin typeface="Courier New" panose="02070309020205020404" pitchFamily="49" charset="0"/>
               </a:rPr>
-              <a:t>  </a:t>
-            </a:r>
-            <a:r>
-              <a:rPr lang="en-US" altLang="zh-CN" sz="2000" b="1">
+              <a:t>    l-&gt;array = </a:t>
+            </a:r>
+            <a:r>
+              <a:rPr lang="en-US" altLang="zh-CN" sz="2000" b="1" dirty="0" err="1">
                 <a:solidFill>
                   <a:schemeClr val="folHlink"/>
                 </a:solidFill>
                 <a:latin typeface="Courier New" panose="02070309020205020404" pitchFamily="49" charset="0"/>
               </a:rPr>
-              <a:t>if (l-&gt;tail==l-&gt;max) {</a:t>
+              <a:t>realloc</a:t>
+            </a:r>
+            <a:r>
+              <a:rPr lang="en-US" altLang="zh-CN" sz="2000" b="1" dirty="0">
+                <a:solidFill>
+                  <a:schemeClr val="folHlink"/>
+                </a:solidFill>
+                <a:latin typeface="Courier New" panose="02070309020205020404" pitchFamily="49" charset="0"/>
+              </a:rPr>
+              <a:t>(l-&gt;array, </a:t>
             </a:r>
           </a:p>
           <a:p>
@@ -28967,13 +30117,31 @@
               <a:buNone/>
             </a:pPr>
             <a:r>
-              <a:rPr lang="en-US" altLang="zh-CN" sz="2000" b="1">
+              <a:rPr lang="en-US" altLang="zh-CN" sz="2000" b="1" dirty="0">
                 <a:solidFill>
                   <a:schemeClr val="folHlink"/>
                 </a:solidFill>
                 <a:latin typeface="Courier New" panose="02070309020205020404" pitchFamily="49" charset="0"/>
               </a:rPr>
-              <a:t>    l-&gt;array = realloc (l-&gt;array, </a:t>
+              <a:t>              EXT_FACTOR*(l-&gt;max)*</a:t>
+            </a:r>
+            <a:r>
+              <a:rPr lang="en-US" altLang="zh-CN" sz="2000" b="1" dirty="0" err="1">
+                <a:solidFill>
+                  <a:schemeClr val="folHlink"/>
+                </a:solidFill>
+                <a:latin typeface="Courier New" panose="02070309020205020404" pitchFamily="49" charset="0"/>
+              </a:rPr>
+              <a:t>sizeof</a:t>
+            </a:r>
+            <a:r>
+              <a:rPr lang="en-US" altLang="zh-CN" sz="2000" b="1" dirty="0">
+                <a:solidFill>
+                  <a:schemeClr val="folHlink"/>
+                </a:solidFill>
+                <a:latin typeface="Courier New" panose="02070309020205020404" pitchFamily="49" charset="0"/>
+              </a:rPr>
+              <a:t>(poly));</a:t>
             </a:r>
           </a:p>
           <a:p>
@@ -28985,13 +30153,13 @@
               <a:buNone/>
             </a:pPr>
             <a:r>
-              <a:rPr lang="en-US" altLang="zh-CN" sz="2000" b="1">
+              <a:rPr lang="en-US" altLang="zh-CN" sz="2000" b="1" dirty="0">
                 <a:solidFill>
                   <a:schemeClr val="folHlink"/>
                 </a:solidFill>
                 <a:latin typeface="Courier New" panose="02070309020205020404" pitchFamily="49" charset="0"/>
               </a:rPr>
-              <a:t>              EXT_FACTOR*(l-&gt;max)*sizeof(poly));</a:t>
+              <a:t>    l-&gt;max *= EXT_FACTOR;</a:t>
             </a:r>
           </a:p>
           <a:p>
@@ -29003,13 +30171,13 @@
               <a:buNone/>
             </a:pPr>
             <a:r>
-              <a:rPr lang="en-US" altLang="zh-CN" sz="2000" b="1">
+              <a:rPr lang="en-US" altLang="zh-CN" sz="2000" b="1" dirty="0">
                 <a:solidFill>
                   <a:schemeClr val="folHlink"/>
                 </a:solidFill>
                 <a:latin typeface="Courier New" panose="02070309020205020404" pitchFamily="49" charset="0"/>
               </a:rPr>
-              <a:t>    l-&gt;max *= EXT_FACTOR;</a:t>
+              <a:t>  }</a:t>
             </a:r>
           </a:p>
           <a:p>
@@ -29021,13 +30189,10 @@
               <a:buNone/>
             </a:pPr>
             <a:r>
-              <a:rPr lang="en-US" altLang="zh-CN" sz="2000" b="1">
-                <a:solidFill>
-                  <a:schemeClr val="folHlink"/>
-                </a:solidFill>
+              <a:rPr lang="en-US" altLang="zh-CN" sz="2000" b="1" dirty="0">
                 <a:latin typeface="Courier New" panose="02070309020205020404" pitchFamily="49" charset="0"/>
               </a:rPr>
-              <a:t>  }</a:t>
+              <a:t>  // data movement as discussed above…;</a:t>
             </a:r>
           </a:p>
           <a:p>
@@ -29039,22 +30204,7 @@
               <a:buNone/>
             </a:pPr>
             <a:r>
-              <a:rPr lang="en-US" altLang="zh-CN" sz="2000" b="1">
-                <a:latin typeface="Courier New" panose="02070309020205020404" pitchFamily="49" charset="0"/>
-              </a:rPr>
-              <a:t>  // data movement as discussed above…;</a:t>
-            </a:r>
-          </a:p>
-          <a:p>
-            <a:pPr>
-              <a:lnSpc>
-                <a:spcPct val="80000"/>
-              </a:lnSpc>
-              <a:buFont typeface="Wingdings" pitchFamily="2" charset="2"/>
-              <a:buNone/>
-            </a:pPr>
-            <a:r>
-              <a:rPr lang="en-US" altLang="zh-CN" sz="2000" b="1">
+              <a:rPr lang="en-US" altLang="zh-CN" sz="2000" b="1" dirty="0">
                 <a:solidFill>
                   <a:schemeClr val="folHlink"/>
                 </a:solidFill>
@@ -31332,7 +32482,7 @@
         <p:spPr bwMode="auto">
           <a:xfrm>
             <a:off x="990600" y="1884363"/>
-            <a:ext cx="7880350" cy="701675"/>
+            <a:ext cx="7880350" cy="715581"/>
           </a:xfrm>
           <a:prstGeom prst="rect">
             <a:avLst/>
@@ -31392,13 +32542,31 @@
               <a:buNone/>
             </a:pPr>
             <a:r>
-              <a:rPr lang="en-US" altLang="zh-CN" sz="2000" b="1">
+              <a:rPr lang="en-US" altLang="zh-CN" sz="2000" b="1" dirty="0">
                 <a:solidFill>
                   <a:schemeClr val="folHlink"/>
                 </a:solidFill>
                 <a:latin typeface="Courier New" panose="02070309020205020404" pitchFamily="49" charset="0"/>
               </a:rPr>
-              <a:t>l-&gt;array = realloc (l-&gt;array, </a:t>
+              <a:t>l-&gt;array = </a:t>
+            </a:r>
+            <a:r>
+              <a:rPr lang="en-US" altLang="zh-CN" sz="2000" b="1" dirty="0" err="1">
+                <a:solidFill>
+                  <a:schemeClr val="folHlink"/>
+                </a:solidFill>
+                <a:latin typeface="Courier New" panose="02070309020205020404" pitchFamily="49" charset="0"/>
+              </a:rPr>
+              <a:t>realloc</a:t>
+            </a:r>
+            <a:r>
+              <a:rPr lang="en-US" altLang="zh-CN" sz="2000" b="1" dirty="0">
+                <a:solidFill>
+                  <a:schemeClr val="folHlink"/>
+                </a:solidFill>
+                <a:latin typeface="Courier New" panose="02070309020205020404" pitchFamily="49" charset="0"/>
+              </a:rPr>
+              <a:t>(l-&gt;array, </a:t>
             </a:r>
           </a:p>
           <a:p>
@@ -31417,13 +32585,31 @@
               <a:buNone/>
             </a:pPr>
             <a:r>
-              <a:rPr lang="en-US" altLang="zh-CN" sz="2000" b="1">
+              <a:rPr lang="en-US" altLang="zh-CN" sz="2000" b="1" dirty="0">
                 <a:solidFill>
                   <a:schemeClr val="folHlink"/>
                 </a:solidFill>
                 <a:latin typeface="Courier New" panose="02070309020205020404" pitchFamily="49" charset="0"/>
               </a:rPr>
-              <a:t>                 EXT_FACTOR*(l-&gt;max)*sizeof(poly));</a:t>
+              <a:t>                 EXT_FACTOR*(l-&gt;max)*</a:t>
+            </a:r>
+            <a:r>
+              <a:rPr lang="en-US" altLang="zh-CN" sz="2000" b="1" dirty="0" err="1">
+                <a:solidFill>
+                  <a:schemeClr val="folHlink"/>
+                </a:solidFill>
+                <a:latin typeface="Courier New" panose="02070309020205020404" pitchFamily="49" charset="0"/>
+              </a:rPr>
+              <a:t>sizeof</a:t>
+            </a:r>
+            <a:r>
+              <a:rPr lang="en-US" altLang="zh-CN" sz="2000" b="1" dirty="0">
+                <a:solidFill>
+                  <a:schemeClr val="folHlink"/>
+                </a:solidFill>
+                <a:latin typeface="Courier New" panose="02070309020205020404" pitchFamily="49" charset="0"/>
+              </a:rPr>
+              <a:t>(poly));</a:t>
             </a:r>
           </a:p>
         </p:txBody>
@@ -33960,7 +35146,7 @@
         <p:spPr bwMode="auto">
           <a:xfrm>
             <a:off x="990600" y="1884363"/>
-            <a:ext cx="7880350" cy="701675"/>
+            <a:ext cx="7880350" cy="715581"/>
           </a:xfrm>
           <a:prstGeom prst="rect">
             <a:avLst/>
@@ -34020,13 +35206,31 @@
               <a:buNone/>
             </a:pPr>
             <a:r>
-              <a:rPr lang="en-US" altLang="zh-CN" sz="2000" b="1">
+              <a:rPr lang="en-US" altLang="zh-CN" sz="2000" b="1" dirty="0">
                 <a:solidFill>
                   <a:schemeClr val="folHlink"/>
                 </a:solidFill>
                 <a:latin typeface="Courier New" panose="02070309020205020404" pitchFamily="49" charset="0"/>
               </a:rPr>
-              <a:t>l-&gt;array = realloc (l-&gt;array, </a:t>
+              <a:t>l-&gt;array = </a:t>
+            </a:r>
+            <a:r>
+              <a:rPr lang="en-US" altLang="zh-CN" sz="2000" b="1" dirty="0" err="1">
+                <a:solidFill>
+                  <a:schemeClr val="folHlink"/>
+                </a:solidFill>
+                <a:latin typeface="Courier New" panose="02070309020205020404" pitchFamily="49" charset="0"/>
+              </a:rPr>
+              <a:t>realloc</a:t>
+            </a:r>
+            <a:r>
+              <a:rPr lang="en-US" altLang="zh-CN" sz="2000" b="1" dirty="0">
+                <a:solidFill>
+                  <a:schemeClr val="folHlink"/>
+                </a:solidFill>
+                <a:latin typeface="Courier New" panose="02070309020205020404" pitchFamily="49" charset="0"/>
+              </a:rPr>
+              <a:t>(l-&gt;array, </a:t>
             </a:r>
           </a:p>
           <a:p>
@@ -34045,13 +35249,31 @@
               <a:buNone/>
             </a:pPr>
             <a:r>
-              <a:rPr lang="en-US" altLang="zh-CN" sz="2000" b="1">
+              <a:rPr lang="en-US" altLang="zh-CN" sz="2000" b="1" dirty="0">
                 <a:solidFill>
                   <a:schemeClr val="folHlink"/>
                 </a:solidFill>
                 <a:latin typeface="Courier New" panose="02070309020205020404" pitchFamily="49" charset="0"/>
               </a:rPr>
-              <a:t>                 EXT_FACTOR*(l-&gt;max)*sizeof(poly));</a:t>
+              <a:t>                 EXT_FACTOR*(l-&gt;max)*</a:t>
+            </a:r>
+            <a:r>
+              <a:rPr lang="en-US" altLang="zh-CN" sz="2000" b="1" dirty="0" err="1">
+                <a:solidFill>
+                  <a:schemeClr val="folHlink"/>
+                </a:solidFill>
+                <a:latin typeface="Courier New" panose="02070309020205020404" pitchFamily="49" charset="0"/>
+              </a:rPr>
+              <a:t>sizeof</a:t>
+            </a:r>
+            <a:r>
+              <a:rPr lang="en-US" altLang="zh-CN" sz="2000" b="1" dirty="0">
+                <a:solidFill>
+                  <a:schemeClr val="folHlink"/>
+                </a:solidFill>
+                <a:latin typeface="Courier New" panose="02070309020205020404" pitchFamily="49" charset="0"/>
+              </a:rPr>
+              <a:t>(poly));</a:t>
             </a:r>
           </a:p>
         </p:txBody>
@@ -36622,7 +37844,7 @@
         <p:spPr bwMode="auto">
           <a:xfrm>
             <a:off x="990600" y="1905000"/>
-            <a:ext cx="7880350" cy="701675"/>
+            <a:ext cx="7880350" cy="715581"/>
           </a:xfrm>
           <a:prstGeom prst="rect">
             <a:avLst/>
@@ -36682,13 +37904,31 @@
               <a:buNone/>
             </a:pPr>
             <a:r>
-              <a:rPr lang="en-US" altLang="zh-CN" sz="2000" b="1">
+              <a:rPr lang="en-US" altLang="zh-CN" sz="2000" b="1" dirty="0">
                 <a:solidFill>
                   <a:schemeClr val="folHlink"/>
                 </a:solidFill>
                 <a:latin typeface="Courier New" panose="02070309020205020404" pitchFamily="49" charset="0"/>
               </a:rPr>
-              <a:t>l-&gt;array = realloc (l-&gt;array, </a:t>
+              <a:t>l-&gt;array = </a:t>
+            </a:r>
+            <a:r>
+              <a:rPr lang="en-US" altLang="zh-CN" sz="2000" b="1" dirty="0" err="1">
+                <a:solidFill>
+                  <a:schemeClr val="folHlink"/>
+                </a:solidFill>
+                <a:latin typeface="Courier New" panose="02070309020205020404" pitchFamily="49" charset="0"/>
+              </a:rPr>
+              <a:t>realloc</a:t>
+            </a:r>
+            <a:r>
+              <a:rPr lang="en-US" altLang="zh-CN" sz="2000" b="1" dirty="0">
+                <a:solidFill>
+                  <a:schemeClr val="folHlink"/>
+                </a:solidFill>
+                <a:latin typeface="Courier New" panose="02070309020205020404" pitchFamily="49" charset="0"/>
+              </a:rPr>
+              <a:t>(l-&gt;array, </a:t>
             </a:r>
           </a:p>
           <a:p>
@@ -36707,13 +37947,31 @@
               <a:buNone/>
             </a:pPr>
             <a:r>
-              <a:rPr lang="en-US" altLang="zh-CN" sz="2000" b="1">
+              <a:rPr lang="en-US" altLang="zh-CN" sz="2000" b="1" dirty="0">
                 <a:solidFill>
                   <a:schemeClr val="folHlink"/>
                 </a:solidFill>
                 <a:latin typeface="Courier New" panose="02070309020205020404" pitchFamily="49" charset="0"/>
               </a:rPr>
-              <a:t>                 EXT_FACTOR*(l-&gt;max)*sizeof(poly));</a:t>
+              <a:t>                 EXT_FACTOR*(l-&gt;max)*</a:t>
+            </a:r>
+            <a:r>
+              <a:rPr lang="en-US" altLang="zh-CN" sz="2000" b="1" dirty="0" err="1">
+                <a:solidFill>
+                  <a:schemeClr val="folHlink"/>
+                </a:solidFill>
+                <a:latin typeface="Courier New" panose="02070309020205020404" pitchFamily="49" charset="0"/>
+              </a:rPr>
+              <a:t>sizeof</a:t>
+            </a:r>
+            <a:r>
+              <a:rPr lang="en-US" altLang="zh-CN" sz="2000" b="1" dirty="0">
+                <a:solidFill>
+                  <a:schemeClr val="folHlink"/>
+                </a:solidFill>
+                <a:latin typeface="Courier New" panose="02070309020205020404" pitchFamily="49" charset="0"/>
+              </a:rPr>
+              <a:t>(poly));</a:t>
             </a:r>
           </a:p>
         </p:txBody>
@@ -38825,13 +40083,49 @@
               <a:buNone/>
             </a:pPr>
             <a:r>
-              <a:rPr lang="en-US" altLang="zh-CN" sz="2000" b="1">
+              <a:rPr lang="en-US" altLang="zh-CN" sz="2000" b="1" dirty="0">
                 <a:solidFill>
                   <a:schemeClr val="folHlink"/>
                 </a:solidFill>
                 <a:latin typeface="Courier New" panose="02070309020205020404" pitchFamily="49" charset="0"/>
               </a:rPr>
-              <a:t>void List_foreach (List_t l, void (*f)(poly))</a:t>
+              <a:t>void </a:t>
+            </a:r>
+            <a:r>
+              <a:rPr lang="en-US" altLang="zh-CN" sz="2000" b="1" dirty="0" err="1">
+                <a:solidFill>
+                  <a:schemeClr val="folHlink"/>
+                </a:solidFill>
+                <a:latin typeface="Courier New" panose="02070309020205020404" pitchFamily="49" charset="0"/>
+              </a:rPr>
+              <a:t>List_foreach</a:t>
+            </a:r>
+            <a:r>
+              <a:rPr lang="en-US" altLang="zh-CN" sz="2000" b="1" dirty="0">
+                <a:solidFill>
+                  <a:schemeClr val="folHlink"/>
+                </a:solidFill>
+                <a:latin typeface="Courier New" panose="02070309020205020404" pitchFamily="49" charset="0"/>
+              </a:rPr>
+              <a:t>(</a:t>
+            </a:r>
+            <a:r>
+              <a:rPr lang="en-US" altLang="zh-CN" sz="2000" b="1" dirty="0" err="1">
+                <a:solidFill>
+                  <a:schemeClr val="folHlink"/>
+                </a:solidFill>
+                <a:latin typeface="Courier New" panose="02070309020205020404" pitchFamily="49" charset="0"/>
+              </a:rPr>
+              <a:t>List_t</a:t>
+            </a:r>
+            <a:r>
+              <a:rPr lang="en-US" altLang="zh-CN" sz="2000" b="1" dirty="0">
+                <a:solidFill>
+                  <a:schemeClr val="folHlink"/>
+                </a:solidFill>
+                <a:latin typeface="Courier New" panose="02070309020205020404" pitchFamily="49" charset="0"/>
+              </a:rPr>
+              <a:t> l, void (*f)(poly)){</a:t>
             </a:r>
           </a:p>
           <a:p>
@@ -38843,13 +40137,67 @@
               <a:buNone/>
             </a:pPr>
             <a:r>
-              <a:rPr lang="en-US" altLang="zh-CN" sz="2000" b="1">
+              <a:rPr lang="en-US" altLang="zh-CN" sz="2000" b="1" dirty="0">
                 <a:solidFill>
                   <a:schemeClr val="folHlink"/>
                 </a:solidFill>
                 <a:latin typeface="Courier New" panose="02070309020205020404" pitchFamily="49" charset="0"/>
               </a:rPr>
-              <a:t>{</a:t>
+              <a:t>  for(int </a:t>
+            </a:r>
+            <a:r>
+              <a:rPr lang="en-US" altLang="zh-CN" sz="2000" b="1" dirty="0" err="1">
+                <a:solidFill>
+                  <a:schemeClr val="folHlink"/>
+                </a:solidFill>
+                <a:latin typeface="Courier New" panose="02070309020205020404" pitchFamily="49" charset="0"/>
+              </a:rPr>
+              <a:t>i</a:t>
+            </a:r>
+            <a:r>
+              <a:rPr lang="en-US" altLang="zh-CN" sz="2000" b="1" dirty="0">
+                <a:solidFill>
+                  <a:schemeClr val="folHlink"/>
+                </a:solidFill>
+                <a:latin typeface="Courier New" panose="02070309020205020404" pitchFamily="49" charset="0"/>
+              </a:rPr>
+              <a:t>=0; </a:t>
+            </a:r>
+            <a:r>
+              <a:rPr lang="en-US" altLang="zh-CN" sz="2000" b="1" dirty="0" err="1">
+                <a:solidFill>
+                  <a:schemeClr val="folHlink"/>
+                </a:solidFill>
+                <a:latin typeface="Courier New" panose="02070309020205020404" pitchFamily="49" charset="0"/>
+              </a:rPr>
+              <a:t>i</a:t>
+            </a:r>
+            <a:r>
+              <a:rPr lang="en-US" altLang="zh-CN" sz="2000" b="1" dirty="0">
+                <a:solidFill>
+                  <a:schemeClr val="folHlink"/>
+                </a:solidFill>
+                <a:latin typeface="Courier New" panose="02070309020205020404" pitchFamily="49" charset="0"/>
+              </a:rPr>
+              <a:t>&lt;l-&gt;tail; </a:t>
+            </a:r>
+            <a:r>
+              <a:rPr lang="en-US" altLang="zh-CN" sz="2000" b="1" dirty="0" err="1">
+                <a:solidFill>
+                  <a:schemeClr val="folHlink"/>
+                </a:solidFill>
+                <a:latin typeface="Courier New" panose="02070309020205020404" pitchFamily="49" charset="0"/>
+              </a:rPr>
+              <a:t>i</a:t>
+            </a:r>
+            <a:r>
+              <a:rPr lang="en-US" altLang="zh-CN" sz="2000" b="1" dirty="0">
+                <a:solidFill>
+                  <a:schemeClr val="folHlink"/>
+                </a:solidFill>
+                <a:latin typeface="Courier New" panose="02070309020205020404" pitchFamily="49" charset="0"/>
+              </a:rPr>
+              <a:t>++)</a:t>
             </a:r>
           </a:p>
           <a:p>
@@ -38867,7 +40215,34 @@
                 </a:solidFill>
                 <a:latin typeface="Courier New" panose="02070309020205020404" pitchFamily="49" charset="0"/>
               </a:rPr>
-              <a:t>  for (int i=0; i&lt;l-&gt;tail; i++)</a:t>
+              <a:t>    f((</a:t>
+            </a:r>
+            <a:r>
+              <a:rPr lang="en-US" altLang="zh-CN" sz="2000" b="1" dirty="0">
+                <a:solidFill>
+                  <a:schemeClr val="folHlink"/>
+                </a:solidFill>
+                <a:latin typeface="Courier New" panose="02070309020205020404" pitchFamily="49" charset="0"/>
+              </a:rPr>
+              <a:t>l-&gt;array)[</a:t>
+            </a:r>
+            <a:r>
+              <a:rPr lang="en-US" altLang="zh-CN" sz="2000" b="1" dirty="0" err="1">
+                <a:solidFill>
+                  <a:schemeClr val="folHlink"/>
+                </a:solidFill>
+                <a:latin typeface="Courier New" panose="02070309020205020404" pitchFamily="49" charset="0"/>
+              </a:rPr>
+              <a:t>i</a:t>
+            </a:r>
+            <a:r>
+              <a:rPr lang="en-US" altLang="zh-CN" sz="2000" b="1" dirty="0">
+                <a:solidFill>
+                  <a:schemeClr val="folHlink"/>
+                </a:solidFill>
+                <a:latin typeface="Courier New" panose="02070309020205020404" pitchFamily="49" charset="0"/>
+              </a:rPr>
+              <a:t>]);</a:t>
             </a:r>
           </a:p>
           <a:p>
@@ -38879,13 +40254,13 @@
               <a:buNone/>
             </a:pPr>
             <a:r>
-              <a:rPr lang="en-US" altLang="zh-CN" sz="2000" b="1">
+              <a:rPr lang="en-US" altLang="zh-CN" sz="2000" b="1" dirty="0">
                 <a:solidFill>
                   <a:schemeClr val="folHlink"/>
                 </a:solidFill>
                 <a:latin typeface="Courier New" panose="02070309020205020404" pitchFamily="49" charset="0"/>
               </a:rPr>
-              <a:t>    f ((l-&gt;array)[i]);</a:t>
+              <a:t>  return;</a:t>
             </a:r>
           </a:p>
           <a:p>
@@ -38897,25 +40272,7 @@
               <a:buNone/>
             </a:pPr>
             <a:r>
-              <a:rPr lang="en-US" altLang="zh-CN" sz="2000" b="1">
-                <a:solidFill>
-                  <a:schemeClr val="folHlink"/>
-                </a:solidFill>
-                <a:latin typeface="Courier New" panose="02070309020205020404" pitchFamily="49" charset="0"/>
-              </a:rPr>
-              <a:t>  return;</a:t>
-            </a:r>
-          </a:p>
-          <a:p>
-            <a:pPr>
-              <a:lnSpc>
-                <a:spcPct val="90000"/>
-              </a:lnSpc>
-              <a:buFont typeface="Wingdings" pitchFamily="2" charset="2"/>
-              <a:buNone/>
-            </a:pPr>
-            <a:r>
-              <a:rPr lang="en-US" altLang="zh-CN" sz="2000" b="1">
+              <a:rPr lang="en-US" altLang="zh-CN" sz="2000" b="1" dirty="0">
                 <a:solidFill>
                   <a:schemeClr val="folHlink"/>
                 </a:solidFill>
@@ -40489,7 +41846,7 @@
               <a:buNone/>
             </a:pPr>
             <a:r>
-              <a:rPr lang="en-US" altLang="zh-CN" sz="2000" b="1">
+              <a:rPr lang="en-US" altLang="zh-CN" sz="2000" b="1" dirty="0">
                 <a:latin typeface="Courier New" panose="02070309020205020404" pitchFamily="49" charset="0"/>
                 <a:sym typeface="Euclid Extra" pitchFamily="18" charset="2"/>
               </a:rPr>
@@ -40505,14 +41862,14 @@
               <a:buNone/>
             </a:pPr>
             <a:r>
-              <a:rPr lang="en-US" altLang="zh-CN" sz="2000" b="1">
+              <a:rPr lang="en-US" altLang="zh-CN" sz="2000" b="1" dirty="0">
                 <a:solidFill>
                   <a:schemeClr val="folHlink"/>
                 </a:solidFill>
                 <a:latin typeface="Courier New" panose="02070309020205020404" pitchFamily="49" charset="0"/>
                 <a:sym typeface="Euclid Extra" pitchFamily="18" charset="2"/>
               </a:rPr>
-              <a:t>new ();</a:t>
+              <a:t>new();</a:t>
             </a:r>
           </a:p>
           <a:p>
@@ -40524,7 +41881,7 @@
               <a:buNone/>
             </a:pPr>
             <a:r>
-              <a:rPr lang="en-US" altLang="zh-CN" sz="2000" b="1">
+              <a:rPr lang="en-US" altLang="zh-CN" sz="2000" b="1" dirty="0">
                 <a:latin typeface="Courier New" panose="02070309020205020404" pitchFamily="49" charset="0"/>
                 <a:sym typeface="Euclid Extra" pitchFamily="18" charset="2"/>
               </a:rPr>
@@ -40540,14 +41897,14 @@
               <a:buNone/>
             </a:pPr>
             <a:r>
-              <a:rPr lang="en-US" altLang="zh-CN" sz="2000" b="1">
+              <a:rPr lang="en-US" altLang="zh-CN" sz="2000" b="1" dirty="0">
                 <a:solidFill>
                   <a:schemeClr val="folHlink"/>
                 </a:solidFill>
                 <a:latin typeface="Courier New" panose="02070309020205020404" pitchFamily="49" charset="0"/>
                 <a:sym typeface="Euclid Extra" pitchFamily="18" charset="2"/>
               </a:rPr>
-              <a:t>length (list l); </a:t>
+              <a:t>length(list l); </a:t>
             </a:r>
           </a:p>
           <a:p>
@@ -40559,11 +41916,39 @@
               <a:buNone/>
             </a:pPr>
             <a:r>
-              <a:rPr lang="en-US" altLang="zh-CN" sz="2000" b="1">
+              <a:rPr lang="en-US" altLang="zh-CN" sz="2000" b="1" dirty="0">
                 <a:latin typeface="Courier New" panose="02070309020205020404" pitchFamily="49" charset="0"/>
                 <a:sym typeface="Euclid Extra" pitchFamily="18" charset="2"/>
               </a:rPr>
-              <a:t>// insert element x at position i in l, 0&lt;=i&lt;n</a:t>
+              <a:t>// insert element x at position </a:t>
+            </a:r>
+            <a:r>
+              <a:rPr lang="en-US" altLang="zh-CN" sz="2000" b="1" dirty="0" err="1">
+                <a:latin typeface="Courier New" panose="02070309020205020404" pitchFamily="49" charset="0"/>
+                <a:sym typeface="Euclid Extra" pitchFamily="18" charset="2"/>
+              </a:rPr>
+              <a:t>i</a:t>
+            </a:r>
+            <a:r>
+              <a:rPr lang="en-US" altLang="zh-CN" sz="2000" b="1" dirty="0">
+                <a:latin typeface="Courier New" panose="02070309020205020404" pitchFamily="49" charset="0"/>
+                <a:sym typeface="Euclid Extra" pitchFamily="18" charset="2"/>
+              </a:rPr>
+              <a:t> in l, 0&lt;=</a:t>
+            </a:r>
+            <a:r>
+              <a:rPr lang="en-US" altLang="zh-CN" sz="2000" b="1" dirty="0" err="1">
+                <a:latin typeface="Courier New" panose="02070309020205020404" pitchFamily="49" charset="0"/>
+                <a:sym typeface="Euclid Extra" pitchFamily="18" charset="2"/>
+              </a:rPr>
+              <a:t>i</a:t>
+            </a:r>
+            <a:r>
+              <a:rPr lang="en-US" altLang="zh-CN" sz="2000" b="1" dirty="0">
+                <a:latin typeface="Courier New" panose="02070309020205020404" pitchFamily="49" charset="0"/>
+                <a:sym typeface="Euclid Extra" pitchFamily="18" charset="2"/>
+              </a:rPr>
+              <a:t>&lt;n</a:t>
             </a:r>
           </a:p>
           <a:p>
@@ -40575,14 +41960,34 @@
               <a:buNone/>
             </a:pPr>
             <a:r>
-              <a:rPr lang="en-US" altLang="zh-CN" sz="2000" b="1">
+              <a:rPr lang="en-US" altLang="zh-CN" sz="2000" b="1" dirty="0">
                 <a:solidFill>
                   <a:schemeClr val="folHlink"/>
                 </a:solidFill>
                 <a:latin typeface="Courier New" panose="02070309020205020404" pitchFamily="49" charset="0"/>
                 <a:sym typeface="Euclid Extra" pitchFamily="18" charset="2"/>
               </a:rPr>
-              <a:t>insert (list l, x, i); </a:t>
+              <a:t>insert(list l, x, </a:t>
+            </a:r>
+            <a:r>
+              <a:rPr lang="en-US" altLang="zh-CN" sz="2000" b="1" dirty="0" err="1">
+                <a:solidFill>
+                  <a:schemeClr val="folHlink"/>
+                </a:solidFill>
+                <a:latin typeface="Courier New" panose="02070309020205020404" pitchFamily="49" charset="0"/>
+                <a:sym typeface="Euclid Extra" pitchFamily="18" charset="2"/>
+              </a:rPr>
+              <a:t>i</a:t>
+            </a:r>
+            <a:r>
+              <a:rPr lang="en-US" altLang="zh-CN" sz="2000" b="1" dirty="0">
+                <a:solidFill>
+                  <a:schemeClr val="folHlink"/>
+                </a:solidFill>
+                <a:latin typeface="Courier New" panose="02070309020205020404" pitchFamily="49" charset="0"/>
+                <a:sym typeface="Euclid Extra" pitchFamily="18" charset="2"/>
+              </a:rPr>
+              <a:t>); </a:t>
             </a:r>
           </a:p>
           <a:p>
@@ -40594,11 +41999,25 @@
               <a:buNone/>
             </a:pPr>
             <a:r>
-              <a:rPr lang="en-US" altLang="zh-CN" sz="2000" b="1">
+              <a:rPr lang="en-US" altLang="zh-CN" sz="2000" b="1" dirty="0">
                 <a:latin typeface="Courier New" panose="02070309020205020404" pitchFamily="49" charset="0"/>
                 <a:sym typeface="Euclid Extra" pitchFamily="18" charset="2"/>
               </a:rPr>
-              <a:t>// return the i-th element</a:t>
+              <a:t>// return the </a:t>
+            </a:r>
+            <a:r>
+              <a:rPr lang="en-US" altLang="zh-CN" sz="2000" b="1" dirty="0" err="1">
+                <a:latin typeface="Courier New" panose="02070309020205020404" pitchFamily="49" charset="0"/>
+                <a:sym typeface="Euclid Extra" pitchFamily="18" charset="2"/>
+              </a:rPr>
+              <a:t>i-th</a:t>
+            </a:r>
+            <a:r>
+              <a:rPr lang="en-US" altLang="zh-CN" sz="2000" b="1" dirty="0">
+                <a:latin typeface="Courier New" panose="02070309020205020404" pitchFamily="49" charset="0"/>
+                <a:sym typeface="Euclid Extra" pitchFamily="18" charset="2"/>
+              </a:rPr>
+              <a:t> element</a:t>
             </a:r>
           </a:p>
           <a:p>
@@ -40610,14 +42029,34 @@
               <a:buNone/>
             </a:pPr>
             <a:r>
-              <a:rPr lang="en-US" altLang="zh-CN" sz="2000" b="1">
+              <a:rPr lang="en-US" altLang="zh-CN" sz="2000" b="1" dirty="0">
                 <a:solidFill>
                   <a:schemeClr val="folHlink"/>
                 </a:solidFill>
                 <a:latin typeface="Courier New" panose="02070309020205020404" pitchFamily="49" charset="0"/>
                 <a:sym typeface="Euclid Extra" pitchFamily="18" charset="2"/>
               </a:rPr>
-              <a:t>nth (list l, i); </a:t>
+              <a:t>nth(list l, </a:t>
+            </a:r>
+            <a:r>
+              <a:rPr lang="en-US" altLang="zh-CN" sz="2000" b="1" dirty="0" err="1">
+                <a:solidFill>
+                  <a:schemeClr val="folHlink"/>
+                </a:solidFill>
+                <a:latin typeface="Courier New" panose="02070309020205020404" pitchFamily="49" charset="0"/>
+                <a:sym typeface="Euclid Extra" pitchFamily="18" charset="2"/>
+              </a:rPr>
+              <a:t>i</a:t>
+            </a:r>
+            <a:r>
+              <a:rPr lang="en-US" altLang="zh-CN" sz="2000" b="1" dirty="0">
+                <a:solidFill>
+                  <a:schemeClr val="folHlink"/>
+                </a:solidFill>
+                <a:latin typeface="Courier New" panose="02070309020205020404" pitchFamily="49" charset="0"/>
+                <a:sym typeface="Euclid Extra" pitchFamily="18" charset="2"/>
+              </a:rPr>
+              <a:t>); </a:t>
             </a:r>
           </a:p>
           <a:p>
@@ -40629,11 +42068,39 @@
               <a:buNone/>
             </a:pPr>
             <a:r>
-              <a:rPr lang="en-US" altLang="zh-CN" sz="2000" b="1">
+              <a:rPr lang="en-US" altLang="zh-CN" sz="2000" b="1" dirty="0">
                 <a:latin typeface="Courier New" panose="02070309020205020404" pitchFamily="49" charset="0"/>
                 <a:sym typeface="Euclid Extra" pitchFamily="18" charset="2"/>
               </a:rPr>
-              <a:t>// delete the element at position i in l, 0&lt;=i&lt;n</a:t>
+              <a:t>// delete the element at position </a:t>
+            </a:r>
+            <a:r>
+              <a:rPr lang="en-US" altLang="zh-CN" sz="2000" b="1" dirty="0" err="1">
+                <a:latin typeface="Courier New" panose="02070309020205020404" pitchFamily="49" charset="0"/>
+                <a:sym typeface="Euclid Extra" pitchFamily="18" charset="2"/>
+              </a:rPr>
+              <a:t>i</a:t>
+            </a:r>
+            <a:r>
+              <a:rPr lang="en-US" altLang="zh-CN" sz="2000" b="1" dirty="0">
+                <a:latin typeface="Courier New" panose="02070309020205020404" pitchFamily="49" charset="0"/>
+                <a:sym typeface="Euclid Extra" pitchFamily="18" charset="2"/>
+              </a:rPr>
+              <a:t> in l, 0&lt;=</a:t>
+            </a:r>
+            <a:r>
+              <a:rPr lang="en-US" altLang="zh-CN" sz="2000" b="1" dirty="0" err="1">
+                <a:latin typeface="Courier New" panose="02070309020205020404" pitchFamily="49" charset="0"/>
+                <a:sym typeface="Euclid Extra" pitchFamily="18" charset="2"/>
+              </a:rPr>
+              <a:t>i</a:t>
+            </a:r>
+            <a:r>
+              <a:rPr lang="en-US" altLang="zh-CN" sz="2000" b="1" dirty="0">
+                <a:latin typeface="Courier New" panose="02070309020205020404" pitchFamily="49" charset="0"/>
+                <a:sym typeface="Euclid Extra" pitchFamily="18" charset="2"/>
+              </a:rPr>
+              <a:t>&lt;n</a:t>
             </a:r>
           </a:p>
           <a:p>
@@ -40645,14 +42112,34 @@
               <a:buNone/>
             </a:pPr>
             <a:r>
-              <a:rPr lang="en-US" altLang="zh-CN" sz="2000" b="1">
+              <a:rPr lang="en-US" altLang="zh-CN" sz="2000" b="1" dirty="0">
                 <a:solidFill>
                   <a:schemeClr val="folHlink"/>
                 </a:solidFill>
                 <a:latin typeface="Courier New" panose="02070309020205020404" pitchFamily="49" charset="0"/>
                 <a:sym typeface="Euclid Extra" pitchFamily="18" charset="2"/>
               </a:rPr>
-              <a:t>delete (list l, i);</a:t>
+              <a:t>delete(list l, </a:t>
+            </a:r>
+            <a:r>
+              <a:rPr lang="en-US" altLang="zh-CN" sz="2000" b="1" dirty="0" err="1">
+                <a:solidFill>
+                  <a:schemeClr val="folHlink"/>
+                </a:solidFill>
+                <a:latin typeface="Courier New" panose="02070309020205020404" pitchFamily="49" charset="0"/>
+                <a:sym typeface="Euclid Extra" pitchFamily="18" charset="2"/>
+              </a:rPr>
+              <a:t>i</a:t>
+            </a:r>
+            <a:r>
+              <a:rPr lang="en-US" altLang="zh-CN" sz="2000" b="1" dirty="0">
+                <a:solidFill>
+                  <a:schemeClr val="folHlink"/>
+                </a:solidFill>
+                <a:latin typeface="Courier New" panose="02070309020205020404" pitchFamily="49" charset="0"/>
+                <a:sym typeface="Euclid Extra" pitchFamily="18" charset="2"/>
+              </a:rPr>
+              <a:t>);</a:t>
             </a:r>
           </a:p>
           <a:p>
@@ -40664,7 +42151,7 @@
               <a:buNone/>
             </a:pPr>
             <a:r>
-              <a:rPr lang="en-US" altLang="zh-CN" sz="2000" b="1">
+              <a:rPr lang="en-US" altLang="zh-CN" sz="2000" b="1" dirty="0">
                 <a:latin typeface="Courier New" panose="02070309020205020404" pitchFamily="49" charset="0"/>
                 <a:sym typeface="Euclid Extra" pitchFamily="18" charset="2"/>
               </a:rPr>
@@ -40680,14 +42167,14 @@
               <a:buNone/>
             </a:pPr>
             <a:r>
-              <a:rPr lang="en-US" altLang="zh-CN" sz="2000" b="1">
+              <a:rPr lang="en-US" altLang="zh-CN" sz="2000" b="1" dirty="0">
                 <a:solidFill>
                   <a:schemeClr val="folHlink"/>
                 </a:solidFill>
                 <a:latin typeface="Courier New" panose="02070309020205020404" pitchFamily="49" charset="0"/>
                 <a:sym typeface="Euclid Extra" pitchFamily="18" charset="2"/>
               </a:rPr>
-              <a:t>foreach (list l, f);</a:t>
+              <a:t>foreach(list l, f);</a:t>
             </a:r>
           </a:p>
         </p:txBody>
@@ -40774,10 +42261,22 @@
               <a:buNone/>
             </a:pPr>
             <a:r>
-              <a:rPr lang="en-US" altLang="zh-CN" sz="2000" b="1">
+              <a:rPr lang="en-US" altLang="zh-CN" sz="2000" b="1" dirty="0">
                 <a:latin typeface="Courier New" panose="02070309020205020404" pitchFamily="49" charset="0"/>
               </a:rPr>
-              <a:t>// in “list.h”</a:t>
+              <a:t>// in “</a:t>
+            </a:r>
+            <a:r>
+              <a:rPr lang="en-US" altLang="zh-CN" sz="2000" b="1" dirty="0" err="1">
+                <a:latin typeface="Courier New" panose="02070309020205020404" pitchFamily="49" charset="0"/>
+              </a:rPr>
+              <a:t>list.h</a:t>
+            </a:r>
+            <a:r>
+              <a:rPr lang="en-US" altLang="zh-CN" sz="2000" b="1" dirty="0">
+                <a:latin typeface="Courier New" panose="02070309020205020404" pitchFamily="49" charset="0"/>
+              </a:rPr>
+              <a:t>”</a:t>
             </a:r>
           </a:p>
           <a:p>
@@ -40789,13 +42288,31 @@
               <a:buNone/>
             </a:pPr>
             <a:r>
-              <a:rPr lang="en-US" altLang="zh-CN" sz="2000" b="1">
+              <a:rPr lang="en-US" altLang="zh-CN" sz="2000" b="1" dirty="0">
                 <a:solidFill>
                   <a:schemeClr val="folHlink"/>
                 </a:solidFill>
                 <a:latin typeface="Courier New" panose="02070309020205020404" pitchFamily="49" charset="0"/>
               </a:rPr>
-              <a:t>#ifndef LIST_H</a:t>
+              <a:t>#</a:t>
+            </a:r>
+            <a:r>
+              <a:rPr lang="en-US" altLang="zh-CN" sz="2000" b="1" dirty="0" err="1">
+                <a:solidFill>
+                  <a:schemeClr val="folHlink"/>
+                </a:solidFill>
+                <a:latin typeface="Courier New" panose="02070309020205020404" pitchFamily="49" charset="0"/>
+              </a:rPr>
+              <a:t>ifndef</a:t>
+            </a:r>
+            <a:r>
+              <a:rPr lang="en-US" altLang="zh-CN" sz="2000" b="1" dirty="0">
+                <a:solidFill>
+                  <a:schemeClr val="folHlink"/>
+                </a:solidFill>
+                <a:latin typeface="Courier New" panose="02070309020205020404" pitchFamily="49" charset="0"/>
+              </a:rPr>
+              <a:t> LIST_H</a:t>
             </a:r>
           </a:p>
           <a:p>
@@ -40807,7 +42324,7 @@
               <a:buNone/>
             </a:pPr>
             <a:r>
-              <a:rPr lang="en-US" altLang="zh-CN" sz="2000" b="1">
+              <a:rPr lang="en-US" altLang="zh-CN" sz="2000" b="1" dirty="0">
                 <a:solidFill>
                   <a:schemeClr val="folHlink"/>
                 </a:solidFill>
@@ -40824,7 +42341,7 @@
               <a:buFont typeface="Wingdings" pitchFamily="2" charset="2"/>
               <a:buNone/>
             </a:pPr>
-            <a:endParaRPr lang="en-US" altLang="zh-CN" sz="2000" b="1">
+            <a:endParaRPr lang="en-US" altLang="zh-CN" sz="2000" b="1" dirty="0">
               <a:solidFill>
                 <a:schemeClr val="folHlink"/>
               </a:solidFill>
@@ -40840,13 +42357,49 @@
               <a:buNone/>
             </a:pPr>
             <a:r>
-              <a:rPr lang="en-US" altLang="zh-CN" sz="2000" b="1">
+              <a:rPr lang="en-US" altLang="zh-CN" sz="2000" b="1" dirty="0">
                 <a:solidFill>
                   <a:schemeClr val="folHlink"/>
                 </a:solidFill>
                 <a:latin typeface="Courier New" panose="02070309020205020404" pitchFamily="49" charset="0"/>
               </a:rPr>
-              <a:t>typedef struct List_t *List_t;</a:t>
+              <a:t>typedef struct </a:t>
+            </a:r>
+            <a:r>
+              <a:rPr lang="en-US" altLang="zh-CN" sz="2000" b="1" dirty="0" err="1">
+                <a:solidFill>
+                  <a:schemeClr val="folHlink"/>
+                </a:solidFill>
+                <a:latin typeface="Courier New" panose="02070309020205020404" pitchFamily="49" charset="0"/>
+              </a:rPr>
+              <a:t>List_t</a:t>
+            </a:r>
+            <a:r>
+              <a:rPr lang="en-US" altLang="zh-CN" sz="2000" b="1" dirty="0">
+                <a:solidFill>
+                  <a:schemeClr val="folHlink"/>
+                </a:solidFill>
+                <a:latin typeface="Courier New" panose="02070309020205020404" pitchFamily="49" charset="0"/>
+              </a:rPr>
+              <a:t> *</a:t>
+            </a:r>
+            <a:r>
+              <a:rPr lang="en-US" altLang="zh-CN" sz="2000" b="1" dirty="0" err="1">
+                <a:solidFill>
+                  <a:schemeClr val="folHlink"/>
+                </a:solidFill>
+                <a:latin typeface="Courier New" panose="02070309020205020404" pitchFamily="49" charset="0"/>
+              </a:rPr>
+              <a:t>List_t</a:t>
+            </a:r>
+            <a:r>
+              <a:rPr lang="en-US" altLang="zh-CN" sz="2000" b="1" dirty="0">
+                <a:solidFill>
+                  <a:schemeClr val="folHlink"/>
+                </a:solidFill>
+                <a:latin typeface="Courier New" panose="02070309020205020404" pitchFamily="49" charset="0"/>
+              </a:rPr>
+              <a:t>;</a:t>
             </a:r>
           </a:p>
           <a:p>
@@ -40857,7 +42410,7 @@
               <a:buFont typeface="Wingdings" pitchFamily="2" charset="2"/>
               <a:buNone/>
             </a:pPr>
-            <a:endParaRPr lang="en-US" altLang="zh-CN" sz="2000" b="1">
+            <a:endParaRPr lang="en-US" altLang="zh-CN" sz="2000" b="1" dirty="0">
               <a:solidFill>
                 <a:schemeClr val="folHlink"/>
               </a:solidFill>
@@ -40873,13 +42426,40 @@
               <a:buNone/>
             </a:pPr>
             <a:r>
-              <a:rPr lang="en-US" altLang="zh-CN" sz="2000" b="1">
+              <a:rPr lang="en-US" altLang="zh-CN" sz="2000" b="1" dirty="0" err="1">
                 <a:solidFill>
                   <a:schemeClr val="folHlink"/>
                 </a:solidFill>
                 <a:latin typeface="Courier New" panose="02070309020205020404" pitchFamily="49" charset="0"/>
               </a:rPr>
-              <a:t>List_t List_new ();</a:t>
+              <a:t>List_t</a:t>
+            </a:r>
+            <a:r>
+              <a:rPr lang="en-US" altLang="zh-CN" sz="2000" b="1" dirty="0">
+                <a:solidFill>
+                  <a:schemeClr val="folHlink"/>
+                </a:solidFill>
+                <a:latin typeface="Courier New" panose="02070309020205020404" pitchFamily="49" charset="0"/>
+              </a:rPr>
+              <a:t> </a:t>
+            </a:r>
+            <a:r>
+              <a:rPr lang="en-US" altLang="zh-CN" sz="2000" b="1" dirty="0" err="1">
+                <a:solidFill>
+                  <a:schemeClr val="folHlink"/>
+                </a:solidFill>
+                <a:latin typeface="Courier New" panose="02070309020205020404" pitchFamily="49" charset="0"/>
+              </a:rPr>
+              <a:t>List_new</a:t>
+            </a:r>
+            <a:r>
+              <a:rPr lang="en-US" altLang="zh-CN" sz="2000" b="1" dirty="0">
+                <a:solidFill>
+                  <a:schemeClr val="folHlink"/>
+                </a:solidFill>
+                <a:latin typeface="Courier New" panose="02070309020205020404" pitchFamily="49" charset="0"/>
+              </a:rPr>
+              <a:t>();</a:t>
             </a:r>
           </a:p>
           <a:p>
@@ -40891,13 +42471,49 @@
               <a:buNone/>
             </a:pPr>
             <a:r>
-              <a:rPr lang="en-US" altLang="zh-CN" sz="2000" b="1">
+              <a:rPr lang="en-US" altLang="zh-CN" sz="2000" b="1" dirty="0">
                 <a:solidFill>
                   <a:schemeClr val="folHlink"/>
                 </a:solidFill>
                 <a:latin typeface="Courier New" panose="02070309020205020404" pitchFamily="49" charset="0"/>
               </a:rPr>
-              <a:t>int List_length (List_t l);</a:t>
+              <a:t>int </a:t>
+            </a:r>
+            <a:r>
+              <a:rPr lang="en-US" altLang="zh-CN" sz="2000" b="1" dirty="0" err="1">
+                <a:solidFill>
+                  <a:schemeClr val="folHlink"/>
+                </a:solidFill>
+                <a:latin typeface="Courier New" panose="02070309020205020404" pitchFamily="49" charset="0"/>
+              </a:rPr>
+              <a:t>List_length</a:t>
+            </a:r>
+            <a:r>
+              <a:rPr lang="en-US" altLang="zh-CN" sz="2000" b="1" dirty="0">
+                <a:solidFill>
+                  <a:schemeClr val="folHlink"/>
+                </a:solidFill>
+                <a:latin typeface="Courier New" panose="02070309020205020404" pitchFamily="49" charset="0"/>
+              </a:rPr>
+              <a:t>(</a:t>
+            </a:r>
+            <a:r>
+              <a:rPr lang="en-US" altLang="zh-CN" sz="2000" b="1" dirty="0" err="1">
+                <a:solidFill>
+                  <a:schemeClr val="folHlink"/>
+                </a:solidFill>
+                <a:latin typeface="Courier New" panose="02070309020205020404" pitchFamily="49" charset="0"/>
+              </a:rPr>
+              <a:t>List_t</a:t>
+            </a:r>
+            <a:r>
+              <a:rPr lang="en-US" altLang="zh-CN" sz="2000" b="1" dirty="0">
+                <a:solidFill>
+                  <a:schemeClr val="folHlink"/>
+                </a:solidFill>
+                <a:latin typeface="Courier New" panose="02070309020205020404" pitchFamily="49" charset="0"/>
+              </a:rPr>
+              <a:t> l);</a:t>
             </a:r>
           </a:p>
           <a:p>
@@ -40909,16 +42525,52 @@
               <a:buNone/>
             </a:pPr>
             <a:r>
-              <a:rPr lang="en-US" altLang="zh-CN" sz="2000" b="1">
+              <a:rPr lang="en-US" altLang="zh-CN" sz="2000" b="1" dirty="0">
                 <a:solidFill>
                   <a:schemeClr val="folHlink"/>
                 </a:solidFill>
                 <a:latin typeface="Courier New" panose="02070309020205020404" pitchFamily="49" charset="0"/>
               </a:rPr>
-              <a:t>poly List_nth (List_t l, int n);  </a:t>
-            </a:r>
-            <a:r>
-              <a:rPr lang="en-US" altLang="zh-CN" sz="2000" b="1">
+              <a:t>poly </a:t>
+            </a:r>
+            <a:r>
+              <a:rPr lang="en-US" altLang="zh-CN" sz="2000" b="1" dirty="0" err="1">
+                <a:solidFill>
+                  <a:schemeClr val="folHlink"/>
+                </a:solidFill>
+                <a:latin typeface="Courier New" panose="02070309020205020404" pitchFamily="49" charset="0"/>
+              </a:rPr>
+              <a:t>List_nth</a:t>
+            </a:r>
+            <a:r>
+              <a:rPr lang="en-US" altLang="zh-CN" sz="2000" b="1" dirty="0">
+                <a:solidFill>
+                  <a:schemeClr val="folHlink"/>
+                </a:solidFill>
+                <a:latin typeface="Courier New" panose="02070309020205020404" pitchFamily="49" charset="0"/>
+              </a:rPr>
+              <a:t>(</a:t>
+            </a:r>
+            <a:r>
+              <a:rPr lang="en-US" altLang="zh-CN" sz="2000" b="1" dirty="0" err="1">
+                <a:solidFill>
+                  <a:schemeClr val="folHlink"/>
+                </a:solidFill>
+                <a:latin typeface="Courier New" panose="02070309020205020404" pitchFamily="49" charset="0"/>
+              </a:rPr>
+              <a:t>List_t</a:t>
+            </a:r>
+            <a:r>
+              <a:rPr lang="en-US" altLang="zh-CN" sz="2000" b="1" dirty="0">
+                <a:solidFill>
+                  <a:schemeClr val="folHlink"/>
+                </a:solidFill>
+                <a:latin typeface="Courier New" panose="02070309020205020404" pitchFamily="49" charset="0"/>
+              </a:rPr>
+              <a:t> l, int n);  </a:t>
+            </a:r>
+            <a:r>
+              <a:rPr lang="en-US" altLang="zh-CN" sz="2000" b="1" dirty="0">
                 <a:latin typeface="Courier New" panose="02070309020205020404" pitchFamily="49" charset="0"/>
               </a:rPr>
               <a:t>// “poly”?</a:t>
@@ -40933,13 +42585,67 @@
               <a:buNone/>
             </a:pPr>
             <a:r>
-              <a:rPr lang="en-US" altLang="zh-CN" sz="2000" b="1">
+              <a:rPr lang="en-US" altLang="zh-CN" sz="2000" b="1" dirty="0">
                 <a:solidFill>
                   <a:schemeClr val="folHlink"/>
                 </a:solidFill>
                 <a:latin typeface="Courier New" panose="02070309020205020404" pitchFamily="49" charset="0"/>
               </a:rPr>
-              <a:t>void List_insert (List_t l, poly x, int i);</a:t>
+              <a:t>void </a:t>
+            </a:r>
+            <a:r>
+              <a:rPr lang="en-US" altLang="zh-CN" sz="2000" b="1" dirty="0" err="1">
+                <a:solidFill>
+                  <a:schemeClr val="folHlink"/>
+                </a:solidFill>
+                <a:latin typeface="Courier New" panose="02070309020205020404" pitchFamily="49" charset="0"/>
+              </a:rPr>
+              <a:t>List_insert</a:t>
+            </a:r>
+            <a:r>
+              <a:rPr lang="en-US" altLang="zh-CN" sz="2000" b="1" dirty="0">
+                <a:solidFill>
+                  <a:schemeClr val="folHlink"/>
+                </a:solidFill>
+                <a:latin typeface="Courier New" panose="02070309020205020404" pitchFamily="49" charset="0"/>
+              </a:rPr>
+              <a:t>(</a:t>
+            </a:r>
+            <a:r>
+              <a:rPr lang="en-US" altLang="zh-CN" sz="2000" b="1" dirty="0" err="1">
+                <a:solidFill>
+                  <a:schemeClr val="folHlink"/>
+                </a:solidFill>
+                <a:latin typeface="Courier New" panose="02070309020205020404" pitchFamily="49" charset="0"/>
+              </a:rPr>
+              <a:t>List_t</a:t>
+            </a:r>
+            <a:r>
+              <a:rPr lang="en-US" altLang="zh-CN" sz="2000" b="1" dirty="0">
+                <a:solidFill>
+                  <a:schemeClr val="folHlink"/>
+                </a:solidFill>
+                <a:latin typeface="Courier New" panose="02070309020205020404" pitchFamily="49" charset="0"/>
+              </a:rPr>
+              <a:t> l, poly x, int </a:t>
+            </a:r>
+            <a:r>
+              <a:rPr lang="en-US" altLang="zh-CN" sz="2000" b="1" dirty="0" err="1">
+                <a:solidFill>
+                  <a:schemeClr val="folHlink"/>
+                </a:solidFill>
+                <a:latin typeface="Courier New" panose="02070309020205020404" pitchFamily="49" charset="0"/>
+              </a:rPr>
+              <a:t>i</a:t>
+            </a:r>
+            <a:r>
+              <a:rPr lang="en-US" altLang="zh-CN" sz="2000" b="1" dirty="0">
+                <a:solidFill>
+                  <a:schemeClr val="folHlink"/>
+                </a:solidFill>
+                <a:latin typeface="Courier New" panose="02070309020205020404" pitchFamily="49" charset="0"/>
+              </a:rPr>
+              <a:t>);</a:t>
             </a:r>
           </a:p>
           <a:p>
@@ -40951,13 +42657,67 @@
               <a:buNone/>
             </a:pPr>
             <a:r>
-              <a:rPr lang="en-US" altLang="zh-CN" sz="2000" b="1">
+              <a:rPr lang="en-US" altLang="zh-CN" sz="2000" b="1" dirty="0">
                 <a:solidFill>
                   <a:schemeClr val="folHlink"/>
                 </a:solidFill>
                 <a:latin typeface="Courier New" panose="02070309020205020404" pitchFamily="49" charset="0"/>
               </a:rPr>
-              <a:t>poly List_delete (List_t l, int i);</a:t>
+              <a:t>poly </a:t>
+            </a:r>
+            <a:r>
+              <a:rPr lang="en-US" altLang="zh-CN" sz="2000" b="1" dirty="0" err="1">
+                <a:solidFill>
+                  <a:schemeClr val="folHlink"/>
+                </a:solidFill>
+                <a:latin typeface="Courier New" panose="02070309020205020404" pitchFamily="49" charset="0"/>
+              </a:rPr>
+              <a:t>List_delete</a:t>
+            </a:r>
+            <a:r>
+              <a:rPr lang="en-US" altLang="zh-CN" sz="2000" b="1" dirty="0">
+                <a:solidFill>
+                  <a:schemeClr val="folHlink"/>
+                </a:solidFill>
+                <a:latin typeface="Courier New" panose="02070309020205020404" pitchFamily="49" charset="0"/>
+              </a:rPr>
+              <a:t>(</a:t>
+            </a:r>
+            <a:r>
+              <a:rPr lang="en-US" altLang="zh-CN" sz="2000" b="1" dirty="0" err="1">
+                <a:solidFill>
+                  <a:schemeClr val="folHlink"/>
+                </a:solidFill>
+                <a:latin typeface="Courier New" panose="02070309020205020404" pitchFamily="49" charset="0"/>
+              </a:rPr>
+              <a:t>List_t</a:t>
+            </a:r>
+            <a:r>
+              <a:rPr lang="en-US" altLang="zh-CN" sz="2000" b="1" dirty="0">
+                <a:solidFill>
+                  <a:schemeClr val="folHlink"/>
+                </a:solidFill>
+                <a:latin typeface="Courier New" panose="02070309020205020404" pitchFamily="49" charset="0"/>
+              </a:rPr>
+              <a:t> l, int </a:t>
+            </a:r>
+            <a:r>
+              <a:rPr lang="en-US" altLang="zh-CN" sz="2000" b="1" dirty="0" err="1">
+                <a:solidFill>
+                  <a:schemeClr val="folHlink"/>
+                </a:solidFill>
+                <a:latin typeface="Courier New" panose="02070309020205020404" pitchFamily="49" charset="0"/>
+              </a:rPr>
+              <a:t>i</a:t>
+            </a:r>
+            <a:r>
+              <a:rPr lang="en-US" altLang="zh-CN" sz="2000" b="1" dirty="0">
+                <a:solidFill>
+                  <a:schemeClr val="folHlink"/>
+                </a:solidFill>
+                <a:latin typeface="Courier New" panose="02070309020205020404" pitchFamily="49" charset="0"/>
+              </a:rPr>
+              <a:t>);</a:t>
             </a:r>
           </a:p>
           <a:p>
@@ -40969,13 +42729,49 @@
               <a:buNone/>
             </a:pPr>
             <a:r>
-              <a:rPr lang="en-US" altLang="zh-CN" sz="2000" b="1">
+              <a:rPr lang="en-US" altLang="zh-CN" sz="2000" b="1" dirty="0">
                 <a:solidFill>
                   <a:schemeClr val="folHlink"/>
                 </a:solidFill>
                 <a:latin typeface="Courier New" panose="02070309020205020404" pitchFamily="49" charset="0"/>
               </a:rPr>
-              <a:t>void List_foreach (List_t l, void (*f)(poly));</a:t>
+              <a:t>void </a:t>
+            </a:r>
+            <a:r>
+              <a:rPr lang="en-US" altLang="zh-CN" sz="2000" b="1" dirty="0" err="1">
+                <a:solidFill>
+                  <a:schemeClr val="folHlink"/>
+                </a:solidFill>
+                <a:latin typeface="Courier New" panose="02070309020205020404" pitchFamily="49" charset="0"/>
+              </a:rPr>
+              <a:t>List_foreach</a:t>
+            </a:r>
+            <a:r>
+              <a:rPr lang="en-US" altLang="zh-CN" sz="2000" b="1" dirty="0">
+                <a:solidFill>
+                  <a:schemeClr val="folHlink"/>
+                </a:solidFill>
+                <a:latin typeface="Courier New" panose="02070309020205020404" pitchFamily="49" charset="0"/>
+              </a:rPr>
+              <a:t>(</a:t>
+            </a:r>
+            <a:r>
+              <a:rPr lang="en-US" altLang="zh-CN" sz="2000" b="1" dirty="0" err="1">
+                <a:solidFill>
+                  <a:schemeClr val="folHlink"/>
+                </a:solidFill>
+                <a:latin typeface="Courier New" panose="02070309020205020404" pitchFamily="49" charset="0"/>
+              </a:rPr>
+              <a:t>List_t</a:t>
+            </a:r>
+            <a:r>
+              <a:rPr lang="en-US" altLang="zh-CN" sz="2000" b="1" dirty="0">
+                <a:solidFill>
+                  <a:schemeClr val="folHlink"/>
+                </a:solidFill>
+                <a:latin typeface="Courier New" panose="02070309020205020404" pitchFamily="49" charset="0"/>
+              </a:rPr>
+              <a:t> l, void (*f)(poly));</a:t>
             </a:r>
           </a:p>
           <a:p>
@@ -40986,7 +42782,7 @@
               <a:buFont typeface="Wingdings" pitchFamily="2" charset="2"/>
               <a:buNone/>
             </a:pPr>
-            <a:endParaRPr lang="en-US" altLang="zh-CN" sz="2000" b="1">
+            <a:endParaRPr lang="en-US" altLang="zh-CN" sz="2000" b="1" dirty="0">
               <a:solidFill>
                 <a:schemeClr val="folHlink"/>
               </a:solidFill>
@@ -41002,7 +42798,7 @@
               <a:buNone/>
             </a:pPr>
             <a:r>
-              <a:rPr lang="en-US" altLang="zh-CN" sz="2000" b="1">
+              <a:rPr lang="en-US" altLang="zh-CN" sz="2000" b="1" dirty="0">
                 <a:solidFill>
                   <a:schemeClr val="folHlink"/>
                 </a:solidFill>

--- a/courses/sysprog/slides/lec11-extArray.pptx
+++ b/courses/sysprog/slides/lec11-extArray.pptx
@@ -41920,7 +41920,28 @@
                 <a:latin typeface="Courier New" panose="02070309020205020404" pitchFamily="49" charset="0"/>
                 <a:sym typeface="Euclid Extra" pitchFamily="18" charset="2"/>
               </a:rPr>
-              <a:t>// insert element x at position </a:t>
+              <a:t>// insert an</a:t>
+            </a:r>
+            <a:r>
+              <a:rPr lang="zh-CN" altLang="en-US" sz="2000" b="1">
+                <a:latin typeface="Courier New" panose="02070309020205020404" pitchFamily="49" charset="0"/>
+                <a:sym typeface="Euclid Extra" pitchFamily="18" charset="2"/>
+              </a:rPr>
+              <a:t> </a:t>
+            </a:r>
+            <a:r>
+              <a:rPr lang="en-US" altLang="zh-CN" sz="2000" b="1">
+                <a:latin typeface="Courier New" panose="02070309020205020404" pitchFamily="49" charset="0"/>
+                <a:sym typeface="Euclid Extra" pitchFamily="18" charset="2"/>
+              </a:rPr>
+              <a:t>element </a:t>
+            </a:r>
+            <a:r>
+              <a:rPr lang="en-US" altLang="zh-CN" sz="2000" b="1" dirty="0">
+                <a:latin typeface="Courier New" panose="02070309020205020404" pitchFamily="49" charset="0"/>
+                <a:sym typeface="Euclid Extra" pitchFamily="18" charset="2"/>
+              </a:rPr>
+              <a:t>x at position </a:t>
             </a:r>
             <a:r>
               <a:rPr lang="en-US" altLang="zh-CN" sz="2000" b="1" dirty="0" err="1">
@@ -42155,7 +42176,35 @@
                 <a:latin typeface="Courier New" panose="02070309020205020404" pitchFamily="49" charset="0"/>
                 <a:sym typeface="Euclid Extra" pitchFamily="18" charset="2"/>
               </a:rPr>
-              <a:t>// apply function f to each element in l</a:t>
+              <a:t>// apply the</a:t>
+            </a:r>
+            <a:r>
+              <a:rPr lang="zh-CN" altLang="en-US" sz="2000" b="1" dirty="0">
+                <a:latin typeface="Courier New" panose="02070309020205020404" pitchFamily="49" charset="0"/>
+                <a:sym typeface="Euclid Extra" pitchFamily="18" charset="2"/>
+              </a:rPr>
+              <a:t> </a:t>
+            </a:r>
+            <a:r>
+              <a:rPr lang="en-US" altLang="zh-CN" sz="2000" b="1" dirty="0">
+                <a:latin typeface="Courier New" panose="02070309020205020404" pitchFamily="49" charset="0"/>
+                <a:sym typeface="Euclid Extra" pitchFamily="18" charset="2"/>
+              </a:rPr>
+              <a:t>function f to each element in list</a:t>
+            </a:r>
+            <a:r>
+              <a:rPr lang="zh-CN" altLang="en-US" sz="2000" b="1" dirty="0">
+                <a:latin typeface="Courier New" panose="02070309020205020404" pitchFamily="49" charset="0"/>
+                <a:sym typeface="Euclid Extra" pitchFamily="18" charset="2"/>
+              </a:rPr>
+              <a:t> </a:t>
+            </a:r>
+            <a:r>
+              <a:rPr lang="en-US" altLang="zh-CN" sz="2000" b="1" dirty="0">
+                <a:latin typeface="Courier New" panose="02070309020205020404" pitchFamily="49" charset="0"/>
+                <a:sym typeface="Euclid Extra" pitchFamily="18" charset="2"/>
+              </a:rPr>
+              <a:t>l</a:t>
             </a:r>
           </a:p>
           <a:p>

--- a/courses/sysprog/slides/lec11-extArray.pptx
+++ b/courses/sysprog/slides/lec11-extArray.pptx
@@ -5211,7 +5211,7 @@
             <a:r>
               <a:rPr lang="en-US" altLang="zh-CN" sz="2000" b="1" dirty="0">
                 <a:solidFill>
-                  <a:schemeClr val="folHlink"/>
+                  <a:srgbClr val="0432FF"/>
                 </a:solidFill>
                 <a:latin typeface="Courier New" panose="02070309020205020404" pitchFamily="49" charset="0"/>
               </a:rPr>
@@ -5228,7 +5228,7 @@
             </a:pPr>
             <a:endParaRPr lang="en-US" altLang="zh-CN" sz="2000" b="1" dirty="0">
               <a:solidFill>
-                <a:schemeClr val="folHlink"/>
+                <a:srgbClr val="0432FF"/>
               </a:solidFill>
               <a:latin typeface="Courier New" panose="02070309020205020404" pitchFamily="49" charset="0"/>
             </a:endParaRPr>
@@ -5244,7 +5244,7 @@
             <a:r>
               <a:rPr lang="en-US" altLang="zh-CN" sz="2000" b="1" dirty="0">
                 <a:solidFill>
-                  <a:schemeClr val="folHlink"/>
+                  <a:srgbClr val="0432FF"/>
                 </a:solidFill>
                 <a:latin typeface="Courier New" panose="02070309020205020404" pitchFamily="49" charset="0"/>
               </a:rPr>
@@ -5262,7 +5262,7 @@
             <a:r>
               <a:rPr lang="en-US" altLang="zh-CN" sz="2000" b="1" dirty="0">
                 <a:solidFill>
-                  <a:schemeClr val="folHlink"/>
+                  <a:srgbClr val="0432FF"/>
                 </a:solidFill>
                 <a:latin typeface="Courier New" panose="02070309020205020404" pitchFamily="49" charset="0"/>
               </a:rPr>
@@ -5280,7 +5280,7 @@
             <a:r>
               <a:rPr lang="en-US" altLang="zh-CN" sz="2000" b="1" dirty="0">
                 <a:solidFill>
-                  <a:schemeClr val="folHlink"/>
+                  <a:srgbClr val="0432FF"/>
                 </a:solidFill>
                 <a:latin typeface="Courier New" panose="02070309020205020404" pitchFamily="49" charset="0"/>
               </a:rPr>
@@ -5297,7 +5297,7 @@
             </a:pPr>
             <a:endParaRPr lang="en-US" altLang="zh-CN" sz="2000" b="1" dirty="0">
               <a:solidFill>
-                <a:schemeClr val="folHlink"/>
+                <a:srgbClr val="0432FF"/>
               </a:solidFill>
               <a:latin typeface="Courier New" panose="02070309020205020404" pitchFamily="49" charset="0"/>
             </a:endParaRPr>
@@ -5313,7 +5313,7 @@
             <a:r>
               <a:rPr lang="en-US" altLang="zh-CN" sz="2000" b="1" dirty="0">
                 <a:solidFill>
-                  <a:schemeClr val="folHlink"/>
+                  <a:srgbClr val="0432FF"/>
                 </a:solidFill>
                 <a:latin typeface="Courier New" panose="02070309020205020404" pitchFamily="49" charset="0"/>
               </a:rPr>
@@ -5331,7 +5331,7 @@
             <a:r>
               <a:rPr lang="en-US" altLang="zh-CN" sz="2000" b="1" dirty="0">
                 <a:solidFill>
-                  <a:schemeClr val="folHlink"/>
+                  <a:srgbClr val="0432FF"/>
                 </a:solidFill>
                 <a:latin typeface="Courier New" panose="02070309020205020404" pitchFamily="49" charset="0"/>
               </a:rPr>
@@ -5349,7 +5349,7 @@
             <a:r>
               <a:rPr lang="en-US" altLang="zh-CN" sz="2000" b="1" dirty="0">
                 <a:solidFill>
-                  <a:schemeClr val="folHlink"/>
+                  <a:srgbClr val="0432FF"/>
                 </a:solidFill>
                 <a:latin typeface="Courier New" panose="02070309020205020404" pitchFamily="49" charset="0"/>
               </a:rPr>
@@ -5382,7 +5382,7 @@
             <a:r>
               <a:rPr lang="en-US" altLang="zh-CN" sz="2000" b="1" dirty="0">
                 <a:solidFill>
-                  <a:schemeClr val="folHlink"/>
+                  <a:srgbClr val="0432FF"/>
                 </a:solidFill>
                 <a:latin typeface="Courier New" panose="02070309020205020404" pitchFamily="49" charset="0"/>
               </a:rPr>
@@ -6265,7 +6265,7 @@
                 </a:solidFill>
                 <a:latin typeface="Courier New" panose="02070309020205020404" pitchFamily="49" charset="0"/>
               </a:rPr>
-              <a:t>#define INIT_LENGTH 32</a:t>
+              <a:t>#define INIT_CAP 8</a:t>
             </a:r>
           </a:p>
           <a:p>
@@ -6352,7 +6352,25 @@
                 </a:solidFill>
                 <a:latin typeface="Courier New" panose="02070309020205020404" pitchFamily="49" charset="0"/>
               </a:rPr>
-              <a:t>	poly *array;</a:t>
+              <a:t>	</a:t>
+            </a:r>
+            <a:r>
+              <a:rPr lang="en-US" altLang="zh-CN" sz="2000" b="1" dirty="0" err="1">
+                <a:solidFill>
+                  <a:schemeClr val="folHlink"/>
+                </a:solidFill>
+                <a:latin typeface="Courier New" panose="02070309020205020404" pitchFamily="49" charset="0"/>
+              </a:rPr>
+              <a:t>Poly_t</a:t>
+            </a:r>
+            <a:r>
+              <a:rPr lang="en-US" altLang="zh-CN" sz="2000" b="1" dirty="0">
+                <a:solidFill>
+                  <a:schemeClr val="folHlink"/>
+                </a:solidFill>
+                <a:latin typeface="Courier New" panose="02070309020205020404" pitchFamily="49" charset="0"/>
+              </a:rPr>
+              <a:t> *array;</a:t>
             </a:r>
           </a:p>
           <a:p>
@@ -6370,7 +6388,7 @@
                 </a:solidFill>
                 <a:latin typeface="Courier New" panose="02070309020205020404" pitchFamily="49" charset="0"/>
               </a:rPr>
-              <a:t>	int max;</a:t>
+              <a:t>	int cap;</a:t>
             </a:r>
           </a:p>
           <a:p>
@@ -6388,7 +6406,7 @@
                 </a:solidFill>
                 <a:latin typeface="Courier New" panose="02070309020205020404" pitchFamily="49" charset="0"/>
               </a:rPr>
-              <a:t>	int tail;</a:t>
+              <a:t>	int next;</a:t>
             </a:r>
           </a:p>
           <a:p>
@@ -6989,7 +7007,7 @@
           <a:p>
             <a:pPr algn="ctr"/>
             <a:r>
-              <a:rPr lang="en-US" altLang="zh-CN" sz="2000"/>
+              <a:rPr lang="en-US" altLang="zh-CN" sz="2000" dirty="0"/>
               <a:t>array</a:t>
             </a:r>
           </a:p>
@@ -7047,8 +7065,8 @@
           <a:p>
             <a:pPr algn="ctr"/>
             <a:r>
-              <a:rPr lang="en-US" altLang="zh-CN" sz="2000"/>
-              <a:t>max</a:t>
+              <a:rPr lang="en-US" altLang="zh-CN" sz="2000" dirty="0"/>
+              <a:t>cap</a:t>
             </a:r>
           </a:p>
         </p:txBody>
@@ -7105,8 +7123,8 @@
           <a:p>
             <a:pPr algn="ctr"/>
             <a:r>
-              <a:rPr lang="en-US" altLang="zh-CN" sz="2000"/>
-              <a:t>tail</a:t>
+              <a:rPr lang="en-US" altLang="zh-CN" sz="2000" dirty="0"/>
+              <a:t>next</a:t>
             </a:r>
           </a:p>
         </p:txBody>
@@ -7545,7 +7563,7 @@
             <a:r>
               <a:rPr lang="en-US" altLang="zh-CN" sz="2000" b="1" dirty="0" err="1">
                 <a:solidFill>
-                  <a:schemeClr val="folHlink"/>
+                  <a:srgbClr val="0432FF"/>
                 </a:solidFill>
                 <a:latin typeface="Courier New" panose="02070309020205020404" pitchFamily="49" charset="0"/>
               </a:rPr>
@@ -7554,7 +7572,7 @@
             <a:r>
               <a:rPr lang="en-US" altLang="zh-CN" sz="2000" b="1" dirty="0">
                 <a:solidFill>
-                  <a:schemeClr val="folHlink"/>
+                  <a:srgbClr val="0432FF"/>
                 </a:solidFill>
                 <a:latin typeface="Courier New" panose="02070309020205020404" pitchFamily="49" charset="0"/>
               </a:rPr>
@@ -7563,7 +7581,7 @@
             <a:r>
               <a:rPr lang="en-US" altLang="zh-CN" sz="2000" b="1" dirty="0" err="1">
                 <a:solidFill>
-                  <a:schemeClr val="folHlink"/>
+                  <a:srgbClr val="0432FF"/>
                 </a:solidFill>
                 <a:latin typeface="Courier New" panose="02070309020205020404" pitchFamily="49" charset="0"/>
               </a:rPr>
@@ -7572,7 +7590,7 @@
             <a:r>
               <a:rPr lang="en-US" altLang="zh-CN" sz="2000" b="1" dirty="0">
                 <a:solidFill>
-                  <a:schemeClr val="folHlink"/>
+                  <a:srgbClr val="0432FF"/>
                 </a:solidFill>
                 <a:latin typeface="Courier New" panose="02070309020205020404" pitchFamily="49" charset="0"/>
               </a:rPr>
@@ -7590,7 +7608,7 @@
             <a:r>
               <a:rPr lang="en-US" altLang="zh-CN" sz="2000" b="1" dirty="0">
                 <a:solidFill>
-                  <a:schemeClr val="folHlink"/>
+                  <a:srgbClr val="0432FF"/>
                 </a:solidFill>
                 <a:latin typeface="Courier New" panose="02070309020205020404" pitchFamily="49" charset="0"/>
               </a:rPr>
@@ -7599,7 +7617,7 @@
             <a:r>
               <a:rPr lang="en-US" altLang="zh-CN" sz="2000" b="1" dirty="0" err="1">
                 <a:solidFill>
-                  <a:schemeClr val="folHlink"/>
+                  <a:srgbClr val="0432FF"/>
                 </a:solidFill>
                 <a:latin typeface="Courier New" panose="02070309020205020404" pitchFamily="49" charset="0"/>
               </a:rPr>
@@ -7608,16 +7626,43 @@
             <a:r>
               <a:rPr lang="en-US" altLang="zh-CN" sz="2000" b="1" dirty="0">
                 <a:solidFill>
-                  <a:schemeClr val="folHlink"/>
-                </a:solidFill>
-                <a:latin typeface="Courier New" panose="02070309020205020404" pitchFamily="49" charset="0"/>
-              </a:rPr>
-              <a:t> l = malloc(</a:t>
+                  <a:srgbClr val="0432FF"/>
+                </a:solidFill>
+                <a:latin typeface="Courier New" panose="02070309020205020404" pitchFamily="49" charset="0"/>
+              </a:rPr>
+              <a:t> l = </a:t>
             </a:r>
             <a:r>
               <a:rPr lang="en-US" altLang="zh-CN" sz="2000" b="1" dirty="0" err="1">
                 <a:solidFill>
-                  <a:schemeClr val="folHlink"/>
+                  <a:srgbClr val="0432FF"/>
+                </a:solidFill>
+                <a:latin typeface="Courier New" panose="02070309020205020404" pitchFamily="49" charset="0"/>
+              </a:rPr>
+              <a:t>calloc</a:t>
+            </a:r>
+            <a:r>
+              <a:rPr lang="en-US" altLang="zh-CN" sz="2000" b="1" dirty="0">
+                <a:solidFill>
+                  <a:srgbClr val="0432FF"/>
+                </a:solidFill>
+                <a:latin typeface="Courier New" panose="02070309020205020404" pitchFamily="49" charset="0"/>
+              </a:rPr>
+              <a:t>(1,</a:t>
+            </a:r>
+            <a:r>
+              <a:rPr lang="zh-CN" altLang="en-US" sz="2000" b="1" dirty="0">
+                <a:solidFill>
+                  <a:srgbClr val="0432FF"/>
+                </a:solidFill>
+                <a:latin typeface="Courier New" panose="02070309020205020404" pitchFamily="49" charset="0"/>
+              </a:rPr>
+              <a:t> </a:t>
+            </a:r>
+            <a:r>
+              <a:rPr lang="en-US" altLang="zh-CN" sz="2000" b="1" dirty="0" err="1">
+                <a:solidFill>
+                  <a:srgbClr val="0432FF"/>
                 </a:solidFill>
                 <a:latin typeface="Courier New" panose="02070309020205020404" pitchFamily="49" charset="0"/>
               </a:rPr>
@@ -7626,7 +7671,7 @@
             <a:r>
               <a:rPr lang="en-US" altLang="zh-CN" sz="2000" b="1" dirty="0">
                 <a:solidFill>
-                  <a:schemeClr val="folHlink"/>
+                  <a:srgbClr val="0432FF"/>
                 </a:solidFill>
                 <a:latin typeface="Courier New" panose="02070309020205020404" pitchFamily="49" charset="0"/>
               </a:rPr>
@@ -7644,16 +7689,43 @@
             <a:r>
               <a:rPr lang="en-US" altLang="zh-CN" sz="2000" b="1" dirty="0">
                 <a:solidFill>
-                  <a:schemeClr val="folHlink"/>
-                </a:solidFill>
-                <a:latin typeface="Courier New" panose="02070309020205020404" pitchFamily="49" charset="0"/>
-              </a:rPr>
-              <a:t>  l-&gt;array = malloc(INIT_LENTH * </a:t>
+                  <a:srgbClr val="0432FF"/>
+                </a:solidFill>
+                <a:latin typeface="Courier New" panose="02070309020205020404" pitchFamily="49" charset="0"/>
+              </a:rPr>
+              <a:t>  l-&gt;array = </a:t>
             </a:r>
             <a:r>
               <a:rPr lang="en-US" altLang="zh-CN" sz="2000" b="1" dirty="0" err="1">
                 <a:solidFill>
-                  <a:schemeClr val="folHlink"/>
+                  <a:srgbClr val="0432FF"/>
+                </a:solidFill>
+                <a:latin typeface="Courier New" panose="02070309020205020404" pitchFamily="49" charset="0"/>
+              </a:rPr>
+              <a:t>calloc</a:t>
+            </a:r>
+            <a:r>
+              <a:rPr lang="en-US" altLang="zh-CN" sz="2000" b="1" dirty="0">
+                <a:solidFill>
+                  <a:srgbClr val="0432FF"/>
+                </a:solidFill>
+                <a:latin typeface="Courier New" panose="02070309020205020404" pitchFamily="49" charset="0"/>
+              </a:rPr>
+              <a:t>(INIT_CAP,</a:t>
+            </a:r>
+            <a:r>
+              <a:rPr lang="zh-CN" altLang="en-US" sz="2000" b="1" dirty="0">
+                <a:solidFill>
+                  <a:srgbClr val="0432FF"/>
+                </a:solidFill>
+                <a:latin typeface="Courier New" panose="02070309020205020404" pitchFamily="49" charset="0"/>
+              </a:rPr>
+              <a:t> </a:t>
+            </a:r>
+            <a:r>
+              <a:rPr lang="en-US" altLang="zh-CN" sz="2000" b="1" dirty="0" err="1">
+                <a:solidFill>
+                  <a:srgbClr val="0432FF"/>
                 </a:solidFill>
                 <a:latin typeface="Courier New" panose="02070309020205020404" pitchFamily="49" charset="0"/>
               </a:rPr>
@@ -7662,7 +7734,7 @@
             <a:r>
               <a:rPr lang="en-US" altLang="zh-CN" sz="2000" b="1" dirty="0">
                 <a:solidFill>
-                  <a:schemeClr val="folHlink"/>
+                  <a:srgbClr val="0432FF"/>
                 </a:solidFill>
                 <a:latin typeface="Courier New" panose="02070309020205020404" pitchFamily="49" charset="0"/>
               </a:rPr>
@@ -7680,11 +7752,11 @@
             <a:r>
               <a:rPr lang="en-US" altLang="zh-CN" sz="2000" b="1" dirty="0">
                 <a:solidFill>
-                  <a:schemeClr val="folHlink"/>
-                </a:solidFill>
-                <a:latin typeface="Courier New" panose="02070309020205020404" pitchFamily="49" charset="0"/>
-              </a:rPr>
-              <a:t>  l-&gt;max = INIT_LENTH;</a:t>
+                  <a:srgbClr val="0432FF"/>
+                </a:solidFill>
+                <a:latin typeface="Courier New" panose="02070309020205020404" pitchFamily="49" charset="0"/>
+              </a:rPr>
+              <a:t>  l-&gt;cap = INIT_CAP;</a:t>
             </a:r>
           </a:p>
           <a:p>
@@ -7698,11 +7770,11 @@
             <a:r>
               <a:rPr lang="en-US" altLang="zh-CN" sz="2000" b="1" dirty="0">
                 <a:solidFill>
-                  <a:schemeClr val="folHlink"/>
-                </a:solidFill>
-                <a:latin typeface="Courier New" panose="02070309020205020404" pitchFamily="49" charset="0"/>
-              </a:rPr>
-              <a:t>  l-&gt;tail = 0;</a:t>
+                  <a:srgbClr val="0432FF"/>
+                </a:solidFill>
+                <a:latin typeface="Courier New" panose="02070309020205020404" pitchFamily="49" charset="0"/>
+              </a:rPr>
+              <a:t>  l-&gt;next = 0;</a:t>
             </a:r>
           </a:p>
           <a:p>
@@ -7715,7 +7787,7 @@
             </a:pPr>
             <a:endParaRPr lang="en-US" altLang="zh-CN" sz="2000" b="1" dirty="0">
               <a:solidFill>
-                <a:schemeClr val="folHlink"/>
+                <a:srgbClr val="0432FF"/>
               </a:solidFill>
               <a:latin typeface="Courier New" panose="02070309020205020404" pitchFamily="49" charset="0"/>
             </a:endParaRPr>
@@ -7731,7 +7803,7 @@
             <a:r>
               <a:rPr lang="en-US" altLang="zh-CN" sz="2000" b="1" dirty="0">
                 <a:solidFill>
-                  <a:schemeClr val="folHlink"/>
+                  <a:srgbClr val="0432FF"/>
                 </a:solidFill>
                 <a:latin typeface="Courier New" panose="02070309020205020404" pitchFamily="49" charset="0"/>
               </a:rPr>
@@ -7749,7 +7821,7 @@
             <a:r>
               <a:rPr lang="en-US" altLang="zh-CN" sz="2000" b="1" dirty="0">
                 <a:solidFill>
-                  <a:schemeClr val="folHlink"/>
+                  <a:srgbClr val="0432FF"/>
                 </a:solidFill>
                 <a:latin typeface="Courier New" panose="02070309020205020404" pitchFamily="49" charset="0"/>
               </a:rPr>
@@ -7921,7 +7993,34 @@
                 </a:solidFill>
                 <a:latin typeface="Courier New" panose="02070309020205020404" pitchFamily="49" charset="0"/>
               </a:rPr>
-              <a:t> l = malloc(</a:t>
+              <a:t> l = </a:t>
+            </a:r>
+            <a:r>
+              <a:rPr lang="en-US" altLang="zh-CN" sz="2000" b="1" dirty="0" err="1">
+                <a:solidFill>
+                  <a:schemeClr val="hlink"/>
+                </a:solidFill>
+                <a:latin typeface="Courier New" panose="02070309020205020404" pitchFamily="49" charset="0"/>
+              </a:rPr>
+              <a:t>calloc</a:t>
+            </a:r>
+            <a:r>
+              <a:rPr lang="en-US" altLang="zh-CN" sz="2000" b="1" dirty="0">
+                <a:solidFill>
+                  <a:schemeClr val="hlink"/>
+                </a:solidFill>
+                <a:latin typeface="Courier New" panose="02070309020205020404" pitchFamily="49" charset="0"/>
+              </a:rPr>
+              <a:t>(1,</a:t>
+            </a:r>
+            <a:r>
+              <a:rPr lang="zh-CN" altLang="en-US" sz="2000" b="1" dirty="0">
+                <a:solidFill>
+                  <a:schemeClr val="hlink"/>
+                </a:solidFill>
+                <a:latin typeface="Courier New" panose="02070309020205020404" pitchFamily="49" charset="0"/>
+              </a:rPr>
+              <a:t> </a:t>
             </a:r>
             <a:r>
               <a:rPr lang="en-US" altLang="zh-CN" sz="2000" b="1" dirty="0" err="1">
@@ -7963,7 +8062,34 @@
                 </a:solidFill>
                 <a:latin typeface="Courier New" panose="02070309020205020404" pitchFamily="49" charset="0"/>
               </a:rPr>
-              <a:t>l-&gt;array = malloc(INIT_LENTH * </a:t>
+              <a:t>l-&gt;array = </a:t>
+            </a:r>
+            <a:r>
+              <a:rPr lang="en-US" altLang="zh-CN" sz="2000" b="1" dirty="0" err="1">
+                <a:solidFill>
+                  <a:schemeClr val="folHlink"/>
+                </a:solidFill>
+                <a:latin typeface="Courier New" panose="02070309020205020404" pitchFamily="49" charset="0"/>
+              </a:rPr>
+              <a:t>calloc</a:t>
+            </a:r>
+            <a:r>
+              <a:rPr lang="en-US" altLang="zh-CN" sz="2000" b="1" dirty="0">
+                <a:solidFill>
+                  <a:schemeClr val="folHlink"/>
+                </a:solidFill>
+                <a:latin typeface="Courier New" panose="02070309020205020404" pitchFamily="49" charset="0"/>
+              </a:rPr>
+              <a:t>(INIT_CAP,</a:t>
+            </a:r>
+            <a:r>
+              <a:rPr lang="zh-CN" altLang="en-US" sz="2000" b="1" dirty="0">
+                <a:solidFill>
+                  <a:schemeClr val="folHlink"/>
+                </a:solidFill>
+                <a:latin typeface="Courier New" panose="02070309020205020404" pitchFamily="49" charset="0"/>
+              </a:rPr>
+              <a:t> </a:t>
             </a:r>
             <a:r>
               <a:rPr lang="en-US" altLang="zh-CN" sz="2000" b="1" dirty="0" err="1">
@@ -7999,7 +8125,7 @@
                 </a:solidFill>
                 <a:latin typeface="Courier New" panose="02070309020205020404" pitchFamily="49" charset="0"/>
               </a:rPr>
-              <a:t>  l-&gt;max = INIT_LENTH;</a:t>
+              <a:t>  l-&gt;cap = INIT_CAP;</a:t>
             </a:r>
           </a:p>
           <a:p>
@@ -8017,7 +8143,7 @@
                 </a:solidFill>
                 <a:latin typeface="Courier New" panose="02070309020205020404" pitchFamily="49" charset="0"/>
               </a:rPr>
-              <a:t>  l-&gt;tail = 0;</a:t>
+              <a:t>  l-&gt;next = 0;</a:t>
             </a:r>
           </a:p>
           <a:p>
@@ -8162,8 +8288,8 @@
             <a:p>
               <a:pPr algn="ctr"/>
               <a:r>
-                <a:rPr lang="en-US" altLang="zh-CN" sz="2000"/>
-                <a:t>$#%&amp;</a:t>
+                <a:rPr lang="en-US" altLang="zh-CN" sz="2000" dirty="0"/>
+                <a:t>0</a:t>
               </a:r>
             </a:p>
           </p:txBody>
@@ -8220,8 +8346,8 @@
             <a:p>
               <a:pPr algn="ctr"/>
               <a:r>
-                <a:rPr lang="en-US" altLang="zh-CN" sz="2000"/>
-                <a:t>%$&amp;^</a:t>
+                <a:rPr lang="en-US" altLang="zh-CN" sz="2000" dirty="0"/>
+                <a:t>0</a:t>
               </a:r>
             </a:p>
           </p:txBody>
@@ -8278,8 +8404,8 @@
             <a:p>
               <a:pPr algn="ctr"/>
               <a:r>
-                <a:rPr lang="en-US" altLang="zh-CN" sz="2000"/>
-                <a:t>@#%$</a:t>
+                <a:rPr lang="en-US" altLang="zh-CN" sz="2000" dirty="0"/>
+                <a:t>0</a:t>
               </a:r>
             </a:p>
           </p:txBody>
@@ -8564,7 +8690,34 @@
                 </a:solidFill>
                 <a:latin typeface="Courier New" panose="02070309020205020404" pitchFamily="49" charset="0"/>
               </a:rPr>
-              <a:t> l = malloc(</a:t>
+              <a:t> l = </a:t>
+            </a:r>
+            <a:r>
+              <a:rPr lang="en-US" altLang="zh-CN" sz="2000" b="1" dirty="0" err="1">
+                <a:solidFill>
+                  <a:schemeClr val="hlink"/>
+                </a:solidFill>
+                <a:latin typeface="Courier New" panose="02070309020205020404" pitchFamily="49" charset="0"/>
+              </a:rPr>
+              <a:t>calloc</a:t>
+            </a:r>
+            <a:r>
+              <a:rPr lang="en-US" altLang="zh-CN" sz="2000" b="1" dirty="0">
+                <a:solidFill>
+                  <a:schemeClr val="hlink"/>
+                </a:solidFill>
+                <a:latin typeface="Courier New" panose="02070309020205020404" pitchFamily="49" charset="0"/>
+              </a:rPr>
+              <a:t>(1,</a:t>
+            </a:r>
+            <a:r>
+              <a:rPr lang="zh-CN" altLang="en-US" sz="2000" b="1" dirty="0">
+                <a:solidFill>
+                  <a:schemeClr val="hlink"/>
+                </a:solidFill>
+                <a:latin typeface="Courier New" panose="02070309020205020404" pitchFamily="49" charset="0"/>
+              </a:rPr>
+              <a:t> </a:t>
             </a:r>
             <a:r>
               <a:rPr lang="en-US" altLang="zh-CN" sz="2000" b="1" dirty="0" err="1">
@@ -8606,7 +8759,34 @@
                 </a:solidFill>
                 <a:latin typeface="Courier New" panose="02070309020205020404" pitchFamily="49" charset="0"/>
               </a:rPr>
-              <a:t>l-&gt;array = malloc(INIT_LENTH * </a:t>
+              <a:t>l-&gt;array = </a:t>
+            </a:r>
+            <a:r>
+              <a:rPr lang="en-US" altLang="zh-CN" sz="2000" b="1" dirty="0" err="1">
+                <a:solidFill>
+                  <a:schemeClr val="hlink"/>
+                </a:solidFill>
+                <a:latin typeface="Courier New" panose="02070309020205020404" pitchFamily="49" charset="0"/>
+              </a:rPr>
+              <a:t>calloc</a:t>
+            </a:r>
+            <a:r>
+              <a:rPr lang="en-US" altLang="zh-CN" sz="2000" b="1" dirty="0">
+                <a:solidFill>
+                  <a:schemeClr val="hlink"/>
+                </a:solidFill>
+                <a:latin typeface="Courier New" panose="02070309020205020404" pitchFamily="49" charset="0"/>
+              </a:rPr>
+              <a:t>(INIT_LENTH,</a:t>
+            </a:r>
+            <a:r>
+              <a:rPr lang="zh-CN" altLang="en-US" sz="2000" b="1" dirty="0">
+                <a:solidFill>
+                  <a:schemeClr val="hlink"/>
+                </a:solidFill>
+                <a:latin typeface="Courier New" panose="02070309020205020404" pitchFamily="49" charset="0"/>
+              </a:rPr>
+              <a:t> </a:t>
             </a:r>
             <a:r>
               <a:rPr lang="en-US" altLang="zh-CN" sz="2000" b="1" dirty="0" err="1">
@@ -8648,7 +8828,7 @@
                 </a:solidFill>
                 <a:latin typeface="Courier New" panose="02070309020205020404" pitchFamily="49" charset="0"/>
               </a:rPr>
-              <a:t>l-&gt;max = INIT_LENTH;</a:t>
+              <a:t>l-&gt;cap = INIT_CAP;</a:t>
             </a:r>
           </a:p>
           <a:p>
@@ -8666,7 +8846,7 @@
                 </a:solidFill>
                 <a:latin typeface="Courier New" panose="02070309020205020404" pitchFamily="49" charset="0"/>
               </a:rPr>
-              <a:t>  l-&gt;tail = 0;</a:t>
+              <a:t>  l-&gt;next = 0;</a:t>
             </a:r>
           </a:p>
           <a:p>
@@ -9337,7 +9517,7 @@
             <a:p>
               <a:pPr algn="ctr"/>
               <a:r>
-                <a:rPr lang="en-US" altLang="zh-CN" sz="2000"/>
+                <a:rPr lang="en-US" altLang="zh-CN" sz="2000" dirty="0"/>
                 <a:t>array</a:t>
               </a:r>
             </a:p>
@@ -9395,8 +9575,8 @@
             <a:p>
               <a:pPr algn="ctr"/>
               <a:r>
-                <a:rPr lang="en-US" altLang="zh-CN" sz="2000"/>
-                <a:t>%$&amp;^</a:t>
+                <a:rPr lang="en-US" altLang="zh-CN" sz="2000" dirty="0"/>
+                <a:t>0</a:t>
               </a:r>
             </a:p>
           </p:txBody>
@@ -9453,8 +9633,8 @@
             <a:p>
               <a:pPr algn="ctr"/>
               <a:r>
-                <a:rPr lang="en-US" altLang="zh-CN" sz="2000"/>
-                <a:t>@#%$</a:t>
+                <a:rPr lang="en-US" altLang="zh-CN" sz="2000" dirty="0"/>
+                <a:t>0</a:t>
               </a:r>
             </a:p>
           </p:txBody>
@@ -9795,7 +9975,34 @@
                 </a:solidFill>
                 <a:latin typeface="Courier New" panose="02070309020205020404" pitchFamily="49" charset="0"/>
               </a:rPr>
-              <a:t> l = malloc(</a:t>
+              <a:t> l = </a:t>
+            </a:r>
+            <a:r>
+              <a:rPr lang="en-US" altLang="zh-CN" sz="2000" b="1" dirty="0" err="1">
+                <a:solidFill>
+                  <a:schemeClr val="hlink"/>
+                </a:solidFill>
+                <a:latin typeface="Courier New" panose="02070309020205020404" pitchFamily="49" charset="0"/>
+              </a:rPr>
+              <a:t>calloc</a:t>
+            </a:r>
+            <a:r>
+              <a:rPr lang="en-US" altLang="zh-CN" sz="2000" b="1" dirty="0">
+                <a:solidFill>
+                  <a:schemeClr val="hlink"/>
+                </a:solidFill>
+                <a:latin typeface="Courier New" panose="02070309020205020404" pitchFamily="49" charset="0"/>
+              </a:rPr>
+              <a:t>(1,</a:t>
+            </a:r>
+            <a:r>
+              <a:rPr lang="zh-CN" altLang="en-US" sz="2000" b="1" dirty="0">
+                <a:solidFill>
+                  <a:schemeClr val="hlink"/>
+                </a:solidFill>
+                <a:latin typeface="Courier New" panose="02070309020205020404" pitchFamily="49" charset="0"/>
+              </a:rPr>
+              <a:t> </a:t>
             </a:r>
             <a:r>
               <a:rPr lang="en-US" altLang="zh-CN" sz="2000" b="1" dirty="0" err="1">
@@ -9837,7 +10044,34 @@
                 </a:solidFill>
                 <a:latin typeface="Courier New" panose="02070309020205020404" pitchFamily="49" charset="0"/>
               </a:rPr>
-              <a:t>l-&gt;array = malloc(INIT_LENTH * </a:t>
+              <a:t>l-&gt;array = </a:t>
+            </a:r>
+            <a:r>
+              <a:rPr lang="en-US" altLang="zh-CN" sz="2000" b="1" dirty="0" err="1">
+                <a:solidFill>
+                  <a:schemeClr val="hlink"/>
+                </a:solidFill>
+                <a:latin typeface="Courier New" panose="02070309020205020404" pitchFamily="49" charset="0"/>
+              </a:rPr>
+              <a:t>calloc</a:t>
+            </a:r>
+            <a:r>
+              <a:rPr lang="en-US" altLang="zh-CN" sz="2000" b="1" dirty="0">
+                <a:solidFill>
+                  <a:schemeClr val="hlink"/>
+                </a:solidFill>
+                <a:latin typeface="Courier New" panose="02070309020205020404" pitchFamily="49" charset="0"/>
+              </a:rPr>
+              <a:t>(INIT_CAP,</a:t>
+            </a:r>
+            <a:r>
+              <a:rPr lang="zh-CN" altLang="en-US" sz="2000" b="1" dirty="0">
+                <a:solidFill>
+                  <a:schemeClr val="hlink"/>
+                </a:solidFill>
+                <a:latin typeface="Courier New" panose="02070309020205020404" pitchFamily="49" charset="0"/>
+              </a:rPr>
+              <a:t> </a:t>
             </a:r>
             <a:r>
               <a:rPr lang="en-US" altLang="zh-CN" sz="2000" b="1" dirty="0" err="1">
@@ -9873,7 +10107,7 @@
                 </a:solidFill>
                 <a:latin typeface="Courier New" panose="02070309020205020404" pitchFamily="49" charset="0"/>
               </a:rPr>
-              <a:t>  l-&gt;max = INIT_LENTH;</a:t>
+              <a:t>  l-&gt;cap = INIT_CAP;</a:t>
             </a:r>
           </a:p>
           <a:p>
@@ -9897,7 +10131,7 @@
                 </a:solidFill>
                 <a:latin typeface="Courier New" panose="02070309020205020404" pitchFamily="49" charset="0"/>
               </a:rPr>
-              <a:t>l-&gt;tail = 0;</a:t>
+              <a:t>l-&gt;next = 0;</a:t>
             </a:r>
           </a:p>
           <a:p>
@@ -10604,8 +10838,8 @@
           <a:p>
             <a:pPr algn="ctr"/>
             <a:r>
-              <a:rPr lang="en-US" altLang="zh-CN" sz="2000"/>
-              <a:t>max</a:t>
+              <a:rPr lang="en-US" altLang="zh-CN" sz="2000" dirty="0"/>
+              <a:t>cap</a:t>
             </a:r>
           </a:p>
         </p:txBody>
@@ -10662,8 +10896,8 @@
           <a:p>
             <a:pPr algn="ctr"/>
             <a:r>
-              <a:rPr lang="en-US" altLang="zh-CN" sz="2000"/>
-              <a:t>@#%$</a:t>
+              <a:rPr lang="en-US" altLang="zh-CN" sz="2000" dirty="0"/>
+              <a:t>0</a:t>
             </a:r>
           </a:p>
         </p:txBody>
@@ -11114,7 +11348,7 @@
                 </a:solidFill>
                 <a:latin typeface="Courier New" panose="02070309020205020404" pitchFamily="49" charset="0"/>
               </a:rPr>
-              <a:t> l = malloc(</a:t>
+              <a:t> l = </a:t>
             </a:r>
             <a:r>
               <a:rPr lang="en-US" altLang="zh-CN" sz="2000" b="1" dirty="0" err="1">
@@ -11123,6 +11357,33 @@
                 </a:solidFill>
                 <a:latin typeface="Courier New" panose="02070309020205020404" pitchFamily="49" charset="0"/>
               </a:rPr>
+              <a:t>calloc</a:t>
+            </a:r>
+            <a:r>
+              <a:rPr lang="en-US" altLang="zh-CN" sz="2000" b="1" dirty="0">
+                <a:solidFill>
+                  <a:schemeClr val="hlink"/>
+                </a:solidFill>
+                <a:latin typeface="Courier New" panose="02070309020205020404" pitchFamily="49" charset="0"/>
+              </a:rPr>
+              <a:t>(1,</a:t>
+            </a:r>
+            <a:r>
+              <a:rPr lang="zh-CN" altLang="en-US" sz="2000" b="1" dirty="0">
+                <a:solidFill>
+                  <a:schemeClr val="hlink"/>
+                </a:solidFill>
+                <a:latin typeface="Courier New" panose="02070309020205020404" pitchFamily="49" charset="0"/>
+              </a:rPr>
+              <a:t> </a:t>
+            </a:r>
+            <a:r>
+              <a:rPr lang="en-US" altLang="zh-CN" sz="2000" b="1" dirty="0" err="1">
+                <a:solidFill>
+                  <a:schemeClr val="hlink"/>
+                </a:solidFill>
+                <a:latin typeface="Courier New" panose="02070309020205020404" pitchFamily="49" charset="0"/>
+              </a:rPr>
               <a:t>sizeof</a:t>
             </a:r>
             <a:r>
@@ -11132,7 +11393,7 @@
                 </a:solidFill>
                 <a:latin typeface="Courier New" panose="02070309020205020404" pitchFamily="49" charset="0"/>
               </a:rPr>
-              <a:t> (*l));</a:t>
+              <a:t>(*l));</a:t>
             </a:r>
           </a:p>
           <a:p>
@@ -11156,7 +11417,34 @@
                 </a:solidFill>
                 <a:latin typeface="Courier New" panose="02070309020205020404" pitchFamily="49" charset="0"/>
               </a:rPr>
-              <a:t>l-&gt;array = malloc(INIT_LENTH * </a:t>
+              <a:t>l-&gt;array = </a:t>
+            </a:r>
+            <a:r>
+              <a:rPr lang="en-US" altLang="zh-CN" sz="2000" b="1" dirty="0" err="1">
+                <a:solidFill>
+                  <a:schemeClr val="hlink"/>
+                </a:solidFill>
+                <a:latin typeface="Courier New" panose="02070309020205020404" pitchFamily="49" charset="0"/>
+              </a:rPr>
+              <a:t>calloc</a:t>
+            </a:r>
+            <a:r>
+              <a:rPr lang="en-US" altLang="zh-CN" sz="2000" b="1" dirty="0">
+                <a:solidFill>
+                  <a:schemeClr val="hlink"/>
+                </a:solidFill>
+                <a:latin typeface="Courier New" panose="02070309020205020404" pitchFamily="49" charset="0"/>
+              </a:rPr>
+              <a:t>(INIT_CAP,</a:t>
+            </a:r>
+            <a:r>
+              <a:rPr lang="zh-CN" altLang="en-US" sz="2000" b="1" dirty="0">
+                <a:solidFill>
+                  <a:schemeClr val="hlink"/>
+                </a:solidFill>
+                <a:latin typeface="Courier New" panose="02070309020205020404" pitchFamily="49" charset="0"/>
+              </a:rPr>
+              <a:t> </a:t>
             </a:r>
             <a:r>
               <a:rPr lang="en-US" altLang="zh-CN" sz="2000" b="1" dirty="0" err="1">
@@ -11192,7 +11480,7 @@
                 </a:solidFill>
                 <a:latin typeface="Courier New" panose="02070309020205020404" pitchFamily="49" charset="0"/>
               </a:rPr>
-              <a:t>  l-&gt;max = INIT_LENTH;</a:t>
+              <a:t>  l-&gt;cap = INIT_CAP;</a:t>
             </a:r>
           </a:p>
           <a:p>
@@ -11210,7 +11498,7 @@
                 </a:solidFill>
                 <a:latin typeface="Courier New" panose="02070309020205020404" pitchFamily="49" charset="0"/>
               </a:rPr>
-              <a:t>  l-&gt;tail = 0;</a:t>
+              <a:t>  l-&gt;next = 0;</a:t>
             </a:r>
           </a:p>
           <a:p>
@@ -11923,8 +12211,8 @@
           <a:p>
             <a:pPr algn="ctr"/>
             <a:r>
-              <a:rPr lang="en-US" altLang="zh-CN" sz="2000"/>
-              <a:t>max</a:t>
+              <a:rPr lang="en-US" altLang="zh-CN" sz="2000" dirty="0"/>
+              <a:t>cap</a:t>
             </a:r>
           </a:p>
         </p:txBody>
@@ -11981,8 +12269,8 @@
           <a:p>
             <a:pPr algn="ctr"/>
             <a:r>
-              <a:rPr lang="en-US" altLang="zh-CN" sz="2000"/>
-              <a:t>tail</a:t>
+              <a:rPr lang="en-US" altLang="zh-CN" sz="2000" dirty="0"/>
+              <a:t>next</a:t>
             </a:r>
           </a:p>
         </p:txBody>
@@ -12565,7 +12853,7 @@
                 </a:solidFill>
                 <a:latin typeface="Courier New" panose="02070309020205020404" pitchFamily="49" charset="0"/>
               </a:rPr>
-              <a:t>  return l-&gt;tail;</a:t>
+              <a:t>  return l-&gt;next;</a:t>
             </a:r>
           </a:p>
           <a:p>
@@ -13239,8 +13527,8 @@
           <a:p>
             <a:pPr algn="ctr"/>
             <a:r>
-              <a:rPr lang="en-US" altLang="zh-CN" sz="2000"/>
-              <a:t>max</a:t>
+              <a:rPr lang="en-US" altLang="zh-CN" sz="2000" dirty="0"/>
+              <a:t>cap</a:t>
             </a:r>
           </a:p>
         </p:txBody>
@@ -13297,8 +13585,8 @@
           <a:p>
             <a:pPr algn="ctr"/>
             <a:r>
-              <a:rPr lang="en-US" altLang="zh-CN" sz="2000"/>
-              <a:t>tail</a:t>
+              <a:rPr lang="en-US" altLang="zh-CN" sz="2000" dirty="0"/>
+              <a:t>next</a:t>
             </a:r>
           </a:p>
         </p:txBody>
@@ -13752,13 +14040,22 @@
               <a:buNone/>
             </a:pPr>
             <a:r>
+              <a:rPr lang="en-US" altLang="zh-CN" sz="2000" b="1" dirty="0" err="1">
+                <a:solidFill>
+                  <a:schemeClr val="folHlink"/>
+                </a:solidFill>
+                <a:latin typeface="Courier New" panose="02070309020205020404" pitchFamily="49" charset="0"/>
+              </a:rPr>
+              <a:t>Poly_t</a:t>
+            </a:r>
+            <a:r>
               <a:rPr lang="en-US" altLang="zh-CN" sz="2000" b="1" dirty="0">
                 <a:solidFill>
                   <a:schemeClr val="folHlink"/>
                 </a:solidFill>
                 <a:latin typeface="Courier New" panose="02070309020205020404" pitchFamily="49" charset="0"/>
               </a:rPr>
-              <a:t>poly </a:t>
+              <a:t> </a:t>
             </a:r>
             <a:r>
               <a:rPr lang="en-US" altLang="zh-CN" sz="2000" b="1" dirty="0" err="1">
@@ -13866,7 +14163,7 @@
                 </a:solidFill>
                 <a:latin typeface="Courier New" panose="02070309020205020404" pitchFamily="49" charset="0"/>
               </a:rPr>
-              <a:t>&gt;=l-&gt;tail)</a:t>
+              <a:t>&gt;=l-&gt;next)</a:t>
             </a:r>
           </a:p>
           <a:p>
@@ -14609,8 +14906,8 @@
           <a:p>
             <a:pPr algn="ctr"/>
             <a:r>
-              <a:rPr lang="en-US" altLang="zh-CN" sz="2000"/>
-              <a:t>max</a:t>
+              <a:rPr lang="en-US" altLang="zh-CN" sz="2000" dirty="0"/>
+              <a:t>cap</a:t>
             </a:r>
           </a:p>
         </p:txBody>
@@ -14667,8 +14964,8 @@
           <a:p>
             <a:pPr algn="ctr"/>
             <a:r>
-              <a:rPr lang="en-US" altLang="zh-CN" sz="2000"/>
-              <a:t>tail</a:t>
+              <a:rPr lang="en-US" altLang="zh-CN" sz="2000" dirty="0"/>
+              <a:t>next</a:t>
             </a:r>
           </a:p>
         </p:txBody>
@@ -15236,7 +15533,7 @@
                 </a:solidFill>
                 <a:latin typeface="Courier New" panose="02070309020205020404" pitchFamily="49" charset="0"/>
               </a:rPr>
-              <a:t>&gt;=l-&gt;tail)</a:t>
+              <a:t>&gt;=l-&gt;next)</a:t>
             </a:r>
           </a:p>
           <a:p>
@@ -15979,8 +16276,8 @@
           <a:p>
             <a:pPr algn="ctr"/>
             <a:r>
-              <a:rPr lang="en-US" altLang="zh-CN" sz="2000"/>
-              <a:t>max</a:t>
+              <a:rPr lang="en-US" altLang="zh-CN" sz="2000" dirty="0"/>
+              <a:t>cap</a:t>
             </a:r>
           </a:p>
         </p:txBody>
@@ -16037,8 +16334,8 @@
           <a:p>
             <a:pPr algn="ctr"/>
             <a:r>
-              <a:rPr lang="en-US" altLang="zh-CN" sz="2000"/>
-              <a:t>tail</a:t>
+              <a:rPr lang="en-US" altLang="zh-CN" sz="2000" dirty="0"/>
+              <a:t>next</a:t>
             </a:r>
           </a:p>
         </p:txBody>
@@ -17074,7 +17371,25 @@
                 </a:solidFill>
                 <a:latin typeface="Courier New" panose="02070309020205020404" pitchFamily="49" charset="0"/>
               </a:rPr>
-              <a:t> l, poly x, int </a:t>
+              <a:t> l, </a:t>
+            </a:r>
+            <a:r>
+              <a:rPr lang="en-US" altLang="zh-CN" sz="2000" b="1" dirty="0" err="1">
+                <a:solidFill>
+                  <a:schemeClr val="folHlink"/>
+                </a:solidFill>
+                <a:latin typeface="Courier New" panose="02070309020205020404" pitchFamily="49" charset="0"/>
+              </a:rPr>
+              <a:t>Poly_t</a:t>
+            </a:r>
+            <a:r>
+              <a:rPr lang="en-US" altLang="zh-CN" sz="2000" b="1" dirty="0">
+                <a:solidFill>
+                  <a:schemeClr val="folHlink"/>
+                </a:solidFill>
+                <a:latin typeface="Courier New" panose="02070309020205020404" pitchFamily="49" charset="0"/>
+              </a:rPr>
+              <a:t> data, int </a:t>
             </a:r>
             <a:r>
               <a:rPr lang="en-US" altLang="zh-CN" sz="2000" b="1" dirty="0" err="1">
@@ -17146,7 +17461,7 @@
                 </a:solidFill>
                 <a:latin typeface="Courier New" panose="02070309020205020404" pitchFamily="49" charset="0"/>
               </a:rPr>
-              <a:t>&gt;l-&gt;tail)</a:t>
+              <a:t>&gt;l-&gt;next)</a:t>
             </a:r>
           </a:p>
           <a:p>
@@ -17892,8 +18207,8 @@
           <a:p>
             <a:pPr algn="ctr"/>
             <a:r>
-              <a:rPr lang="en-US" altLang="zh-CN" sz="2000"/>
-              <a:t>max</a:t>
+              <a:rPr lang="en-US" altLang="zh-CN" sz="2000" dirty="0"/>
+              <a:t>cap</a:t>
             </a:r>
           </a:p>
         </p:txBody>
@@ -17950,8 +18265,8 @@
           <a:p>
             <a:pPr algn="ctr"/>
             <a:r>
-              <a:rPr lang="en-US" altLang="zh-CN" sz="2000"/>
-              <a:t>tail</a:t>
+              <a:rPr lang="en-US" altLang="zh-CN" sz="2000" dirty="0"/>
+              <a:t>next</a:t>
             </a:r>
           </a:p>
         </p:txBody>
@@ -18778,7 +19093,25 @@
                 </a:solidFill>
                 <a:latin typeface="Courier New" panose="02070309020205020404" pitchFamily="49" charset="0"/>
               </a:rPr>
-              <a:t> l, poly x, int </a:t>
+              <a:t> l, </a:t>
+            </a:r>
+            <a:r>
+              <a:rPr lang="en-US" altLang="zh-CN" sz="2000" b="1" dirty="0" err="1">
+                <a:solidFill>
+                  <a:schemeClr val="folHlink"/>
+                </a:solidFill>
+                <a:latin typeface="Courier New" panose="02070309020205020404" pitchFamily="49" charset="0"/>
+              </a:rPr>
+              <a:t>Poly_t</a:t>
+            </a:r>
+            <a:r>
+              <a:rPr lang="en-US" altLang="zh-CN" sz="2000" b="1" dirty="0">
+                <a:solidFill>
+                  <a:schemeClr val="folHlink"/>
+                </a:solidFill>
+                <a:latin typeface="Courier New" panose="02070309020205020404" pitchFamily="49" charset="0"/>
+              </a:rPr>
+              <a:t> data, int </a:t>
             </a:r>
             <a:r>
               <a:rPr lang="en-US" altLang="zh-CN" sz="2000" b="1" dirty="0" err="1">
@@ -18850,7 +19183,7 @@
                 </a:solidFill>
                 <a:latin typeface="Courier New" panose="02070309020205020404" pitchFamily="49" charset="0"/>
               </a:rPr>
-              <a:t>&gt;l-&gt;tail)</a:t>
+              <a:t>&gt;l-&gt;next)</a:t>
             </a:r>
           </a:p>
           <a:p>
@@ -18916,7 +19249,7 @@
                 </a:solidFill>
                 <a:latin typeface="Courier New" panose="02070309020205020404" pitchFamily="49" charset="0"/>
               </a:rPr>
-              <a:t>int j=l-&gt;tail;</a:t>
+              <a:t>int j=l-&gt;next;</a:t>
             </a:r>
           </a:p>
           <a:p>
@@ -19689,8 +20022,8 @@
           <a:p>
             <a:pPr algn="ctr"/>
             <a:r>
-              <a:rPr lang="en-US" altLang="zh-CN" sz="2000"/>
-              <a:t>max</a:t>
+              <a:rPr lang="en-US" altLang="zh-CN" sz="2000" dirty="0"/>
+              <a:t>cap</a:t>
             </a:r>
           </a:p>
         </p:txBody>
@@ -19747,8 +20080,8 @@
           <a:p>
             <a:pPr algn="ctr"/>
             <a:r>
-              <a:rPr lang="en-US" altLang="zh-CN" sz="2000"/>
-              <a:t>tail</a:t>
+              <a:rPr lang="en-US" altLang="zh-CN" sz="2000" dirty="0"/>
+              <a:t>next</a:t>
             </a:r>
           </a:p>
         </p:txBody>
@@ -20678,7 +21011,25 @@
                 </a:solidFill>
                 <a:latin typeface="Courier New" panose="02070309020205020404" pitchFamily="49" charset="0"/>
               </a:rPr>
-              <a:t> l, poly x, int </a:t>
+              <a:t> l, </a:t>
+            </a:r>
+            <a:r>
+              <a:rPr lang="en-US" altLang="zh-CN" sz="2000" b="1" dirty="0" err="1">
+                <a:solidFill>
+                  <a:schemeClr val="folHlink"/>
+                </a:solidFill>
+                <a:latin typeface="Courier New" panose="02070309020205020404" pitchFamily="49" charset="0"/>
+              </a:rPr>
+              <a:t>Poly_t</a:t>
+            </a:r>
+            <a:r>
+              <a:rPr lang="en-US" altLang="zh-CN" sz="2000" b="1" dirty="0">
+                <a:solidFill>
+                  <a:schemeClr val="folHlink"/>
+                </a:solidFill>
+                <a:latin typeface="Courier New" panose="02070309020205020404" pitchFamily="49" charset="0"/>
+              </a:rPr>
+              <a:t> data, int </a:t>
             </a:r>
             <a:r>
               <a:rPr lang="en-US" altLang="zh-CN" sz="2000" b="1" dirty="0" err="1">
@@ -20750,7 +21101,7 @@
                 </a:solidFill>
                 <a:latin typeface="Courier New" panose="02070309020205020404" pitchFamily="49" charset="0"/>
               </a:rPr>
-              <a:t>&gt;l-&gt;tail)</a:t>
+              <a:t>&gt;l-&gt;next)</a:t>
             </a:r>
           </a:p>
           <a:p>
@@ -20810,7 +21161,7 @@
                 </a:solidFill>
                 <a:latin typeface="Courier New" panose="02070309020205020404" pitchFamily="49" charset="0"/>
               </a:rPr>
-              <a:t>int j=l-&gt;tail;</a:t>
+              <a:t>int j=l-&gt;next;</a:t>
             </a:r>
           </a:p>
           <a:p>
@@ -21583,8 +21934,8 @@
           <a:p>
             <a:pPr algn="ctr"/>
             <a:r>
-              <a:rPr lang="en-US" altLang="zh-CN" sz="2000"/>
-              <a:t>max</a:t>
+              <a:rPr lang="en-US" altLang="zh-CN" sz="2000" dirty="0"/>
+              <a:t>cap</a:t>
             </a:r>
           </a:p>
         </p:txBody>
@@ -21641,8 +21992,8 @@
           <a:p>
             <a:pPr algn="ctr"/>
             <a:r>
-              <a:rPr lang="en-US" altLang="zh-CN" sz="2000"/>
-              <a:t>tail</a:t>
+              <a:rPr lang="en-US" altLang="zh-CN" sz="2000" dirty="0"/>
+              <a:t>next</a:t>
             </a:r>
           </a:p>
         </p:txBody>
@@ -22489,7 +22840,25 @@
                 </a:solidFill>
                 <a:latin typeface="Courier New" panose="02070309020205020404" pitchFamily="49" charset="0"/>
               </a:rPr>
-              <a:t> l, poly x, int </a:t>
+              <a:t> l, </a:t>
+            </a:r>
+            <a:r>
+              <a:rPr lang="en-US" altLang="zh-CN" sz="2000" b="1" dirty="0" err="1">
+                <a:solidFill>
+                  <a:schemeClr val="folHlink"/>
+                </a:solidFill>
+                <a:latin typeface="Courier New" panose="02070309020205020404" pitchFamily="49" charset="0"/>
+              </a:rPr>
+              <a:t>Poly_t</a:t>
+            </a:r>
+            <a:r>
+              <a:rPr lang="en-US" altLang="zh-CN" sz="2000" b="1" dirty="0">
+                <a:solidFill>
+                  <a:schemeClr val="folHlink"/>
+                </a:solidFill>
+                <a:latin typeface="Courier New" panose="02070309020205020404" pitchFamily="49" charset="0"/>
+              </a:rPr>
+              <a:t> data, int </a:t>
             </a:r>
             <a:r>
               <a:rPr lang="en-US" altLang="zh-CN" sz="2000" b="1" dirty="0" err="1">
@@ -22561,7 +22930,7 @@
                 </a:solidFill>
                 <a:latin typeface="Courier New" panose="02070309020205020404" pitchFamily="49" charset="0"/>
               </a:rPr>
-              <a:t>&gt;l-&gt;tail)</a:t>
+              <a:t>&gt;l-&gt;next)</a:t>
             </a:r>
           </a:p>
           <a:p>
@@ -22612,7 +22981,7 @@
                 </a:solidFill>
                 <a:latin typeface="Courier New" panose="02070309020205020404" pitchFamily="49" charset="0"/>
               </a:rPr>
-              <a:t>  for(int j=l-&gt;tail;</a:t>
+              <a:t>  for(int j=l-&gt;next;</a:t>
             </a:r>
           </a:p>
           <a:p>
@@ -23376,8 +23745,8 @@
           <a:p>
             <a:pPr algn="ctr"/>
             <a:r>
-              <a:rPr lang="en-US" altLang="zh-CN" sz="2000"/>
-              <a:t>max</a:t>
+              <a:rPr lang="en-US" altLang="zh-CN" sz="2000" dirty="0"/>
+              <a:t>cap</a:t>
             </a:r>
           </a:p>
         </p:txBody>
@@ -23434,8 +23803,8 @@
           <a:p>
             <a:pPr algn="ctr"/>
             <a:r>
-              <a:rPr lang="en-US" altLang="zh-CN" sz="2000"/>
-              <a:t>tail</a:t>
+              <a:rPr lang="en-US" altLang="zh-CN" sz="2000" dirty="0"/>
+              <a:t>next</a:t>
             </a:r>
           </a:p>
         </p:txBody>
@@ -24282,7 +24651,25 @@
                 </a:solidFill>
                 <a:latin typeface="Courier New" panose="02070309020205020404" pitchFamily="49" charset="0"/>
               </a:rPr>
-              <a:t> l, void *x, int </a:t>
+              <a:t> l, </a:t>
+            </a:r>
+            <a:r>
+              <a:rPr lang="en-US" altLang="zh-CN" sz="2000" b="1" dirty="0" err="1">
+                <a:solidFill>
+                  <a:schemeClr val="folHlink"/>
+                </a:solidFill>
+                <a:latin typeface="Courier New" panose="02070309020205020404" pitchFamily="49" charset="0"/>
+              </a:rPr>
+              <a:t>Poly_t</a:t>
+            </a:r>
+            <a:r>
+              <a:rPr lang="en-US" altLang="zh-CN" sz="2000" b="1" dirty="0">
+                <a:solidFill>
+                  <a:schemeClr val="folHlink"/>
+                </a:solidFill>
+                <a:latin typeface="Courier New" panose="02070309020205020404" pitchFamily="49" charset="0"/>
+              </a:rPr>
+              <a:t> data, int </a:t>
             </a:r>
             <a:r>
               <a:rPr lang="en-US" altLang="zh-CN" sz="2000" b="1" dirty="0" err="1">
@@ -24354,7 +24741,7 @@
                 </a:solidFill>
                 <a:latin typeface="Courier New" panose="02070309020205020404" pitchFamily="49" charset="0"/>
               </a:rPr>
-              <a:t>&gt;l-&gt;tail)</a:t>
+              <a:t>&gt;l-&gt;next)</a:t>
             </a:r>
           </a:p>
           <a:p>
@@ -24405,7 +24792,7 @@
                 </a:solidFill>
                 <a:latin typeface="Courier New" panose="02070309020205020404" pitchFamily="49" charset="0"/>
               </a:rPr>
-              <a:t>  for(int j=l-&gt;tail;</a:t>
+              <a:t>  for(int j=l-&gt;next;</a:t>
             </a:r>
           </a:p>
           <a:p>
@@ -24519,7 +24906,7 @@
                 </a:solidFill>
                 <a:latin typeface="Courier New" panose="02070309020205020404" pitchFamily="49" charset="0"/>
               </a:rPr>
-              <a:t>] = x;</a:t>
+              <a:t>] = data;</a:t>
             </a:r>
           </a:p>
           <a:p>
@@ -24717,12 +25104,12 @@
           <a:p>
             <a:pPr algn="ctr"/>
             <a:r>
-              <a:rPr lang="en-US" altLang="zh-CN" sz="2000">
+              <a:rPr lang="en-US" altLang="zh-CN" sz="2000" dirty="0">
                 <a:solidFill>
                   <a:schemeClr val="hlink"/>
                 </a:solidFill>
               </a:rPr>
-              <a:t>x</a:t>
+              <a:t>d</a:t>
             </a:r>
           </a:p>
         </p:txBody>
@@ -25201,8 +25588,8 @@
           <a:p>
             <a:pPr algn="ctr"/>
             <a:r>
-              <a:rPr lang="en-US" altLang="zh-CN" sz="2000"/>
-              <a:t>max</a:t>
+              <a:rPr lang="en-US" altLang="zh-CN" sz="2000" dirty="0"/>
+              <a:t>cap</a:t>
             </a:r>
           </a:p>
         </p:txBody>
@@ -25259,8 +25646,8 @@
           <a:p>
             <a:pPr algn="ctr"/>
             <a:r>
-              <a:rPr lang="en-US" altLang="zh-CN" sz="2000"/>
-              <a:t>tail</a:t>
+              <a:rPr lang="en-US" altLang="zh-CN" sz="2000" dirty="0"/>
+              <a:t>next</a:t>
             </a:r>
           </a:p>
         </p:txBody>
@@ -26023,7 +26410,34 @@
                 </a:solidFill>
                 <a:latin typeface="Courier New" panose="02070309020205020404" pitchFamily="49" charset="0"/>
               </a:rPr>
-              <a:t>(list l, void *x, int </a:t>
+              <a:t>(list l, </a:t>
+            </a:r>
+            <a:r>
+              <a:rPr lang="en-US" altLang="zh-CN" sz="2000" b="1" dirty="0" err="1">
+                <a:solidFill>
+                  <a:schemeClr val="folHlink"/>
+                </a:solidFill>
+                <a:latin typeface="Courier New" panose="02070309020205020404" pitchFamily="49" charset="0"/>
+              </a:rPr>
+              <a:t>Poly_t</a:t>
+            </a:r>
+            <a:r>
+              <a:rPr lang="zh-CN" altLang="en-US" sz="2000" b="1" dirty="0">
+                <a:solidFill>
+                  <a:schemeClr val="folHlink"/>
+                </a:solidFill>
+                <a:latin typeface="Courier New" panose="02070309020205020404" pitchFamily="49" charset="0"/>
+              </a:rPr>
+              <a:t> </a:t>
+            </a:r>
+            <a:r>
+              <a:rPr lang="en-US" altLang="zh-CN" sz="2000" b="1" dirty="0">
+                <a:solidFill>
+                  <a:schemeClr val="folHlink"/>
+                </a:solidFill>
+                <a:latin typeface="Courier New" panose="02070309020205020404" pitchFamily="49" charset="0"/>
+              </a:rPr>
+              <a:t>data, int </a:t>
             </a:r>
             <a:r>
               <a:rPr lang="en-US" altLang="zh-CN" sz="2000" b="1" dirty="0" err="1">
@@ -26095,7 +26509,7 @@
                 </a:solidFill>
                 <a:latin typeface="Courier New" panose="02070309020205020404" pitchFamily="49" charset="0"/>
               </a:rPr>
-              <a:t>&gt;l-&gt;tail)</a:t>
+              <a:t>&gt;l-&gt;next)</a:t>
             </a:r>
           </a:p>
           <a:p>
@@ -26146,7 +26560,7 @@
                 </a:solidFill>
                 <a:latin typeface="Courier New" panose="02070309020205020404" pitchFamily="49" charset="0"/>
               </a:rPr>
-              <a:t>  for(int j=l-&gt;tail;</a:t>
+              <a:t>  for(int j=l-&gt;next;</a:t>
             </a:r>
           </a:p>
           <a:p>
@@ -26254,7 +26668,7 @@
                 </a:solidFill>
                 <a:latin typeface="Courier New" panose="02070309020205020404" pitchFamily="49" charset="0"/>
               </a:rPr>
-              <a:t>] = x;</a:t>
+              <a:t>] = data;</a:t>
             </a:r>
           </a:p>
           <a:p>
@@ -26281,7 +26695,7 @@
                 </a:solidFill>
                 <a:latin typeface="Courier New" panose="02070309020205020404" pitchFamily="49" charset="0"/>
               </a:rPr>
-              <a:t>(l-&gt;tail)++;</a:t>
+              <a:t>(l-&gt;next)++;</a:t>
             </a:r>
           </a:p>
           <a:p>
@@ -26944,8 +27358,8 @@
           <a:p>
             <a:pPr algn="ctr"/>
             <a:r>
-              <a:rPr lang="en-US" altLang="zh-CN" sz="2000"/>
-              <a:t>max</a:t>
+              <a:rPr lang="en-US" altLang="zh-CN" sz="2000" dirty="0"/>
+              <a:t>cap</a:t>
             </a:r>
           </a:p>
         </p:txBody>
@@ -27002,8 +27416,8 @@
           <a:p>
             <a:pPr algn="ctr"/>
             <a:r>
-              <a:rPr lang="en-US" altLang="zh-CN" sz="2000"/>
-              <a:t>tail</a:t>
+              <a:rPr lang="en-US" altLang="zh-CN" sz="2000" dirty="0"/>
+              <a:t>next</a:t>
             </a:r>
           </a:p>
         </p:txBody>
@@ -27728,7 +28142,7 @@
               </a:lnSpc>
             </a:pPr>
             <a:r>
-              <a:rPr lang="en-US" altLang="zh-CN"/>
+              <a:rPr lang="en-US" altLang="zh-CN" dirty="0"/>
               <a:t>What if the initial array look like the right one?</a:t>
             </a:r>
           </a:p>
@@ -27739,8 +28153,19 @@
               </a:lnSpc>
             </a:pPr>
             <a:r>
-              <a:rPr lang="en-US" altLang="zh-CN"/>
-              <a:t>direct data movement will incur an out-of-bound error!</a:t>
+              <a:rPr lang="en-US" altLang="zh-CN" dirty="0"/>
+              <a:t>cap==next</a:t>
+            </a:r>
+          </a:p>
+          <a:p>
+            <a:pPr lvl="1">
+              <a:lnSpc>
+                <a:spcPct val="90000"/>
+              </a:lnSpc>
+            </a:pPr>
+            <a:r>
+              <a:rPr lang="en-US" altLang="zh-CN" dirty="0"/>
+              <a:t>data movement will trigger an out-of-bound error!</a:t>
             </a:r>
           </a:p>
         </p:txBody>
@@ -28382,8 +28807,8 @@
           <a:p>
             <a:pPr algn="ctr"/>
             <a:r>
-              <a:rPr lang="en-US" altLang="zh-CN" sz="2000"/>
-              <a:t>max</a:t>
+              <a:rPr lang="en-US" altLang="zh-CN" sz="2000" dirty="0"/>
+              <a:t>cap</a:t>
             </a:r>
           </a:p>
         </p:txBody>
@@ -28440,8 +28865,8 @@
           <a:p>
             <a:pPr algn="ctr"/>
             <a:r>
-              <a:rPr lang="en-US" altLang="zh-CN" sz="2000"/>
-              <a:t>tail</a:t>
+              <a:rPr lang="en-US" altLang="zh-CN" sz="2000" dirty="0"/>
+              <a:t>next</a:t>
             </a:r>
           </a:p>
         </p:txBody>
@@ -29788,6 +30213,67 @@
                       </p:childTnLst>
                     </p:cTn>
                   </p:par>
+                  <p:par>
+                    <p:cTn id="75" fill="hold">
+                      <p:stCondLst>
+                        <p:cond delay="indefinite"/>
+                      </p:stCondLst>
+                      <p:childTnLst>
+                        <p:par>
+                          <p:cTn id="76" fill="hold">
+                            <p:stCondLst>
+                              <p:cond delay="0"/>
+                            </p:stCondLst>
+                            <p:childTnLst>
+                              <p:par>
+                                <p:cTn id="77" presetID="3" presetClass="entr" presetSubtype="10" fill="hold" nodeType="clickEffect">
+                                  <p:stCondLst>
+                                    <p:cond delay="0"/>
+                                  </p:stCondLst>
+                                  <p:childTnLst>
+                                    <p:set>
+                                      <p:cBhvr>
+                                        <p:cTn id="78" dur="1" fill="hold">
+                                          <p:stCondLst>
+                                            <p:cond delay="0"/>
+                                          </p:stCondLst>
+                                        </p:cTn>
+                                        <p:tgtEl>
+                                          <p:spTgt spid="210947">
+                                            <p:txEl>
+                                              <p:pRg st="2" end="2"/>
+                                            </p:txEl>
+                                          </p:spTgt>
+                                        </p:tgtEl>
+                                        <p:attrNameLst>
+                                          <p:attrName>style.visibility</p:attrName>
+                                        </p:attrNameLst>
+                                      </p:cBhvr>
+                                      <p:to>
+                                        <p:strVal val="visible"/>
+                                      </p:to>
+                                    </p:set>
+                                    <p:animEffect transition="in" filter="blinds(horizontal)">
+                                      <p:cBhvr>
+                                        <p:cTn id="79" dur="500"/>
+                                        <p:tgtEl>
+                                          <p:spTgt spid="210947">
+                                            <p:txEl>
+                                              <p:pRg st="2" end="2"/>
+                                            </p:txEl>
+                                          </p:spTgt>
+                                        </p:tgtEl>
+                                      </p:cBhvr>
+                                    </p:animEffect>
+                                  </p:childTnLst>
+                                </p:cTn>
+                              </p:par>
+                            </p:childTnLst>
+                          </p:cTn>
+                        </p:par>
+                      </p:childTnLst>
+                    </p:cTn>
+                  </p:par>
                 </p:childTnLst>
               </p:cTn>
               <p:prevCondLst>
@@ -29940,7 +30426,25 @@
                 </a:solidFill>
                 <a:latin typeface="Courier New" panose="02070309020205020404" pitchFamily="49" charset="0"/>
               </a:rPr>
-              <a:t> l, poly x, int </a:t>
+              <a:t> l, </a:t>
+            </a:r>
+            <a:r>
+              <a:rPr lang="en-US" altLang="zh-CN" sz="2000" b="1" dirty="0" err="1">
+                <a:solidFill>
+                  <a:schemeClr val="folHlink"/>
+                </a:solidFill>
+                <a:latin typeface="Courier New" panose="02070309020205020404" pitchFamily="49" charset="0"/>
+              </a:rPr>
+              <a:t>Poly_t</a:t>
+            </a:r>
+            <a:r>
+              <a:rPr lang="en-US" altLang="zh-CN" sz="2000" b="1" dirty="0">
+                <a:solidFill>
+                  <a:schemeClr val="folHlink"/>
+                </a:solidFill>
+                <a:latin typeface="Courier New" panose="02070309020205020404" pitchFamily="49" charset="0"/>
+              </a:rPr>
+              <a:t> data, int </a:t>
             </a:r>
             <a:r>
               <a:rPr lang="en-US" altLang="zh-CN" sz="2000" b="1" dirty="0" err="1">
@@ -30012,7 +30516,7 @@
                 </a:solidFill>
                 <a:latin typeface="Courier New" panose="02070309020205020404" pitchFamily="49" charset="0"/>
               </a:rPr>
-              <a:t>&gt;l-&gt;tail)</a:t>
+              <a:t>&gt;l-&gt;next)</a:t>
             </a:r>
           </a:p>
           <a:p>
@@ -30069,7 +30573,43 @@
                 </a:solidFill>
                 <a:latin typeface="Courier New" panose="02070309020205020404" pitchFamily="49" charset="0"/>
               </a:rPr>
-              <a:t>if(l-&gt;tail==l-&gt;max){</a:t>
+              <a:t>if(l-&gt;cap==l-&gt;next){</a:t>
+            </a:r>
+            <a:r>
+              <a:rPr lang="zh-CN" altLang="en-US" sz="2000" b="1" dirty="0">
+                <a:solidFill>
+                  <a:schemeClr val="folHlink"/>
+                </a:solidFill>
+                <a:latin typeface="Courier New" panose="02070309020205020404" pitchFamily="49" charset="0"/>
+              </a:rPr>
+              <a:t> </a:t>
+            </a:r>
+            <a:r>
+              <a:rPr lang="en-US" altLang="zh-CN" sz="2000" b="1" dirty="0">
+                <a:solidFill>
+                  <a:schemeClr val="folHlink"/>
+                </a:solidFill>
+                <a:latin typeface="Courier New" panose="02070309020205020404" pitchFamily="49" charset="0"/>
+              </a:rPr>
+              <a:t>//</a:t>
+            </a:r>
+            <a:r>
+              <a:rPr lang="zh-CN" altLang="en-US" sz="2000" b="1" dirty="0">
+                <a:solidFill>
+                  <a:schemeClr val="folHlink"/>
+                </a:solidFill>
+                <a:latin typeface="Courier New" panose="02070309020205020404" pitchFamily="49" charset="0"/>
+              </a:rPr>
+              <a:t> </a:t>
+            </a:r>
+            <a:r>
+              <a:rPr lang="en-US" altLang="zh-CN" sz="2000" b="1" dirty="0">
+                <a:solidFill>
+                  <a:schemeClr val="folHlink"/>
+                </a:solidFill>
+                <a:latin typeface="Courier New" panose="02070309020205020404" pitchFamily="49" charset="0"/>
+              </a:rPr>
+              <a:t>full</a:t>
             </a:r>
           </a:p>
           <a:p>
@@ -30123,7 +30663,7 @@
                 </a:solidFill>
                 <a:latin typeface="Courier New" panose="02070309020205020404" pitchFamily="49" charset="0"/>
               </a:rPr>
-              <a:t>              EXT_FACTOR*(l-&gt;max)*</a:t>
+              <a:t>              EXT_FACTOR*(l-&gt;cap)*</a:t>
             </a:r>
             <a:r>
               <a:rPr lang="en-US" altLang="zh-CN" sz="2000" b="1" dirty="0" err="1">
@@ -30141,7 +30681,25 @@
                 </a:solidFill>
                 <a:latin typeface="Courier New" panose="02070309020205020404" pitchFamily="49" charset="0"/>
               </a:rPr>
-              <a:t>(poly));</a:t>
+              <a:t>(</a:t>
+            </a:r>
+            <a:r>
+              <a:rPr lang="en-US" altLang="zh-CN" sz="2000" b="1" dirty="0" err="1">
+                <a:solidFill>
+                  <a:schemeClr val="folHlink"/>
+                </a:solidFill>
+                <a:latin typeface="Courier New" panose="02070309020205020404" pitchFamily="49" charset="0"/>
+              </a:rPr>
+              <a:t>Poly_t</a:t>
+            </a:r>
+            <a:r>
+              <a:rPr lang="en-US" altLang="zh-CN" sz="2000" b="1" dirty="0">
+                <a:solidFill>
+                  <a:schemeClr val="folHlink"/>
+                </a:solidFill>
+                <a:latin typeface="Courier New" panose="02070309020205020404" pitchFamily="49" charset="0"/>
+              </a:rPr>
+              <a:t>));</a:t>
             </a:r>
           </a:p>
           <a:p>
@@ -30159,7 +30717,7 @@
                 </a:solidFill>
                 <a:latin typeface="Courier New" panose="02070309020205020404" pitchFamily="49" charset="0"/>
               </a:rPr>
-              <a:t>    l-&gt;max *= EXT_FACTOR;</a:t>
+              <a:t>    l-&gt;cap *= EXT_FACTOR;</a:t>
             </a:r>
           </a:p>
           <a:p>
@@ -30297,7 +30855,7 @@
               <a:buNone/>
             </a:pPr>
             <a:r>
-              <a:rPr lang="en-US" altLang="zh-CN" sz="2000" b="1">
+              <a:rPr lang="en-US" altLang="zh-CN" sz="2000" b="1" dirty="0">
                 <a:latin typeface="Courier New" panose="02070309020205020404" pitchFamily="49" charset="0"/>
               </a:rPr>
               <a:t> </a:t>
@@ -30942,8 +31500,8 @@
           <a:p>
             <a:pPr algn="ctr"/>
             <a:r>
-              <a:rPr lang="en-US" altLang="zh-CN" sz="2000"/>
-              <a:t>max</a:t>
+              <a:rPr lang="en-US" altLang="zh-CN" sz="2000" dirty="0"/>
+              <a:t>cap</a:t>
             </a:r>
           </a:p>
         </p:txBody>
@@ -31000,8 +31558,8 @@
           <a:p>
             <a:pPr algn="ctr"/>
             <a:r>
-              <a:rPr lang="en-US" altLang="zh-CN" sz="2000"/>
-              <a:t>tail</a:t>
+              <a:rPr lang="en-US" altLang="zh-CN" sz="2000" dirty="0"/>
+              <a:t>next</a:t>
             </a:r>
           </a:p>
         </p:txBody>
@@ -32481,8 +33039,8 @@
         </p:nvSpPr>
         <p:spPr bwMode="auto">
           <a:xfrm>
-            <a:off x="990600" y="1884363"/>
-            <a:ext cx="7880350" cy="715581"/>
+            <a:off x="838200" y="1884363"/>
+            <a:ext cx="8229600" cy="715581"/>
           </a:xfrm>
           <a:prstGeom prst="rect">
             <a:avLst/>
@@ -32522,7 +33080,7 @@
           </a:extLst>
         </p:spPr>
         <p:txBody>
-          <a:bodyPr>
+          <a:bodyPr wrap="square">
             <a:spAutoFit/>
           </a:bodyPr>
           <a:lstStyle/>
@@ -32591,7 +33149,7 @@
                 </a:solidFill>
                 <a:latin typeface="Courier New" panose="02070309020205020404" pitchFamily="49" charset="0"/>
               </a:rPr>
-              <a:t>                 EXT_FACTOR*(l-&gt;max)*</a:t>
+              <a:t>                 EXT_FACTOR*(l-&gt;cap)*</a:t>
             </a:r>
             <a:r>
               <a:rPr lang="en-US" altLang="zh-CN" sz="2000" b="1" dirty="0" err="1">
@@ -32609,7 +33167,25 @@
                 </a:solidFill>
                 <a:latin typeface="Courier New" panose="02070309020205020404" pitchFamily="49" charset="0"/>
               </a:rPr>
-              <a:t>(poly));</a:t>
+              <a:t>(</a:t>
+            </a:r>
+            <a:r>
+              <a:rPr lang="en-US" altLang="zh-CN" sz="2000" b="1" dirty="0" err="1">
+                <a:solidFill>
+                  <a:schemeClr val="folHlink"/>
+                </a:solidFill>
+                <a:latin typeface="Courier New" panose="02070309020205020404" pitchFamily="49" charset="0"/>
+              </a:rPr>
+              <a:t>Poly_t</a:t>
+            </a:r>
+            <a:r>
+              <a:rPr lang="en-US" altLang="zh-CN" sz="2000" b="1" dirty="0">
+                <a:solidFill>
+                  <a:schemeClr val="folHlink"/>
+                </a:solidFill>
+                <a:latin typeface="Courier New" panose="02070309020205020404" pitchFamily="49" charset="0"/>
+              </a:rPr>
+              <a:t>));</a:t>
             </a:r>
           </a:p>
         </p:txBody>
@@ -33533,8 +34109,8 @@
           <a:p>
             <a:pPr algn="ctr"/>
             <a:r>
-              <a:rPr lang="en-US" altLang="zh-CN" sz="2000"/>
-              <a:t>max</a:t>
+              <a:rPr lang="en-US" altLang="zh-CN" sz="2000" dirty="0"/>
+              <a:t>cap</a:t>
             </a:r>
           </a:p>
         </p:txBody>
@@ -33591,8 +34167,8 @@
           <a:p>
             <a:pPr algn="ctr"/>
             <a:r>
-              <a:rPr lang="en-US" altLang="zh-CN" sz="2000"/>
-              <a:t>tail</a:t>
+              <a:rPr lang="en-US" altLang="zh-CN" sz="2000" dirty="0"/>
+              <a:t>next</a:t>
             </a:r>
           </a:p>
         </p:txBody>
@@ -35145,8 +35721,8 @@
         </p:nvSpPr>
         <p:spPr bwMode="auto">
           <a:xfrm>
-            <a:off x="990600" y="1884363"/>
-            <a:ext cx="7880350" cy="715581"/>
+            <a:off x="762000" y="1884363"/>
+            <a:ext cx="8108950" cy="715581"/>
           </a:xfrm>
           <a:prstGeom prst="rect">
             <a:avLst/>
@@ -35186,7 +35762,7 @@
           </a:extLst>
         </p:spPr>
         <p:txBody>
-          <a:bodyPr>
+          <a:bodyPr wrap="square">
             <a:spAutoFit/>
           </a:bodyPr>
           <a:lstStyle/>
@@ -35255,7 +35831,7 @@
                 </a:solidFill>
                 <a:latin typeface="Courier New" panose="02070309020205020404" pitchFamily="49" charset="0"/>
               </a:rPr>
-              <a:t>                 EXT_FACTOR*(l-&gt;max)*</a:t>
+              <a:t>                 EXT_FACTOR*(l-&gt;cap)*</a:t>
             </a:r>
             <a:r>
               <a:rPr lang="en-US" altLang="zh-CN" sz="2000" b="1" dirty="0" err="1">
@@ -35273,7 +35849,25 @@
                 </a:solidFill>
                 <a:latin typeface="Courier New" panose="02070309020205020404" pitchFamily="49" charset="0"/>
               </a:rPr>
-              <a:t>(poly));</a:t>
+              <a:t>(</a:t>
+            </a:r>
+            <a:r>
+              <a:rPr lang="en-US" altLang="zh-CN" sz="2000" b="1" dirty="0" err="1">
+                <a:solidFill>
+                  <a:schemeClr val="folHlink"/>
+                </a:solidFill>
+                <a:latin typeface="Courier New" panose="02070309020205020404" pitchFamily="49" charset="0"/>
+              </a:rPr>
+              <a:t>Poly_t</a:t>
+            </a:r>
+            <a:r>
+              <a:rPr lang="en-US" altLang="zh-CN" sz="2000" b="1" dirty="0">
+                <a:solidFill>
+                  <a:schemeClr val="folHlink"/>
+                </a:solidFill>
+                <a:latin typeface="Courier New" panose="02070309020205020404" pitchFamily="49" charset="0"/>
+              </a:rPr>
+              <a:t>));</a:t>
             </a:r>
           </a:p>
         </p:txBody>
@@ -36216,8 +36810,8 @@
           <a:p>
             <a:pPr algn="ctr"/>
             <a:r>
-              <a:rPr lang="en-US" altLang="zh-CN" sz="2000"/>
-              <a:t>max</a:t>
+              <a:rPr lang="en-US" altLang="zh-CN" sz="2000" dirty="0"/>
+              <a:t>cap</a:t>
             </a:r>
           </a:p>
         </p:txBody>
@@ -36274,8 +36868,8 @@
           <a:p>
             <a:pPr algn="ctr"/>
             <a:r>
-              <a:rPr lang="en-US" altLang="zh-CN" sz="2000"/>
-              <a:t>tail</a:t>
+              <a:rPr lang="en-US" altLang="zh-CN" sz="2000" dirty="0"/>
+              <a:t>next</a:t>
             </a:r>
           </a:p>
         </p:txBody>
@@ -37756,7 +38350,7 @@
         <p:spPr bwMode="auto">
           <a:xfrm>
             <a:off x="4953000" y="2590800"/>
-            <a:ext cx="3384550" cy="366713"/>
+            <a:ext cx="3416320" cy="377026"/>
           </a:xfrm>
           <a:prstGeom prst="rect">
             <a:avLst/>
@@ -37816,13 +38410,13 @@
               <a:buNone/>
             </a:pPr>
             <a:r>
-              <a:rPr lang="en-US" altLang="zh-CN" sz="2000" b="1">
+              <a:rPr lang="en-US" altLang="zh-CN" sz="2000" b="1" dirty="0">
                 <a:solidFill>
                   <a:schemeClr val="hlink"/>
                 </a:solidFill>
                 <a:latin typeface="Courier New" panose="02070309020205020404" pitchFamily="49" charset="0"/>
               </a:rPr>
-              <a:t>l-&gt;max *= EXT_FACTOR;</a:t>
+              <a:t>l-&gt;cap *= EXT_FACTOR;</a:t>
             </a:r>
           </a:p>
         </p:txBody>
@@ -37843,8 +38437,8 @@
         </p:nvSpPr>
         <p:spPr bwMode="auto">
           <a:xfrm>
-            <a:off x="990600" y="1905000"/>
-            <a:ext cx="7880350" cy="715581"/>
+            <a:off x="774680" y="1905000"/>
+            <a:ext cx="8293120" cy="715581"/>
           </a:xfrm>
           <a:prstGeom prst="rect">
             <a:avLst/>
@@ -37884,7 +38478,7 @@
           </a:extLst>
         </p:spPr>
         <p:txBody>
-          <a:bodyPr>
+          <a:bodyPr wrap="square">
             <a:spAutoFit/>
           </a:bodyPr>
           <a:lstStyle/>
@@ -37953,7 +38547,7 @@
                 </a:solidFill>
                 <a:latin typeface="Courier New" panose="02070309020205020404" pitchFamily="49" charset="0"/>
               </a:rPr>
-              <a:t>                 EXT_FACTOR*(l-&gt;max)*</a:t>
+              <a:t>                 EXT_FACTOR*(l-&gt;cap)*</a:t>
             </a:r>
             <a:r>
               <a:rPr lang="en-US" altLang="zh-CN" sz="2000" b="1" dirty="0" err="1">
@@ -37971,7 +38565,25 @@
                 </a:solidFill>
                 <a:latin typeface="Courier New" panose="02070309020205020404" pitchFamily="49" charset="0"/>
               </a:rPr>
-              <a:t>(poly));</a:t>
+              <a:t>(</a:t>
+            </a:r>
+            <a:r>
+              <a:rPr lang="en-US" altLang="zh-CN" sz="2000" b="1" dirty="0" err="1">
+                <a:solidFill>
+                  <a:schemeClr val="folHlink"/>
+                </a:solidFill>
+                <a:latin typeface="Courier New" panose="02070309020205020404" pitchFamily="49" charset="0"/>
+              </a:rPr>
+              <a:t>Poly_t</a:t>
+            </a:r>
+            <a:r>
+              <a:rPr lang="en-US" altLang="zh-CN" sz="2000" b="1" dirty="0">
+                <a:solidFill>
+                  <a:schemeClr val="folHlink"/>
+                </a:solidFill>
+                <a:latin typeface="Courier New" panose="02070309020205020404" pitchFamily="49" charset="0"/>
+              </a:rPr>
+              <a:t>));</a:t>
             </a:r>
           </a:p>
         </p:txBody>
@@ -38176,7 +38788,7 @@
               <a:buNone/>
             </a:pPr>
             <a:r>
-              <a:rPr lang="en-US" altLang="zh-CN" sz="2000" b="1">
+              <a:rPr lang="en-US" altLang="zh-CN" sz="2000" b="1" dirty="0">
                 <a:latin typeface="Courier New" panose="02070309020205020404" pitchFamily="49" charset="0"/>
               </a:rPr>
               <a:t> </a:t>
@@ -38294,8 +38906,8 @@
           <a:p>
             <a:pPr algn="ctr"/>
             <a:r>
-              <a:rPr lang="en-US" altLang="zh-CN" sz="2000"/>
-              <a:t>max</a:t>
+              <a:rPr lang="en-US" altLang="zh-CN" sz="2000" dirty="0"/>
+              <a:t>cap</a:t>
             </a:r>
           </a:p>
         </p:txBody>
@@ -38352,8 +38964,8 @@
           <a:p>
             <a:pPr algn="ctr"/>
             <a:r>
-              <a:rPr lang="en-US" altLang="zh-CN" sz="2000"/>
-              <a:t>tail</a:t>
+              <a:rPr lang="en-US" altLang="zh-CN" sz="2000" dirty="0"/>
+              <a:t>next</a:t>
             </a:r>
           </a:p>
         </p:txBody>
@@ -39911,74 +40523,74 @@
           <a:lstStyle/>
           <a:p>
             <a:r>
-              <a:rPr lang="en-US" altLang="zh-CN"/>
+              <a:rPr lang="en-US" altLang="zh-CN" dirty="0"/>
               <a:t>The </a:t>
             </a:r>
             <a:r>
-              <a:rPr lang="en-US" altLang="zh-CN">
+              <a:rPr lang="en-US" altLang="zh-CN" dirty="0">
                 <a:latin typeface="Arial" panose="020B0604020202020204" pitchFamily="34" charset="0"/>
               </a:rPr>
               <a:t>“</a:t>
             </a:r>
             <a:r>
-              <a:rPr lang="en-US" altLang="zh-CN"/>
+              <a:rPr lang="en-US" altLang="zh-CN" dirty="0"/>
               <a:t>delete</a:t>
             </a:r>
             <a:r>
-              <a:rPr lang="en-US" altLang="zh-CN">
+              <a:rPr lang="en-US" altLang="zh-CN" dirty="0">
                 <a:latin typeface="Arial" panose="020B0604020202020204" pitchFamily="34" charset="0"/>
               </a:rPr>
               <a:t>”</a:t>
             </a:r>
             <a:r>
-              <a:rPr lang="en-US" altLang="zh-CN"/>
+              <a:rPr lang="en-US" altLang="zh-CN" dirty="0"/>
               <a:t> operation is reverse operation of the </a:t>
             </a:r>
             <a:r>
-              <a:rPr lang="en-US" altLang="zh-CN">
+              <a:rPr lang="en-US" altLang="zh-CN" dirty="0">
                 <a:latin typeface="Arial" panose="020B0604020202020204" pitchFamily="34" charset="0"/>
               </a:rPr>
               <a:t>“</a:t>
             </a:r>
             <a:r>
-              <a:rPr lang="en-US" altLang="zh-CN"/>
+              <a:rPr lang="en-US" altLang="zh-CN" dirty="0"/>
               <a:t>insert</a:t>
             </a:r>
             <a:r>
-              <a:rPr lang="en-US" altLang="zh-CN">
+              <a:rPr lang="en-US" altLang="zh-CN" dirty="0">
                 <a:latin typeface="Arial" panose="020B0604020202020204" pitchFamily="34" charset="0"/>
               </a:rPr>
               <a:t>”</a:t>
             </a:r>
-            <a:endParaRPr lang="en-US" altLang="zh-CN"/>
+            <a:endParaRPr lang="en-US" altLang="zh-CN" dirty="0"/>
           </a:p>
           <a:p>
             <a:pPr lvl="1"/>
             <a:r>
-              <a:rPr lang="en-US" altLang="zh-CN"/>
+              <a:rPr lang="en-US" altLang="zh-CN" dirty="0"/>
               <a:t>also involves data movement</a:t>
             </a:r>
           </a:p>
           <a:p>
             <a:pPr lvl="1"/>
             <a:r>
-              <a:rPr lang="en-US" altLang="zh-CN"/>
+              <a:rPr lang="en-US" altLang="zh-CN" dirty="0"/>
               <a:t>should we shrink the extensible array, when there are few elements in it (say </a:t>
             </a:r>
             <a:r>
-              <a:rPr lang="en-US" altLang="zh-CN">
+              <a:rPr lang="en-US" altLang="zh-CN" dirty="0">
                 <a:latin typeface="Arial" panose="020B0604020202020204" pitchFamily="34" charset="0"/>
               </a:rPr>
               <a:t>½</a:t>
             </a:r>
             <a:r>
-              <a:rPr lang="en-US" altLang="zh-CN"/>
-              <a:t> data item left)?</a:t>
-            </a:r>
-          </a:p>
-          <a:p>
-            <a:r>
-              <a:rPr lang="en-US" altLang="zh-CN"/>
+              <a:rPr lang="en-US" altLang="zh-CN" dirty="0"/>
+              <a:t> data items left)?</a:t>
+            </a:r>
+          </a:p>
+          <a:p>
+            <a:r>
+              <a:rPr lang="en-US" altLang="zh-CN" dirty="0"/>
               <a:t>More tricky than first looks</a:t>
             </a:r>
           </a:p>
@@ -40125,7 +40737,25 @@
                 </a:solidFill>
                 <a:latin typeface="Courier New" panose="02070309020205020404" pitchFamily="49" charset="0"/>
               </a:rPr>
-              <a:t> l, void (*f)(poly)){</a:t>
+              <a:t> l, void (*f)(</a:t>
+            </a:r>
+            <a:r>
+              <a:rPr lang="en-US" altLang="zh-CN" sz="2000" b="1" dirty="0" err="1">
+                <a:solidFill>
+                  <a:schemeClr val="folHlink"/>
+                </a:solidFill>
+                <a:latin typeface="Courier New" panose="02070309020205020404" pitchFamily="49" charset="0"/>
+              </a:rPr>
+              <a:t>Poly_t</a:t>
+            </a:r>
+            <a:r>
+              <a:rPr lang="en-US" altLang="zh-CN" sz="2000" b="1" dirty="0">
+                <a:solidFill>
+                  <a:schemeClr val="folHlink"/>
+                </a:solidFill>
+                <a:latin typeface="Courier New" panose="02070309020205020404" pitchFamily="49" charset="0"/>
+              </a:rPr>
+              <a:t>)){</a:t>
             </a:r>
           </a:p>
           <a:p>
@@ -40179,7 +40809,7 @@
                 </a:solidFill>
                 <a:latin typeface="Courier New" panose="02070309020205020404" pitchFamily="49" charset="0"/>
               </a:rPr>
-              <a:t>&lt;l-&gt;tail; </a:t>
+              <a:t>&lt;l-&gt;next; </a:t>
             </a:r>
             <a:r>
               <a:rPr lang="en-US" altLang="zh-CN" sz="2000" b="1" dirty="0" err="1">
@@ -40209,22 +40839,13 @@
               <a:buNone/>
             </a:pPr>
             <a:r>
-              <a:rPr lang="en-US" altLang="zh-CN" sz="2000" b="1">
+              <a:rPr lang="en-US" altLang="zh-CN" sz="2000" b="1" dirty="0">
                 <a:solidFill>
                   <a:schemeClr val="folHlink"/>
                 </a:solidFill>
                 <a:latin typeface="Courier New" panose="02070309020205020404" pitchFamily="49" charset="0"/>
               </a:rPr>
-              <a:t>    f((</a:t>
-            </a:r>
-            <a:r>
-              <a:rPr lang="en-US" altLang="zh-CN" sz="2000" b="1" dirty="0">
-                <a:solidFill>
-                  <a:schemeClr val="folHlink"/>
-                </a:solidFill>
-                <a:latin typeface="Courier New" panose="02070309020205020404" pitchFamily="49" charset="0"/>
-              </a:rPr>
-              <a:t>l-&gt;array)[</a:t>
+              <a:t>    f((l-&gt;array)[</a:t>
             </a:r>
             <a:r>
               <a:rPr lang="en-US" altLang="zh-CN" sz="2000" b="1" dirty="0" err="1">
@@ -40919,8 +41540,8 @@
           <a:p>
             <a:pPr algn="ctr"/>
             <a:r>
-              <a:rPr lang="en-US" altLang="zh-CN" sz="2000"/>
-              <a:t>max</a:t>
+              <a:rPr lang="en-US" altLang="zh-CN" sz="2000" dirty="0"/>
+              <a:t>cap</a:t>
             </a:r>
           </a:p>
         </p:txBody>
@@ -40977,8 +41598,8 @@
           <a:p>
             <a:pPr algn="ctr"/>
             <a:r>
-              <a:rPr lang="en-US" altLang="zh-CN" sz="2000"/>
-              <a:t>tail</a:t>
+              <a:rPr lang="en-US" altLang="zh-CN" sz="2000" dirty="0"/>
+              <a:t>next</a:t>
             </a:r>
           </a:p>
         </p:txBody>
@@ -41535,15 +42156,15 @@
               </a:lnSpc>
             </a:pPr>
             <a:r>
-              <a:rPr lang="en-US" altLang="zh-CN"/>
+              <a:rPr lang="en-US" altLang="zh-CN" dirty="0"/>
               <a:t>A </a:t>
             </a:r>
             <a:r>
-              <a:rPr lang="en-US" altLang="zh-CN" i="1"/>
+              <a:rPr lang="en-US" altLang="zh-CN" i="1" dirty="0"/>
               <a:t>linear list</a:t>
             </a:r>
             <a:r>
-              <a:rPr lang="en-US" altLang="zh-CN"/>
+              <a:rPr lang="en-US" altLang="zh-CN" dirty="0"/>
               <a:t> (list) consists of:</a:t>
             </a:r>
           </a:p>
@@ -41554,7 +42175,7 @@
               </a:lnSpc>
             </a:pPr>
             <a:r>
-              <a:rPr lang="en-US" altLang="zh-CN"/>
+              <a:rPr lang="en-US" altLang="zh-CN" dirty="0"/>
               <a:t>a collection of data elements </a:t>
             </a:r>
           </a:p>
@@ -41565,27 +42186,35 @@
               </a:lnSpc>
             </a:pPr>
             <a:r>
-              <a:rPr lang="en-US" altLang="zh-CN"/>
+              <a:rPr lang="en-US" altLang="zh-CN" dirty="0"/>
               <a:t>e1, e2, </a:t>
             </a:r>
             <a:r>
-              <a:rPr lang="en-US" altLang="zh-CN">
+              <a:rPr lang="en-US" altLang="zh-CN" dirty="0">
                 <a:latin typeface="Helvetica" pitchFamily="2" charset="0"/>
               </a:rPr>
               <a:t>…</a:t>
             </a:r>
             <a:r>
-              <a:rPr lang="en-US" altLang="zh-CN"/>
-              <a:t>, en  (n</a:t>
-            </a:r>
-            <a:r>
-              <a:rPr lang="en-US" altLang="zh-CN">
+              <a:rPr lang="en-US" altLang="zh-CN" dirty="0"/>
+              <a:t>, </a:t>
+            </a:r>
+            <a:r>
+              <a:rPr lang="en-US" altLang="zh-CN" dirty="0" err="1"/>
+              <a:t>en</a:t>
+            </a:r>
+            <a:r>
+              <a:rPr lang="en-US" altLang="zh-CN" dirty="0"/>
+              <a:t>  (n</a:t>
+            </a:r>
+            <a:r>
+              <a:rPr lang="en-US" altLang="zh-CN" dirty="0">
                 <a:cs typeface="Tahoma" panose="020B0604030504040204" pitchFamily="34" charset="0"/>
               </a:rPr>
               <a:t>≥</a:t>
             </a:r>
             <a:r>
-              <a:rPr lang="en-US" altLang="zh-CN"/>
+              <a:rPr lang="en-US" altLang="zh-CN" dirty="0"/>
               <a:t>0)</a:t>
             </a:r>
           </a:p>
@@ -41596,7 +42225,7 @@
               </a:lnSpc>
             </a:pPr>
             <a:r>
-              <a:rPr lang="en-US" altLang="zh-CN"/>
+              <a:rPr lang="en-US" altLang="zh-CN" dirty="0"/>
               <a:t>elements are ordered: </a:t>
             </a:r>
           </a:p>
@@ -41607,61 +42236,64 @@
               </a:lnSpc>
             </a:pPr>
             <a:r>
-              <a:rPr lang="en-US" altLang="zh-CN"/>
+              <a:rPr lang="en-US" altLang="zh-CN" dirty="0"/>
               <a:t>e1</a:t>
             </a:r>
             <a:r>
-              <a:rPr lang="en-US" altLang="zh-CN">
+              <a:rPr lang="en-US" altLang="zh-CN" dirty="0">
                 <a:latin typeface="Helvetica" pitchFamily="2" charset="0"/>
                 <a:sym typeface="Euclid Extra" pitchFamily="18" charset="2"/>
               </a:rPr>
               <a:t>≤</a:t>
             </a:r>
             <a:r>
-              <a:rPr lang="en-US" altLang="zh-CN">
+              <a:rPr lang="en-US" altLang="zh-CN" dirty="0">
                 <a:sym typeface="Euclid Extra" pitchFamily="18" charset="2"/>
               </a:rPr>
               <a:t>e2</a:t>
             </a:r>
             <a:r>
-              <a:rPr lang="en-US" altLang="zh-CN">
+              <a:rPr lang="en-US" altLang="zh-CN" dirty="0">
                 <a:latin typeface="Helvetica" pitchFamily="2" charset="0"/>
                 <a:sym typeface="Euclid Extra" pitchFamily="18" charset="2"/>
               </a:rPr>
               <a:t>≤</a:t>
             </a:r>
             <a:r>
-              <a:rPr lang="en-US" altLang="zh-CN">
+              <a:rPr lang="en-US" altLang="zh-CN" dirty="0">
                 <a:sym typeface="Euclid Extra" pitchFamily="18" charset="2"/>
               </a:rPr>
               <a:t> </a:t>
             </a:r>
             <a:r>
-              <a:rPr lang="en-US" altLang="zh-CN">
+              <a:rPr lang="en-US" altLang="zh-CN" dirty="0">
                 <a:latin typeface="Helvetica" pitchFamily="2" charset="0"/>
                 <a:sym typeface="Euclid Extra" pitchFamily="18" charset="2"/>
               </a:rPr>
               <a:t>…</a:t>
             </a:r>
             <a:r>
-              <a:rPr lang="en-US" altLang="zh-CN">
+              <a:rPr lang="en-US" altLang="zh-CN" dirty="0">
                 <a:sym typeface="Euclid Extra" pitchFamily="18" charset="2"/>
               </a:rPr>
               <a:t> </a:t>
             </a:r>
             <a:r>
-              <a:rPr lang="en-US" altLang="zh-CN">
+              <a:rPr lang="en-US" altLang="zh-CN" dirty="0">
                 <a:latin typeface="Helvetica" pitchFamily="2" charset="0"/>
                 <a:sym typeface="Euclid Extra" pitchFamily="18" charset="2"/>
               </a:rPr>
               <a:t>≤</a:t>
             </a:r>
             <a:r>
-              <a:rPr lang="en-US" altLang="zh-CN">
+              <a:rPr lang="en-US" altLang="zh-CN" dirty="0" err="1">
                 <a:sym typeface="Euclid Extra" pitchFamily="18" charset="2"/>
               </a:rPr>
               <a:t>en</a:t>
             </a:r>
+            <a:endParaRPr lang="en-US" altLang="zh-CN" dirty="0">
+              <a:sym typeface="Euclid Extra" pitchFamily="18" charset="2"/>
+            </a:endParaRPr>
           </a:p>
           <a:p>
             <a:pPr lvl="1">
@@ -41670,37 +42302,37 @@
               </a:lnSpc>
             </a:pPr>
             <a:r>
-              <a:rPr lang="en-US" altLang="zh-CN">
+              <a:rPr lang="en-US" altLang="zh-CN" dirty="0" err="1">
                 <a:sym typeface="Euclid Extra" pitchFamily="18" charset="2"/>
               </a:rPr>
               <a:t>e</a:t>
             </a:r>
             <a:r>
-              <a:rPr lang="en-US" altLang="zh-CN" baseline="-25000">
+              <a:rPr lang="en-US" altLang="zh-CN" baseline="-25000" dirty="0" err="1">
                 <a:sym typeface="Euclid Extra" pitchFamily="18" charset="2"/>
               </a:rPr>
               <a:t>i</a:t>
             </a:r>
             <a:r>
-              <a:rPr lang="en-US" altLang="zh-CN">
+              <a:rPr lang="en-US" altLang="zh-CN" dirty="0">
                 <a:sym typeface="Euclid Extra" pitchFamily="18" charset="2"/>
               </a:rPr>
-              <a:t> is called an </a:t>
-            </a:r>
-            <a:r>
-              <a:rPr lang="en-US" altLang="zh-CN" i="1">
+              <a:t> is an </a:t>
+            </a:r>
+            <a:r>
+              <a:rPr lang="en-US" altLang="zh-CN" i="1" dirty="0">
                 <a:sym typeface="Euclid Extra" pitchFamily="18" charset="2"/>
               </a:rPr>
               <a:t>predecessor</a:t>
             </a:r>
             <a:r>
-              <a:rPr lang="en-US" altLang="zh-CN">
+              <a:rPr lang="en-US" altLang="zh-CN" dirty="0">
                 <a:sym typeface="Euclid Extra" pitchFamily="18" charset="2"/>
               </a:rPr>
               <a:t> of e</a:t>
             </a:r>
             <a:r>
-              <a:rPr lang="en-US" altLang="zh-CN" baseline="-25000">
+              <a:rPr lang="en-US" altLang="zh-CN" baseline="-25000" dirty="0">
                 <a:sym typeface="Euclid Extra" pitchFamily="18" charset="2"/>
               </a:rPr>
               <a:t>i+1</a:t>
@@ -41713,41 +42345,50 @@
               </a:lnSpc>
             </a:pPr>
             <a:r>
-              <a:rPr lang="en-US" altLang="zh-CN">
+              <a:rPr lang="en-US" altLang="zh-CN" dirty="0">
                 <a:sym typeface="Euclid Extra" pitchFamily="18" charset="2"/>
               </a:rPr>
               <a:t>e</a:t>
             </a:r>
             <a:r>
-              <a:rPr lang="en-US" altLang="zh-CN" baseline="-25000">
+              <a:rPr lang="en-US" altLang="zh-CN" baseline="-25000" dirty="0">
                 <a:sym typeface="Euclid Extra" pitchFamily="18" charset="2"/>
               </a:rPr>
               <a:t>i+1</a:t>
             </a:r>
             <a:r>
-              <a:rPr lang="en-US" altLang="zh-CN">
+              <a:rPr lang="en-US" altLang="zh-CN" dirty="0">
                 <a:sym typeface="Euclid Extra" pitchFamily="18" charset="2"/>
               </a:rPr>
-              <a:t> is called a </a:t>
-            </a:r>
-            <a:r>
-              <a:rPr lang="en-US" altLang="zh-CN" i="1">
+              <a:t> is a </a:t>
+            </a:r>
+            <a:r>
+              <a:rPr lang="en-US" altLang="zh-CN" i="1" dirty="0">
                 <a:sym typeface="Euclid Extra" pitchFamily="18" charset="2"/>
               </a:rPr>
               <a:t>successor</a:t>
             </a:r>
             <a:r>
-              <a:rPr lang="en-US" altLang="zh-CN">
+              <a:rPr lang="en-US" altLang="zh-CN" dirty="0">
                 <a:sym typeface="Euclid Extra" pitchFamily="18" charset="2"/>
               </a:rPr>
-              <a:t> of e</a:t>
-            </a:r>
-            <a:r>
-              <a:rPr lang="en-US" altLang="zh-CN" baseline="-25000">
+              <a:t> of </a:t>
+            </a:r>
+            <a:r>
+              <a:rPr lang="en-US" altLang="zh-CN" dirty="0" err="1">
                 <a:sym typeface="Euclid Extra" pitchFamily="18" charset="2"/>
               </a:rPr>
+              <a:t>e</a:t>
+            </a:r>
+            <a:r>
+              <a:rPr lang="en-US" altLang="zh-CN" baseline="-25000" dirty="0" err="1">
+                <a:sym typeface="Euclid Extra" pitchFamily="18" charset="2"/>
+              </a:rPr>
               <a:t>i</a:t>
             </a:r>
+            <a:endParaRPr lang="en-US" altLang="zh-CN" baseline="-25000" dirty="0">
+              <a:sym typeface="Euclid Extra" pitchFamily="18" charset="2"/>
+            </a:endParaRPr>
           </a:p>
           <a:p>
             <a:pPr lvl="1">
@@ -41756,7 +42397,7 @@
               </a:lnSpc>
             </a:pPr>
             <a:r>
-              <a:rPr lang="en-US" altLang="zh-CN">
+              <a:rPr lang="en-US" altLang="zh-CN" dirty="0">
                 <a:sym typeface="Euclid Extra" pitchFamily="18" charset="2"/>
               </a:rPr>
               <a:t>every element has at most one successor and one predecessor</a:t>
@@ -41847,11 +42488,51 @@
             </a:pPr>
             <a:r>
               <a:rPr lang="en-US" altLang="zh-CN" sz="2000" b="1" dirty="0">
+                <a:solidFill>
+                  <a:srgbClr val="0432FF"/>
+                </a:solidFill>
                 <a:latin typeface="Courier New" panose="02070309020205020404" pitchFamily="49" charset="0"/>
                 <a:sym typeface="Euclid Extra" pitchFamily="18" charset="2"/>
               </a:rPr>
-              <a:t>// create an empty list</a:t>
-            </a:r>
+              <a:t>type</a:t>
+            </a:r>
+            <a:r>
+              <a:rPr lang="zh-CN" altLang="en-US" sz="2000" b="1" dirty="0">
+                <a:solidFill>
+                  <a:srgbClr val="0432FF"/>
+                </a:solidFill>
+                <a:latin typeface="Courier New" panose="02070309020205020404" pitchFamily="49" charset="0"/>
+                <a:sym typeface="Euclid Extra" pitchFamily="18" charset="2"/>
+              </a:rPr>
+              <a:t> </a:t>
+            </a:r>
+            <a:r>
+              <a:rPr lang="en-US" altLang="zh-CN" sz="2000" b="1" dirty="0">
+                <a:solidFill>
+                  <a:srgbClr val="0432FF"/>
+                </a:solidFill>
+                <a:latin typeface="Courier New" panose="02070309020205020404" pitchFamily="49" charset="0"/>
+                <a:sym typeface="Euclid Extra" pitchFamily="18" charset="2"/>
+              </a:rPr>
+              <a:t>list</a:t>
+            </a:r>
+            <a:r>
+              <a:rPr lang="zh-CN" altLang="en-US" sz="2000" b="1" dirty="0">
+                <a:solidFill>
+                  <a:srgbClr val="0432FF"/>
+                </a:solidFill>
+                <a:latin typeface="Courier New" panose="02070309020205020404" pitchFamily="49" charset="0"/>
+                <a:sym typeface="Euclid Extra" pitchFamily="18" charset="2"/>
+              </a:rPr>
+              <a:t> </a:t>
+            </a:r>
+            <a:endParaRPr lang="en-US" altLang="zh-CN" sz="2000" b="1" dirty="0">
+              <a:solidFill>
+                <a:srgbClr val="0432FF"/>
+              </a:solidFill>
+              <a:latin typeface="Courier New" panose="02070309020205020404" pitchFamily="49" charset="0"/>
+              <a:sym typeface="Euclid Extra" pitchFamily="18" charset="2"/>
+            </a:endParaRPr>
           </a:p>
           <a:p>
             <a:pPr>
@@ -41861,16 +42542,10 @@
               <a:buFont typeface="Wingdings" pitchFamily="2" charset="2"/>
               <a:buNone/>
             </a:pPr>
-            <a:r>
-              <a:rPr lang="en-US" altLang="zh-CN" sz="2000" b="1" dirty="0">
-                <a:solidFill>
-                  <a:schemeClr val="folHlink"/>
-                </a:solidFill>
-                <a:latin typeface="Courier New" panose="02070309020205020404" pitchFamily="49" charset="0"/>
-                <a:sym typeface="Euclid Extra" pitchFamily="18" charset="2"/>
-              </a:rPr>
-              <a:t>new();</a:t>
-            </a:r>
+            <a:endParaRPr lang="en-US" altLang="zh-CN" sz="2000" b="1" dirty="0">
+              <a:latin typeface="Courier New" panose="02070309020205020404" pitchFamily="49" charset="0"/>
+              <a:sym typeface="Euclid Extra" pitchFamily="18" charset="2"/>
+            </a:endParaRPr>
           </a:p>
           <a:p>
             <a:pPr>
@@ -41885,7 +42560,7 @@
                 <a:latin typeface="Courier New" panose="02070309020205020404" pitchFamily="49" charset="0"/>
                 <a:sym typeface="Euclid Extra" pitchFamily="18" charset="2"/>
               </a:rPr>
-              <a:t>// the length of a list l</a:t>
+              <a:t>// create an empty list</a:t>
             </a:r>
           </a:p>
           <a:p>
@@ -41904,7 +42579,7 @@
                 <a:latin typeface="Courier New" panose="02070309020205020404" pitchFamily="49" charset="0"/>
                 <a:sym typeface="Euclid Extra" pitchFamily="18" charset="2"/>
               </a:rPr>
-              <a:t>length(list l); </a:t>
+              <a:t>new();</a:t>
             </a:r>
           </a:p>
           <a:p>
@@ -41920,56 +42595,7 @@
                 <a:latin typeface="Courier New" panose="02070309020205020404" pitchFamily="49" charset="0"/>
                 <a:sym typeface="Euclid Extra" pitchFamily="18" charset="2"/>
               </a:rPr>
-              <a:t>// insert an</a:t>
-            </a:r>
-            <a:r>
-              <a:rPr lang="zh-CN" altLang="en-US" sz="2000" b="1">
-                <a:latin typeface="Courier New" panose="02070309020205020404" pitchFamily="49" charset="0"/>
-                <a:sym typeface="Euclid Extra" pitchFamily="18" charset="2"/>
-              </a:rPr>
-              <a:t> </a:t>
-            </a:r>
-            <a:r>
-              <a:rPr lang="en-US" altLang="zh-CN" sz="2000" b="1">
-                <a:latin typeface="Courier New" panose="02070309020205020404" pitchFamily="49" charset="0"/>
-                <a:sym typeface="Euclid Extra" pitchFamily="18" charset="2"/>
-              </a:rPr>
-              <a:t>element </a:t>
-            </a:r>
-            <a:r>
-              <a:rPr lang="en-US" altLang="zh-CN" sz="2000" b="1" dirty="0">
-                <a:latin typeface="Courier New" panose="02070309020205020404" pitchFamily="49" charset="0"/>
-                <a:sym typeface="Euclid Extra" pitchFamily="18" charset="2"/>
-              </a:rPr>
-              <a:t>x at position </a:t>
-            </a:r>
-            <a:r>
-              <a:rPr lang="en-US" altLang="zh-CN" sz="2000" b="1" dirty="0" err="1">
-                <a:latin typeface="Courier New" panose="02070309020205020404" pitchFamily="49" charset="0"/>
-                <a:sym typeface="Euclid Extra" pitchFamily="18" charset="2"/>
-              </a:rPr>
-              <a:t>i</a:t>
-            </a:r>
-            <a:r>
-              <a:rPr lang="en-US" altLang="zh-CN" sz="2000" b="1" dirty="0">
-                <a:latin typeface="Courier New" panose="02070309020205020404" pitchFamily="49" charset="0"/>
-                <a:sym typeface="Euclid Extra" pitchFamily="18" charset="2"/>
-              </a:rPr>
-              <a:t> in l, 0&lt;=</a:t>
-            </a:r>
-            <a:r>
-              <a:rPr lang="en-US" altLang="zh-CN" sz="2000" b="1" dirty="0" err="1">
-                <a:latin typeface="Courier New" panose="02070309020205020404" pitchFamily="49" charset="0"/>
-                <a:sym typeface="Euclid Extra" pitchFamily="18" charset="2"/>
-              </a:rPr>
-              <a:t>i</a:t>
-            </a:r>
-            <a:r>
-              <a:rPr lang="en-US" altLang="zh-CN" sz="2000" b="1" dirty="0">
-                <a:latin typeface="Courier New" panose="02070309020205020404" pitchFamily="49" charset="0"/>
-                <a:sym typeface="Euclid Extra" pitchFamily="18" charset="2"/>
-              </a:rPr>
-              <a:t>&lt;n</a:t>
+              <a:t>// the length of a list l</a:t>
             </a:r>
           </a:p>
           <a:p>
@@ -41988,27 +42614,7 @@
                 <a:latin typeface="Courier New" panose="02070309020205020404" pitchFamily="49" charset="0"/>
                 <a:sym typeface="Euclid Extra" pitchFamily="18" charset="2"/>
               </a:rPr>
-              <a:t>insert(list l, x, </a:t>
-            </a:r>
-            <a:r>
-              <a:rPr lang="en-US" altLang="zh-CN" sz="2000" b="1" dirty="0" err="1">
-                <a:solidFill>
-                  <a:schemeClr val="folHlink"/>
-                </a:solidFill>
-                <a:latin typeface="Courier New" panose="02070309020205020404" pitchFamily="49" charset="0"/>
-                <a:sym typeface="Euclid Extra" pitchFamily="18" charset="2"/>
-              </a:rPr>
-              <a:t>i</a:t>
-            </a:r>
-            <a:r>
-              <a:rPr lang="en-US" altLang="zh-CN" sz="2000" b="1" dirty="0">
-                <a:solidFill>
-                  <a:schemeClr val="folHlink"/>
-                </a:solidFill>
-                <a:latin typeface="Courier New" panose="02070309020205020404" pitchFamily="49" charset="0"/>
-                <a:sym typeface="Euclid Extra" pitchFamily="18" charset="2"/>
-              </a:rPr>
-              <a:t>); </a:t>
+              <a:t>length(list l); </a:t>
             </a:r>
           </a:p>
           <a:p>
@@ -42024,21 +42630,49 @@
                 <a:latin typeface="Courier New" panose="02070309020205020404" pitchFamily="49" charset="0"/>
                 <a:sym typeface="Euclid Extra" pitchFamily="18" charset="2"/>
               </a:rPr>
-              <a:t>// return the </a:t>
+              <a:t>// insert an</a:t>
+            </a:r>
+            <a:r>
+              <a:rPr lang="zh-CN" altLang="en-US" sz="2000" b="1" dirty="0">
+                <a:latin typeface="Courier New" panose="02070309020205020404" pitchFamily="49" charset="0"/>
+                <a:sym typeface="Euclid Extra" pitchFamily="18" charset="2"/>
+              </a:rPr>
+              <a:t> </a:t>
+            </a:r>
+            <a:r>
+              <a:rPr lang="en-US" altLang="zh-CN" sz="2000" b="1" dirty="0">
+                <a:latin typeface="Courier New" panose="02070309020205020404" pitchFamily="49" charset="0"/>
+                <a:sym typeface="Euclid Extra" pitchFamily="18" charset="2"/>
+              </a:rPr>
+              <a:t>element x at position </a:t>
             </a:r>
             <a:r>
               <a:rPr lang="en-US" altLang="zh-CN" sz="2000" b="1" dirty="0" err="1">
                 <a:latin typeface="Courier New" panose="02070309020205020404" pitchFamily="49" charset="0"/>
                 <a:sym typeface="Euclid Extra" pitchFamily="18" charset="2"/>
               </a:rPr>
-              <a:t>i-th</a:t>
+              <a:t>i</a:t>
             </a:r>
             <a:r>
               <a:rPr lang="en-US" altLang="zh-CN" sz="2000" b="1" dirty="0">
                 <a:latin typeface="Courier New" panose="02070309020205020404" pitchFamily="49" charset="0"/>
                 <a:sym typeface="Euclid Extra" pitchFamily="18" charset="2"/>
               </a:rPr>
-              <a:t> element</a:t>
+              <a:t> in l, 0&lt;=</a:t>
+            </a:r>
+            <a:r>
+              <a:rPr lang="en-US" altLang="zh-CN" sz="2000" b="1" dirty="0" err="1">
+                <a:latin typeface="Courier New" panose="02070309020205020404" pitchFamily="49" charset="0"/>
+                <a:sym typeface="Euclid Extra" pitchFamily="18" charset="2"/>
+              </a:rPr>
+              <a:t>i</a:t>
+            </a:r>
+            <a:r>
+              <a:rPr lang="en-US" altLang="zh-CN" sz="2000" b="1" dirty="0">
+                <a:latin typeface="Courier New" panose="02070309020205020404" pitchFamily="49" charset="0"/>
+                <a:sym typeface="Euclid Extra" pitchFamily="18" charset="2"/>
+              </a:rPr>
+              <a:t>&lt;n</a:t>
             </a:r>
           </a:p>
           <a:p>
@@ -42057,7 +42691,7 @@
                 <a:latin typeface="Courier New" panose="02070309020205020404" pitchFamily="49" charset="0"/>
                 <a:sym typeface="Euclid Extra" pitchFamily="18" charset="2"/>
               </a:rPr>
-              <a:t>nth(list l, </a:t>
+              <a:t>insert(list l, x, </a:t>
             </a:r>
             <a:r>
               <a:rPr lang="en-US" altLang="zh-CN" sz="2000" b="1" dirty="0" err="1">
@@ -42093,21 +42727,97 @@
                 <a:latin typeface="Courier New" panose="02070309020205020404" pitchFamily="49" charset="0"/>
                 <a:sym typeface="Euclid Extra" pitchFamily="18" charset="2"/>
               </a:rPr>
-              <a:t>// delete the element at position </a:t>
+              <a:t>// return the </a:t>
             </a:r>
             <a:r>
               <a:rPr lang="en-US" altLang="zh-CN" sz="2000" b="1" dirty="0" err="1">
                 <a:latin typeface="Courier New" panose="02070309020205020404" pitchFamily="49" charset="0"/>
                 <a:sym typeface="Euclid Extra" pitchFamily="18" charset="2"/>
               </a:rPr>
+              <a:t>i-th</a:t>
+            </a:r>
+            <a:r>
+              <a:rPr lang="en-US" altLang="zh-CN" sz="2000" b="1" dirty="0">
+                <a:latin typeface="Courier New" panose="02070309020205020404" pitchFamily="49" charset="0"/>
+                <a:sym typeface="Euclid Extra" pitchFamily="18" charset="2"/>
+              </a:rPr>
+              <a:t> element</a:t>
+            </a:r>
+          </a:p>
+          <a:p>
+            <a:pPr>
+              <a:lnSpc>
+                <a:spcPct val="80000"/>
+              </a:lnSpc>
+              <a:buFont typeface="Wingdings" pitchFamily="2" charset="2"/>
+              <a:buNone/>
+            </a:pPr>
+            <a:r>
+              <a:rPr lang="en-US" altLang="zh-CN" sz="2000" b="1" dirty="0">
+                <a:solidFill>
+                  <a:schemeClr val="folHlink"/>
+                </a:solidFill>
+                <a:latin typeface="Courier New" panose="02070309020205020404" pitchFamily="49" charset="0"/>
+                <a:sym typeface="Euclid Extra" pitchFamily="18" charset="2"/>
+              </a:rPr>
+              <a:t>nth(list l, </a:t>
+            </a:r>
+            <a:r>
+              <a:rPr lang="en-US" altLang="zh-CN" sz="2000" b="1" dirty="0" err="1">
+                <a:solidFill>
+                  <a:schemeClr val="folHlink"/>
+                </a:solidFill>
+                <a:latin typeface="Courier New" panose="02070309020205020404" pitchFamily="49" charset="0"/>
+                <a:sym typeface="Euclid Extra" pitchFamily="18" charset="2"/>
+              </a:rPr>
               <a:t>i</a:t>
             </a:r>
             <a:r>
               <a:rPr lang="en-US" altLang="zh-CN" sz="2000" b="1" dirty="0">
+                <a:solidFill>
+                  <a:schemeClr val="folHlink"/>
+                </a:solidFill>
                 <a:latin typeface="Courier New" panose="02070309020205020404" pitchFamily="49" charset="0"/>
                 <a:sym typeface="Euclid Extra" pitchFamily="18" charset="2"/>
               </a:rPr>
-              <a:t> in l, 0&lt;=</a:t>
+              <a:t>); </a:t>
+            </a:r>
+          </a:p>
+          <a:p>
+            <a:pPr>
+              <a:lnSpc>
+                <a:spcPct val="80000"/>
+              </a:lnSpc>
+              <a:buFont typeface="Wingdings" pitchFamily="2" charset="2"/>
+              <a:buNone/>
+            </a:pPr>
+            <a:r>
+              <a:rPr lang="en-US" altLang="zh-CN" sz="2000" b="1" dirty="0">
+                <a:latin typeface="Courier New" panose="02070309020205020404" pitchFamily="49" charset="0"/>
+                <a:sym typeface="Euclid Extra" pitchFamily="18" charset="2"/>
+              </a:rPr>
+              <a:t>// delete the </a:t>
+            </a:r>
+            <a:r>
+              <a:rPr lang="en-US" altLang="zh-CN" sz="2000" b="1" dirty="0" err="1">
+                <a:latin typeface="Courier New" panose="02070309020205020404" pitchFamily="49" charset="0"/>
+                <a:sym typeface="Euclid Extra" pitchFamily="18" charset="2"/>
+              </a:rPr>
+              <a:t>i-th</a:t>
+            </a:r>
+            <a:r>
+              <a:rPr lang="zh-CN" altLang="en-US" sz="2000" b="1" dirty="0">
+                <a:latin typeface="Courier New" panose="02070309020205020404" pitchFamily="49" charset="0"/>
+                <a:sym typeface="Euclid Extra" pitchFamily="18" charset="2"/>
+              </a:rPr>
+              <a:t> </a:t>
+            </a:r>
+            <a:r>
+              <a:rPr lang="en-US" altLang="zh-CN" sz="2000" b="1" dirty="0">
+                <a:latin typeface="Courier New" panose="02070309020205020404" pitchFamily="49" charset="0"/>
+                <a:sym typeface="Euclid Extra" pitchFamily="18" charset="2"/>
+              </a:rPr>
+              <a:t>element in l, 0&lt;=</a:t>
             </a:r>
             <a:r>
               <a:rPr lang="en-US" altLang="zh-CN" sz="2000" b="1" dirty="0" err="1">
@@ -42339,7 +43049,7 @@
             <a:r>
               <a:rPr lang="en-US" altLang="zh-CN" sz="2000" b="1" dirty="0">
                 <a:solidFill>
-                  <a:schemeClr val="folHlink"/>
+                  <a:srgbClr val="0432FF"/>
                 </a:solidFill>
                 <a:latin typeface="Courier New" panose="02070309020205020404" pitchFamily="49" charset="0"/>
               </a:rPr>
@@ -42348,7 +43058,7 @@
             <a:r>
               <a:rPr lang="en-US" altLang="zh-CN" sz="2000" b="1" dirty="0" err="1">
                 <a:solidFill>
-                  <a:schemeClr val="folHlink"/>
+                  <a:srgbClr val="0432FF"/>
                 </a:solidFill>
                 <a:latin typeface="Courier New" panose="02070309020205020404" pitchFamily="49" charset="0"/>
               </a:rPr>
@@ -42357,7 +43067,7 @@
             <a:r>
               <a:rPr lang="en-US" altLang="zh-CN" sz="2000" b="1" dirty="0">
                 <a:solidFill>
-                  <a:schemeClr val="folHlink"/>
+                  <a:srgbClr val="0432FF"/>
                 </a:solidFill>
                 <a:latin typeface="Courier New" panose="02070309020205020404" pitchFamily="49" charset="0"/>
               </a:rPr>
@@ -42375,7 +43085,7 @@
             <a:r>
               <a:rPr lang="en-US" altLang="zh-CN" sz="2000" b="1" dirty="0">
                 <a:solidFill>
-                  <a:schemeClr val="folHlink"/>
+                  <a:srgbClr val="0432FF"/>
                 </a:solidFill>
                 <a:latin typeface="Courier New" panose="02070309020205020404" pitchFamily="49" charset="0"/>
               </a:rPr>
@@ -42392,7 +43102,7 @@
             </a:pPr>
             <a:endParaRPr lang="en-US" altLang="zh-CN" sz="2000" b="1" dirty="0">
               <a:solidFill>
-                <a:schemeClr val="folHlink"/>
+                <a:srgbClr val="0432FF"/>
               </a:solidFill>
               <a:latin typeface="Courier New" panose="02070309020205020404" pitchFamily="49" charset="0"/>
             </a:endParaRPr>
@@ -42408,7 +43118,7 @@
             <a:r>
               <a:rPr lang="en-US" altLang="zh-CN" sz="2000" b="1" dirty="0">
                 <a:solidFill>
-                  <a:schemeClr val="folHlink"/>
+                  <a:srgbClr val="0432FF"/>
                 </a:solidFill>
                 <a:latin typeface="Courier New" panose="02070309020205020404" pitchFamily="49" charset="0"/>
               </a:rPr>
@@ -42417,7 +43127,7 @@
             <a:r>
               <a:rPr lang="en-US" altLang="zh-CN" sz="2000" b="1" dirty="0" err="1">
                 <a:solidFill>
-                  <a:schemeClr val="folHlink"/>
+                  <a:srgbClr val="0432FF"/>
                 </a:solidFill>
                 <a:latin typeface="Courier New" panose="02070309020205020404" pitchFamily="49" charset="0"/>
               </a:rPr>
@@ -42426,7 +43136,7 @@
             <a:r>
               <a:rPr lang="en-US" altLang="zh-CN" sz="2000" b="1" dirty="0">
                 <a:solidFill>
-                  <a:schemeClr val="folHlink"/>
+                  <a:srgbClr val="0432FF"/>
                 </a:solidFill>
                 <a:latin typeface="Courier New" panose="02070309020205020404" pitchFamily="49" charset="0"/>
               </a:rPr>
@@ -42435,7 +43145,7 @@
             <a:r>
               <a:rPr lang="en-US" altLang="zh-CN" sz="2000" b="1" dirty="0" err="1">
                 <a:solidFill>
-                  <a:schemeClr val="folHlink"/>
+                  <a:srgbClr val="0432FF"/>
                 </a:solidFill>
                 <a:latin typeface="Courier New" panose="02070309020205020404" pitchFamily="49" charset="0"/>
               </a:rPr>
@@ -42444,7 +43154,7 @@
             <a:r>
               <a:rPr lang="en-US" altLang="zh-CN" sz="2000" b="1" dirty="0">
                 <a:solidFill>
-                  <a:schemeClr val="folHlink"/>
+                  <a:srgbClr val="0432FF"/>
                 </a:solidFill>
                 <a:latin typeface="Courier New" panose="02070309020205020404" pitchFamily="49" charset="0"/>
               </a:rPr>
@@ -42461,7 +43171,7 @@
             </a:pPr>
             <a:endParaRPr lang="en-US" altLang="zh-CN" sz="2000" b="1" dirty="0">
               <a:solidFill>
-                <a:schemeClr val="folHlink"/>
+                <a:srgbClr val="0432FF"/>
               </a:solidFill>
               <a:latin typeface="Courier New" panose="02070309020205020404" pitchFamily="49" charset="0"/>
             </a:endParaRPr>
@@ -42477,7 +43187,7 @@
             <a:r>
               <a:rPr lang="en-US" altLang="zh-CN" sz="2000" b="1" dirty="0" err="1">
                 <a:solidFill>
-                  <a:schemeClr val="folHlink"/>
+                  <a:srgbClr val="0432FF"/>
                 </a:solidFill>
                 <a:latin typeface="Courier New" panose="02070309020205020404" pitchFamily="49" charset="0"/>
               </a:rPr>
@@ -42486,7 +43196,7 @@
             <a:r>
               <a:rPr lang="en-US" altLang="zh-CN" sz="2000" b="1" dirty="0">
                 <a:solidFill>
-                  <a:schemeClr val="folHlink"/>
+                  <a:srgbClr val="0432FF"/>
                 </a:solidFill>
                 <a:latin typeface="Courier New" panose="02070309020205020404" pitchFamily="49" charset="0"/>
               </a:rPr>
@@ -42495,7 +43205,7 @@
             <a:r>
               <a:rPr lang="en-US" altLang="zh-CN" sz="2000" b="1" dirty="0" err="1">
                 <a:solidFill>
-                  <a:schemeClr val="folHlink"/>
+                  <a:srgbClr val="0432FF"/>
                 </a:solidFill>
                 <a:latin typeface="Courier New" panose="02070309020205020404" pitchFamily="49" charset="0"/>
               </a:rPr>
@@ -42504,7 +43214,7 @@
             <a:r>
               <a:rPr lang="en-US" altLang="zh-CN" sz="2000" b="1" dirty="0">
                 <a:solidFill>
-                  <a:schemeClr val="folHlink"/>
+                  <a:srgbClr val="0432FF"/>
                 </a:solidFill>
                 <a:latin typeface="Courier New" panose="02070309020205020404" pitchFamily="49" charset="0"/>
               </a:rPr>
@@ -42522,7 +43232,7 @@
             <a:r>
               <a:rPr lang="en-US" altLang="zh-CN" sz="2000" b="1" dirty="0">
                 <a:solidFill>
-                  <a:schemeClr val="folHlink"/>
+                  <a:srgbClr val="0432FF"/>
                 </a:solidFill>
                 <a:latin typeface="Courier New" panose="02070309020205020404" pitchFamily="49" charset="0"/>
               </a:rPr>
@@ -42531,7 +43241,7 @@
             <a:r>
               <a:rPr lang="en-US" altLang="zh-CN" sz="2000" b="1" dirty="0" err="1">
                 <a:solidFill>
-                  <a:schemeClr val="folHlink"/>
+                  <a:srgbClr val="0432FF"/>
                 </a:solidFill>
                 <a:latin typeface="Courier New" panose="02070309020205020404" pitchFamily="49" charset="0"/>
               </a:rPr>
@@ -42540,7 +43250,7 @@
             <a:r>
               <a:rPr lang="en-US" altLang="zh-CN" sz="2000" b="1" dirty="0">
                 <a:solidFill>
-                  <a:schemeClr val="folHlink"/>
+                  <a:srgbClr val="0432FF"/>
                 </a:solidFill>
                 <a:latin typeface="Courier New" panose="02070309020205020404" pitchFamily="49" charset="0"/>
               </a:rPr>
@@ -42549,7 +43259,7 @@
             <a:r>
               <a:rPr lang="en-US" altLang="zh-CN" sz="2000" b="1" dirty="0" err="1">
                 <a:solidFill>
-                  <a:schemeClr val="folHlink"/>
+                  <a:srgbClr val="0432FF"/>
                 </a:solidFill>
                 <a:latin typeface="Courier New" panose="02070309020205020404" pitchFamily="49" charset="0"/>
               </a:rPr>
@@ -42558,7 +43268,7 @@
             <a:r>
               <a:rPr lang="en-US" altLang="zh-CN" sz="2000" b="1" dirty="0">
                 <a:solidFill>
-                  <a:schemeClr val="folHlink"/>
+                  <a:srgbClr val="0432FF"/>
                 </a:solidFill>
                 <a:latin typeface="Courier New" panose="02070309020205020404" pitchFamily="49" charset="0"/>
               </a:rPr>
@@ -42574,18 +43284,27 @@
               <a:buNone/>
             </a:pPr>
             <a:r>
+              <a:rPr lang="en-US" altLang="zh-CN" sz="2000" b="1" dirty="0" err="1">
+                <a:solidFill>
+                  <a:srgbClr val="0432FF"/>
+                </a:solidFill>
+                <a:latin typeface="Courier New" panose="02070309020205020404" pitchFamily="49" charset="0"/>
+              </a:rPr>
+              <a:t>Poly_t</a:t>
+            </a:r>
+            <a:r>
               <a:rPr lang="en-US" altLang="zh-CN" sz="2000" b="1" dirty="0">
                 <a:solidFill>
-                  <a:schemeClr val="folHlink"/>
-                </a:solidFill>
-                <a:latin typeface="Courier New" panose="02070309020205020404" pitchFamily="49" charset="0"/>
-              </a:rPr>
-              <a:t>poly </a:t>
+                  <a:srgbClr val="0432FF"/>
+                </a:solidFill>
+                <a:latin typeface="Courier New" panose="02070309020205020404" pitchFamily="49" charset="0"/>
+              </a:rPr>
+              <a:t> </a:t>
             </a:r>
             <a:r>
               <a:rPr lang="en-US" altLang="zh-CN" sz="2000" b="1" dirty="0" err="1">
                 <a:solidFill>
-                  <a:schemeClr val="folHlink"/>
+                  <a:srgbClr val="0432FF"/>
                 </a:solidFill>
                 <a:latin typeface="Courier New" panose="02070309020205020404" pitchFamily="49" charset="0"/>
               </a:rPr>
@@ -42594,7 +43313,7 @@
             <a:r>
               <a:rPr lang="en-US" altLang="zh-CN" sz="2000" b="1" dirty="0">
                 <a:solidFill>
-                  <a:schemeClr val="folHlink"/>
+                  <a:srgbClr val="0432FF"/>
                 </a:solidFill>
                 <a:latin typeface="Courier New" panose="02070309020205020404" pitchFamily="49" charset="0"/>
               </a:rPr>
@@ -42603,7 +43322,7 @@
             <a:r>
               <a:rPr lang="en-US" altLang="zh-CN" sz="2000" b="1" dirty="0" err="1">
                 <a:solidFill>
-                  <a:schemeClr val="folHlink"/>
+                  <a:srgbClr val="0432FF"/>
                 </a:solidFill>
                 <a:latin typeface="Courier New" panose="02070309020205020404" pitchFamily="49" charset="0"/>
               </a:rPr>
@@ -42612,17 +43331,29 @@
             <a:r>
               <a:rPr lang="en-US" altLang="zh-CN" sz="2000" b="1" dirty="0">
                 <a:solidFill>
-                  <a:schemeClr val="folHlink"/>
-                </a:solidFill>
-                <a:latin typeface="Courier New" panose="02070309020205020404" pitchFamily="49" charset="0"/>
-              </a:rPr>
-              <a:t> l, int n);  </a:t>
+                  <a:srgbClr val="0432FF"/>
+                </a:solidFill>
+                <a:latin typeface="Courier New" panose="02070309020205020404" pitchFamily="49" charset="0"/>
+              </a:rPr>
+              <a:t> l, int n);  // “</a:t>
+            </a:r>
+            <a:r>
+              <a:rPr lang="en-US" altLang="zh-CN" sz="2000" b="1" dirty="0" err="1">
+                <a:solidFill>
+                  <a:srgbClr val="0432FF"/>
+                </a:solidFill>
+                <a:latin typeface="Courier New" panose="02070309020205020404" pitchFamily="49" charset="0"/>
+              </a:rPr>
+              <a:t>Poly_t</a:t>
             </a:r>
             <a:r>
               <a:rPr lang="en-US" altLang="zh-CN" sz="2000" b="1" dirty="0">
-                <a:latin typeface="Courier New" panose="02070309020205020404" pitchFamily="49" charset="0"/>
-              </a:rPr>
-              <a:t>// “poly”?</a:t>
+                <a:solidFill>
+                  <a:srgbClr val="0432FF"/>
+                </a:solidFill>
+                <a:latin typeface="Courier New" panose="02070309020205020404" pitchFamily="49" charset="0"/>
+              </a:rPr>
+              <a:t>”?</a:t>
             </a:r>
           </a:p>
           <a:p>
@@ -42636,7 +43367,7 @@
             <a:r>
               <a:rPr lang="en-US" altLang="zh-CN" sz="2000" b="1" dirty="0">
                 <a:solidFill>
-                  <a:schemeClr val="folHlink"/>
+                  <a:srgbClr val="0432FF"/>
                 </a:solidFill>
                 <a:latin typeface="Courier New" panose="02070309020205020404" pitchFamily="49" charset="0"/>
               </a:rPr>
@@ -42645,7 +43376,7 @@
             <a:r>
               <a:rPr lang="en-US" altLang="zh-CN" sz="2000" b="1" dirty="0" err="1">
                 <a:solidFill>
-                  <a:schemeClr val="folHlink"/>
+                  <a:srgbClr val="0432FF"/>
                 </a:solidFill>
                 <a:latin typeface="Courier New" panose="02070309020205020404" pitchFamily="49" charset="0"/>
               </a:rPr>
@@ -42654,7 +43385,7 @@
             <a:r>
               <a:rPr lang="en-US" altLang="zh-CN" sz="2000" b="1" dirty="0">
                 <a:solidFill>
-                  <a:schemeClr val="folHlink"/>
+                  <a:srgbClr val="0432FF"/>
                 </a:solidFill>
                 <a:latin typeface="Courier New" panose="02070309020205020404" pitchFamily="49" charset="0"/>
               </a:rPr>
@@ -42663,7 +43394,7 @@
             <a:r>
               <a:rPr lang="en-US" altLang="zh-CN" sz="2000" b="1" dirty="0" err="1">
                 <a:solidFill>
-                  <a:schemeClr val="folHlink"/>
+                  <a:srgbClr val="0432FF"/>
                 </a:solidFill>
                 <a:latin typeface="Courier New" panose="02070309020205020404" pitchFamily="49" charset="0"/>
               </a:rPr>
@@ -42672,16 +43403,34 @@
             <a:r>
               <a:rPr lang="en-US" altLang="zh-CN" sz="2000" b="1" dirty="0">
                 <a:solidFill>
-                  <a:schemeClr val="folHlink"/>
-                </a:solidFill>
-                <a:latin typeface="Courier New" panose="02070309020205020404" pitchFamily="49" charset="0"/>
-              </a:rPr>
-              <a:t> l, poly x, int </a:t>
+                  <a:srgbClr val="0432FF"/>
+                </a:solidFill>
+                <a:latin typeface="Courier New" panose="02070309020205020404" pitchFamily="49" charset="0"/>
+              </a:rPr>
+              <a:t> l, </a:t>
             </a:r>
             <a:r>
               <a:rPr lang="en-US" altLang="zh-CN" sz="2000" b="1" dirty="0" err="1">
                 <a:solidFill>
-                  <a:schemeClr val="folHlink"/>
+                  <a:srgbClr val="0432FF"/>
+                </a:solidFill>
+                <a:latin typeface="Courier New" panose="02070309020205020404" pitchFamily="49" charset="0"/>
+              </a:rPr>
+              <a:t>Poly_t</a:t>
+            </a:r>
+            <a:r>
+              <a:rPr lang="en-US" altLang="zh-CN" sz="2000" b="1" dirty="0">
+                <a:solidFill>
+                  <a:srgbClr val="0432FF"/>
+                </a:solidFill>
+                <a:latin typeface="Courier New" panose="02070309020205020404" pitchFamily="49" charset="0"/>
+              </a:rPr>
+              <a:t> x, int </a:t>
+            </a:r>
+            <a:r>
+              <a:rPr lang="en-US" altLang="zh-CN" sz="2000" b="1" dirty="0" err="1">
+                <a:solidFill>
+                  <a:srgbClr val="0432FF"/>
                 </a:solidFill>
                 <a:latin typeface="Courier New" panose="02070309020205020404" pitchFamily="49" charset="0"/>
               </a:rPr>
@@ -42690,7 +43439,7 @@
             <a:r>
               <a:rPr lang="en-US" altLang="zh-CN" sz="2000" b="1" dirty="0">
                 <a:solidFill>
-                  <a:schemeClr val="folHlink"/>
+                  <a:srgbClr val="0432FF"/>
                 </a:solidFill>
                 <a:latin typeface="Courier New" panose="02070309020205020404" pitchFamily="49" charset="0"/>
               </a:rPr>
@@ -42706,18 +43455,27 @@
               <a:buNone/>
             </a:pPr>
             <a:r>
+              <a:rPr lang="en-US" altLang="zh-CN" sz="2000" b="1" dirty="0" err="1">
+                <a:solidFill>
+                  <a:srgbClr val="0432FF"/>
+                </a:solidFill>
+                <a:latin typeface="Courier New" panose="02070309020205020404" pitchFamily="49" charset="0"/>
+              </a:rPr>
+              <a:t>Poly_t</a:t>
+            </a:r>
+            <a:r>
               <a:rPr lang="en-US" altLang="zh-CN" sz="2000" b="1" dirty="0">
                 <a:solidFill>
-                  <a:schemeClr val="folHlink"/>
-                </a:solidFill>
-                <a:latin typeface="Courier New" panose="02070309020205020404" pitchFamily="49" charset="0"/>
-              </a:rPr>
-              <a:t>poly </a:t>
+                  <a:srgbClr val="0432FF"/>
+                </a:solidFill>
+                <a:latin typeface="Courier New" panose="02070309020205020404" pitchFamily="49" charset="0"/>
+              </a:rPr>
+              <a:t> </a:t>
             </a:r>
             <a:r>
               <a:rPr lang="en-US" altLang="zh-CN" sz="2000" b="1" dirty="0" err="1">
                 <a:solidFill>
-                  <a:schemeClr val="folHlink"/>
+                  <a:srgbClr val="0432FF"/>
                 </a:solidFill>
                 <a:latin typeface="Courier New" panose="02070309020205020404" pitchFamily="49" charset="0"/>
               </a:rPr>
@@ -42726,7 +43484,7 @@
             <a:r>
               <a:rPr lang="en-US" altLang="zh-CN" sz="2000" b="1" dirty="0">
                 <a:solidFill>
-                  <a:schemeClr val="folHlink"/>
+                  <a:srgbClr val="0432FF"/>
                 </a:solidFill>
                 <a:latin typeface="Courier New" panose="02070309020205020404" pitchFamily="49" charset="0"/>
               </a:rPr>
@@ -42735,7 +43493,7 @@
             <a:r>
               <a:rPr lang="en-US" altLang="zh-CN" sz="2000" b="1" dirty="0" err="1">
                 <a:solidFill>
-                  <a:schemeClr val="folHlink"/>
+                  <a:srgbClr val="0432FF"/>
                 </a:solidFill>
                 <a:latin typeface="Courier New" panose="02070309020205020404" pitchFamily="49" charset="0"/>
               </a:rPr>
@@ -42744,7 +43502,7 @@
             <a:r>
               <a:rPr lang="en-US" altLang="zh-CN" sz="2000" b="1" dirty="0">
                 <a:solidFill>
-                  <a:schemeClr val="folHlink"/>
+                  <a:srgbClr val="0432FF"/>
                 </a:solidFill>
                 <a:latin typeface="Courier New" panose="02070309020205020404" pitchFamily="49" charset="0"/>
               </a:rPr>
@@ -42753,7 +43511,7 @@
             <a:r>
               <a:rPr lang="en-US" altLang="zh-CN" sz="2000" b="1" dirty="0" err="1">
                 <a:solidFill>
-                  <a:schemeClr val="folHlink"/>
+                  <a:srgbClr val="0432FF"/>
                 </a:solidFill>
                 <a:latin typeface="Courier New" panose="02070309020205020404" pitchFamily="49" charset="0"/>
               </a:rPr>
@@ -42762,7 +43520,7 @@
             <a:r>
               <a:rPr lang="en-US" altLang="zh-CN" sz="2000" b="1" dirty="0">
                 <a:solidFill>
-                  <a:schemeClr val="folHlink"/>
+                  <a:srgbClr val="0432FF"/>
                 </a:solidFill>
                 <a:latin typeface="Courier New" panose="02070309020205020404" pitchFamily="49" charset="0"/>
               </a:rPr>
@@ -42780,7 +43538,7 @@
             <a:r>
               <a:rPr lang="en-US" altLang="zh-CN" sz="2000" b="1" dirty="0">
                 <a:solidFill>
-                  <a:schemeClr val="folHlink"/>
+                  <a:srgbClr val="0432FF"/>
                 </a:solidFill>
                 <a:latin typeface="Courier New" panose="02070309020205020404" pitchFamily="49" charset="0"/>
               </a:rPr>
@@ -42789,7 +43547,7 @@
             <a:r>
               <a:rPr lang="en-US" altLang="zh-CN" sz="2000" b="1" dirty="0" err="1">
                 <a:solidFill>
-                  <a:schemeClr val="folHlink"/>
+                  <a:srgbClr val="0432FF"/>
                 </a:solidFill>
                 <a:latin typeface="Courier New" panose="02070309020205020404" pitchFamily="49" charset="0"/>
               </a:rPr>
@@ -42798,7 +43556,7 @@
             <a:r>
               <a:rPr lang="en-US" altLang="zh-CN" sz="2000" b="1" dirty="0">
                 <a:solidFill>
-                  <a:schemeClr val="folHlink"/>
+                  <a:srgbClr val="0432FF"/>
                 </a:solidFill>
                 <a:latin typeface="Courier New" panose="02070309020205020404" pitchFamily="49" charset="0"/>
               </a:rPr>
@@ -42807,7 +43565,7 @@
             <a:r>
               <a:rPr lang="en-US" altLang="zh-CN" sz="2000" b="1" dirty="0" err="1">
                 <a:solidFill>
-                  <a:schemeClr val="folHlink"/>
+                  <a:srgbClr val="0432FF"/>
                 </a:solidFill>
                 <a:latin typeface="Courier New" panose="02070309020205020404" pitchFamily="49" charset="0"/>
               </a:rPr>
@@ -42816,11 +43574,29 @@
             <a:r>
               <a:rPr lang="en-US" altLang="zh-CN" sz="2000" b="1" dirty="0">
                 <a:solidFill>
-                  <a:schemeClr val="folHlink"/>
-                </a:solidFill>
-                <a:latin typeface="Courier New" panose="02070309020205020404" pitchFamily="49" charset="0"/>
-              </a:rPr>
-              <a:t> l, void (*f)(poly));</a:t>
+                  <a:srgbClr val="0432FF"/>
+                </a:solidFill>
+                <a:latin typeface="Courier New" panose="02070309020205020404" pitchFamily="49" charset="0"/>
+              </a:rPr>
+              <a:t> l, void (*f)(</a:t>
+            </a:r>
+            <a:r>
+              <a:rPr lang="en-US" altLang="zh-CN" sz="2000" b="1" dirty="0" err="1">
+                <a:solidFill>
+                  <a:srgbClr val="0432FF"/>
+                </a:solidFill>
+                <a:latin typeface="Courier New" panose="02070309020205020404" pitchFamily="49" charset="0"/>
+              </a:rPr>
+              <a:t>Poly_t</a:t>
+            </a:r>
+            <a:r>
+              <a:rPr lang="en-US" altLang="zh-CN" sz="2000" b="1" dirty="0">
+                <a:solidFill>
+                  <a:srgbClr val="0432FF"/>
+                </a:solidFill>
+                <a:latin typeface="Courier New" panose="02070309020205020404" pitchFamily="49" charset="0"/>
+              </a:rPr>
+              <a:t>));</a:t>
             </a:r>
           </a:p>
           <a:p>
@@ -42833,7 +43609,7 @@
             </a:pPr>
             <a:endParaRPr lang="en-US" altLang="zh-CN" sz="2000" b="1" dirty="0">
               <a:solidFill>
-                <a:schemeClr val="folHlink"/>
+                <a:srgbClr val="0432FF"/>
               </a:solidFill>
               <a:latin typeface="Courier New" panose="02070309020205020404" pitchFamily="49" charset="0"/>
             </a:endParaRPr>
@@ -42849,7 +43625,7 @@
             <a:r>
               <a:rPr lang="en-US" altLang="zh-CN" sz="2000" b="1" dirty="0">
                 <a:solidFill>
-                  <a:schemeClr val="folHlink"/>
+                  <a:srgbClr val="0432FF"/>
                 </a:solidFill>
                 <a:latin typeface="Courier New" panose="02070309020205020404" pitchFamily="49" charset="0"/>
               </a:rPr>
@@ -42933,28 +43709,28 @@
           <a:lstStyle/>
           <a:p>
             <a:r>
-              <a:rPr lang="en-US" altLang="zh-CN"/>
-              <a:t>Two well-known implementation techniques:</a:t>
+              <a:rPr lang="en-US" altLang="zh-CN" dirty="0"/>
+              <a:t>Two widely-used implementation techniques:</a:t>
             </a:r>
           </a:p>
           <a:p>
             <a:pPr lvl="1"/>
             <a:r>
-              <a:rPr lang="en-US" altLang="zh-CN"/>
+              <a:rPr lang="en-US" altLang="zh-CN" dirty="0"/>
               <a:t>array-based</a:t>
             </a:r>
           </a:p>
           <a:p>
             <a:pPr lvl="1"/>
             <a:r>
-              <a:rPr lang="en-US" altLang="zh-CN"/>
+              <a:rPr lang="en-US" altLang="zh-CN" dirty="0"/>
               <a:t>linked structure-based</a:t>
             </a:r>
           </a:p>
           <a:p>
             <a:r>
-              <a:rPr lang="en-US" altLang="zh-CN"/>
-              <a:t>We next consider the first, and leave the second to the next slide</a:t>
+              <a:rPr lang="en-US" altLang="zh-CN" dirty="0"/>
+              <a:t>We next investigate the first, and leave the second to the next slide</a:t>
             </a:r>
           </a:p>
         </p:txBody>
@@ -43006,8 +43782,16 @@
           <a:lstStyle/>
           <a:p>
             <a:r>
-              <a:rPr lang="en-US" altLang="zh-CN"/>
-              <a:t>Implementation Using Array</a:t>
+              <a:rPr lang="en-US" altLang="zh-CN" dirty="0"/>
+              <a:t>Array-based</a:t>
+            </a:r>
+            <a:r>
+              <a:rPr lang="zh-CN" altLang="en-US" dirty="0"/>
+              <a:t> </a:t>
+            </a:r>
+            <a:r>
+              <a:rPr lang="en-US" altLang="zh-CN" dirty="0"/>
+              <a:t>Implementation</a:t>
             </a:r>
           </a:p>
         </p:txBody>
@@ -43769,49 +44553,49 @@
           <a:lstStyle/>
           <a:p>
             <a:r>
-              <a:rPr lang="en-US" altLang="zh-CN" sz="2800"/>
+              <a:rPr lang="en-US" altLang="zh-CN" sz="2800" dirty="0"/>
               <a:t>The straightforward method to implement this interface is to use an array</a:t>
             </a:r>
           </a:p>
           <a:p>
-            <a:endParaRPr lang="en-US" altLang="zh-CN" sz="2800"/>
-          </a:p>
-          <a:p>
-            <a:endParaRPr lang="en-US" altLang="zh-CN" sz="2800"/>
+            <a:endParaRPr lang="en-US" altLang="zh-CN" sz="2800" dirty="0"/>
+          </a:p>
+          <a:p>
+            <a:endParaRPr lang="en-US" altLang="zh-CN" sz="2800" dirty="0"/>
           </a:p>
           <a:p>
             <a:pPr lvl="1"/>
-            <a:endParaRPr lang="en-US" altLang="zh-CN" sz="2400"/>
+            <a:endParaRPr lang="en-US" altLang="zh-CN" sz="2400" dirty="0"/>
           </a:p>
           <a:p>
             <a:pPr lvl="1"/>
-            <a:endParaRPr lang="en-US" altLang="zh-CN" sz="2400"/>
+            <a:endParaRPr lang="en-US" altLang="zh-CN" sz="2400" dirty="0"/>
           </a:p>
           <a:p>
             <a:pPr lvl="1"/>
             <a:r>
-              <a:rPr lang="en-US" altLang="zh-CN" sz="2400"/>
+              <a:rPr lang="en-US" altLang="zh-CN" sz="2400" dirty="0"/>
               <a:t>and the array may not be full, so we must keep a </a:t>
             </a:r>
             <a:r>
-              <a:rPr lang="en-US" altLang="zh-CN" sz="2400">
+              <a:rPr lang="en-US" altLang="zh-CN" sz="2400" dirty="0">
                 <a:latin typeface="Helvetica" pitchFamily="2" charset="0"/>
               </a:rPr>
               <a:t>“</a:t>
             </a:r>
             <a:r>
-              <a:rPr lang="en-US" altLang="zh-CN" sz="2400"/>
+              <a:rPr lang="en-US" altLang="zh-CN" sz="2400" dirty="0"/>
               <a:t>tail</a:t>
             </a:r>
             <a:r>
-              <a:rPr lang="en-US" altLang="zh-CN" sz="2400">
+              <a:rPr lang="en-US" altLang="zh-CN" sz="2400" dirty="0">
                 <a:latin typeface="Helvetica" pitchFamily="2" charset="0"/>
               </a:rPr>
               <a:t>”</a:t>
             </a:r>
             <a:r>
-              <a:rPr lang="en-US" altLang="zh-CN" sz="2400"/>
-              <a:t> tag to record its tail (the position of its last elements)</a:t>
+              <a:rPr lang="en-US" altLang="zh-CN" sz="2400" dirty="0"/>
+              <a:t> pointer to record its tail (the position of its last elements)</a:t>
             </a:r>
           </a:p>
         </p:txBody>
